--- a/presentation/pres.pptx
+++ b/presentation/pres.pptx
@@ -5,7 +5,7 @@
     <p:sldMasterId id="2147483685" r:id="rId1"/>
   </p:sldMasterIdLst>
   <p:notesMasterIdLst>
-    <p:notesMasterId r:id="rId26"/>
+    <p:notesMasterId r:id="rId34"/>
   </p:notesMasterIdLst>
   <p:sldIdLst>
     <p:sldId id="256" r:id="rId2"/>
@@ -28,27 +28,35 @@
     <p:sldId id="328" r:id="rId19"/>
     <p:sldId id="329" r:id="rId20"/>
     <p:sldId id="324" r:id="rId21"/>
-    <p:sldId id="313" r:id="rId22"/>
-    <p:sldId id="263" r:id="rId23"/>
-    <p:sldId id="314" r:id="rId24"/>
-    <p:sldId id="271" r:id="rId25"/>
+    <p:sldId id="334" r:id="rId22"/>
+    <p:sldId id="333" r:id="rId23"/>
+    <p:sldId id="331" r:id="rId24"/>
+    <p:sldId id="335" r:id="rId25"/>
+    <p:sldId id="313" r:id="rId26"/>
+    <p:sldId id="263" r:id="rId27"/>
+    <p:sldId id="314" r:id="rId28"/>
+    <p:sldId id="336" r:id="rId29"/>
+    <p:sldId id="337" r:id="rId30"/>
+    <p:sldId id="338" r:id="rId31"/>
+    <p:sldId id="339" r:id="rId32"/>
+    <p:sldId id="271" r:id="rId33"/>
   </p:sldIdLst>
   <p:sldSz cx="9144000" cy="5143500" type="screen16x9"/>
   <p:notesSz cx="6858000" cy="9144000"/>
   <p:embeddedFontLst>
     <p:embeddedFont>
       <p:font typeface="Cambria Math" panose="02040503050406030204" pitchFamily="18" charset="0"/>
-      <p:regular r:id="rId27"/>
+      <p:regular r:id="rId35"/>
     </p:embeddedFont>
     <p:embeddedFont>
       <p:font typeface="Commissioner" panose="020B0604020202020204" charset="0"/>
-      <p:regular r:id="rId28"/>
-      <p:bold r:id="rId29"/>
+      <p:regular r:id="rId36"/>
+      <p:bold r:id="rId37"/>
     </p:embeddedFont>
     <p:embeddedFont>
       <p:font typeface="Golos Text" panose="020B0604020202020204" charset="0"/>
-      <p:regular r:id="rId30"/>
-      <p:bold r:id="rId31"/>
+      <p:regular r:id="rId38"/>
+      <p:bold r:id="rId39"/>
     </p:embeddedFont>
   </p:embeddedFontLst>
   <p:defaultTextStyle>
@@ -1265,6 +1273,442 @@
 </file>
 
 <file path=ppt/notesSlides/notesSlide14.xml><?xml version="1.0" encoding="utf-8"?>
+<p:notes xmlns:a="http://schemas.openxmlformats.org/drawingml/2006/main" xmlns:r="http://schemas.openxmlformats.org/officeDocument/2006/relationships" xmlns:p="http://schemas.openxmlformats.org/presentationml/2006/main" showMasterSp="0" showMasterPhAnim="0">
+  <p:cSld>
+    <p:spTree>
+      <p:nvGrpSpPr>
+        <p:cNvPr id="1" name="Shape 351"/>
+        <p:cNvGrpSpPr/>
+        <p:nvPr/>
+      </p:nvGrpSpPr>
+      <p:grpSpPr>
+        <a:xfrm>
+          <a:off x="0" y="0"/>
+          <a:ext cx="0" cy="0"/>
+          <a:chOff x="0" y="0"/>
+          <a:chExt cx="0" cy="0"/>
+        </a:xfrm>
+      </p:grpSpPr>
+      <p:sp>
+        <p:nvSpPr>
+          <p:cNvPr id="352" name="Google Shape;352;g13e1fc50fc5_0_14:notes"/>
+          <p:cNvSpPr>
+            <a:spLocks noGrp="1" noRot="1" noChangeAspect="1"/>
+          </p:cNvSpPr>
+          <p:nvPr>
+            <p:ph type="sldImg" idx="2"/>
+          </p:nvPr>
+        </p:nvSpPr>
+        <p:spPr>
+          <a:xfrm>
+            <a:off x="381000" y="685800"/>
+            <a:ext cx="6096000" cy="3429000"/>
+          </a:xfrm>
+          <a:custGeom>
+            <a:avLst/>
+            <a:gdLst/>
+            <a:ahLst/>
+            <a:cxnLst/>
+            <a:rect l="l" t="t" r="r" b="b"/>
+            <a:pathLst>
+              <a:path w="120000" h="120000" extrusionOk="0">
+                <a:moveTo>
+                  <a:pt x="0" y="0"/>
+                </a:moveTo>
+                <a:lnTo>
+                  <a:pt x="120000" y="0"/>
+                </a:lnTo>
+                <a:lnTo>
+                  <a:pt x="120000" y="120000"/>
+                </a:lnTo>
+                <a:lnTo>
+                  <a:pt x="0" y="120000"/>
+                </a:lnTo>
+                <a:close/>
+              </a:path>
+            </a:pathLst>
+          </a:custGeom>
+        </p:spPr>
+      </p:sp>
+      <p:sp>
+        <p:nvSpPr>
+          <p:cNvPr id="353" name="Google Shape;353;g13e1fc50fc5_0_14:notes"/>
+          <p:cNvSpPr txBox="1">
+            <a:spLocks noGrp="1"/>
+          </p:cNvSpPr>
+          <p:nvPr>
+            <p:ph type="body" idx="1"/>
+          </p:nvPr>
+        </p:nvSpPr>
+        <p:spPr>
+          <a:xfrm>
+            <a:off x="685800" y="4343400"/>
+            <a:ext cx="5486400" cy="4114800"/>
+          </a:xfrm>
+          <a:prstGeom prst="rect">
+            <a:avLst/>
+          </a:prstGeom>
+        </p:spPr>
+        <p:txBody>
+          <a:bodyPr spcFirstLastPara="1" wrap="square" lIns="91425" tIns="91425" rIns="91425" bIns="91425" anchor="t" anchorCtr="0">
+            <a:noAutofit/>
+          </a:bodyPr>
+          <a:lstStyle/>
+          <a:p>
+            <a:pPr marL="0" lvl="0" indent="0" algn="l" rtl="0">
+              <a:spcBef>
+                <a:spcPts val="0"/>
+              </a:spcBef>
+              <a:spcAft>
+                <a:spcPts val="0"/>
+              </a:spcAft>
+              <a:buNone/>
+            </a:pPr>
+            <a:endParaRPr/>
+          </a:p>
+        </p:txBody>
+      </p:sp>
+    </p:spTree>
+    <p:extLst>
+      <p:ext uri="{BB962C8B-B14F-4D97-AF65-F5344CB8AC3E}">
+        <p14:creationId xmlns:p14="http://schemas.microsoft.com/office/powerpoint/2010/main" val="1258023433"/>
+      </p:ext>
+    </p:extLst>
+  </p:cSld>
+  <p:clrMapOvr>
+    <a:masterClrMapping/>
+  </p:clrMapOvr>
+</p:notes>
+</file>
+
+<file path=ppt/notesSlides/notesSlide15.xml><?xml version="1.0" encoding="utf-8"?>
+<p:notes xmlns:a="http://schemas.openxmlformats.org/drawingml/2006/main" xmlns:r="http://schemas.openxmlformats.org/officeDocument/2006/relationships" xmlns:p="http://schemas.openxmlformats.org/presentationml/2006/main" showMasterSp="0" showMasterPhAnim="0">
+  <p:cSld>
+    <p:spTree>
+      <p:nvGrpSpPr>
+        <p:cNvPr id="1" name="Shape 351"/>
+        <p:cNvGrpSpPr/>
+        <p:nvPr/>
+      </p:nvGrpSpPr>
+      <p:grpSpPr>
+        <a:xfrm>
+          <a:off x="0" y="0"/>
+          <a:ext cx="0" cy="0"/>
+          <a:chOff x="0" y="0"/>
+          <a:chExt cx="0" cy="0"/>
+        </a:xfrm>
+      </p:grpSpPr>
+      <p:sp>
+        <p:nvSpPr>
+          <p:cNvPr id="352" name="Google Shape;352;g13e1fc50fc5_0_14:notes"/>
+          <p:cNvSpPr>
+            <a:spLocks noGrp="1" noRot="1" noChangeAspect="1"/>
+          </p:cNvSpPr>
+          <p:nvPr>
+            <p:ph type="sldImg" idx="2"/>
+          </p:nvPr>
+        </p:nvSpPr>
+        <p:spPr>
+          <a:xfrm>
+            <a:off x="381000" y="685800"/>
+            <a:ext cx="6096000" cy="3429000"/>
+          </a:xfrm>
+          <a:custGeom>
+            <a:avLst/>
+            <a:gdLst/>
+            <a:ahLst/>
+            <a:cxnLst/>
+            <a:rect l="l" t="t" r="r" b="b"/>
+            <a:pathLst>
+              <a:path w="120000" h="120000" extrusionOk="0">
+                <a:moveTo>
+                  <a:pt x="0" y="0"/>
+                </a:moveTo>
+                <a:lnTo>
+                  <a:pt x="120000" y="0"/>
+                </a:lnTo>
+                <a:lnTo>
+                  <a:pt x="120000" y="120000"/>
+                </a:lnTo>
+                <a:lnTo>
+                  <a:pt x="0" y="120000"/>
+                </a:lnTo>
+                <a:close/>
+              </a:path>
+            </a:pathLst>
+          </a:custGeom>
+        </p:spPr>
+      </p:sp>
+      <p:sp>
+        <p:nvSpPr>
+          <p:cNvPr id="353" name="Google Shape;353;g13e1fc50fc5_0_14:notes"/>
+          <p:cNvSpPr txBox="1">
+            <a:spLocks noGrp="1"/>
+          </p:cNvSpPr>
+          <p:nvPr>
+            <p:ph type="body" idx="1"/>
+          </p:nvPr>
+        </p:nvSpPr>
+        <p:spPr>
+          <a:xfrm>
+            <a:off x="685800" y="4343400"/>
+            <a:ext cx="5486400" cy="4114800"/>
+          </a:xfrm>
+          <a:prstGeom prst="rect">
+            <a:avLst/>
+          </a:prstGeom>
+        </p:spPr>
+        <p:txBody>
+          <a:bodyPr spcFirstLastPara="1" wrap="square" lIns="91425" tIns="91425" rIns="91425" bIns="91425" anchor="t" anchorCtr="0">
+            <a:noAutofit/>
+          </a:bodyPr>
+          <a:lstStyle/>
+          <a:p>
+            <a:pPr marL="0" lvl="0" indent="0" algn="l" rtl="0">
+              <a:spcBef>
+                <a:spcPts val="0"/>
+              </a:spcBef>
+              <a:spcAft>
+                <a:spcPts val="0"/>
+              </a:spcAft>
+              <a:buNone/>
+            </a:pPr>
+            <a:endParaRPr/>
+          </a:p>
+        </p:txBody>
+      </p:sp>
+    </p:spTree>
+    <p:extLst>
+      <p:ext uri="{BB962C8B-B14F-4D97-AF65-F5344CB8AC3E}">
+        <p14:creationId xmlns:p14="http://schemas.microsoft.com/office/powerpoint/2010/main" val="1870386536"/>
+      </p:ext>
+    </p:extLst>
+  </p:cSld>
+  <p:clrMapOvr>
+    <a:masterClrMapping/>
+  </p:clrMapOvr>
+</p:notes>
+</file>
+
+<file path=ppt/notesSlides/notesSlide16.xml><?xml version="1.0" encoding="utf-8"?>
+<p:notes xmlns:a="http://schemas.openxmlformats.org/drawingml/2006/main" xmlns:r="http://schemas.openxmlformats.org/officeDocument/2006/relationships" xmlns:p="http://schemas.openxmlformats.org/presentationml/2006/main" showMasterSp="0" showMasterPhAnim="0">
+  <p:cSld>
+    <p:spTree>
+      <p:nvGrpSpPr>
+        <p:cNvPr id="1" name="Shape 351"/>
+        <p:cNvGrpSpPr/>
+        <p:nvPr/>
+      </p:nvGrpSpPr>
+      <p:grpSpPr>
+        <a:xfrm>
+          <a:off x="0" y="0"/>
+          <a:ext cx="0" cy="0"/>
+          <a:chOff x="0" y="0"/>
+          <a:chExt cx="0" cy="0"/>
+        </a:xfrm>
+      </p:grpSpPr>
+      <p:sp>
+        <p:nvSpPr>
+          <p:cNvPr id="352" name="Google Shape;352;g13e1fc50fc5_0_14:notes"/>
+          <p:cNvSpPr>
+            <a:spLocks noGrp="1" noRot="1" noChangeAspect="1"/>
+          </p:cNvSpPr>
+          <p:nvPr>
+            <p:ph type="sldImg" idx="2"/>
+          </p:nvPr>
+        </p:nvSpPr>
+        <p:spPr>
+          <a:xfrm>
+            <a:off x="381000" y="685800"/>
+            <a:ext cx="6096000" cy="3429000"/>
+          </a:xfrm>
+          <a:custGeom>
+            <a:avLst/>
+            <a:gdLst/>
+            <a:ahLst/>
+            <a:cxnLst/>
+            <a:rect l="l" t="t" r="r" b="b"/>
+            <a:pathLst>
+              <a:path w="120000" h="120000" extrusionOk="0">
+                <a:moveTo>
+                  <a:pt x="0" y="0"/>
+                </a:moveTo>
+                <a:lnTo>
+                  <a:pt x="120000" y="0"/>
+                </a:lnTo>
+                <a:lnTo>
+                  <a:pt x="120000" y="120000"/>
+                </a:lnTo>
+                <a:lnTo>
+                  <a:pt x="0" y="120000"/>
+                </a:lnTo>
+                <a:close/>
+              </a:path>
+            </a:pathLst>
+          </a:custGeom>
+        </p:spPr>
+      </p:sp>
+      <p:sp>
+        <p:nvSpPr>
+          <p:cNvPr id="353" name="Google Shape;353;g13e1fc50fc5_0_14:notes"/>
+          <p:cNvSpPr txBox="1">
+            <a:spLocks noGrp="1"/>
+          </p:cNvSpPr>
+          <p:nvPr>
+            <p:ph type="body" idx="1"/>
+          </p:nvPr>
+        </p:nvSpPr>
+        <p:spPr>
+          <a:xfrm>
+            <a:off x="685800" y="4343400"/>
+            <a:ext cx="5486400" cy="4114800"/>
+          </a:xfrm>
+          <a:prstGeom prst="rect">
+            <a:avLst/>
+          </a:prstGeom>
+        </p:spPr>
+        <p:txBody>
+          <a:bodyPr spcFirstLastPara="1" wrap="square" lIns="91425" tIns="91425" rIns="91425" bIns="91425" anchor="t" anchorCtr="0">
+            <a:noAutofit/>
+          </a:bodyPr>
+          <a:lstStyle/>
+          <a:p>
+            <a:pPr marL="0" lvl="0" indent="0" algn="l" rtl="0">
+              <a:spcBef>
+                <a:spcPts val="0"/>
+              </a:spcBef>
+              <a:spcAft>
+                <a:spcPts val="0"/>
+              </a:spcAft>
+              <a:buNone/>
+            </a:pPr>
+            <a:endParaRPr/>
+          </a:p>
+        </p:txBody>
+      </p:sp>
+    </p:spTree>
+    <p:extLst>
+      <p:ext uri="{BB962C8B-B14F-4D97-AF65-F5344CB8AC3E}">
+        <p14:creationId xmlns:p14="http://schemas.microsoft.com/office/powerpoint/2010/main" val="644496139"/>
+      </p:ext>
+    </p:extLst>
+  </p:cSld>
+  <p:clrMapOvr>
+    <a:masterClrMapping/>
+  </p:clrMapOvr>
+</p:notes>
+</file>
+
+<file path=ppt/notesSlides/notesSlide17.xml><?xml version="1.0" encoding="utf-8"?>
+<p:notes xmlns:a="http://schemas.openxmlformats.org/drawingml/2006/main" xmlns:r="http://schemas.openxmlformats.org/officeDocument/2006/relationships" xmlns:p="http://schemas.openxmlformats.org/presentationml/2006/main" showMasterSp="0" showMasterPhAnim="0">
+  <p:cSld>
+    <p:spTree>
+      <p:nvGrpSpPr>
+        <p:cNvPr id="1" name="Shape 351"/>
+        <p:cNvGrpSpPr/>
+        <p:nvPr/>
+      </p:nvGrpSpPr>
+      <p:grpSpPr>
+        <a:xfrm>
+          <a:off x="0" y="0"/>
+          <a:ext cx="0" cy="0"/>
+          <a:chOff x="0" y="0"/>
+          <a:chExt cx="0" cy="0"/>
+        </a:xfrm>
+      </p:grpSpPr>
+      <p:sp>
+        <p:nvSpPr>
+          <p:cNvPr id="352" name="Google Shape;352;g13e1fc50fc5_0_14:notes"/>
+          <p:cNvSpPr>
+            <a:spLocks noGrp="1" noRot="1" noChangeAspect="1"/>
+          </p:cNvSpPr>
+          <p:nvPr>
+            <p:ph type="sldImg" idx="2"/>
+          </p:nvPr>
+        </p:nvSpPr>
+        <p:spPr>
+          <a:xfrm>
+            <a:off x="381000" y="685800"/>
+            <a:ext cx="6096000" cy="3429000"/>
+          </a:xfrm>
+          <a:custGeom>
+            <a:avLst/>
+            <a:gdLst/>
+            <a:ahLst/>
+            <a:cxnLst/>
+            <a:rect l="l" t="t" r="r" b="b"/>
+            <a:pathLst>
+              <a:path w="120000" h="120000" extrusionOk="0">
+                <a:moveTo>
+                  <a:pt x="0" y="0"/>
+                </a:moveTo>
+                <a:lnTo>
+                  <a:pt x="120000" y="0"/>
+                </a:lnTo>
+                <a:lnTo>
+                  <a:pt x="120000" y="120000"/>
+                </a:lnTo>
+                <a:lnTo>
+                  <a:pt x="0" y="120000"/>
+                </a:lnTo>
+                <a:close/>
+              </a:path>
+            </a:pathLst>
+          </a:custGeom>
+        </p:spPr>
+      </p:sp>
+      <p:sp>
+        <p:nvSpPr>
+          <p:cNvPr id="353" name="Google Shape;353;g13e1fc50fc5_0_14:notes"/>
+          <p:cNvSpPr txBox="1">
+            <a:spLocks noGrp="1"/>
+          </p:cNvSpPr>
+          <p:nvPr>
+            <p:ph type="body" idx="1"/>
+          </p:nvPr>
+        </p:nvSpPr>
+        <p:spPr>
+          <a:xfrm>
+            <a:off x="685800" y="4343400"/>
+            <a:ext cx="5486400" cy="4114800"/>
+          </a:xfrm>
+          <a:prstGeom prst="rect">
+            <a:avLst/>
+          </a:prstGeom>
+        </p:spPr>
+        <p:txBody>
+          <a:bodyPr spcFirstLastPara="1" wrap="square" lIns="91425" tIns="91425" rIns="91425" bIns="91425" anchor="t" anchorCtr="0">
+            <a:noAutofit/>
+          </a:bodyPr>
+          <a:lstStyle/>
+          <a:p>
+            <a:pPr marL="0" lvl="0" indent="0" algn="l" rtl="0">
+              <a:spcBef>
+                <a:spcPts val="0"/>
+              </a:spcBef>
+              <a:spcAft>
+                <a:spcPts val="0"/>
+              </a:spcAft>
+              <a:buNone/>
+            </a:pPr>
+            <a:endParaRPr/>
+          </a:p>
+        </p:txBody>
+      </p:sp>
+    </p:spTree>
+    <p:extLst>
+      <p:ext uri="{BB962C8B-B14F-4D97-AF65-F5344CB8AC3E}">
+        <p14:creationId xmlns:p14="http://schemas.microsoft.com/office/powerpoint/2010/main" val="2104495860"/>
+      </p:ext>
+    </p:extLst>
+  </p:cSld>
+  <p:clrMapOvr>
+    <a:masterClrMapping/>
+  </p:clrMapOvr>
+</p:notes>
+</file>
+
+<file path=ppt/notesSlides/notesSlide18.xml><?xml version="1.0" encoding="utf-8"?>
 <p:notes xmlns:a="http://schemas.openxmlformats.org/drawingml/2006/main" xmlns:r="http://schemas.openxmlformats.org/officeDocument/2006/relationships" xmlns:p="http://schemas.openxmlformats.org/presentationml/2006/main" showMasterSp="0" showMasterPhAnim="0">
   <p:cSld>
     <p:spTree>
@@ -7278,8 +7722,8 @@
           <a:chExt cx="0" cy="0"/>
         </a:xfrm>
       </p:grpSpPr>
-      <mc:AlternateContent xmlns:mc="http://schemas.openxmlformats.org/markup-compatibility/2006">
-        <mc:Choice xmlns:a14="http://schemas.microsoft.com/office/drawing/2010/main" Requires="a14">
+      <mc:AlternateContent xmlns:mc="http://schemas.openxmlformats.org/markup-compatibility/2006" xmlns:a14="http://schemas.microsoft.com/office/drawing/2010/main">
+        <mc:Choice Requires="a14">
           <p:sp>
             <p:nvSpPr>
               <p:cNvPr id="2" name="Text Placeholder 1">
@@ -7686,7 +8130,7 @@
             </p:txBody>
           </p:sp>
         </mc:Choice>
-        <mc:Fallback>
+        <mc:Fallback xmlns="">
           <p:sp>
             <p:nvSpPr>
               <p:cNvPr id="2" name="Text Placeholder 1">
@@ -8875,8 +9319,8 @@
           <a:chExt cx="0" cy="0"/>
         </a:xfrm>
       </p:grpSpPr>
-      <mc:AlternateContent xmlns:mc="http://schemas.openxmlformats.org/markup-compatibility/2006">
-        <mc:Choice xmlns:a14="http://schemas.microsoft.com/office/drawing/2010/main" Requires="a14">
+      <mc:AlternateContent xmlns:mc="http://schemas.openxmlformats.org/markup-compatibility/2006" xmlns:a14="http://schemas.microsoft.com/office/drawing/2010/main">
+        <mc:Choice Requires="a14">
           <p:sp>
             <p:nvSpPr>
               <p:cNvPr id="2" name="Text Placeholder 1">
@@ -9898,7 +10342,7 @@
             </p:txBody>
           </p:sp>
         </mc:Choice>
-        <mc:Fallback>
+        <mc:Fallback xmlns="">
           <p:sp>
             <p:nvSpPr>
               <p:cNvPr id="2" name="Text Placeholder 1">
@@ -10030,8 +10474,8 @@
           <a:chExt cx="0" cy="0"/>
         </a:xfrm>
       </p:grpSpPr>
-      <mc:AlternateContent xmlns:mc="http://schemas.openxmlformats.org/markup-compatibility/2006">
-        <mc:Choice xmlns:a14="http://schemas.microsoft.com/office/drawing/2010/main" Requires="a14">
+      <mc:AlternateContent xmlns:mc="http://schemas.openxmlformats.org/markup-compatibility/2006" xmlns:a14="http://schemas.microsoft.com/office/drawing/2010/main">
+        <mc:Choice Requires="a14">
           <p:sp>
             <p:nvSpPr>
               <p:cNvPr id="2" name="Text Placeholder 1">
@@ -10359,7 +10803,7 @@
             </p:txBody>
           </p:sp>
         </mc:Choice>
-        <mc:Fallback>
+        <mc:Fallback xmlns="">
           <p:sp>
             <p:nvSpPr>
               <p:cNvPr id="2" name="Text Placeholder 1">
@@ -10491,8 +10935,8 @@
           <a:chExt cx="0" cy="0"/>
         </a:xfrm>
       </p:grpSpPr>
-      <mc:AlternateContent xmlns:mc="http://schemas.openxmlformats.org/markup-compatibility/2006">
-        <mc:Choice xmlns:a14="http://schemas.microsoft.com/office/drawing/2010/main" Requires="a14">
+      <mc:AlternateContent xmlns:mc="http://schemas.openxmlformats.org/markup-compatibility/2006" xmlns:a14="http://schemas.microsoft.com/office/drawing/2010/main">
+        <mc:Choice Requires="a14">
           <p:sp>
             <p:nvSpPr>
               <p:cNvPr id="2" name="Text Placeholder 1">
@@ -10906,7 +11350,7 @@
             </p:txBody>
           </p:sp>
         </mc:Choice>
-        <mc:Fallback>
+        <mc:Fallback xmlns="">
           <p:sp>
             <p:nvSpPr>
               <p:cNvPr id="2" name="Text Placeholder 1">
@@ -11526,6 +11970,3515 @@
   <p:cSld>
     <p:spTree>
       <p:nvGrpSpPr>
+        <p:cNvPr id="1" name=""/>
+        <p:cNvGrpSpPr/>
+        <p:nvPr/>
+      </p:nvGrpSpPr>
+      <p:grpSpPr>
+        <a:xfrm>
+          <a:off x="0" y="0"/>
+          <a:ext cx="0" cy="0"/>
+          <a:chOff x="0" y="0"/>
+          <a:chExt cx="0" cy="0"/>
+        </a:xfrm>
+      </p:grpSpPr>
+      <p:sp>
+        <p:nvSpPr>
+          <p:cNvPr id="2" name="Text Placeholder 1">
+            <a:extLst>
+              <a:ext uri="{FF2B5EF4-FFF2-40B4-BE49-F238E27FC236}">
+                <a16:creationId xmlns:a16="http://schemas.microsoft.com/office/drawing/2014/main" id="{4C148219-67A4-6A1C-4219-69A2693902C5}"/>
+              </a:ext>
+            </a:extLst>
+          </p:cNvPr>
+          <p:cNvSpPr>
+            <a:spLocks noGrp="1"/>
+          </p:cNvSpPr>
+          <p:nvPr>
+            <p:ph type="body" idx="1"/>
+          </p:nvPr>
+        </p:nvSpPr>
+        <p:spPr>
+          <a:xfrm>
+            <a:off x="713225" y="1525500"/>
+            <a:ext cx="7717501" cy="2092500"/>
+          </a:xfrm>
+        </p:spPr>
+        <p:txBody>
+          <a:bodyPr/>
+          <a:lstStyle/>
+          <a:p>
+            <a:pPr marL="139700" indent="0">
+              <a:lnSpc>
+                <a:spcPct val="150000"/>
+              </a:lnSpc>
+              <a:buNone/>
+            </a:pPr>
+            <a:br>
+              <a:rPr lang="pl-PL" dirty="0"/>
+            </a:br>
+            <a:br>
+              <a:rPr lang="pl-PL" dirty="0"/>
+            </a:br>
+            <a:endParaRPr lang="pl-PL" dirty="0"/>
+          </a:p>
+          <a:p>
+            <a:pPr marL="482600" indent="-342900">
+              <a:lnSpc>
+                <a:spcPct val="150000"/>
+              </a:lnSpc>
+              <a:buFont typeface="+mj-lt"/>
+              <a:buAutoNum type="arabicPeriod"/>
+            </a:pPr>
+            <a:endParaRPr lang="pl-PL" dirty="0"/>
+          </a:p>
+        </p:txBody>
+      </p:sp>
+      <p:sp>
+        <p:nvSpPr>
+          <p:cNvPr id="3" name="Title 2">
+            <a:extLst>
+              <a:ext uri="{FF2B5EF4-FFF2-40B4-BE49-F238E27FC236}">
+                <a16:creationId xmlns:a16="http://schemas.microsoft.com/office/drawing/2014/main" id="{A8AC65F6-0871-5304-59F1-3C34ECF7B43F}"/>
+              </a:ext>
+            </a:extLst>
+          </p:cNvPr>
+          <p:cNvSpPr>
+            <a:spLocks noGrp="1"/>
+          </p:cNvSpPr>
+          <p:nvPr>
+            <p:ph type="title"/>
+          </p:nvPr>
+        </p:nvSpPr>
+        <p:spPr/>
+        <p:txBody>
+          <a:bodyPr/>
+          <a:lstStyle/>
+          <a:p>
+            <a:r>
+              <a:rPr lang="pl-PL" dirty="0"/>
+              <a:t>Basic </a:t>
+            </a:r>
+            <a:r>
+              <a:rPr lang="pl-PL" dirty="0" err="1"/>
+              <a:t>concepts</a:t>
+            </a:r>
+            <a:r>
+              <a:rPr lang="pl-PL" dirty="0"/>
+              <a:t> for </a:t>
+            </a:r>
+            <a:r>
+              <a:rPr lang="pl-PL" dirty="0" err="1"/>
+              <a:t>thresholding</a:t>
+            </a:r>
+            <a:endParaRPr lang="en-GB" dirty="0"/>
+          </a:p>
+        </p:txBody>
+      </p:sp>
+      <mc:AlternateContent xmlns:mc="http://schemas.openxmlformats.org/markup-compatibility/2006">
+        <mc:Choice xmlns:a14="http://schemas.microsoft.com/office/drawing/2010/main" Requires="a14">
+          <p:sp>
+            <p:nvSpPr>
+              <p:cNvPr id="6" name="Text Placeholder 1">
+                <a:extLst>
+                  <a:ext uri="{FF2B5EF4-FFF2-40B4-BE49-F238E27FC236}">
+                    <a16:creationId xmlns:a16="http://schemas.microsoft.com/office/drawing/2014/main" id="{7392A943-EA8C-AA28-05D8-3A31DC956FB4}"/>
+                  </a:ext>
+                </a:extLst>
+              </p:cNvPr>
+              <p:cNvSpPr txBox="1">
+                <a:spLocks/>
+              </p:cNvSpPr>
+              <p:nvPr/>
+            </p:nvSpPr>
+            <p:spPr>
+              <a:xfrm>
+                <a:off x="713226" y="1407512"/>
+                <a:ext cx="7717499" cy="2592987"/>
+              </a:xfrm>
+              <a:prstGeom prst="rect">
+                <a:avLst/>
+              </a:prstGeom>
+              <a:noFill/>
+              <a:ln>
+                <a:noFill/>
+              </a:ln>
+            </p:spPr>
+            <p:txBody>
+              <a:bodyPr spcFirstLastPara="1" wrap="square" lIns="91425" tIns="91425" rIns="91425" bIns="91425" anchor="t" anchorCtr="0">
+                <a:noAutofit/>
+              </a:bodyPr>
+              <a:lstStyle>
+                <a:defPPr marR="0" lvl="0" algn="l" rtl="0">
+                  <a:lnSpc>
+                    <a:spcPct val="100000"/>
+                  </a:lnSpc>
+                  <a:spcBef>
+                    <a:spcPts val="0"/>
+                  </a:spcBef>
+                  <a:spcAft>
+                    <a:spcPts val="0"/>
+                  </a:spcAft>
+                </a:defPPr>
+                <a:lvl1pPr marL="457200" marR="0" lvl="0" indent="-317500" algn="l" rtl="0">
+                  <a:lnSpc>
+                    <a:spcPct val="115000"/>
+                  </a:lnSpc>
+                  <a:spcBef>
+                    <a:spcPts val="0"/>
+                  </a:spcBef>
+                  <a:spcAft>
+                    <a:spcPts val="0"/>
+                  </a:spcAft>
+                  <a:buClr>
+                    <a:schemeClr val="dk2"/>
+                  </a:buClr>
+                  <a:buSzPts val="1400"/>
+                  <a:buFont typeface="Red Hat Display"/>
+                  <a:buChar char="■"/>
+                  <a:defRPr sz="1400" b="0" i="0" u="none" strike="noStrike" cap="none">
+                    <a:solidFill>
+                      <a:schemeClr val="dk1"/>
+                    </a:solidFill>
+                    <a:latin typeface="Commissioner"/>
+                    <a:ea typeface="Commissioner"/>
+                    <a:cs typeface="Commissioner"/>
+                    <a:sym typeface="Commissioner"/>
+                  </a:defRPr>
+                </a:lvl1pPr>
+                <a:lvl2pPr marL="914400" marR="0" lvl="1" indent="-317500" algn="l" rtl="0">
+                  <a:lnSpc>
+                    <a:spcPct val="115000"/>
+                  </a:lnSpc>
+                  <a:spcBef>
+                    <a:spcPts val="1600"/>
+                  </a:spcBef>
+                  <a:spcAft>
+                    <a:spcPts val="0"/>
+                  </a:spcAft>
+                  <a:buClr>
+                    <a:srgbClr val="FFFFFF"/>
+                  </a:buClr>
+                  <a:buSzPts val="1400"/>
+                  <a:buFont typeface="Red Hat Display"/>
+                  <a:buChar char="○"/>
+                  <a:defRPr sz="1400" b="0" i="0" u="none" strike="noStrike" cap="none">
+                    <a:solidFill>
+                      <a:schemeClr val="dk1"/>
+                    </a:solidFill>
+                    <a:latin typeface="Commissioner"/>
+                    <a:ea typeface="Commissioner"/>
+                    <a:cs typeface="Commissioner"/>
+                    <a:sym typeface="Commissioner"/>
+                  </a:defRPr>
+                </a:lvl2pPr>
+                <a:lvl3pPr marL="1371600" marR="0" lvl="2" indent="-317500" algn="l" rtl="0">
+                  <a:lnSpc>
+                    <a:spcPct val="115000"/>
+                  </a:lnSpc>
+                  <a:spcBef>
+                    <a:spcPts val="1600"/>
+                  </a:spcBef>
+                  <a:spcAft>
+                    <a:spcPts val="0"/>
+                  </a:spcAft>
+                  <a:buClr>
+                    <a:srgbClr val="FFFFFF"/>
+                  </a:buClr>
+                  <a:buSzPts val="1400"/>
+                  <a:buFont typeface="Red Hat Display"/>
+                  <a:buChar char="■"/>
+                  <a:defRPr sz="1400" b="0" i="0" u="none" strike="noStrike" cap="none">
+                    <a:solidFill>
+                      <a:schemeClr val="dk1"/>
+                    </a:solidFill>
+                    <a:latin typeface="Commissioner"/>
+                    <a:ea typeface="Commissioner"/>
+                    <a:cs typeface="Commissioner"/>
+                    <a:sym typeface="Commissioner"/>
+                  </a:defRPr>
+                </a:lvl3pPr>
+                <a:lvl4pPr marL="1828800" marR="0" lvl="3" indent="-317500" algn="l" rtl="0">
+                  <a:lnSpc>
+                    <a:spcPct val="115000"/>
+                  </a:lnSpc>
+                  <a:spcBef>
+                    <a:spcPts val="1600"/>
+                  </a:spcBef>
+                  <a:spcAft>
+                    <a:spcPts val="0"/>
+                  </a:spcAft>
+                  <a:buClr>
+                    <a:srgbClr val="FFFFFF"/>
+                  </a:buClr>
+                  <a:buSzPts val="1400"/>
+                  <a:buFont typeface="Red Hat Display"/>
+                  <a:buChar char="●"/>
+                  <a:defRPr sz="1400" b="0" i="0" u="none" strike="noStrike" cap="none">
+                    <a:solidFill>
+                      <a:schemeClr val="dk1"/>
+                    </a:solidFill>
+                    <a:latin typeface="Commissioner"/>
+                    <a:ea typeface="Commissioner"/>
+                    <a:cs typeface="Commissioner"/>
+                    <a:sym typeface="Commissioner"/>
+                  </a:defRPr>
+                </a:lvl4pPr>
+                <a:lvl5pPr marL="2286000" marR="0" lvl="4" indent="-317500" algn="l" rtl="0">
+                  <a:lnSpc>
+                    <a:spcPct val="115000"/>
+                  </a:lnSpc>
+                  <a:spcBef>
+                    <a:spcPts val="1600"/>
+                  </a:spcBef>
+                  <a:spcAft>
+                    <a:spcPts val="0"/>
+                  </a:spcAft>
+                  <a:buClr>
+                    <a:srgbClr val="FFFFFF"/>
+                  </a:buClr>
+                  <a:buSzPts val="1400"/>
+                  <a:buFont typeface="Red Hat Display"/>
+                  <a:buChar char="○"/>
+                  <a:defRPr sz="1400" b="0" i="0" u="none" strike="noStrike" cap="none">
+                    <a:solidFill>
+                      <a:schemeClr val="dk1"/>
+                    </a:solidFill>
+                    <a:latin typeface="Commissioner"/>
+                    <a:ea typeface="Commissioner"/>
+                    <a:cs typeface="Commissioner"/>
+                    <a:sym typeface="Commissioner"/>
+                  </a:defRPr>
+                </a:lvl5pPr>
+                <a:lvl6pPr marL="2743200" marR="0" lvl="5" indent="-317500" algn="l" rtl="0">
+                  <a:lnSpc>
+                    <a:spcPct val="115000"/>
+                  </a:lnSpc>
+                  <a:spcBef>
+                    <a:spcPts val="1600"/>
+                  </a:spcBef>
+                  <a:spcAft>
+                    <a:spcPts val="0"/>
+                  </a:spcAft>
+                  <a:buClr>
+                    <a:srgbClr val="FFFFFF"/>
+                  </a:buClr>
+                  <a:buSzPts val="1400"/>
+                  <a:buFont typeface="Red Hat Display"/>
+                  <a:buChar char="■"/>
+                  <a:defRPr sz="1400" b="0" i="0" u="none" strike="noStrike" cap="none">
+                    <a:solidFill>
+                      <a:schemeClr val="dk1"/>
+                    </a:solidFill>
+                    <a:latin typeface="Commissioner"/>
+                    <a:ea typeface="Commissioner"/>
+                    <a:cs typeface="Commissioner"/>
+                    <a:sym typeface="Commissioner"/>
+                  </a:defRPr>
+                </a:lvl6pPr>
+                <a:lvl7pPr marL="3200400" marR="0" lvl="6" indent="-317500" algn="l" rtl="0">
+                  <a:lnSpc>
+                    <a:spcPct val="115000"/>
+                  </a:lnSpc>
+                  <a:spcBef>
+                    <a:spcPts val="1600"/>
+                  </a:spcBef>
+                  <a:spcAft>
+                    <a:spcPts val="0"/>
+                  </a:spcAft>
+                  <a:buClr>
+                    <a:srgbClr val="FFFFFF"/>
+                  </a:buClr>
+                  <a:buSzPts val="1400"/>
+                  <a:buFont typeface="Red Hat Display"/>
+                  <a:buChar char="●"/>
+                  <a:defRPr sz="1400" b="0" i="0" u="none" strike="noStrike" cap="none">
+                    <a:solidFill>
+                      <a:schemeClr val="dk1"/>
+                    </a:solidFill>
+                    <a:latin typeface="Commissioner"/>
+                    <a:ea typeface="Commissioner"/>
+                    <a:cs typeface="Commissioner"/>
+                    <a:sym typeface="Commissioner"/>
+                  </a:defRPr>
+                </a:lvl7pPr>
+                <a:lvl8pPr marL="3657600" marR="0" lvl="7" indent="-317500" algn="l" rtl="0">
+                  <a:lnSpc>
+                    <a:spcPct val="115000"/>
+                  </a:lnSpc>
+                  <a:spcBef>
+                    <a:spcPts val="1600"/>
+                  </a:spcBef>
+                  <a:spcAft>
+                    <a:spcPts val="0"/>
+                  </a:spcAft>
+                  <a:buClr>
+                    <a:srgbClr val="FFFFFF"/>
+                  </a:buClr>
+                  <a:buSzPts val="1400"/>
+                  <a:buFont typeface="Red Hat Display"/>
+                  <a:buChar char="○"/>
+                  <a:defRPr sz="1400" b="0" i="0" u="none" strike="noStrike" cap="none">
+                    <a:solidFill>
+                      <a:schemeClr val="dk1"/>
+                    </a:solidFill>
+                    <a:latin typeface="Commissioner"/>
+                    <a:ea typeface="Commissioner"/>
+                    <a:cs typeface="Commissioner"/>
+                    <a:sym typeface="Commissioner"/>
+                  </a:defRPr>
+                </a:lvl8pPr>
+                <a:lvl9pPr marL="4114800" marR="0" lvl="8" indent="-317500" algn="l" rtl="0">
+                  <a:lnSpc>
+                    <a:spcPct val="115000"/>
+                  </a:lnSpc>
+                  <a:spcBef>
+                    <a:spcPts val="1600"/>
+                  </a:spcBef>
+                  <a:spcAft>
+                    <a:spcPts val="1600"/>
+                  </a:spcAft>
+                  <a:buClr>
+                    <a:srgbClr val="FFFFFF"/>
+                  </a:buClr>
+                  <a:buSzPts val="1400"/>
+                  <a:buFont typeface="Red Hat Display"/>
+                  <a:buChar char="■"/>
+                  <a:defRPr sz="1400" b="0" i="0" u="none" strike="noStrike" cap="none">
+                    <a:solidFill>
+                      <a:schemeClr val="dk1"/>
+                    </a:solidFill>
+                    <a:latin typeface="Commissioner"/>
+                    <a:ea typeface="Commissioner"/>
+                    <a:cs typeface="Commissioner"/>
+                    <a:sym typeface="Commissioner"/>
+                  </a:defRPr>
+                </a:lvl9pPr>
+              </a:lstStyle>
+              <a:p>
+                <a:pPr>
+                  <a:lnSpc>
+                    <a:spcPct val="150000"/>
+                  </a:lnSpc>
+                </a:pPr>
+                <a:r>
+                  <a:rPr lang="pl-PL" dirty="0"/>
+                  <a:t>The </a:t>
+                </a:r>
+                <a:r>
+                  <a:rPr lang="pl-PL" dirty="0" err="1"/>
+                  <a:t>expected</a:t>
+                </a:r>
+                <a:r>
+                  <a:rPr lang="pl-PL" dirty="0"/>
+                  <a:t> </a:t>
+                </a:r>
+                <a:r>
+                  <a:rPr lang="pl-PL" dirty="0" err="1"/>
+                  <a:t>cost</a:t>
+                </a:r>
+                <a:r>
+                  <a:rPr lang="pl-PL" dirty="0"/>
+                  <a:t> of </a:t>
+                </a:r>
+                <a:r>
+                  <a:rPr lang="pl-PL" dirty="0" err="1"/>
+                  <a:t>classifying</a:t>
+                </a:r>
+                <a:r>
+                  <a:rPr lang="pl-PL" dirty="0"/>
+                  <a:t> </a:t>
+                </a:r>
+                <a:r>
+                  <a:rPr lang="pl-PL" dirty="0" err="1"/>
+                  <a:t>an</a:t>
+                </a:r>
+                <a:r>
+                  <a:rPr lang="pl-PL" dirty="0"/>
+                  <a:t> </a:t>
+                </a:r>
+                <a:r>
+                  <a:rPr lang="pl-PL" dirty="0" err="1"/>
+                  <a:t>instance</a:t>
+                </a:r>
+                <a:r>
+                  <a:rPr lang="pl-PL" dirty="0"/>
+                  <a:t> x </a:t>
+                </a:r>
+                <a:r>
+                  <a:rPr lang="pl-PL" dirty="0" err="1"/>
+                  <a:t>into</a:t>
+                </a:r>
+                <a:r>
+                  <a:rPr lang="pl-PL" dirty="0"/>
+                  <a:t> </a:t>
+                </a:r>
+                <a:r>
+                  <a:rPr lang="pl-PL" dirty="0" err="1"/>
+                  <a:t>class</a:t>
+                </a:r>
+                <a:r>
+                  <a:rPr lang="pl-PL" dirty="0"/>
+                  <a:t> j:</a:t>
+                </a:r>
+              </a:p>
+              <a:p>
+                <a:pPr marL="139700" indent="0">
+                  <a:lnSpc>
+                    <a:spcPct val="150000"/>
+                  </a:lnSpc>
+                  <a:buNone/>
+                </a:pPr>
+                <a:r>
+                  <a:rPr lang="pl-PL" dirty="0"/>
+                  <a:t>	</a:t>
+                </a:r>
+                <a14:m>
+                  <m:oMath xmlns:m="http://schemas.openxmlformats.org/officeDocument/2006/math">
+                    <m:r>
+                      <a:rPr lang="pl-PL" b="0" i="1" smtClean="0">
+                        <a:latin typeface="Cambria Math" panose="02040503050406030204" pitchFamily="18" charset="0"/>
+                      </a:rPr>
+                      <m:t>𝑅</m:t>
+                    </m:r>
+                    <m:d>
+                      <m:dPr>
+                        <m:ctrlPr>
+                          <a:rPr lang="pl-PL" b="0" i="1" smtClean="0">
+                            <a:latin typeface="Cambria Math" panose="02040503050406030204" pitchFamily="18" charset="0"/>
+                          </a:rPr>
+                        </m:ctrlPr>
+                      </m:dPr>
+                      <m:e>
+                        <m:r>
+                          <a:rPr lang="pl-PL" b="0" i="1" smtClean="0">
+                            <a:latin typeface="Cambria Math" panose="02040503050406030204" pitchFamily="18" charset="0"/>
+                          </a:rPr>
+                          <m:t>𝑖</m:t>
+                        </m:r>
+                      </m:e>
+                      <m:e>
+                        <m:r>
+                          <a:rPr lang="pl-PL" b="0" i="1" smtClean="0">
+                            <a:latin typeface="Cambria Math" panose="02040503050406030204" pitchFamily="18" charset="0"/>
+                          </a:rPr>
+                          <m:t>𝑥</m:t>
+                        </m:r>
+                      </m:e>
+                    </m:d>
+                    <m:r>
+                      <a:rPr lang="pl-PL" b="0" i="1" smtClean="0">
+                        <a:latin typeface="Cambria Math" panose="02040503050406030204" pitchFamily="18" charset="0"/>
+                      </a:rPr>
+                      <m:t>=</m:t>
+                    </m:r>
+                    <m:nary>
+                      <m:naryPr>
+                        <m:chr m:val="∑"/>
+                        <m:supHide m:val="on"/>
+                        <m:ctrlPr>
+                          <a:rPr lang="pl-PL" b="0" i="1" smtClean="0">
+                            <a:latin typeface="Cambria Math" panose="02040503050406030204" pitchFamily="18" charset="0"/>
+                          </a:rPr>
+                        </m:ctrlPr>
+                      </m:naryPr>
+                      <m:sub>
+                        <m:r>
+                          <m:rPr>
+                            <m:brk m:alnAt="7"/>
+                          </m:rPr>
+                          <a:rPr lang="pl-PL" b="0" i="1" smtClean="0">
+                            <a:latin typeface="Cambria Math" panose="02040503050406030204" pitchFamily="18" charset="0"/>
+                          </a:rPr>
+                          <m:t>𝑗</m:t>
+                        </m:r>
+                      </m:sub>
+                      <m:sup/>
+                      <m:e>
+                        <m:r>
+                          <a:rPr lang="pl-PL" b="0" i="1" smtClean="0">
+                            <a:latin typeface="Cambria Math" panose="02040503050406030204" pitchFamily="18" charset="0"/>
+                          </a:rPr>
+                          <m:t>𝑃</m:t>
+                        </m:r>
+                        <m:d>
+                          <m:dPr>
+                            <m:ctrlPr>
+                              <a:rPr lang="pl-PL" b="0" i="1" smtClean="0">
+                                <a:latin typeface="Cambria Math" panose="02040503050406030204" pitchFamily="18" charset="0"/>
+                              </a:rPr>
+                            </m:ctrlPr>
+                          </m:dPr>
+                          <m:e>
+                            <m:r>
+                              <a:rPr lang="pl-PL" b="0" i="1" smtClean="0">
+                                <a:latin typeface="Cambria Math" panose="02040503050406030204" pitchFamily="18" charset="0"/>
+                              </a:rPr>
+                              <m:t>𝑗</m:t>
+                            </m:r>
+                          </m:e>
+                          <m:e>
+                            <m:r>
+                              <a:rPr lang="pl-PL" b="0" i="1" smtClean="0">
+                                <a:latin typeface="Cambria Math" panose="02040503050406030204" pitchFamily="18" charset="0"/>
+                              </a:rPr>
+                              <m:t>𝑥</m:t>
+                            </m:r>
+                          </m:e>
+                        </m:d>
+                        <m:r>
+                          <a:rPr lang="pl-PL" b="0" i="1" smtClean="0">
+                            <a:latin typeface="Cambria Math" panose="02040503050406030204" pitchFamily="18" charset="0"/>
+                          </a:rPr>
+                          <m:t>𝐶</m:t>
+                        </m:r>
+                        <m:r>
+                          <a:rPr lang="pl-PL" b="0" i="1" smtClean="0">
+                            <a:latin typeface="Cambria Math" panose="02040503050406030204" pitchFamily="18" charset="0"/>
+                          </a:rPr>
+                          <m:t>(</m:t>
+                        </m:r>
+                        <m:r>
+                          <a:rPr lang="pl-PL" b="0" i="1" smtClean="0">
+                            <a:latin typeface="Cambria Math" panose="02040503050406030204" pitchFamily="18" charset="0"/>
+                          </a:rPr>
+                          <m:t>𝑖</m:t>
+                        </m:r>
+                        <m:r>
+                          <a:rPr lang="pl-PL" b="0" i="1" smtClean="0">
+                            <a:latin typeface="Cambria Math" panose="02040503050406030204" pitchFamily="18" charset="0"/>
+                          </a:rPr>
+                          <m:t>, </m:t>
+                        </m:r>
+                        <m:r>
+                          <a:rPr lang="pl-PL" b="0" i="1" smtClean="0">
+                            <a:latin typeface="Cambria Math" panose="02040503050406030204" pitchFamily="18" charset="0"/>
+                          </a:rPr>
+                          <m:t>𝑗</m:t>
+                        </m:r>
+                        <m:r>
+                          <a:rPr lang="pl-PL" b="0" i="1" smtClean="0">
+                            <a:latin typeface="Cambria Math" panose="02040503050406030204" pitchFamily="18" charset="0"/>
+                          </a:rPr>
+                          <m:t>)</m:t>
+                        </m:r>
+                      </m:e>
+                    </m:nary>
+                  </m:oMath>
+                </a14:m>
+                <a:endParaRPr lang="pl-PL" b="0" dirty="0"/>
+              </a:p>
+              <a:p>
+                <a:pPr>
+                  <a:lnSpc>
+                    <a:spcPct val="150000"/>
+                  </a:lnSpc>
+                </a:pPr>
+                <a:r>
+                  <a:rPr lang="pl-PL" dirty="0"/>
+                  <a:t>In </a:t>
+                </a:r>
+                <a:r>
+                  <a:rPr lang="pl-PL" dirty="0" err="1"/>
+                  <a:t>binary</a:t>
+                </a:r>
+                <a:r>
+                  <a:rPr lang="pl-PL" dirty="0"/>
+                  <a:t> </a:t>
+                </a:r>
+                <a:r>
+                  <a:rPr lang="pl-PL" dirty="0" err="1"/>
+                  <a:t>case</a:t>
+                </a:r>
+                <a:r>
+                  <a:rPr lang="pl-PL" dirty="0"/>
+                  <a:t> the </a:t>
+                </a:r>
+                <a:r>
+                  <a:rPr lang="pl-PL" dirty="0" err="1"/>
+                  <a:t>threshold</a:t>
+                </a:r>
+                <a:r>
+                  <a:rPr lang="pl-PL" dirty="0"/>
+                  <a:t> </a:t>
+                </a:r>
+                <a14:m>
+                  <m:oMath xmlns:m="http://schemas.openxmlformats.org/officeDocument/2006/math">
+                    <m:sSup>
+                      <m:sSupPr>
+                        <m:ctrlPr>
+                          <a:rPr lang="pl-PL" b="0" i="1" smtClean="0">
+                            <a:latin typeface="Cambria Math" panose="02040503050406030204" pitchFamily="18" charset="0"/>
+                          </a:rPr>
+                        </m:ctrlPr>
+                      </m:sSupPr>
+                      <m:e>
+                        <m:r>
+                          <a:rPr lang="pl-PL" b="0" i="1" smtClean="0">
+                            <a:latin typeface="Cambria Math" panose="02040503050406030204" pitchFamily="18" charset="0"/>
+                          </a:rPr>
+                          <m:t>𝑝</m:t>
+                        </m:r>
+                      </m:e>
+                      <m:sup>
+                        <m:r>
+                          <a:rPr lang="pl-PL" b="0" i="1" smtClean="0">
+                            <a:latin typeface="Cambria Math" panose="02040503050406030204" pitchFamily="18" charset="0"/>
+                          </a:rPr>
+                          <m:t>∗</m:t>
+                        </m:r>
+                      </m:sup>
+                    </m:sSup>
+                  </m:oMath>
+                </a14:m>
+                <a:r>
+                  <a:rPr lang="pl-PL" dirty="0" err="1"/>
+                  <a:t>obtained</a:t>
+                </a:r>
+                <a:r>
+                  <a:rPr lang="pl-PL" dirty="0"/>
+                  <a:t> from </a:t>
+                </a:r>
+                <a:r>
+                  <a:rPr lang="pl-PL" dirty="0" err="1"/>
+                  <a:t>cost</a:t>
+                </a:r>
+                <a:r>
+                  <a:rPr lang="pl-PL" dirty="0"/>
+                  <a:t> matrix:</a:t>
+                </a:r>
+                <a:endParaRPr lang="pl-PL" b="0" dirty="0">
+                  <a:ea typeface="Cambria Math" panose="02040503050406030204" pitchFamily="18" charset="0"/>
+                </a:endParaRPr>
+              </a:p>
+              <a:p>
+                <a:pPr marL="139700" indent="0">
+                  <a:lnSpc>
+                    <a:spcPct val="150000"/>
+                  </a:lnSpc>
+                  <a:buNone/>
+                </a:pPr>
+                <a:r>
+                  <a:rPr lang="pl-PL" dirty="0">
+                    <a:ea typeface="Cambria Math" panose="02040503050406030204" pitchFamily="18" charset="0"/>
+                  </a:rPr>
+                  <a:t>	</a:t>
+                </a:r>
+                <a:r>
+                  <a:rPr lang="pl-PL" b="0" dirty="0">
+                    <a:ea typeface="Cambria Math" panose="02040503050406030204" pitchFamily="18" charset="0"/>
+                  </a:rPr>
+                  <a:t> </a:t>
+                </a:r>
+                <a14:m>
+                  <m:oMath xmlns:m="http://schemas.openxmlformats.org/officeDocument/2006/math">
+                    <m:sSup>
+                      <m:sSupPr>
+                        <m:ctrlPr>
+                          <a:rPr lang="pl-PL" b="0" i="1" smtClean="0">
+                            <a:latin typeface="Cambria Math" panose="02040503050406030204" pitchFamily="18" charset="0"/>
+                            <a:ea typeface="Cambria Math" panose="02040503050406030204" pitchFamily="18" charset="0"/>
+                          </a:rPr>
+                        </m:ctrlPr>
+                      </m:sSupPr>
+                      <m:e>
+                        <m:r>
+                          <a:rPr lang="pl-PL" b="0" i="1" smtClean="0">
+                            <a:latin typeface="Cambria Math" panose="02040503050406030204" pitchFamily="18" charset="0"/>
+                            <a:ea typeface="Cambria Math" panose="02040503050406030204" pitchFamily="18" charset="0"/>
+                          </a:rPr>
+                          <m:t>𝑝</m:t>
+                        </m:r>
+                      </m:e>
+                      <m:sup>
+                        <m:r>
+                          <a:rPr lang="pl-PL" b="0" i="1" smtClean="0">
+                            <a:latin typeface="Cambria Math" panose="02040503050406030204" pitchFamily="18" charset="0"/>
+                            <a:ea typeface="Cambria Math" panose="02040503050406030204" pitchFamily="18" charset="0"/>
+                          </a:rPr>
+                          <m:t>∗</m:t>
+                        </m:r>
+                      </m:sup>
+                    </m:sSup>
+                    <m:r>
+                      <a:rPr lang="pl-PL" b="0" i="1" smtClean="0">
+                        <a:latin typeface="Cambria Math" panose="02040503050406030204" pitchFamily="18" charset="0"/>
+                        <a:ea typeface="Cambria Math" panose="02040503050406030204" pitchFamily="18" charset="0"/>
+                      </a:rPr>
+                      <m:t>= </m:t>
+                    </m:r>
+                    <m:f>
+                      <m:fPr>
+                        <m:ctrlPr>
+                          <a:rPr lang="pl-PL" b="0" i="1" smtClean="0">
+                            <a:latin typeface="Cambria Math" panose="02040503050406030204" pitchFamily="18" charset="0"/>
+                            <a:ea typeface="Cambria Math" panose="02040503050406030204" pitchFamily="18" charset="0"/>
+                          </a:rPr>
+                        </m:ctrlPr>
+                      </m:fPr>
+                      <m:num>
+                        <m:r>
+                          <a:rPr lang="pl-PL" b="0" i="1" smtClean="0">
+                            <a:latin typeface="Cambria Math" panose="02040503050406030204" pitchFamily="18" charset="0"/>
+                            <a:ea typeface="Cambria Math" panose="02040503050406030204" pitchFamily="18" charset="0"/>
+                          </a:rPr>
+                          <m:t>𝐶</m:t>
+                        </m:r>
+                        <m:r>
+                          <a:rPr lang="pl-PL" b="0" i="1" smtClean="0">
+                            <a:latin typeface="Cambria Math" panose="02040503050406030204" pitchFamily="18" charset="0"/>
+                            <a:ea typeface="Cambria Math" panose="02040503050406030204" pitchFamily="18" charset="0"/>
+                          </a:rPr>
+                          <m:t>(1, 0)</m:t>
+                        </m:r>
+                      </m:num>
+                      <m:den>
+                        <m:r>
+                          <a:rPr lang="pl-PL" b="0" i="1" smtClean="0">
+                            <a:latin typeface="Cambria Math" panose="02040503050406030204" pitchFamily="18" charset="0"/>
+                            <a:ea typeface="Cambria Math" panose="02040503050406030204" pitchFamily="18" charset="0"/>
+                          </a:rPr>
+                          <m:t>𝐶</m:t>
+                        </m:r>
+                        <m:d>
+                          <m:dPr>
+                            <m:ctrlPr>
+                              <a:rPr lang="pl-PL" b="0" i="1" smtClean="0">
+                                <a:latin typeface="Cambria Math" panose="02040503050406030204" pitchFamily="18" charset="0"/>
+                                <a:ea typeface="Cambria Math" panose="02040503050406030204" pitchFamily="18" charset="0"/>
+                              </a:rPr>
+                            </m:ctrlPr>
+                          </m:dPr>
+                          <m:e>
+                            <m:r>
+                              <a:rPr lang="pl-PL" b="0" i="1" smtClean="0">
+                                <a:latin typeface="Cambria Math" panose="02040503050406030204" pitchFamily="18" charset="0"/>
+                                <a:ea typeface="Cambria Math" panose="02040503050406030204" pitchFamily="18" charset="0"/>
+                              </a:rPr>
+                              <m:t>1, 0</m:t>
+                            </m:r>
+                          </m:e>
+                        </m:d>
+                        <m:r>
+                          <a:rPr lang="pl-PL" b="0" i="1" smtClean="0">
+                            <a:latin typeface="Cambria Math" panose="02040503050406030204" pitchFamily="18" charset="0"/>
+                            <a:ea typeface="Cambria Math" panose="02040503050406030204" pitchFamily="18" charset="0"/>
+                          </a:rPr>
+                          <m:t>+</m:t>
+                        </m:r>
+                        <m:r>
+                          <a:rPr lang="pl-PL" b="0" i="1" smtClean="0">
+                            <a:latin typeface="Cambria Math" panose="02040503050406030204" pitchFamily="18" charset="0"/>
+                            <a:ea typeface="Cambria Math" panose="02040503050406030204" pitchFamily="18" charset="0"/>
+                          </a:rPr>
+                          <m:t>𝐶</m:t>
+                        </m:r>
+                        <m:r>
+                          <a:rPr lang="pl-PL" b="0" i="1" smtClean="0">
+                            <a:latin typeface="Cambria Math" panose="02040503050406030204" pitchFamily="18" charset="0"/>
+                            <a:ea typeface="Cambria Math" panose="02040503050406030204" pitchFamily="18" charset="0"/>
+                          </a:rPr>
+                          <m:t>(0, 1)</m:t>
+                        </m:r>
+                      </m:den>
+                    </m:f>
+                    <m:r>
+                      <a:rPr lang="pl-PL" b="0" i="1" smtClean="0">
+                        <a:latin typeface="Cambria Math" panose="02040503050406030204" pitchFamily="18" charset="0"/>
+                        <a:ea typeface="Cambria Math" panose="02040503050406030204" pitchFamily="18" charset="0"/>
+                      </a:rPr>
+                      <m:t>=</m:t>
+                    </m:r>
+                    <m:f>
+                      <m:fPr>
+                        <m:ctrlPr>
+                          <a:rPr lang="pl-PL" b="0" i="1" smtClean="0">
+                            <a:latin typeface="Cambria Math" panose="02040503050406030204" pitchFamily="18" charset="0"/>
+                            <a:ea typeface="Cambria Math" panose="02040503050406030204" pitchFamily="18" charset="0"/>
+                          </a:rPr>
+                        </m:ctrlPr>
+                      </m:fPr>
+                      <m:num>
+                        <m:r>
+                          <a:rPr lang="pl-PL" b="0" i="1" smtClean="0">
+                            <a:latin typeface="Cambria Math" panose="02040503050406030204" pitchFamily="18" charset="0"/>
+                            <a:ea typeface="Cambria Math" panose="02040503050406030204" pitchFamily="18" charset="0"/>
+                          </a:rPr>
+                          <m:t>𝐹𝑃</m:t>
+                        </m:r>
+                      </m:num>
+                      <m:den>
+                        <m:r>
+                          <a:rPr lang="pl-PL" b="0" i="1" smtClean="0">
+                            <a:latin typeface="Cambria Math" panose="02040503050406030204" pitchFamily="18" charset="0"/>
+                            <a:ea typeface="Cambria Math" panose="02040503050406030204" pitchFamily="18" charset="0"/>
+                          </a:rPr>
+                          <m:t>𝐹𝑃</m:t>
+                        </m:r>
+                        <m:r>
+                          <a:rPr lang="pl-PL" b="0" i="1" smtClean="0">
+                            <a:latin typeface="Cambria Math" panose="02040503050406030204" pitchFamily="18" charset="0"/>
+                            <a:ea typeface="Cambria Math" panose="02040503050406030204" pitchFamily="18" charset="0"/>
+                          </a:rPr>
+                          <m:t>+</m:t>
+                        </m:r>
+                        <m:r>
+                          <a:rPr lang="pl-PL" b="0" i="1" smtClean="0">
+                            <a:latin typeface="Cambria Math" panose="02040503050406030204" pitchFamily="18" charset="0"/>
+                            <a:ea typeface="Cambria Math" panose="02040503050406030204" pitchFamily="18" charset="0"/>
+                          </a:rPr>
+                          <m:t>𝐹𝑁</m:t>
+                        </m:r>
+                      </m:den>
+                    </m:f>
+                    <m:r>
+                      <a:rPr lang="pl-PL" b="0" i="1" smtClean="0">
+                        <a:latin typeface="Cambria Math" panose="02040503050406030204" pitchFamily="18" charset="0"/>
+                        <a:ea typeface="Cambria Math" panose="02040503050406030204" pitchFamily="18" charset="0"/>
+                      </a:rPr>
+                      <m:t> .</m:t>
+                    </m:r>
+                  </m:oMath>
+                </a14:m>
+                <a:r>
+                  <a:rPr lang="pl-PL" b="0" dirty="0"/>
+                  <a:t> </a:t>
+                </a:r>
+              </a:p>
+              <a:p>
+                <a:pPr marL="139700" indent="0">
+                  <a:lnSpc>
+                    <a:spcPct val="150000"/>
+                  </a:lnSpc>
+                  <a:buNone/>
+                </a:pPr>
+                <a:endParaRPr lang="en-GB" dirty="0"/>
+              </a:p>
+            </p:txBody>
+          </p:sp>
+        </mc:Choice>
+        <mc:Fallback>
+          <p:sp>
+            <p:nvSpPr>
+              <p:cNvPr id="6" name="Text Placeholder 1">
+                <a:extLst>
+                  <a:ext uri="{FF2B5EF4-FFF2-40B4-BE49-F238E27FC236}">
+                    <a16:creationId xmlns:a16="http://schemas.microsoft.com/office/drawing/2014/main" id="{7392A943-EA8C-AA28-05D8-3A31DC956FB4}"/>
+                  </a:ext>
+                </a:extLst>
+              </p:cNvPr>
+              <p:cNvSpPr txBox="1">
+                <a:spLocks noRot="1" noChangeAspect="1" noMove="1" noResize="1" noEditPoints="1" noAdjustHandles="1" noChangeArrowheads="1" noChangeShapeType="1" noTextEdit="1"/>
+              </p:cNvSpPr>
+              <p:nvPr/>
+            </p:nvSpPr>
+            <p:spPr>
+              <a:xfrm>
+                <a:off x="713226" y="1407512"/>
+                <a:ext cx="7717499" cy="2592987"/>
+              </a:xfrm>
+              <a:prstGeom prst="rect">
+                <a:avLst/>
+              </a:prstGeom>
+              <a:blipFill>
+                <a:blip r:embed="rId2"/>
+                <a:stretch>
+                  <a:fillRect/>
+                </a:stretch>
+              </a:blipFill>
+              <a:ln>
+                <a:noFill/>
+              </a:ln>
+            </p:spPr>
+            <p:txBody>
+              <a:bodyPr/>
+              <a:lstStyle/>
+              <a:p>
+                <a:r>
+                  <a:rPr lang="pl-PL">
+                    <a:noFill/>
+                  </a:rPr>
+                  <a:t> </a:t>
+                </a:r>
+              </a:p>
+            </p:txBody>
+          </p:sp>
+        </mc:Fallback>
+      </mc:AlternateContent>
+    </p:spTree>
+    <p:extLst>
+      <p:ext uri="{BB962C8B-B14F-4D97-AF65-F5344CB8AC3E}">
+        <p14:creationId xmlns:p14="http://schemas.microsoft.com/office/powerpoint/2010/main" val="2008094664"/>
+      </p:ext>
+    </p:extLst>
+  </p:cSld>
+  <p:clrMapOvr>
+    <a:masterClrMapping/>
+  </p:clrMapOvr>
+</p:sld>
+</file>
+
+<file path=ppt/slides/slide22.xml><?xml version="1.0" encoding="utf-8"?>
+<p:sld xmlns:a="http://schemas.openxmlformats.org/drawingml/2006/main" xmlns:r="http://schemas.openxmlformats.org/officeDocument/2006/relationships" xmlns:p="http://schemas.openxmlformats.org/presentationml/2006/main">
+  <p:cSld>
+    <p:spTree>
+      <p:nvGrpSpPr>
+        <p:cNvPr id="1" name=""/>
+        <p:cNvGrpSpPr/>
+        <p:nvPr/>
+      </p:nvGrpSpPr>
+      <p:grpSpPr>
+        <a:xfrm>
+          <a:off x="0" y="0"/>
+          <a:ext cx="0" cy="0"/>
+          <a:chOff x="0" y="0"/>
+          <a:chExt cx="0" cy="0"/>
+        </a:xfrm>
+      </p:grpSpPr>
+      <p:sp>
+        <p:nvSpPr>
+          <p:cNvPr id="2" name="Text Placeholder 1">
+            <a:extLst>
+              <a:ext uri="{FF2B5EF4-FFF2-40B4-BE49-F238E27FC236}">
+                <a16:creationId xmlns:a16="http://schemas.microsoft.com/office/drawing/2014/main" id="{4C148219-67A4-6A1C-4219-69A2693902C5}"/>
+              </a:ext>
+            </a:extLst>
+          </p:cNvPr>
+          <p:cNvSpPr>
+            <a:spLocks noGrp="1"/>
+          </p:cNvSpPr>
+          <p:nvPr>
+            <p:ph type="body" idx="1"/>
+          </p:nvPr>
+        </p:nvSpPr>
+        <p:spPr>
+          <a:xfrm>
+            <a:off x="713225" y="1525500"/>
+            <a:ext cx="7717501" cy="2092500"/>
+          </a:xfrm>
+        </p:spPr>
+        <p:txBody>
+          <a:bodyPr/>
+          <a:lstStyle/>
+          <a:p>
+            <a:pPr marL="139700" indent="0">
+              <a:lnSpc>
+                <a:spcPct val="150000"/>
+              </a:lnSpc>
+              <a:buNone/>
+            </a:pPr>
+            <a:br>
+              <a:rPr lang="pl-PL" dirty="0"/>
+            </a:br>
+            <a:br>
+              <a:rPr lang="pl-PL" dirty="0"/>
+            </a:br>
+            <a:endParaRPr lang="pl-PL" dirty="0"/>
+          </a:p>
+          <a:p>
+            <a:pPr marL="482600" indent="-342900">
+              <a:lnSpc>
+                <a:spcPct val="150000"/>
+              </a:lnSpc>
+              <a:buFont typeface="+mj-lt"/>
+              <a:buAutoNum type="arabicPeriod"/>
+            </a:pPr>
+            <a:endParaRPr lang="pl-PL" dirty="0"/>
+          </a:p>
+        </p:txBody>
+      </p:sp>
+      <p:sp>
+        <p:nvSpPr>
+          <p:cNvPr id="3" name="Title 2">
+            <a:extLst>
+              <a:ext uri="{FF2B5EF4-FFF2-40B4-BE49-F238E27FC236}">
+                <a16:creationId xmlns:a16="http://schemas.microsoft.com/office/drawing/2014/main" id="{A8AC65F6-0871-5304-59F1-3C34ECF7B43F}"/>
+              </a:ext>
+            </a:extLst>
+          </p:cNvPr>
+          <p:cNvSpPr>
+            <a:spLocks noGrp="1"/>
+          </p:cNvSpPr>
+          <p:nvPr>
+            <p:ph type="title"/>
+          </p:nvPr>
+        </p:nvSpPr>
+        <p:spPr/>
+        <p:txBody>
+          <a:bodyPr/>
+          <a:lstStyle/>
+          <a:p>
+            <a:r>
+              <a:rPr lang="pl-PL" dirty="0" err="1"/>
+              <a:t>MetaCost</a:t>
+            </a:r>
+            <a:endParaRPr lang="en-GB" dirty="0"/>
+          </a:p>
+        </p:txBody>
+      </p:sp>
+      <mc:AlternateContent xmlns:mc="http://schemas.openxmlformats.org/markup-compatibility/2006" xmlns:a14="http://schemas.microsoft.com/office/drawing/2010/main">
+        <mc:Choice Requires="a14">
+          <p:sp>
+            <p:nvSpPr>
+              <p:cNvPr id="6" name="Text Placeholder 1">
+                <a:extLst>
+                  <a:ext uri="{FF2B5EF4-FFF2-40B4-BE49-F238E27FC236}">
+                    <a16:creationId xmlns:a16="http://schemas.microsoft.com/office/drawing/2014/main" id="{7392A943-EA8C-AA28-05D8-3A31DC956FB4}"/>
+                  </a:ext>
+                </a:extLst>
+              </p:cNvPr>
+              <p:cNvSpPr txBox="1">
+                <a:spLocks/>
+              </p:cNvSpPr>
+              <p:nvPr/>
+            </p:nvSpPr>
+            <p:spPr>
+              <a:xfrm>
+                <a:off x="713226" y="1407512"/>
+                <a:ext cx="7717499" cy="2592987"/>
+              </a:xfrm>
+              <a:prstGeom prst="rect">
+                <a:avLst/>
+              </a:prstGeom>
+              <a:noFill/>
+              <a:ln>
+                <a:noFill/>
+              </a:ln>
+            </p:spPr>
+            <p:txBody>
+              <a:bodyPr spcFirstLastPara="1" wrap="square" lIns="91425" tIns="91425" rIns="91425" bIns="91425" anchor="t" anchorCtr="0">
+                <a:noAutofit/>
+              </a:bodyPr>
+              <a:lstStyle>
+                <a:defPPr marR="0" lvl="0" algn="l" rtl="0">
+                  <a:lnSpc>
+                    <a:spcPct val="100000"/>
+                  </a:lnSpc>
+                  <a:spcBef>
+                    <a:spcPts val="0"/>
+                  </a:spcBef>
+                  <a:spcAft>
+                    <a:spcPts val="0"/>
+                  </a:spcAft>
+                </a:defPPr>
+                <a:lvl1pPr marL="457200" marR="0" lvl="0" indent="-317500" algn="l" rtl="0">
+                  <a:lnSpc>
+                    <a:spcPct val="115000"/>
+                  </a:lnSpc>
+                  <a:spcBef>
+                    <a:spcPts val="0"/>
+                  </a:spcBef>
+                  <a:spcAft>
+                    <a:spcPts val="0"/>
+                  </a:spcAft>
+                  <a:buClr>
+                    <a:schemeClr val="dk2"/>
+                  </a:buClr>
+                  <a:buSzPts val="1400"/>
+                  <a:buFont typeface="Red Hat Display"/>
+                  <a:buChar char="■"/>
+                  <a:defRPr sz="1400" b="0" i="0" u="none" strike="noStrike" cap="none">
+                    <a:solidFill>
+                      <a:schemeClr val="dk1"/>
+                    </a:solidFill>
+                    <a:latin typeface="Commissioner"/>
+                    <a:ea typeface="Commissioner"/>
+                    <a:cs typeface="Commissioner"/>
+                    <a:sym typeface="Commissioner"/>
+                  </a:defRPr>
+                </a:lvl1pPr>
+                <a:lvl2pPr marL="914400" marR="0" lvl="1" indent="-317500" algn="l" rtl="0">
+                  <a:lnSpc>
+                    <a:spcPct val="115000"/>
+                  </a:lnSpc>
+                  <a:spcBef>
+                    <a:spcPts val="1600"/>
+                  </a:spcBef>
+                  <a:spcAft>
+                    <a:spcPts val="0"/>
+                  </a:spcAft>
+                  <a:buClr>
+                    <a:srgbClr val="FFFFFF"/>
+                  </a:buClr>
+                  <a:buSzPts val="1400"/>
+                  <a:buFont typeface="Red Hat Display"/>
+                  <a:buChar char="○"/>
+                  <a:defRPr sz="1400" b="0" i="0" u="none" strike="noStrike" cap="none">
+                    <a:solidFill>
+                      <a:schemeClr val="dk1"/>
+                    </a:solidFill>
+                    <a:latin typeface="Commissioner"/>
+                    <a:ea typeface="Commissioner"/>
+                    <a:cs typeface="Commissioner"/>
+                    <a:sym typeface="Commissioner"/>
+                  </a:defRPr>
+                </a:lvl2pPr>
+                <a:lvl3pPr marL="1371600" marR="0" lvl="2" indent="-317500" algn="l" rtl="0">
+                  <a:lnSpc>
+                    <a:spcPct val="115000"/>
+                  </a:lnSpc>
+                  <a:spcBef>
+                    <a:spcPts val="1600"/>
+                  </a:spcBef>
+                  <a:spcAft>
+                    <a:spcPts val="0"/>
+                  </a:spcAft>
+                  <a:buClr>
+                    <a:srgbClr val="FFFFFF"/>
+                  </a:buClr>
+                  <a:buSzPts val="1400"/>
+                  <a:buFont typeface="Red Hat Display"/>
+                  <a:buChar char="■"/>
+                  <a:defRPr sz="1400" b="0" i="0" u="none" strike="noStrike" cap="none">
+                    <a:solidFill>
+                      <a:schemeClr val="dk1"/>
+                    </a:solidFill>
+                    <a:latin typeface="Commissioner"/>
+                    <a:ea typeface="Commissioner"/>
+                    <a:cs typeface="Commissioner"/>
+                    <a:sym typeface="Commissioner"/>
+                  </a:defRPr>
+                </a:lvl3pPr>
+                <a:lvl4pPr marL="1828800" marR="0" lvl="3" indent="-317500" algn="l" rtl="0">
+                  <a:lnSpc>
+                    <a:spcPct val="115000"/>
+                  </a:lnSpc>
+                  <a:spcBef>
+                    <a:spcPts val="1600"/>
+                  </a:spcBef>
+                  <a:spcAft>
+                    <a:spcPts val="0"/>
+                  </a:spcAft>
+                  <a:buClr>
+                    <a:srgbClr val="FFFFFF"/>
+                  </a:buClr>
+                  <a:buSzPts val="1400"/>
+                  <a:buFont typeface="Red Hat Display"/>
+                  <a:buChar char="●"/>
+                  <a:defRPr sz="1400" b="0" i="0" u="none" strike="noStrike" cap="none">
+                    <a:solidFill>
+                      <a:schemeClr val="dk1"/>
+                    </a:solidFill>
+                    <a:latin typeface="Commissioner"/>
+                    <a:ea typeface="Commissioner"/>
+                    <a:cs typeface="Commissioner"/>
+                    <a:sym typeface="Commissioner"/>
+                  </a:defRPr>
+                </a:lvl4pPr>
+                <a:lvl5pPr marL="2286000" marR="0" lvl="4" indent="-317500" algn="l" rtl="0">
+                  <a:lnSpc>
+                    <a:spcPct val="115000"/>
+                  </a:lnSpc>
+                  <a:spcBef>
+                    <a:spcPts val="1600"/>
+                  </a:spcBef>
+                  <a:spcAft>
+                    <a:spcPts val="0"/>
+                  </a:spcAft>
+                  <a:buClr>
+                    <a:srgbClr val="FFFFFF"/>
+                  </a:buClr>
+                  <a:buSzPts val="1400"/>
+                  <a:buFont typeface="Red Hat Display"/>
+                  <a:buChar char="○"/>
+                  <a:defRPr sz="1400" b="0" i="0" u="none" strike="noStrike" cap="none">
+                    <a:solidFill>
+                      <a:schemeClr val="dk1"/>
+                    </a:solidFill>
+                    <a:latin typeface="Commissioner"/>
+                    <a:ea typeface="Commissioner"/>
+                    <a:cs typeface="Commissioner"/>
+                    <a:sym typeface="Commissioner"/>
+                  </a:defRPr>
+                </a:lvl5pPr>
+                <a:lvl6pPr marL="2743200" marR="0" lvl="5" indent="-317500" algn="l" rtl="0">
+                  <a:lnSpc>
+                    <a:spcPct val="115000"/>
+                  </a:lnSpc>
+                  <a:spcBef>
+                    <a:spcPts val="1600"/>
+                  </a:spcBef>
+                  <a:spcAft>
+                    <a:spcPts val="0"/>
+                  </a:spcAft>
+                  <a:buClr>
+                    <a:srgbClr val="FFFFFF"/>
+                  </a:buClr>
+                  <a:buSzPts val="1400"/>
+                  <a:buFont typeface="Red Hat Display"/>
+                  <a:buChar char="■"/>
+                  <a:defRPr sz="1400" b="0" i="0" u="none" strike="noStrike" cap="none">
+                    <a:solidFill>
+                      <a:schemeClr val="dk1"/>
+                    </a:solidFill>
+                    <a:latin typeface="Commissioner"/>
+                    <a:ea typeface="Commissioner"/>
+                    <a:cs typeface="Commissioner"/>
+                    <a:sym typeface="Commissioner"/>
+                  </a:defRPr>
+                </a:lvl6pPr>
+                <a:lvl7pPr marL="3200400" marR="0" lvl="6" indent="-317500" algn="l" rtl="0">
+                  <a:lnSpc>
+                    <a:spcPct val="115000"/>
+                  </a:lnSpc>
+                  <a:spcBef>
+                    <a:spcPts val="1600"/>
+                  </a:spcBef>
+                  <a:spcAft>
+                    <a:spcPts val="0"/>
+                  </a:spcAft>
+                  <a:buClr>
+                    <a:srgbClr val="FFFFFF"/>
+                  </a:buClr>
+                  <a:buSzPts val="1400"/>
+                  <a:buFont typeface="Red Hat Display"/>
+                  <a:buChar char="●"/>
+                  <a:defRPr sz="1400" b="0" i="0" u="none" strike="noStrike" cap="none">
+                    <a:solidFill>
+                      <a:schemeClr val="dk1"/>
+                    </a:solidFill>
+                    <a:latin typeface="Commissioner"/>
+                    <a:ea typeface="Commissioner"/>
+                    <a:cs typeface="Commissioner"/>
+                    <a:sym typeface="Commissioner"/>
+                  </a:defRPr>
+                </a:lvl7pPr>
+                <a:lvl8pPr marL="3657600" marR="0" lvl="7" indent="-317500" algn="l" rtl="0">
+                  <a:lnSpc>
+                    <a:spcPct val="115000"/>
+                  </a:lnSpc>
+                  <a:spcBef>
+                    <a:spcPts val="1600"/>
+                  </a:spcBef>
+                  <a:spcAft>
+                    <a:spcPts val="0"/>
+                  </a:spcAft>
+                  <a:buClr>
+                    <a:srgbClr val="FFFFFF"/>
+                  </a:buClr>
+                  <a:buSzPts val="1400"/>
+                  <a:buFont typeface="Red Hat Display"/>
+                  <a:buChar char="○"/>
+                  <a:defRPr sz="1400" b="0" i="0" u="none" strike="noStrike" cap="none">
+                    <a:solidFill>
+                      <a:schemeClr val="dk1"/>
+                    </a:solidFill>
+                    <a:latin typeface="Commissioner"/>
+                    <a:ea typeface="Commissioner"/>
+                    <a:cs typeface="Commissioner"/>
+                    <a:sym typeface="Commissioner"/>
+                  </a:defRPr>
+                </a:lvl8pPr>
+                <a:lvl9pPr marL="4114800" marR="0" lvl="8" indent="-317500" algn="l" rtl="0">
+                  <a:lnSpc>
+                    <a:spcPct val="115000"/>
+                  </a:lnSpc>
+                  <a:spcBef>
+                    <a:spcPts val="1600"/>
+                  </a:spcBef>
+                  <a:spcAft>
+                    <a:spcPts val="1600"/>
+                  </a:spcAft>
+                  <a:buClr>
+                    <a:srgbClr val="FFFFFF"/>
+                  </a:buClr>
+                  <a:buSzPts val="1400"/>
+                  <a:buFont typeface="Red Hat Display"/>
+                  <a:buChar char="■"/>
+                  <a:defRPr sz="1400" b="0" i="0" u="none" strike="noStrike" cap="none">
+                    <a:solidFill>
+                      <a:schemeClr val="dk1"/>
+                    </a:solidFill>
+                    <a:latin typeface="Commissioner"/>
+                    <a:ea typeface="Commissioner"/>
+                    <a:cs typeface="Commissioner"/>
+                    <a:sym typeface="Commissioner"/>
+                  </a:defRPr>
+                </a:lvl9pPr>
+              </a:lstStyle>
+              <a:p>
+                <a:pPr>
+                  <a:lnSpc>
+                    <a:spcPct val="150000"/>
+                  </a:lnSpc>
+                </a:pPr>
+                <a:r>
+                  <a:rPr lang="pl-PL" dirty="0"/>
+                  <a:t>The </a:t>
+                </a:r>
+                <a:r>
+                  <a:rPr lang="pl-PL" dirty="0" err="1"/>
+                  <a:t>algorithm</a:t>
+                </a:r>
+                <a:r>
+                  <a:rPr lang="pl-PL" dirty="0"/>
+                  <a:t> </a:t>
+                </a:r>
+                <a:r>
+                  <a:rPr lang="pl-PL" dirty="0" err="1"/>
+                  <a:t>first</a:t>
+                </a:r>
+                <a:r>
+                  <a:rPr lang="pl-PL" dirty="0"/>
+                  <a:t> </a:t>
+                </a:r>
+                <a:r>
+                  <a:rPr lang="pl-PL" dirty="0" err="1"/>
+                  <a:t>uses</a:t>
+                </a:r>
+                <a:r>
+                  <a:rPr lang="pl-PL" dirty="0"/>
+                  <a:t> </a:t>
+                </a:r>
+                <a:r>
+                  <a:rPr lang="pl-PL" dirty="0" err="1"/>
+                  <a:t>bagging</a:t>
+                </a:r>
+                <a:r>
+                  <a:rPr lang="pl-PL" dirty="0"/>
+                  <a:t> on </a:t>
+                </a:r>
+                <a:r>
+                  <a:rPr lang="pl-PL" dirty="0" err="1"/>
+                  <a:t>decision</a:t>
+                </a:r>
+                <a:r>
+                  <a:rPr lang="pl-PL" dirty="0"/>
+                  <a:t> </a:t>
+                </a:r>
+                <a:r>
+                  <a:rPr lang="pl-PL" dirty="0" err="1"/>
+                  <a:t>trees</a:t>
+                </a:r>
+                <a:r>
+                  <a:rPr lang="pl-PL" dirty="0"/>
+                  <a:t> to </a:t>
+                </a:r>
+                <a:r>
+                  <a:rPr lang="pl-PL" dirty="0" err="1"/>
+                  <a:t>obtain</a:t>
+                </a:r>
+                <a:r>
+                  <a:rPr lang="pl-PL" dirty="0"/>
+                  <a:t> </a:t>
+                </a:r>
+                <a:r>
+                  <a:rPr lang="pl-PL" dirty="0" err="1"/>
+                  <a:t>reliable</a:t>
+                </a:r>
+                <a:r>
+                  <a:rPr lang="pl-PL" dirty="0"/>
+                  <a:t> </a:t>
+                </a:r>
+                <a:r>
+                  <a:rPr lang="pl-PL" dirty="0" err="1"/>
+                  <a:t>probability</a:t>
+                </a:r>
+                <a:r>
+                  <a:rPr lang="pl-PL" dirty="0"/>
+                  <a:t> </a:t>
+                </a:r>
+                <a:r>
+                  <a:rPr lang="pl-PL" dirty="0" err="1"/>
+                  <a:t>estimations</a:t>
+                </a:r>
+                <a:r>
+                  <a:rPr lang="pl-PL" dirty="0"/>
+                  <a:t> for </a:t>
+                </a:r>
+                <a:r>
+                  <a:rPr lang="pl-PL" dirty="0" err="1"/>
+                  <a:t>training</a:t>
+                </a:r>
+                <a:r>
+                  <a:rPr lang="pl-PL" dirty="0"/>
+                  <a:t> </a:t>
+                </a:r>
+                <a:r>
+                  <a:rPr lang="pl-PL" dirty="0" err="1"/>
+                  <a:t>instances</a:t>
+                </a:r>
+                <a:r>
+                  <a:rPr lang="pl-PL" dirty="0"/>
+                  <a:t>.</a:t>
+                </a:r>
+              </a:p>
+              <a:p>
+                <a:pPr>
+                  <a:lnSpc>
+                    <a:spcPct val="150000"/>
+                  </a:lnSpc>
+                </a:pPr>
+                <a:r>
+                  <a:rPr lang="pl-PL" dirty="0"/>
+                  <a:t>The </a:t>
+                </a:r>
+                <a:r>
+                  <a:rPr lang="pl-PL" dirty="0" err="1"/>
+                  <a:t>training</a:t>
+                </a:r>
+                <a:r>
+                  <a:rPr lang="pl-PL" dirty="0"/>
+                  <a:t> </a:t>
+                </a:r>
+                <a:r>
+                  <a:rPr lang="pl-PL" dirty="0" err="1"/>
+                  <a:t>examples</a:t>
+                </a:r>
+                <a:r>
+                  <a:rPr lang="pl-PL" dirty="0"/>
+                  <a:t> </a:t>
+                </a:r>
+                <a:r>
+                  <a:rPr lang="pl-PL" dirty="0" err="1"/>
+                  <a:t>are</a:t>
+                </a:r>
+                <a:r>
+                  <a:rPr lang="pl-PL" dirty="0"/>
+                  <a:t> </a:t>
+                </a:r>
+                <a:r>
+                  <a:rPr lang="pl-PL" dirty="0" err="1"/>
+                  <a:t>relabled</a:t>
+                </a:r>
+                <a:r>
+                  <a:rPr lang="pl-PL" dirty="0"/>
+                  <a:t> </a:t>
+                </a:r>
+                <a:r>
+                  <a:rPr lang="pl-PL" dirty="0" err="1"/>
+                  <a:t>according</a:t>
+                </a:r>
+                <a:r>
+                  <a:rPr lang="pl-PL" dirty="0"/>
+                  <a:t> to </a:t>
+                </a:r>
+                <a:r>
+                  <a:rPr lang="pl-PL" dirty="0" err="1"/>
+                  <a:t>threshold</a:t>
+                </a:r>
+                <a:r>
+                  <a:rPr lang="pl-PL" dirty="0"/>
+                  <a:t> </a:t>
+                </a:r>
+                <a14:m>
+                  <m:oMath xmlns:m="http://schemas.openxmlformats.org/officeDocument/2006/math">
+                    <m:sSup>
+                      <m:sSupPr>
+                        <m:ctrlPr>
+                          <a:rPr lang="pl-PL" b="0" i="1" smtClean="0">
+                            <a:latin typeface="Cambria Math" panose="02040503050406030204" pitchFamily="18" charset="0"/>
+                          </a:rPr>
+                        </m:ctrlPr>
+                      </m:sSupPr>
+                      <m:e>
+                        <m:r>
+                          <a:rPr lang="pl-PL" b="0" i="1" smtClean="0">
+                            <a:latin typeface="Cambria Math" panose="02040503050406030204" pitchFamily="18" charset="0"/>
+                          </a:rPr>
+                          <m:t>𝑝</m:t>
+                        </m:r>
+                      </m:e>
+                      <m:sup>
+                        <m:r>
+                          <a:rPr lang="pl-PL" b="0" i="1" smtClean="0">
+                            <a:latin typeface="Cambria Math" panose="02040503050406030204" pitchFamily="18" charset="0"/>
+                          </a:rPr>
+                          <m:t>∗</m:t>
+                        </m:r>
+                      </m:sup>
+                    </m:sSup>
+                    <m:r>
+                      <a:rPr lang="pl-PL" b="0" i="0" smtClean="0">
+                        <a:latin typeface="Cambria Math" panose="02040503050406030204" pitchFamily="18" charset="0"/>
+                      </a:rPr>
+                      <m:t>.</m:t>
+                    </m:r>
+                  </m:oMath>
+                </a14:m>
+                <a:endParaRPr lang="pl-PL" b="0" dirty="0"/>
+              </a:p>
+              <a:p>
+                <a:pPr>
+                  <a:lnSpc>
+                    <a:spcPct val="150000"/>
+                  </a:lnSpc>
+                </a:pPr>
+                <a:r>
+                  <a:rPr lang="pl-PL" dirty="0" err="1"/>
+                  <a:t>After</a:t>
+                </a:r>
+                <a:r>
+                  <a:rPr lang="pl-PL" dirty="0"/>
+                  <a:t> </a:t>
+                </a:r>
+                <a:r>
+                  <a:rPr lang="pl-PL" dirty="0" err="1"/>
+                  <a:t>that</a:t>
+                </a:r>
+                <a:r>
+                  <a:rPr lang="pl-PL" dirty="0"/>
+                  <a:t> a </a:t>
+                </a:r>
+                <a:r>
+                  <a:rPr lang="pl-PL" dirty="0" err="1"/>
+                  <a:t>cost-insensitive</a:t>
+                </a:r>
+                <a:r>
+                  <a:rPr lang="pl-PL" dirty="0"/>
+                  <a:t> </a:t>
+                </a:r>
+                <a:r>
+                  <a:rPr lang="pl-PL" dirty="0" err="1"/>
+                  <a:t>classifier</a:t>
+                </a:r>
+                <a:r>
+                  <a:rPr lang="pl-PL" dirty="0"/>
+                  <a:t> </a:t>
+                </a:r>
+                <a:r>
+                  <a:rPr lang="pl-PL" dirty="0" err="1"/>
+                  <a:t>is</a:t>
+                </a:r>
+                <a:r>
+                  <a:rPr lang="pl-PL" dirty="0"/>
+                  <a:t> </a:t>
+                </a:r>
+                <a:r>
+                  <a:rPr lang="pl-PL" dirty="0" err="1"/>
+                  <a:t>built</a:t>
+                </a:r>
+                <a:r>
+                  <a:rPr lang="pl-PL" dirty="0"/>
+                  <a:t> for </a:t>
+                </a:r>
+                <a:r>
+                  <a:rPr lang="pl-PL" dirty="0" err="1"/>
+                  <a:t>relabled</a:t>
+                </a:r>
+                <a:r>
+                  <a:rPr lang="pl-PL" dirty="0"/>
+                  <a:t> </a:t>
+                </a:r>
+                <a:r>
+                  <a:rPr lang="pl-PL" dirty="0" err="1"/>
+                  <a:t>instances</a:t>
+                </a:r>
+                <a:r>
+                  <a:rPr lang="pl-PL" dirty="0"/>
+                  <a:t> to </a:t>
+                </a:r>
+                <a:r>
+                  <a:rPr lang="pl-PL" dirty="0" err="1"/>
+                  <a:t>produce</a:t>
+                </a:r>
+                <a:r>
+                  <a:rPr lang="pl-PL" dirty="0"/>
+                  <a:t> </a:t>
+                </a:r>
+                <a:r>
+                  <a:rPr lang="pl-PL" dirty="0" err="1"/>
+                  <a:t>predictions</a:t>
+                </a:r>
+                <a:r>
+                  <a:rPr lang="pl-PL" dirty="0"/>
+                  <a:t> for test </a:t>
+                </a:r>
+                <a:r>
+                  <a:rPr lang="pl-PL" dirty="0" err="1"/>
+                  <a:t>instances</a:t>
+                </a:r>
+                <a:r>
+                  <a:rPr lang="pl-PL" dirty="0"/>
+                  <a:t>.</a:t>
+                </a:r>
+                <a:endParaRPr lang="en-GB" dirty="0"/>
+              </a:p>
+            </p:txBody>
+          </p:sp>
+        </mc:Choice>
+        <mc:Fallback xmlns="">
+          <p:sp>
+            <p:nvSpPr>
+              <p:cNvPr id="6" name="Text Placeholder 1">
+                <a:extLst>
+                  <a:ext uri="{FF2B5EF4-FFF2-40B4-BE49-F238E27FC236}">
+                    <a16:creationId xmlns:a16="http://schemas.microsoft.com/office/drawing/2014/main" id="{7392A943-EA8C-AA28-05D8-3A31DC956FB4}"/>
+                  </a:ext>
+                </a:extLst>
+              </p:cNvPr>
+              <p:cNvSpPr txBox="1">
+                <a:spLocks noRot="1" noChangeAspect="1" noMove="1" noResize="1" noEditPoints="1" noAdjustHandles="1" noChangeArrowheads="1" noChangeShapeType="1" noTextEdit="1"/>
+              </p:cNvSpPr>
+              <p:nvPr/>
+            </p:nvSpPr>
+            <p:spPr>
+              <a:xfrm>
+                <a:off x="713226" y="1407512"/>
+                <a:ext cx="7717499" cy="2592987"/>
+              </a:xfrm>
+              <a:prstGeom prst="rect">
+                <a:avLst/>
+              </a:prstGeom>
+              <a:blipFill>
+                <a:blip r:embed="rId2"/>
+                <a:stretch>
+                  <a:fillRect/>
+                </a:stretch>
+              </a:blipFill>
+              <a:ln>
+                <a:noFill/>
+              </a:ln>
+            </p:spPr>
+            <p:txBody>
+              <a:bodyPr/>
+              <a:lstStyle/>
+              <a:p>
+                <a:r>
+                  <a:rPr lang="pl-PL">
+                    <a:noFill/>
+                  </a:rPr>
+                  <a:t> </a:t>
+                </a:r>
+              </a:p>
+            </p:txBody>
+          </p:sp>
+        </mc:Fallback>
+      </mc:AlternateContent>
+    </p:spTree>
+    <p:extLst>
+      <p:ext uri="{BB962C8B-B14F-4D97-AF65-F5344CB8AC3E}">
+        <p14:creationId xmlns:p14="http://schemas.microsoft.com/office/powerpoint/2010/main" val="3255234697"/>
+      </p:ext>
+    </p:extLst>
+  </p:cSld>
+  <p:clrMapOvr>
+    <a:masterClrMapping/>
+  </p:clrMapOvr>
+</p:sld>
+</file>
+
+<file path=ppt/slides/slide23.xml><?xml version="1.0" encoding="utf-8"?>
+<p:sld xmlns:a="http://schemas.openxmlformats.org/drawingml/2006/main" xmlns:r="http://schemas.openxmlformats.org/officeDocument/2006/relationships" xmlns:p="http://schemas.openxmlformats.org/presentationml/2006/main">
+  <p:cSld>
+    <p:spTree>
+      <p:nvGrpSpPr>
+        <p:cNvPr id="1" name=""/>
+        <p:cNvGrpSpPr/>
+        <p:nvPr/>
+      </p:nvGrpSpPr>
+      <p:grpSpPr>
+        <a:xfrm>
+          <a:off x="0" y="0"/>
+          <a:ext cx="0" cy="0"/>
+          <a:chOff x="0" y="0"/>
+          <a:chExt cx="0" cy="0"/>
+        </a:xfrm>
+      </p:grpSpPr>
+      <p:sp>
+        <p:nvSpPr>
+          <p:cNvPr id="2" name="Text Placeholder 1">
+            <a:extLst>
+              <a:ext uri="{FF2B5EF4-FFF2-40B4-BE49-F238E27FC236}">
+                <a16:creationId xmlns:a16="http://schemas.microsoft.com/office/drawing/2014/main" id="{4C148219-67A4-6A1C-4219-69A2693902C5}"/>
+              </a:ext>
+            </a:extLst>
+          </p:cNvPr>
+          <p:cNvSpPr>
+            <a:spLocks noGrp="1"/>
+          </p:cNvSpPr>
+          <p:nvPr>
+            <p:ph type="body" idx="1"/>
+          </p:nvPr>
+        </p:nvSpPr>
+        <p:spPr>
+          <a:xfrm>
+            <a:off x="713225" y="1525500"/>
+            <a:ext cx="7717501" cy="2092500"/>
+          </a:xfrm>
+        </p:spPr>
+        <p:txBody>
+          <a:bodyPr/>
+          <a:lstStyle/>
+          <a:p>
+            <a:pPr marL="139700" indent="0">
+              <a:lnSpc>
+                <a:spcPct val="150000"/>
+              </a:lnSpc>
+              <a:buNone/>
+            </a:pPr>
+            <a:br>
+              <a:rPr lang="pl-PL" dirty="0"/>
+            </a:br>
+            <a:br>
+              <a:rPr lang="pl-PL" dirty="0"/>
+            </a:br>
+            <a:endParaRPr lang="pl-PL" dirty="0"/>
+          </a:p>
+          <a:p>
+            <a:pPr marL="482600" indent="-342900">
+              <a:lnSpc>
+                <a:spcPct val="150000"/>
+              </a:lnSpc>
+              <a:buFont typeface="+mj-lt"/>
+              <a:buAutoNum type="arabicPeriod"/>
+            </a:pPr>
+            <a:endParaRPr lang="pl-PL" dirty="0"/>
+          </a:p>
+        </p:txBody>
+      </p:sp>
+      <p:sp>
+        <p:nvSpPr>
+          <p:cNvPr id="3" name="Title 2">
+            <a:extLst>
+              <a:ext uri="{FF2B5EF4-FFF2-40B4-BE49-F238E27FC236}">
+                <a16:creationId xmlns:a16="http://schemas.microsoft.com/office/drawing/2014/main" id="{A8AC65F6-0871-5304-59F1-3C34ECF7B43F}"/>
+              </a:ext>
+            </a:extLst>
+          </p:cNvPr>
+          <p:cNvSpPr>
+            <a:spLocks noGrp="1"/>
+          </p:cNvSpPr>
+          <p:nvPr>
+            <p:ph type="title"/>
+          </p:nvPr>
+        </p:nvSpPr>
+        <p:spPr/>
+        <p:txBody>
+          <a:bodyPr/>
+          <a:lstStyle/>
+          <a:p>
+            <a:r>
+              <a:rPr lang="pl-PL" dirty="0" err="1"/>
+              <a:t>CostSensitiveClassifier</a:t>
+            </a:r>
+            <a:endParaRPr lang="en-GB" dirty="0"/>
+          </a:p>
+        </p:txBody>
+      </p:sp>
+      <mc:AlternateContent xmlns:mc="http://schemas.openxmlformats.org/markup-compatibility/2006" xmlns:a14="http://schemas.microsoft.com/office/drawing/2010/main">
+        <mc:Choice Requires="a14">
+          <p:sp>
+            <p:nvSpPr>
+              <p:cNvPr id="6" name="Text Placeholder 1">
+                <a:extLst>
+                  <a:ext uri="{FF2B5EF4-FFF2-40B4-BE49-F238E27FC236}">
+                    <a16:creationId xmlns:a16="http://schemas.microsoft.com/office/drawing/2014/main" id="{7392A943-EA8C-AA28-05D8-3A31DC956FB4}"/>
+                  </a:ext>
+                </a:extLst>
+              </p:cNvPr>
+              <p:cNvSpPr txBox="1">
+                <a:spLocks/>
+              </p:cNvSpPr>
+              <p:nvPr/>
+            </p:nvSpPr>
+            <p:spPr>
+              <a:xfrm>
+                <a:off x="713226" y="1407512"/>
+                <a:ext cx="7717499" cy="2592987"/>
+              </a:xfrm>
+              <a:prstGeom prst="rect">
+                <a:avLst/>
+              </a:prstGeom>
+              <a:noFill/>
+              <a:ln>
+                <a:noFill/>
+              </a:ln>
+            </p:spPr>
+            <p:txBody>
+              <a:bodyPr spcFirstLastPara="1" wrap="square" lIns="91425" tIns="91425" rIns="91425" bIns="91425" anchor="t" anchorCtr="0">
+                <a:noAutofit/>
+              </a:bodyPr>
+              <a:lstStyle>
+                <a:defPPr marR="0" lvl="0" algn="l" rtl="0">
+                  <a:lnSpc>
+                    <a:spcPct val="100000"/>
+                  </a:lnSpc>
+                  <a:spcBef>
+                    <a:spcPts val="0"/>
+                  </a:spcBef>
+                  <a:spcAft>
+                    <a:spcPts val="0"/>
+                  </a:spcAft>
+                </a:defPPr>
+                <a:lvl1pPr marL="457200" marR="0" lvl="0" indent="-317500" algn="l" rtl="0">
+                  <a:lnSpc>
+                    <a:spcPct val="115000"/>
+                  </a:lnSpc>
+                  <a:spcBef>
+                    <a:spcPts val="0"/>
+                  </a:spcBef>
+                  <a:spcAft>
+                    <a:spcPts val="0"/>
+                  </a:spcAft>
+                  <a:buClr>
+                    <a:schemeClr val="dk2"/>
+                  </a:buClr>
+                  <a:buSzPts val="1400"/>
+                  <a:buFont typeface="Red Hat Display"/>
+                  <a:buChar char="■"/>
+                  <a:defRPr sz="1400" b="0" i="0" u="none" strike="noStrike" cap="none">
+                    <a:solidFill>
+                      <a:schemeClr val="dk1"/>
+                    </a:solidFill>
+                    <a:latin typeface="Commissioner"/>
+                    <a:ea typeface="Commissioner"/>
+                    <a:cs typeface="Commissioner"/>
+                    <a:sym typeface="Commissioner"/>
+                  </a:defRPr>
+                </a:lvl1pPr>
+                <a:lvl2pPr marL="914400" marR="0" lvl="1" indent="-317500" algn="l" rtl="0">
+                  <a:lnSpc>
+                    <a:spcPct val="115000"/>
+                  </a:lnSpc>
+                  <a:spcBef>
+                    <a:spcPts val="1600"/>
+                  </a:spcBef>
+                  <a:spcAft>
+                    <a:spcPts val="0"/>
+                  </a:spcAft>
+                  <a:buClr>
+                    <a:srgbClr val="FFFFFF"/>
+                  </a:buClr>
+                  <a:buSzPts val="1400"/>
+                  <a:buFont typeface="Red Hat Display"/>
+                  <a:buChar char="○"/>
+                  <a:defRPr sz="1400" b="0" i="0" u="none" strike="noStrike" cap="none">
+                    <a:solidFill>
+                      <a:schemeClr val="dk1"/>
+                    </a:solidFill>
+                    <a:latin typeface="Commissioner"/>
+                    <a:ea typeface="Commissioner"/>
+                    <a:cs typeface="Commissioner"/>
+                    <a:sym typeface="Commissioner"/>
+                  </a:defRPr>
+                </a:lvl2pPr>
+                <a:lvl3pPr marL="1371600" marR="0" lvl="2" indent="-317500" algn="l" rtl="0">
+                  <a:lnSpc>
+                    <a:spcPct val="115000"/>
+                  </a:lnSpc>
+                  <a:spcBef>
+                    <a:spcPts val="1600"/>
+                  </a:spcBef>
+                  <a:spcAft>
+                    <a:spcPts val="0"/>
+                  </a:spcAft>
+                  <a:buClr>
+                    <a:srgbClr val="FFFFFF"/>
+                  </a:buClr>
+                  <a:buSzPts val="1400"/>
+                  <a:buFont typeface="Red Hat Display"/>
+                  <a:buChar char="■"/>
+                  <a:defRPr sz="1400" b="0" i="0" u="none" strike="noStrike" cap="none">
+                    <a:solidFill>
+                      <a:schemeClr val="dk1"/>
+                    </a:solidFill>
+                    <a:latin typeface="Commissioner"/>
+                    <a:ea typeface="Commissioner"/>
+                    <a:cs typeface="Commissioner"/>
+                    <a:sym typeface="Commissioner"/>
+                  </a:defRPr>
+                </a:lvl3pPr>
+                <a:lvl4pPr marL="1828800" marR="0" lvl="3" indent="-317500" algn="l" rtl="0">
+                  <a:lnSpc>
+                    <a:spcPct val="115000"/>
+                  </a:lnSpc>
+                  <a:spcBef>
+                    <a:spcPts val="1600"/>
+                  </a:spcBef>
+                  <a:spcAft>
+                    <a:spcPts val="0"/>
+                  </a:spcAft>
+                  <a:buClr>
+                    <a:srgbClr val="FFFFFF"/>
+                  </a:buClr>
+                  <a:buSzPts val="1400"/>
+                  <a:buFont typeface="Red Hat Display"/>
+                  <a:buChar char="●"/>
+                  <a:defRPr sz="1400" b="0" i="0" u="none" strike="noStrike" cap="none">
+                    <a:solidFill>
+                      <a:schemeClr val="dk1"/>
+                    </a:solidFill>
+                    <a:latin typeface="Commissioner"/>
+                    <a:ea typeface="Commissioner"/>
+                    <a:cs typeface="Commissioner"/>
+                    <a:sym typeface="Commissioner"/>
+                  </a:defRPr>
+                </a:lvl4pPr>
+                <a:lvl5pPr marL="2286000" marR="0" lvl="4" indent="-317500" algn="l" rtl="0">
+                  <a:lnSpc>
+                    <a:spcPct val="115000"/>
+                  </a:lnSpc>
+                  <a:spcBef>
+                    <a:spcPts val="1600"/>
+                  </a:spcBef>
+                  <a:spcAft>
+                    <a:spcPts val="0"/>
+                  </a:spcAft>
+                  <a:buClr>
+                    <a:srgbClr val="FFFFFF"/>
+                  </a:buClr>
+                  <a:buSzPts val="1400"/>
+                  <a:buFont typeface="Red Hat Display"/>
+                  <a:buChar char="○"/>
+                  <a:defRPr sz="1400" b="0" i="0" u="none" strike="noStrike" cap="none">
+                    <a:solidFill>
+                      <a:schemeClr val="dk1"/>
+                    </a:solidFill>
+                    <a:latin typeface="Commissioner"/>
+                    <a:ea typeface="Commissioner"/>
+                    <a:cs typeface="Commissioner"/>
+                    <a:sym typeface="Commissioner"/>
+                  </a:defRPr>
+                </a:lvl5pPr>
+                <a:lvl6pPr marL="2743200" marR="0" lvl="5" indent="-317500" algn="l" rtl="0">
+                  <a:lnSpc>
+                    <a:spcPct val="115000"/>
+                  </a:lnSpc>
+                  <a:spcBef>
+                    <a:spcPts val="1600"/>
+                  </a:spcBef>
+                  <a:spcAft>
+                    <a:spcPts val="0"/>
+                  </a:spcAft>
+                  <a:buClr>
+                    <a:srgbClr val="FFFFFF"/>
+                  </a:buClr>
+                  <a:buSzPts val="1400"/>
+                  <a:buFont typeface="Red Hat Display"/>
+                  <a:buChar char="■"/>
+                  <a:defRPr sz="1400" b="0" i="0" u="none" strike="noStrike" cap="none">
+                    <a:solidFill>
+                      <a:schemeClr val="dk1"/>
+                    </a:solidFill>
+                    <a:latin typeface="Commissioner"/>
+                    <a:ea typeface="Commissioner"/>
+                    <a:cs typeface="Commissioner"/>
+                    <a:sym typeface="Commissioner"/>
+                  </a:defRPr>
+                </a:lvl6pPr>
+                <a:lvl7pPr marL="3200400" marR="0" lvl="6" indent="-317500" algn="l" rtl="0">
+                  <a:lnSpc>
+                    <a:spcPct val="115000"/>
+                  </a:lnSpc>
+                  <a:spcBef>
+                    <a:spcPts val="1600"/>
+                  </a:spcBef>
+                  <a:spcAft>
+                    <a:spcPts val="0"/>
+                  </a:spcAft>
+                  <a:buClr>
+                    <a:srgbClr val="FFFFFF"/>
+                  </a:buClr>
+                  <a:buSzPts val="1400"/>
+                  <a:buFont typeface="Red Hat Display"/>
+                  <a:buChar char="●"/>
+                  <a:defRPr sz="1400" b="0" i="0" u="none" strike="noStrike" cap="none">
+                    <a:solidFill>
+                      <a:schemeClr val="dk1"/>
+                    </a:solidFill>
+                    <a:latin typeface="Commissioner"/>
+                    <a:ea typeface="Commissioner"/>
+                    <a:cs typeface="Commissioner"/>
+                    <a:sym typeface="Commissioner"/>
+                  </a:defRPr>
+                </a:lvl7pPr>
+                <a:lvl8pPr marL="3657600" marR="0" lvl="7" indent="-317500" algn="l" rtl="0">
+                  <a:lnSpc>
+                    <a:spcPct val="115000"/>
+                  </a:lnSpc>
+                  <a:spcBef>
+                    <a:spcPts val="1600"/>
+                  </a:spcBef>
+                  <a:spcAft>
+                    <a:spcPts val="0"/>
+                  </a:spcAft>
+                  <a:buClr>
+                    <a:srgbClr val="FFFFFF"/>
+                  </a:buClr>
+                  <a:buSzPts val="1400"/>
+                  <a:buFont typeface="Red Hat Display"/>
+                  <a:buChar char="○"/>
+                  <a:defRPr sz="1400" b="0" i="0" u="none" strike="noStrike" cap="none">
+                    <a:solidFill>
+                      <a:schemeClr val="dk1"/>
+                    </a:solidFill>
+                    <a:latin typeface="Commissioner"/>
+                    <a:ea typeface="Commissioner"/>
+                    <a:cs typeface="Commissioner"/>
+                    <a:sym typeface="Commissioner"/>
+                  </a:defRPr>
+                </a:lvl8pPr>
+                <a:lvl9pPr marL="4114800" marR="0" lvl="8" indent="-317500" algn="l" rtl="0">
+                  <a:lnSpc>
+                    <a:spcPct val="115000"/>
+                  </a:lnSpc>
+                  <a:spcBef>
+                    <a:spcPts val="1600"/>
+                  </a:spcBef>
+                  <a:spcAft>
+                    <a:spcPts val="1600"/>
+                  </a:spcAft>
+                  <a:buClr>
+                    <a:srgbClr val="FFFFFF"/>
+                  </a:buClr>
+                  <a:buSzPts val="1400"/>
+                  <a:buFont typeface="Red Hat Display"/>
+                  <a:buChar char="■"/>
+                  <a:defRPr sz="1400" b="0" i="0" u="none" strike="noStrike" cap="none">
+                    <a:solidFill>
+                      <a:schemeClr val="dk1"/>
+                    </a:solidFill>
+                    <a:latin typeface="Commissioner"/>
+                    <a:ea typeface="Commissioner"/>
+                    <a:cs typeface="Commissioner"/>
+                    <a:sym typeface="Commissioner"/>
+                  </a:defRPr>
+                </a:lvl9pPr>
+              </a:lstStyle>
+              <a:p>
+                <a:pPr>
+                  <a:lnSpc>
+                    <a:spcPct val="150000"/>
+                  </a:lnSpc>
+                </a:pPr>
+                <a:r>
+                  <a:rPr lang="pl-PL" b="0" dirty="0"/>
+                  <a:t>If a </a:t>
+                </a:r>
+                <a:r>
+                  <a:rPr lang="pl-PL" b="0" dirty="0" err="1"/>
+                  <a:t>cost</a:t>
+                </a:r>
+                <a:r>
+                  <a:rPr lang="pl-PL" dirty="0" err="1"/>
+                  <a:t>-insensitive</a:t>
+                </a:r>
+                <a:r>
+                  <a:rPr lang="pl-PL" dirty="0"/>
+                  <a:t> </a:t>
+                </a:r>
+                <a:r>
+                  <a:rPr lang="pl-PL" dirty="0" err="1"/>
+                  <a:t>classifier</a:t>
+                </a:r>
+                <a:r>
+                  <a:rPr lang="pl-PL" dirty="0"/>
+                  <a:t> </a:t>
+                </a:r>
+                <a:r>
+                  <a:rPr lang="pl-PL" dirty="0" err="1"/>
+                  <a:t>outputs</a:t>
+                </a:r>
+                <a:r>
+                  <a:rPr lang="pl-PL" dirty="0"/>
+                  <a:t> </a:t>
+                </a:r>
+                <a:r>
+                  <a:rPr lang="pl-PL" dirty="0" err="1"/>
+                  <a:t>probabilities</a:t>
+                </a:r>
+                <a:r>
+                  <a:rPr lang="pl-PL" dirty="0"/>
+                  <a:t> </a:t>
+                </a:r>
+                <a:r>
+                  <a:rPr lang="pl-PL" dirty="0" err="1"/>
+                  <a:t>associated</a:t>
+                </a:r>
+                <a:r>
+                  <a:rPr lang="pl-PL" dirty="0"/>
+                  <a:t> with </a:t>
+                </a:r>
+                <a:r>
+                  <a:rPr lang="pl-PL" dirty="0" err="1"/>
+                  <a:t>each</a:t>
+                </a:r>
+                <a:r>
+                  <a:rPr lang="pl-PL" dirty="0"/>
+                  <a:t> </a:t>
+                </a:r>
+                <a:r>
+                  <a:rPr lang="pl-PL" dirty="0" err="1"/>
+                  <a:t>instance</a:t>
+                </a:r>
+                <a:r>
+                  <a:rPr lang="pl-PL" dirty="0"/>
+                  <a:t>, the CSC </a:t>
+                </a:r>
+                <a:r>
+                  <a:rPr lang="pl-PL" dirty="0" err="1"/>
+                  <a:t>can</a:t>
+                </a:r>
+                <a:r>
+                  <a:rPr lang="pl-PL" dirty="0"/>
+                  <a:t> </a:t>
+                </a:r>
+                <a:r>
+                  <a:rPr lang="pl-PL" dirty="0" err="1"/>
+                  <a:t>predict</a:t>
+                </a:r>
+                <a:r>
+                  <a:rPr lang="pl-PL" dirty="0"/>
+                  <a:t> </a:t>
+                </a:r>
+                <a:r>
+                  <a:rPr lang="pl-PL" dirty="0" err="1"/>
+                  <a:t>classes</a:t>
+                </a:r>
+                <a:r>
+                  <a:rPr lang="pl-PL" dirty="0"/>
+                  <a:t> with the </a:t>
+                </a:r>
+                <a:r>
+                  <a:rPr lang="pl-PL" dirty="0" err="1"/>
+                  <a:t>smallest</a:t>
+                </a:r>
+                <a:r>
+                  <a:rPr lang="pl-PL" dirty="0"/>
+                  <a:t> </a:t>
+                </a:r>
+                <a:r>
+                  <a:rPr lang="pl-PL" dirty="0" err="1"/>
+                  <a:t>expected</a:t>
+                </a:r>
+                <a:r>
+                  <a:rPr lang="pl-PL" dirty="0"/>
+                  <a:t> </a:t>
+                </a:r>
+                <a:r>
+                  <a:rPr lang="pl-PL" dirty="0" err="1"/>
+                  <a:t>misclassification</a:t>
+                </a:r>
+                <a:r>
+                  <a:rPr lang="pl-PL" dirty="0"/>
+                  <a:t> </a:t>
+                </a:r>
+                <a:r>
+                  <a:rPr lang="pl-PL" dirty="0" err="1"/>
+                  <a:t>cost</a:t>
+                </a:r>
+                <a:r>
+                  <a:rPr lang="pl-PL" dirty="0"/>
+                  <a:t>.</a:t>
+                </a:r>
+              </a:p>
+              <a:p>
+                <a:pPr>
+                  <a:lnSpc>
+                    <a:spcPct val="150000"/>
+                  </a:lnSpc>
+                </a:pPr>
+                <a:r>
+                  <a:rPr lang="pl-PL" dirty="0"/>
+                  <a:t>In </a:t>
+                </a:r>
+                <a:r>
+                  <a:rPr lang="pl-PL" dirty="0" err="1"/>
+                  <a:t>binary</a:t>
+                </a:r>
+                <a:r>
+                  <a:rPr lang="pl-PL" dirty="0"/>
+                  <a:t> </a:t>
+                </a:r>
+                <a:r>
+                  <a:rPr lang="pl-PL" dirty="0" err="1"/>
+                  <a:t>case</a:t>
+                </a:r>
+                <a:r>
+                  <a:rPr lang="pl-PL" dirty="0"/>
+                  <a:t> the </a:t>
+                </a:r>
+                <a:r>
+                  <a:rPr lang="pl-PL" dirty="0" err="1"/>
+                  <a:t>threshold</a:t>
+                </a:r>
+                <a:r>
+                  <a:rPr lang="pl-PL" dirty="0"/>
+                  <a:t> </a:t>
+                </a:r>
+                <a14:m>
+                  <m:oMath xmlns:m="http://schemas.openxmlformats.org/officeDocument/2006/math">
+                    <m:sSup>
+                      <m:sSupPr>
+                        <m:ctrlPr>
+                          <a:rPr lang="pl-PL" b="0" i="1" smtClean="0">
+                            <a:latin typeface="Cambria Math" panose="02040503050406030204" pitchFamily="18" charset="0"/>
+                          </a:rPr>
+                        </m:ctrlPr>
+                      </m:sSupPr>
+                      <m:e>
+                        <m:r>
+                          <a:rPr lang="pl-PL" b="0" i="1" smtClean="0">
+                            <a:latin typeface="Cambria Math" panose="02040503050406030204" pitchFamily="18" charset="0"/>
+                          </a:rPr>
+                          <m:t>𝑝</m:t>
+                        </m:r>
+                      </m:e>
+                      <m:sup>
+                        <m:r>
+                          <a:rPr lang="pl-PL" b="0" i="1" smtClean="0">
+                            <a:latin typeface="Cambria Math" panose="02040503050406030204" pitchFamily="18" charset="0"/>
+                          </a:rPr>
+                          <m:t>∗</m:t>
+                        </m:r>
+                      </m:sup>
+                    </m:sSup>
+                  </m:oMath>
+                </a14:m>
+                <a:r>
+                  <a:rPr lang="pl-PL" b="0" dirty="0"/>
+                  <a:t> </a:t>
+                </a:r>
+                <a:r>
+                  <a:rPr lang="pl-PL" b="0" dirty="0" err="1"/>
+                  <a:t>is</a:t>
+                </a:r>
+                <a:r>
+                  <a:rPr lang="pl-PL" b="0" dirty="0"/>
+                  <a:t> </a:t>
+                </a:r>
+                <a:r>
+                  <a:rPr lang="pl-PL" b="0" dirty="0" err="1"/>
+                  <a:t>used</a:t>
+                </a:r>
+                <a:r>
+                  <a:rPr lang="pl-PL" b="0" dirty="0"/>
+                  <a:t> for the </a:t>
+                </a:r>
+                <a:r>
+                  <a:rPr lang="pl-PL" b="0" dirty="0" err="1"/>
+                  <a:t>classifier</a:t>
+                </a:r>
+                <a:r>
+                  <a:rPr lang="pl-PL" b="0" dirty="0"/>
+                  <a:t> to </a:t>
+                </a:r>
+                <a:r>
+                  <a:rPr lang="pl-PL" b="0" dirty="0" err="1"/>
+                  <a:t>classify</a:t>
+                </a:r>
+                <a:r>
+                  <a:rPr lang="pl-PL" b="0" dirty="0"/>
+                  <a:t> </a:t>
+                </a:r>
+                <a:r>
+                  <a:rPr lang="pl-PL" b="0" dirty="0" err="1"/>
+                  <a:t>instance</a:t>
+                </a:r>
+                <a:r>
+                  <a:rPr lang="pl-PL" b="0" dirty="0"/>
+                  <a:t> x to </a:t>
+                </a:r>
+                <a:r>
+                  <a:rPr lang="pl-PL" b="0" dirty="0" err="1"/>
+                  <a:t>positive</a:t>
+                </a:r>
+                <a:r>
+                  <a:rPr lang="pl-PL" b="0" dirty="0"/>
+                  <a:t> </a:t>
+                </a:r>
+                <a:r>
+                  <a:rPr lang="pl-PL" b="0" dirty="0" err="1"/>
+                  <a:t>class</a:t>
+                </a:r>
+                <a:r>
+                  <a:rPr lang="pl-PL" dirty="0"/>
+                  <a:t> </a:t>
+                </a:r>
+                <a:r>
+                  <a:rPr lang="pl-PL" dirty="0" err="1"/>
+                  <a:t>if</a:t>
+                </a:r>
+                <a:r>
+                  <a:rPr lang="pl-PL" dirty="0"/>
+                  <a:t> </a:t>
+                </a:r>
+                <a14:m>
+                  <m:oMath xmlns:m="http://schemas.openxmlformats.org/officeDocument/2006/math">
+                    <m:r>
+                      <a:rPr lang="pl-PL" b="0" i="1" smtClean="0">
+                        <a:latin typeface="Cambria Math" panose="02040503050406030204" pitchFamily="18" charset="0"/>
+                      </a:rPr>
+                      <m:t>𝑃</m:t>
+                    </m:r>
+                    <m:d>
+                      <m:dPr>
+                        <m:ctrlPr>
+                          <a:rPr lang="pl-PL" b="0" i="1" smtClean="0">
+                            <a:latin typeface="Cambria Math" panose="02040503050406030204" pitchFamily="18" charset="0"/>
+                          </a:rPr>
+                        </m:ctrlPr>
+                      </m:dPr>
+                      <m:e>
+                        <m:r>
+                          <a:rPr lang="pl-PL" b="0" i="1" smtClean="0">
+                            <a:latin typeface="Cambria Math" panose="02040503050406030204" pitchFamily="18" charset="0"/>
+                          </a:rPr>
+                          <m:t>1</m:t>
+                        </m:r>
+                      </m:e>
+                      <m:e>
+                        <m:r>
+                          <a:rPr lang="pl-PL" b="0" i="1" smtClean="0">
+                            <a:latin typeface="Cambria Math" panose="02040503050406030204" pitchFamily="18" charset="0"/>
+                          </a:rPr>
+                          <m:t>𝑥</m:t>
+                        </m:r>
+                      </m:e>
+                    </m:d>
+                    <m:r>
+                      <a:rPr lang="pl-PL" b="0" i="1" smtClean="0">
+                        <a:latin typeface="Cambria Math" panose="02040503050406030204" pitchFamily="18" charset="0"/>
+                        <a:ea typeface="Cambria Math" panose="02040503050406030204" pitchFamily="18" charset="0"/>
+                      </a:rPr>
+                      <m:t>≥</m:t>
+                    </m:r>
+                    <m:sSup>
+                      <m:sSupPr>
+                        <m:ctrlPr>
+                          <a:rPr lang="pl-PL" b="0" i="1" smtClean="0">
+                            <a:latin typeface="Cambria Math" panose="02040503050406030204" pitchFamily="18" charset="0"/>
+                            <a:ea typeface="Cambria Math" panose="02040503050406030204" pitchFamily="18" charset="0"/>
+                          </a:rPr>
+                        </m:ctrlPr>
+                      </m:sSupPr>
+                      <m:e>
+                        <m:r>
+                          <a:rPr lang="pl-PL" b="0" i="1" smtClean="0">
+                            <a:latin typeface="Cambria Math" panose="02040503050406030204" pitchFamily="18" charset="0"/>
+                            <a:ea typeface="Cambria Math" panose="02040503050406030204" pitchFamily="18" charset="0"/>
+                          </a:rPr>
+                          <m:t>𝑝</m:t>
+                        </m:r>
+                      </m:e>
+                      <m:sup>
+                        <m:r>
+                          <a:rPr lang="pl-PL" b="0" i="1" smtClean="0">
+                            <a:latin typeface="Cambria Math" panose="02040503050406030204" pitchFamily="18" charset="0"/>
+                            <a:ea typeface="Cambria Math" panose="02040503050406030204" pitchFamily="18" charset="0"/>
+                          </a:rPr>
+                          <m:t>∗</m:t>
+                        </m:r>
+                      </m:sup>
+                    </m:sSup>
+                    <m:r>
+                      <a:rPr lang="pl-PL" b="0" i="0" smtClean="0">
+                        <a:latin typeface="Cambria Math" panose="02040503050406030204" pitchFamily="18" charset="0"/>
+                        <a:ea typeface="Cambria Math" panose="02040503050406030204" pitchFamily="18" charset="0"/>
+                      </a:rPr>
+                      <m:t>.</m:t>
+                    </m:r>
+                  </m:oMath>
+                </a14:m>
+                <a:endParaRPr lang="pl-PL" b="0" dirty="0">
+                  <a:ea typeface="Cambria Math" panose="02040503050406030204" pitchFamily="18" charset="0"/>
+                </a:endParaRPr>
+              </a:p>
+              <a:p>
+                <a:pPr>
+                  <a:lnSpc>
+                    <a:spcPct val="150000"/>
+                  </a:lnSpc>
+                </a:pPr>
+                <a:r>
+                  <a:rPr lang="pl-PL" b="0" dirty="0"/>
+                  <a:t>Drawback: </a:t>
+                </a:r>
+                <a:r>
+                  <a:rPr lang="pl-PL" dirty="0"/>
+                  <a:t>we </a:t>
+                </a:r>
+                <a:r>
+                  <a:rPr lang="pl-PL" dirty="0" err="1"/>
+                  <a:t>need</a:t>
+                </a:r>
+                <a:r>
+                  <a:rPr lang="pl-PL" dirty="0"/>
+                  <a:t> a </a:t>
+                </a:r>
+                <a:r>
+                  <a:rPr lang="pl-PL" dirty="0" err="1"/>
+                  <a:t>cost-insensitive</a:t>
+                </a:r>
+                <a:r>
+                  <a:rPr lang="pl-PL" dirty="0"/>
+                  <a:t> </a:t>
+                </a:r>
+                <a:r>
+                  <a:rPr lang="pl-PL" dirty="0" err="1"/>
+                  <a:t>classifier</a:t>
+                </a:r>
+                <a:r>
+                  <a:rPr lang="pl-PL" dirty="0"/>
+                  <a:t> </a:t>
+                </a:r>
+                <a:r>
+                  <a:rPr lang="pl-PL" dirty="0" err="1"/>
+                  <a:t>that</a:t>
+                </a:r>
+                <a:r>
+                  <a:rPr lang="pl-PL" dirty="0"/>
+                  <a:t> </a:t>
+                </a:r>
+                <a:r>
+                  <a:rPr lang="pl-PL" dirty="0" err="1"/>
+                  <a:t>produces</a:t>
+                </a:r>
+                <a:r>
+                  <a:rPr lang="pl-PL" dirty="0"/>
+                  <a:t> </a:t>
+                </a:r>
+                <a:r>
+                  <a:rPr lang="pl-PL" dirty="0" err="1"/>
+                  <a:t>accurate</a:t>
+                </a:r>
+                <a:r>
+                  <a:rPr lang="pl-PL" dirty="0"/>
+                  <a:t> </a:t>
+                </a:r>
+                <a:r>
+                  <a:rPr lang="pl-PL" dirty="0" err="1"/>
+                  <a:t>posterior</a:t>
+                </a:r>
+                <a:r>
+                  <a:rPr lang="pl-PL" dirty="0"/>
+                  <a:t> </a:t>
+                </a:r>
+                <a:r>
+                  <a:rPr lang="pl-PL" dirty="0" err="1"/>
+                  <a:t>probability</a:t>
+                </a:r>
+                <a:r>
+                  <a:rPr lang="pl-PL" dirty="0"/>
+                  <a:t> </a:t>
+                </a:r>
+                <a:r>
+                  <a:rPr lang="pl-PL" dirty="0" err="1"/>
+                  <a:t>estimations</a:t>
+                </a:r>
+                <a:r>
+                  <a:rPr lang="pl-PL" dirty="0"/>
+                  <a:t>.</a:t>
+                </a:r>
+                <a:endParaRPr lang="en-GB" dirty="0"/>
+              </a:p>
+            </p:txBody>
+          </p:sp>
+        </mc:Choice>
+        <mc:Fallback xmlns="">
+          <p:sp>
+            <p:nvSpPr>
+              <p:cNvPr id="6" name="Text Placeholder 1">
+                <a:extLst>
+                  <a:ext uri="{FF2B5EF4-FFF2-40B4-BE49-F238E27FC236}">
+                    <a16:creationId xmlns:a16="http://schemas.microsoft.com/office/drawing/2014/main" id="{7392A943-EA8C-AA28-05D8-3A31DC956FB4}"/>
+                  </a:ext>
+                </a:extLst>
+              </p:cNvPr>
+              <p:cNvSpPr txBox="1">
+                <a:spLocks noRot="1" noChangeAspect="1" noMove="1" noResize="1" noEditPoints="1" noAdjustHandles="1" noChangeArrowheads="1" noChangeShapeType="1" noTextEdit="1"/>
+              </p:cNvSpPr>
+              <p:nvPr/>
+            </p:nvSpPr>
+            <p:spPr>
+              <a:xfrm>
+                <a:off x="713226" y="1407512"/>
+                <a:ext cx="7717499" cy="2592987"/>
+              </a:xfrm>
+              <a:prstGeom prst="rect">
+                <a:avLst/>
+              </a:prstGeom>
+              <a:blipFill>
+                <a:blip r:embed="rId2"/>
+                <a:stretch>
+                  <a:fillRect/>
+                </a:stretch>
+              </a:blipFill>
+              <a:ln>
+                <a:noFill/>
+              </a:ln>
+            </p:spPr>
+            <p:txBody>
+              <a:bodyPr/>
+              <a:lstStyle/>
+              <a:p>
+                <a:r>
+                  <a:rPr lang="pl-PL">
+                    <a:noFill/>
+                  </a:rPr>
+                  <a:t> </a:t>
+                </a:r>
+              </a:p>
+            </p:txBody>
+          </p:sp>
+        </mc:Fallback>
+      </mc:AlternateContent>
+    </p:spTree>
+    <p:extLst>
+      <p:ext uri="{BB962C8B-B14F-4D97-AF65-F5344CB8AC3E}">
+        <p14:creationId xmlns:p14="http://schemas.microsoft.com/office/powerpoint/2010/main" val="3412601296"/>
+      </p:ext>
+    </p:extLst>
+  </p:cSld>
+  <p:clrMapOvr>
+    <a:masterClrMapping/>
+  </p:clrMapOvr>
+</p:sld>
+</file>
+
+<file path=ppt/slides/slide24.xml><?xml version="1.0" encoding="utf-8"?>
+<p:sld xmlns:a="http://schemas.openxmlformats.org/drawingml/2006/main" xmlns:r="http://schemas.openxmlformats.org/officeDocument/2006/relationships" xmlns:p="http://schemas.openxmlformats.org/presentationml/2006/main">
+  <p:cSld>
+    <p:spTree>
+      <p:nvGrpSpPr>
+        <p:cNvPr id="1" name=""/>
+        <p:cNvGrpSpPr/>
+        <p:nvPr/>
+      </p:nvGrpSpPr>
+      <p:grpSpPr>
+        <a:xfrm>
+          <a:off x="0" y="0"/>
+          <a:ext cx="0" cy="0"/>
+          <a:chOff x="0" y="0"/>
+          <a:chExt cx="0" cy="0"/>
+        </a:xfrm>
+      </p:grpSpPr>
+      <p:sp>
+        <p:nvSpPr>
+          <p:cNvPr id="2" name="Text Placeholder 1">
+            <a:extLst>
+              <a:ext uri="{FF2B5EF4-FFF2-40B4-BE49-F238E27FC236}">
+                <a16:creationId xmlns:a16="http://schemas.microsoft.com/office/drawing/2014/main" id="{4C148219-67A4-6A1C-4219-69A2693902C5}"/>
+              </a:ext>
+            </a:extLst>
+          </p:cNvPr>
+          <p:cNvSpPr>
+            <a:spLocks noGrp="1"/>
+          </p:cNvSpPr>
+          <p:nvPr>
+            <p:ph type="body" idx="1"/>
+          </p:nvPr>
+        </p:nvSpPr>
+        <p:spPr>
+          <a:xfrm>
+            <a:off x="713225" y="1525500"/>
+            <a:ext cx="7717501" cy="2092500"/>
+          </a:xfrm>
+        </p:spPr>
+        <p:txBody>
+          <a:bodyPr/>
+          <a:lstStyle/>
+          <a:p>
+            <a:pPr marL="139700" indent="0">
+              <a:lnSpc>
+                <a:spcPct val="150000"/>
+              </a:lnSpc>
+              <a:buNone/>
+            </a:pPr>
+            <a:br>
+              <a:rPr lang="pl-PL" dirty="0"/>
+            </a:br>
+            <a:br>
+              <a:rPr lang="pl-PL" dirty="0"/>
+            </a:br>
+            <a:endParaRPr lang="pl-PL" dirty="0"/>
+          </a:p>
+          <a:p>
+            <a:pPr marL="482600" indent="-342900">
+              <a:lnSpc>
+                <a:spcPct val="150000"/>
+              </a:lnSpc>
+              <a:buFont typeface="+mj-lt"/>
+              <a:buAutoNum type="arabicPeriod"/>
+            </a:pPr>
+            <a:endParaRPr lang="pl-PL" dirty="0"/>
+          </a:p>
+        </p:txBody>
+      </p:sp>
+      <p:sp>
+        <p:nvSpPr>
+          <p:cNvPr id="3" name="Title 2">
+            <a:extLst>
+              <a:ext uri="{FF2B5EF4-FFF2-40B4-BE49-F238E27FC236}">
+                <a16:creationId xmlns:a16="http://schemas.microsoft.com/office/drawing/2014/main" id="{A8AC65F6-0871-5304-59F1-3C34ECF7B43F}"/>
+              </a:ext>
+            </a:extLst>
+          </p:cNvPr>
+          <p:cNvSpPr>
+            <a:spLocks noGrp="1"/>
+          </p:cNvSpPr>
+          <p:nvPr>
+            <p:ph type="title"/>
+          </p:nvPr>
+        </p:nvSpPr>
+        <p:spPr/>
+        <p:txBody>
+          <a:bodyPr/>
+          <a:lstStyle/>
+          <a:p>
+            <a:r>
+              <a:rPr lang="pl-PL" dirty="0" err="1"/>
+              <a:t>Empirical</a:t>
+            </a:r>
+            <a:r>
+              <a:rPr lang="pl-PL" dirty="0"/>
+              <a:t> </a:t>
+            </a:r>
+            <a:r>
+              <a:rPr lang="pl-PL" dirty="0" err="1"/>
+              <a:t>thresholding</a:t>
+            </a:r>
+            <a:endParaRPr lang="en-GB" dirty="0"/>
+          </a:p>
+        </p:txBody>
+      </p:sp>
+      <mc:AlternateContent xmlns:mc="http://schemas.openxmlformats.org/markup-compatibility/2006">
+        <mc:Choice xmlns:a14="http://schemas.microsoft.com/office/drawing/2010/main" Requires="a14">
+          <p:sp>
+            <p:nvSpPr>
+              <p:cNvPr id="6" name="Text Placeholder 1">
+                <a:extLst>
+                  <a:ext uri="{FF2B5EF4-FFF2-40B4-BE49-F238E27FC236}">
+                    <a16:creationId xmlns:a16="http://schemas.microsoft.com/office/drawing/2014/main" id="{7392A943-EA8C-AA28-05D8-3A31DC956FB4}"/>
+                  </a:ext>
+                </a:extLst>
+              </p:cNvPr>
+              <p:cNvSpPr txBox="1">
+                <a:spLocks/>
+              </p:cNvSpPr>
+              <p:nvPr/>
+            </p:nvSpPr>
+            <p:spPr>
+              <a:xfrm>
+                <a:off x="713226" y="1407512"/>
+                <a:ext cx="7717499" cy="2592987"/>
+              </a:xfrm>
+              <a:prstGeom prst="rect">
+                <a:avLst/>
+              </a:prstGeom>
+              <a:noFill/>
+              <a:ln>
+                <a:noFill/>
+              </a:ln>
+            </p:spPr>
+            <p:txBody>
+              <a:bodyPr spcFirstLastPara="1" wrap="square" lIns="91425" tIns="91425" rIns="91425" bIns="91425" anchor="t" anchorCtr="0">
+                <a:noAutofit/>
+              </a:bodyPr>
+              <a:lstStyle>
+                <a:defPPr marR="0" lvl="0" algn="l" rtl="0">
+                  <a:lnSpc>
+                    <a:spcPct val="100000"/>
+                  </a:lnSpc>
+                  <a:spcBef>
+                    <a:spcPts val="0"/>
+                  </a:spcBef>
+                  <a:spcAft>
+                    <a:spcPts val="0"/>
+                  </a:spcAft>
+                </a:defPPr>
+                <a:lvl1pPr marL="457200" marR="0" lvl="0" indent="-317500" algn="l" rtl="0">
+                  <a:lnSpc>
+                    <a:spcPct val="115000"/>
+                  </a:lnSpc>
+                  <a:spcBef>
+                    <a:spcPts val="0"/>
+                  </a:spcBef>
+                  <a:spcAft>
+                    <a:spcPts val="0"/>
+                  </a:spcAft>
+                  <a:buClr>
+                    <a:schemeClr val="dk2"/>
+                  </a:buClr>
+                  <a:buSzPts val="1400"/>
+                  <a:buFont typeface="Red Hat Display"/>
+                  <a:buChar char="■"/>
+                  <a:defRPr sz="1400" b="0" i="0" u="none" strike="noStrike" cap="none">
+                    <a:solidFill>
+                      <a:schemeClr val="dk1"/>
+                    </a:solidFill>
+                    <a:latin typeface="Commissioner"/>
+                    <a:ea typeface="Commissioner"/>
+                    <a:cs typeface="Commissioner"/>
+                    <a:sym typeface="Commissioner"/>
+                  </a:defRPr>
+                </a:lvl1pPr>
+                <a:lvl2pPr marL="914400" marR="0" lvl="1" indent="-317500" algn="l" rtl="0">
+                  <a:lnSpc>
+                    <a:spcPct val="115000"/>
+                  </a:lnSpc>
+                  <a:spcBef>
+                    <a:spcPts val="1600"/>
+                  </a:spcBef>
+                  <a:spcAft>
+                    <a:spcPts val="0"/>
+                  </a:spcAft>
+                  <a:buClr>
+                    <a:srgbClr val="FFFFFF"/>
+                  </a:buClr>
+                  <a:buSzPts val="1400"/>
+                  <a:buFont typeface="Red Hat Display"/>
+                  <a:buChar char="○"/>
+                  <a:defRPr sz="1400" b="0" i="0" u="none" strike="noStrike" cap="none">
+                    <a:solidFill>
+                      <a:schemeClr val="dk1"/>
+                    </a:solidFill>
+                    <a:latin typeface="Commissioner"/>
+                    <a:ea typeface="Commissioner"/>
+                    <a:cs typeface="Commissioner"/>
+                    <a:sym typeface="Commissioner"/>
+                  </a:defRPr>
+                </a:lvl2pPr>
+                <a:lvl3pPr marL="1371600" marR="0" lvl="2" indent="-317500" algn="l" rtl="0">
+                  <a:lnSpc>
+                    <a:spcPct val="115000"/>
+                  </a:lnSpc>
+                  <a:spcBef>
+                    <a:spcPts val="1600"/>
+                  </a:spcBef>
+                  <a:spcAft>
+                    <a:spcPts val="0"/>
+                  </a:spcAft>
+                  <a:buClr>
+                    <a:srgbClr val="FFFFFF"/>
+                  </a:buClr>
+                  <a:buSzPts val="1400"/>
+                  <a:buFont typeface="Red Hat Display"/>
+                  <a:buChar char="■"/>
+                  <a:defRPr sz="1400" b="0" i="0" u="none" strike="noStrike" cap="none">
+                    <a:solidFill>
+                      <a:schemeClr val="dk1"/>
+                    </a:solidFill>
+                    <a:latin typeface="Commissioner"/>
+                    <a:ea typeface="Commissioner"/>
+                    <a:cs typeface="Commissioner"/>
+                    <a:sym typeface="Commissioner"/>
+                  </a:defRPr>
+                </a:lvl3pPr>
+                <a:lvl4pPr marL="1828800" marR="0" lvl="3" indent="-317500" algn="l" rtl="0">
+                  <a:lnSpc>
+                    <a:spcPct val="115000"/>
+                  </a:lnSpc>
+                  <a:spcBef>
+                    <a:spcPts val="1600"/>
+                  </a:spcBef>
+                  <a:spcAft>
+                    <a:spcPts val="0"/>
+                  </a:spcAft>
+                  <a:buClr>
+                    <a:srgbClr val="FFFFFF"/>
+                  </a:buClr>
+                  <a:buSzPts val="1400"/>
+                  <a:buFont typeface="Red Hat Display"/>
+                  <a:buChar char="●"/>
+                  <a:defRPr sz="1400" b="0" i="0" u="none" strike="noStrike" cap="none">
+                    <a:solidFill>
+                      <a:schemeClr val="dk1"/>
+                    </a:solidFill>
+                    <a:latin typeface="Commissioner"/>
+                    <a:ea typeface="Commissioner"/>
+                    <a:cs typeface="Commissioner"/>
+                    <a:sym typeface="Commissioner"/>
+                  </a:defRPr>
+                </a:lvl4pPr>
+                <a:lvl5pPr marL="2286000" marR="0" lvl="4" indent="-317500" algn="l" rtl="0">
+                  <a:lnSpc>
+                    <a:spcPct val="115000"/>
+                  </a:lnSpc>
+                  <a:spcBef>
+                    <a:spcPts val="1600"/>
+                  </a:spcBef>
+                  <a:spcAft>
+                    <a:spcPts val="0"/>
+                  </a:spcAft>
+                  <a:buClr>
+                    <a:srgbClr val="FFFFFF"/>
+                  </a:buClr>
+                  <a:buSzPts val="1400"/>
+                  <a:buFont typeface="Red Hat Display"/>
+                  <a:buChar char="○"/>
+                  <a:defRPr sz="1400" b="0" i="0" u="none" strike="noStrike" cap="none">
+                    <a:solidFill>
+                      <a:schemeClr val="dk1"/>
+                    </a:solidFill>
+                    <a:latin typeface="Commissioner"/>
+                    <a:ea typeface="Commissioner"/>
+                    <a:cs typeface="Commissioner"/>
+                    <a:sym typeface="Commissioner"/>
+                  </a:defRPr>
+                </a:lvl5pPr>
+                <a:lvl6pPr marL="2743200" marR="0" lvl="5" indent="-317500" algn="l" rtl="0">
+                  <a:lnSpc>
+                    <a:spcPct val="115000"/>
+                  </a:lnSpc>
+                  <a:spcBef>
+                    <a:spcPts val="1600"/>
+                  </a:spcBef>
+                  <a:spcAft>
+                    <a:spcPts val="0"/>
+                  </a:spcAft>
+                  <a:buClr>
+                    <a:srgbClr val="FFFFFF"/>
+                  </a:buClr>
+                  <a:buSzPts val="1400"/>
+                  <a:buFont typeface="Red Hat Display"/>
+                  <a:buChar char="■"/>
+                  <a:defRPr sz="1400" b="0" i="0" u="none" strike="noStrike" cap="none">
+                    <a:solidFill>
+                      <a:schemeClr val="dk1"/>
+                    </a:solidFill>
+                    <a:latin typeface="Commissioner"/>
+                    <a:ea typeface="Commissioner"/>
+                    <a:cs typeface="Commissioner"/>
+                    <a:sym typeface="Commissioner"/>
+                  </a:defRPr>
+                </a:lvl6pPr>
+                <a:lvl7pPr marL="3200400" marR="0" lvl="6" indent="-317500" algn="l" rtl="0">
+                  <a:lnSpc>
+                    <a:spcPct val="115000"/>
+                  </a:lnSpc>
+                  <a:spcBef>
+                    <a:spcPts val="1600"/>
+                  </a:spcBef>
+                  <a:spcAft>
+                    <a:spcPts val="0"/>
+                  </a:spcAft>
+                  <a:buClr>
+                    <a:srgbClr val="FFFFFF"/>
+                  </a:buClr>
+                  <a:buSzPts val="1400"/>
+                  <a:buFont typeface="Red Hat Display"/>
+                  <a:buChar char="●"/>
+                  <a:defRPr sz="1400" b="0" i="0" u="none" strike="noStrike" cap="none">
+                    <a:solidFill>
+                      <a:schemeClr val="dk1"/>
+                    </a:solidFill>
+                    <a:latin typeface="Commissioner"/>
+                    <a:ea typeface="Commissioner"/>
+                    <a:cs typeface="Commissioner"/>
+                    <a:sym typeface="Commissioner"/>
+                  </a:defRPr>
+                </a:lvl7pPr>
+                <a:lvl8pPr marL="3657600" marR="0" lvl="7" indent="-317500" algn="l" rtl="0">
+                  <a:lnSpc>
+                    <a:spcPct val="115000"/>
+                  </a:lnSpc>
+                  <a:spcBef>
+                    <a:spcPts val="1600"/>
+                  </a:spcBef>
+                  <a:spcAft>
+                    <a:spcPts val="0"/>
+                  </a:spcAft>
+                  <a:buClr>
+                    <a:srgbClr val="FFFFFF"/>
+                  </a:buClr>
+                  <a:buSzPts val="1400"/>
+                  <a:buFont typeface="Red Hat Display"/>
+                  <a:buChar char="○"/>
+                  <a:defRPr sz="1400" b="0" i="0" u="none" strike="noStrike" cap="none">
+                    <a:solidFill>
+                      <a:schemeClr val="dk1"/>
+                    </a:solidFill>
+                    <a:latin typeface="Commissioner"/>
+                    <a:ea typeface="Commissioner"/>
+                    <a:cs typeface="Commissioner"/>
+                    <a:sym typeface="Commissioner"/>
+                  </a:defRPr>
+                </a:lvl8pPr>
+                <a:lvl9pPr marL="4114800" marR="0" lvl="8" indent="-317500" algn="l" rtl="0">
+                  <a:lnSpc>
+                    <a:spcPct val="115000"/>
+                  </a:lnSpc>
+                  <a:spcBef>
+                    <a:spcPts val="1600"/>
+                  </a:spcBef>
+                  <a:spcAft>
+                    <a:spcPts val="1600"/>
+                  </a:spcAft>
+                  <a:buClr>
+                    <a:srgbClr val="FFFFFF"/>
+                  </a:buClr>
+                  <a:buSzPts val="1400"/>
+                  <a:buFont typeface="Red Hat Display"/>
+                  <a:buChar char="■"/>
+                  <a:defRPr sz="1400" b="0" i="0" u="none" strike="noStrike" cap="none">
+                    <a:solidFill>
+                      <a:schemeClr val="dk1"/>
+                    </a:solidFill>
+                    <a:latin typeface="Commissioner"/>
+                    <a:ea typeface="Commissioner"/>
+                    <a:cs typeface="Commissioner"/>
+                    <a:sym typeface="Commissioner"/>
+                  </a:defRPr>
+                </a:lvl9pPr>
+              </a:lstStyle>
+              <a:p>
+                <a:pPr>
+                  <a:lnSpc>
+                    <a:spcPct val="150000"/>
+                  </a:lnSpc>
+                </a:pPr>
+                <a:r>
+                  <a:rPr lang="pl-PL" dirty="0"/>
+                  <a:t>Does not </a:t>
+                </a:r>
+                <a:r>
+                  <a:rPr lang="pl-PL" dirty="0" err="1"/>
+                  <a:t>require</a:t>
+                </a:r>
+                <a:r>
+                  <a:rPr lang="pl-PL" dirty="0"/>
+                  <a:t> </a:t>
+                </a:r>
+                <a:r>
+                  <a:rPr lang="pl-PL" dirty="0" err="1"/>
+                  <a:t>accurate</a:t>
+                </a:r>
+                <a:r>
+                  <a:rPr lang="pl-PL" dirty="0"/>
+                  <a:t> </a:t>
+                </a:r>
+                <a:r>
+                  <a:rPr lang="pl-PL" dirty="0" err="1"/>
+                  <a:t>probability</a:t>
+                </a:r>
+                <a:r>
+                  <a:rPr lang="pl-PL" dirty="0"/>
+                  <a:t> </a:t>
+                </a:r>
+                <a:r>
+                  <a:rPr lang="pl-PL" dirty="0" err="1"/>
+                  <a:t>estimations</a:t>
+                </a:r>
+                <a:r>
+                  <a:rPr lang="pl-PL" dirty="0"/>
+                  <a:t>. </a:t>
+                </a:r>
+              </a:p>
+              <a:p>
+                <a:pPr>
+                  <a:lnSpc>
+                    <a:spcPct val="150000"/>
+                  </a:lnSpc>
+                </a:pPr>
+                <a:r>
+                  <a:rPr lang="pl-PL" dirty="0"/>
+                  <a:t>The </a:t>
+                </a:r>
+                <a:r>
+                  <a:rPr lang="pl-PL" dirty="0" err="1"/>
+                  <a:t>total</a:t>
+                </a:r>
+                <a:r>
+                  <a:rPr lang="pl-PL" dirty="0"/>
+                  <a:t> </a:t>
+                </a:r>
+                <a:r>
+                  <a:rPr lang="pl-PL" dirty="0" err="1"/>
+                  <a:t>misclassification</a:t>
+                </a:r>
+                <a:r>
+                  <a:rPr lang="pl-PL" dirty="0"/>
+                  <a:t> </a:t>
+                </a:r>
+                <a:r>
+                  <a:rPr lang="pl-PL" dirty="0" err="1"/>
+                  <a:t>cost</a:t>
+                </a:r>
+                <a:r>
+                  <a:rPr lang="pl-PL" dirty="0"/>
+                  <a:t> </a:t>
+                </a:r>
+                <a:r>
+                  <a:rPr lang="pl-PL" dirty="0" err="1"/>
+                  <a:t>is</a:t>
+                </a:r>
+                <a:r>
+                  <a:rPr lang="pl-PL" dirty="0"/>
+                  <a:t> a </a:t>
+                </a:r>
+                <a:r>
+                  <a:rPr lang="pl-PL" dirty="0" err="1"/>
+                  <a:t>function</a:t>
+                </a:r>
+                <a:r>
+                  <a:rPr lang="pl-PL" dirty="0"/>
+                  <a:t> of </a:t>
+                </a:r>
+                <a:r>
+                  <a:rPr lang="pl-PL" dirty="0" err="1"/>
+                  <a:t>threshold</a:t>
+                </a:r>
+                <a:r>
+                  <a:rPr lang="pl-PL" dirty="0"/>
+                  <a:t> </a:t>
+                </a:r>
+                <a14:m>
+                  <m:oMath xmlns:m="http://schemas.openxmlformats.org/officeDocument/2006/math">
+                    <m:sSub>
+                      <m:sSubPr>
+                        <m:ctrlPr>
+                          <a:rPr lang="pl-PL" b="0" i="1" smtClean="0">
+                            <a:latin typeface="Cambria Math" panose="02040503050406030204" pitchFamily="18" charset="0"/>
+                          </a:rPr>
+                        </m:ctrlPr>
+                      </m:sSubPr>
+                      <m:e>
+                        <m:r>
+                          <a:rPr lang="pl-PL" b="0" i="1" smtClean="0">
+                            <a:latin typeface="Cambria Math" panose="02040503050406030204" pitchFamily="18" charset="0"/>
+                          </a:rPr>
+                          <m:t>𝑀</m:t>
+                        </m:r>
+                      </m:e>
+                      <m:sub>
+                        <m:r>
+                          <a:rPr lang="pl-PL" b="0" i="1" smtClean="0">
+                            <a:latin typeface="Cambria Math" panose="02040503050406030204" pitchFamily="18" charset="0"/>
+                          </a:rPr>
+                          <m:t>𝐶</m:t>
+                        </m:r>
+                      </m:sub>
+                    </m:sSub>
+                    <m:r>
+                      <a:rPr lang="pl-PL" b="0" i="1" smtClean="0">
+                        <a:latin typeface="Cambria Math" panose="02040503050406030204" pitchFamily="18" charset="0"/>
+                      </a:rPr>
+                      <m:t>=</m:t>
+                    </m:r>
+                    <m:r>
+                      <a:rPr lang="pl-PL" b="0" i="1" smtClean="0">
+                        <a:latin typeface="Cambria Math" panose="02040503050406030204" pitchFamily="18" charset="0"/>
+                      </a:rPr>
+                      <m:t>𝑓</m:t>
+                    </m:r>
+                    <m:d>
+                      <m:dPr>
+                        <m:ctrlPr>
+                          <a:rPr lang="pl-PL" b="0" i="1" smtClean="0">
+                            <a:latin typeface="Cambria Math" panose="02040503050406030204" pitchFamily="18" charset="0"/>
+                          </a:rPr>
+                        </m:ctrlPr>
+                      </m:dPr>
+                      <m:e>
+                        <m:sSup>
+                          <m:sSupPr>
+                            <m:ctrlPr>
+                              <a:rPr lang="pl-PL" b="0" i="1" smtClean="0">
+                                <a:latin typeface="Cambria Math" panose="02040503050406030204" pitchFamily="18" charset="0"/>
+                              </a:rPr>
+                            </m:ctrlPr>
+                          </m:sSupPr>
+                          <m:e>
+                            <m:r>
+                              <a:rPr lang="pl-PL" b="0" i="1" smtClean="0">
+                                <a:latin typeface="Cambria Math" panose="02040503050406030204" pitchFamily="18" charset="0"/>
+                              </a:rPr>
+                              <m:t>𝑝</m:t>
+                            </m:r>
+                          </m:e>
+                          <m:sup>
+                            <m:r>
+                              <a:rPr lang="pl-PL" b="0" i="1" smtClean="0">
+                                <a:latin typeface="Cambria Math" panose="02040503050406030204" pitchFamily="18" charset="0"/>
+                              </a:rPr>
+                              <m:t>∗</m:t>
+                            </m:r>
+                          </m:sup>
+                        </m:sSup>
+                      </m:e>
+                    </m:d>
+                    <m:r>
+                      <a:rPr lang="pl-PL" b="0" i="0" smtClean="0">
+                        <a:latin typeface="Cambria Math" panose="02040503050406030204" pitchFamily="18" charset="0"/>
+                      </a:rPr>
+                      <m:t>.</m:t>
+                    </m:r>
+                  </m:oMath>
+                </a14:m>
+                <a:endParaRPr lang="pl-PL" b="0" dirty="0"/>
+              </a:p>
+              <a:p>
+                <a:pPr>
+                  <a:lnSpc>
+                    <a:spcPct val="150000"/>
+                  </a:lnSpc>
+                </a:pPr>
+                <a:r>
+                  <a:rPr lang="pl-PL" dirty="0"/>
+                  <a:t>The </a:t>
+                </a:r>
+                <a:r>
+                  <a:rPr lang="pl-PL" dirty="0" err="1"/>
+                  <a:t>algorithm</a:t>
+                </a:r>
+                <a:r>
+                  <a:rPr lang="pl-PL" dirty="0"/>
+                  <a:t> </a:t>
+                </a:r>
+                <a:r>
+                  <a:rPr lang="pl-PL" dirty="0" err="1"/>
+                  <a:t>calculates</a:t>
+                </a:r>
+                <a:r>
+                  <a:rPr lang="pl-PL" dirty="0"/>
+                  <a:t> </a:t>
+                </a:r>
+                <a14:m>
+                  <m:oMath xmlns:m="http://schemas.openxmlformats.org/officeDocument/2006/math">
+                    <m:sSub>
+                      <m:sSubPr>
+                        <m:ctrlPr>
+                          <a:rPr lang="pl-PL" b="0" i="1" smtClean="0">
+                            <a:latin typeface="Cambria Math" panose="02040503050406030204" pitchFamily="18" charset="0"/>
+                          </a:rPr>
+                        </m:ctrlPr>
+                      </m:sSubPr>
+                      <m:e>
+                        <m:r>
+                          <a:rPr lang="pl-PL" b="0" i="1" smtClean="0">
+                            <a:latin typeface="Cambria Math" panose="02040503050406030204" pitchFamily="18" charset="0"/>
+                          </a:rPr>
+                          <m:t>𝑀</m:t>
+                        </m:r>
+                      </m:e>
+                      <m:sub>
+                        <m:r>
+                          <a:rPr lang="pl-PL" b="0" i="1" smtClean="0">
+                            <a:latin typeface="Cambria Math" panose="02040503050406030204" pitchFamily="18" charset="0"/>
+                          </a:rPr>
+                          <m:t>𝐶</m:t>
+                        </m:r>
+                      </m:sub>
+                    </m:sSub>
+                  </m:oMath>
+                </a14:m>
+                <a:r>
+                  <a:rPr lang="pl-PL" dirty="0"/>
+                  <a:t> </a:t>
+                </a:r>
+                <a:r>
+                  <a:rPr lang="pl-PL" dirty="0" err="1"/>
+                  <a:t>only</a:t>
+                </a:r>
+                <a:r>
+                  <a:rPr lang="pl-PL" dirty="0"/>
+                  <a:t> for </a:t>
+                </a:r>
+                <a:r>
+                  <a:rPr lang="pl-PL" dirty="0" err="1"/>
+                  <a:t>probability</a:t>
+                </a:r>
+                <a:r>
+                  <a:rPr lang="pl-PL" dirty="0"/>
+                  <a:t> </a:t>
+                </a:r>
+                <a:r>
+                  <a:rPr lang="pl-PL" dirty="0" err="1"/>
+                  <a:t>estimates</a:t>
+                </a:r>
+                <a:r>
+                  <a:rPr lang="pl-PL" dirty="0"/>
+                  <a:t>.</a:t>
+                </a:r>
+              </a:p>
+              <a:p>
+                <a:pPr>
+                  <a:lnSpc>
+                    <a:spcPct val="150000"/>
+                  </a:lnSpc>
+                </a:pPr>
+                <a:r>
+                  <a:rPr lang="pl-PL" dirty="0" err="1"/>
+                  <a:t>Empirical</a:t>
+                </a:r>
+                <a:r>
+                  <a:rPr lang="pl-PL" dirty="0"/>
+                  <a:t> </a:t>
+                </a:r>
+                <a:r>
+                  <a:rPr lang="pl-PL" dirty="0" err="1"/>
+                  <a:t>threshold</a:t>
+                </a:r>
+                <a:r>
+                  <a:rPr lang="pl-PL" dirty="0"/>
+                  <a:t>, </a:t>
+                </a:r>
+                <a:r>
+                  <a:rPr lang="pl-PL" dirty="0" err="1"/>
+                  <a:t>that</a:t>
+                </a:r>
+                <a:r>
+                  <a:rPr lang="pl-PL" dirty="0"/>
+                  <a:t> </a:t>
+                </a:r>
+                <a:r>
+                  <a:rPr lang="pl-PL" dirty="0" err="1"/>
+                  <a:t>minimizes</a:t>
+                </a:r>
+                <a:r>
+                  <a:rPr lang="pl-PL" dirty="0"/>
+                  <a:t> the </a:t>
+                </a:r>
+                <a:r>
+                  <a:rPr lang="pl-PL" dirty="0" err="1"/>
+                  <a:t>total</a:t>
+                </a:r>
+                <a:r>
+                  <a:rPr lang="pl-PL" dirty="0"/>
+                  <a:t> </a:t>
+                </a:r>
+                <a:r>
+                  <a:rPr lang="pl-PL" dirty="0" err="1"/>
+                  <a:t>misclassification</a:t>
+                </a:r>
+                <a:r>
+                  <a:rPr lang="pl-PL" dirty="0"/>
+                  <a:t> </a:t>
+                </a:r>
+                <a:r>
+                  <a:rPr lang="pl-PL" dirty="0" err="1"/>
+                  <a:t>cost</a:t>
+                </a:r>
+                <a:r>
+                  <a:rPr lang="pl-PL" dirty="0"/>
+                  <a:t>, </a:t>
+                </a:r>
+                <a:r>
+                  <a:rPr lang="pl-PL" dirty="0" err="1"/>
+                  <a:t>is</a:t>
+                </a:r>
+                <a:r>
+                  <a:rPr lang="pl-PL" dirty="0"/>
+                  <a:t> </a:t>
+                </a:r>
+                <a:r>
+                  <a:rPr lang="pl-PL" dirty="0" err="1"/>
+                  <a:t>used</a:t>
+                </a:r>
+                <a:r>
+                  <a:rPr lang="pl-PL" dirty="0"/>
+                  <a:t> to </a:t>
+                </a:r>
+                <a:r>
+                  <a:rPr lang="pl-PL" dirty="0" err="1"/>
+                  <a:t>predict</a:t>
+                </a:r>
+                <a:r>
+                  <a:rPr lang="pl-PL" dirty="0"/>
+                  <a:t> </a:t>
+                </a:r>
+                <a:r>
+                  <a:rPr lang="pl-PL" dirty="0" err="1"/>
+                  <a:t>class</a:t>
+                </a:r>
+                <a:r>
+                  <a:rPr lang="pl-PL" dirty="0"/>
+                  <a:t> </a:t>
+                </a:r>
+                <a:r>
+                  <a:rPr lang="pl-PL" dirty="0" err="1"/>
+                  <a:t>labels</a:t>
+                </a:r>
+                <a:r>
+                  <a:rPr lang="pl-PL" dirty="0"/>
+                  <a:t> of test </a:t>
+                </a:r>
+                <a:r>
+                  <a:rPr lang="pl-PL" dirty="0" err="1"/>
+                  <a:t>instances</a:t>
+                </a:r>
+                <a:r>
+                  <a:rPr lang="pl-PL" dirty="0"/>
+                  <a:t>.</a:t>
+                </a:r>
+              </a:p>
+              <a:p>
+                <a:pPr>
+                  <a:lnSpc>
+                    <a:spcPct val="150000"/>
+                  </a:lnSpc>
+                </a:pPr>
+                <a:r>
+                  <a:rPr lang="pl-PL" dirty="0"/>
+                  <a:t>To </a:t>
+                </a:r>
+                <a:r>
+                  <a:rPr lang="pl-PL" dirty="0" err="1"/>
+                  <a:t>avoid</a:t>
+                </a:r>
+                <a:r>
+                  <a:rPr lang="pl-PL" dirty="0"/>
+                  <a:t> </a:t>
+                </a:r>
+                <a:r>
+                  <a:rPr lang="pl-PL" dirty="0" err="1"/>
+                  <a:t>overfitting</a:t>
+                </a:r>
+                <a:r>
+                  <a:rPr lang="pl-PL" dirty="0"/>
+                  <a:t>, </a:t>
+                </a:r>
+                <a:r>
+                  <a:rPr lang="pl-PL" dirty="0" err="1"/>
+                  <a:t>an</a:t>
+                </a:r>
+                <a:r>
+                  <a:rPr lang="pl-PL" dirty="0"/>
+                  <a:t> m-</a:t>
+                </a:r>
+                <a:r>
+                  <a:rPr lang="pl-PL" dirty="0" err="1"/>
+                  <a:t>fold</a:t>
+                </a:r>
+                <a:r>
+                  <a:rPr lang="pl-PL" dirty="0"/>
+                  <a:t> cross-</a:t>
+                </a:r>
+                <a:r>
+                  <a:rPr lang="pl-PL" dirty="0" err="1"/>
+                  <a:t>validation</a:t>
+                </a:r>
+                <a:r>
+                  <a:rPr lang="pl-PL" dirty="0"/>
+                  <a:t> </a:t>
+                </a:r>
+                <a:r>
+                  <a:rPr lang="pl-PL" dirty="0" err="1"/>
+                  <a:t>is</a:t>
+                </a:r>
+                <a:r>
+                  <a:rPr lang="pl-PL" dirty="0"/>
+                  <a:t> applied, and the </a:t>
+                </a:r>
+                <a:r>
+                  <a:rPr lang="pl-PL" dirty="0" err="1"/>
+                  <a:t>best</a:t>
+                </a:r>
+                <a:r>
+                  <a:rPr lang="pl-PL" dirty="0"/>
+                  <a:t> </a:t>
+                </a:r>
+                <a:r>
+                  <a:rPr lang="pl-PL" dirty="0" err="1"/>
+                  <a:t>threshold</a:t>
+                </a:r>
+                <a:r>
+                  <a:rPr lang="pl-PL" dirty="0"/>
+                  <a:t> </a:t>
+                </a:r>
+                <a:r>
+                  <a:rPr lang="pl-PL" dirty="0" err="1"/>
+                  <a:t>is</a:t>
+                </a:r>
+                <a:r>
+                  <a:rPr lang="pl-PL" dirty="0"/>
+                  <a:t> </a:t>
+                </a:r>
+                <a:r>
+                  <a:rPr lang="pl-PL" dirty="0" err="1"/>
+                  <a:t>chosen</a:t>
+                </a:r>
+                <a:r>
+                  <a:rPr lang="pl-PL" dirty="0"/>
+                  <a:t> </a:t>
+                </a:r>
+                <a:r>
+                  <a:rPr lang="pl-PL" dirty="0" err="1"/>
+                  <a:t>using</a:t>
+                </a:r>
+                <a:r>
+                  <a:rPr lang="pl-PL" dirty="0"/>
+                  <a:t> </a:t>
+                </a:r>
+                <a:r>
+                  <a:rPr lang="pl-PL" dirty="0" err="1"/>
+                  <a:t>validation</a:t>
+                </a:r>
+                <a:r>
+                  <a:rPr lang="pl-PL" dirty="0"/>
+                  <a:t> set.</a:t>
+                </a:r>
+              </a:p>
+              <a:p>
+                <a:pPr marL="139700" indent="0">
+                  <a:lnSpc>
+                    <a:spcPct val="150000"/>
+                  </a:lnSpc>
+                  <a:buNone/>
+                </a:pPr>
+                <a:endParaRPr lang="en-GB" dirty="0"/>
+              </a:p>
+            </p:txBody>
+          </p:sp>
+        </mc:Choice>
+        <mc:Fallback>
+          <p:sp>
+            <p:nvSpPr>
+              <p:cNvPr id="6" name="Text Placeholder 1">
+                <a:extLst>
+                  <a:ext uri="{FF2B5EF4-FFF2-40B4-BE49-F238E27FC236}">
+                    <a16:creationId xmlns:a16="http://schemas.microsoft.com/office/drawing/2014/main" id="{7392A943-EA8C-AA28-05D8-3A31DC956FB4}"/>
+                  </a:ext>
+                </a:extLst>
+              </p:cNvPr>
+              <p:cNvSpPr txBox="1">
+                <a:spLocks noRot="1" noChangeAspect="1" noMove="1" noResize="1" noEditPoints="1" noAdjustHandles="1" noChangeArrowheads="1" noChangeShapeType="1" noTextEdit="1"/>
+              </p:cNvSpPr>
+              <p:nvPr/>
+            </p:nvSpPr>
+            <p:spPr>
+              <a:xfrm>
+                <a:off x="713226" y="1407512"/>
+                <a:ext cx="7717499" cy="2592987"/>
+              </a:xfrm>
+              <a:prstGeom prst="rect">
+                <a:avLst/>
+              </a:prstGeom>
+              <a:blipFill>
+                <a:blip r:embed="rId2"/>
+                <a:stretch>
+                  <a:fillRect/>
+                </a:stretch>
+              </a:blipFill>
+              <a:ln>
+                <a:noFill/>
+              </a:ln>
+            </p:spPr>
+            <p:txBody>
+              <a:bodyPr/>
+              <a:lstStyle/>
+              <a:p>
+                <a:r>
+                  <a:rPr lang="pl-PL">
+                    <a:noFill/>
+                  </a:rPr>
+                  <a:t> </a:t>
+                </a:r>
+              </a:p>
+            </p:txBody>
+          </p:sp>
+        </mc:Fallback>
+      </mc:AlternateContent>
+    </p:spTree>
+    <p:extLst>
+      <p:ext uri="{BB962C8B-B14F-4D97-AF65-F5344CB8AC3E}">
+        <p14:creationId xmlns:p14="http://schemas.microsoft.com/office/powerpoint/2010/main" val="3873787029"/>
+      </p:ext>
+    </p:extLst>
+  </p:cSld>
+  <p:clrMapOvr>
+    <a:masterClrMapping/>
+  </p:clrMapOvr>
+</p:sld>
+</file>
+
+<file path=ppt/slides/slide25.xml><?xml version="1.0" encoding="utf-8"?>
+<p:sld xmlns:a="http://schemas.openxmlformats.org/drawingml/2006/main" xmlns:r="http://schemas.openxmlformats.org/officeDocument/2006/relationships" xmlns:p="http://schemas.openxmlformats.org/presentationml/2006/main">
+  <p:cSld>
+    <p:spTree>
+      <p:nvGrpSpPr>
         <p:cNvPr id="1" name="Shape 331"/>
         <p:cNvGrpSpPr/>
         <p:nvPr/>
@@ -11724,7 +15677,7 @@
 </p:sld>
 </file>
 
-<file path=ppt/slides/slide22.xml><?xml version="1.0" encoding="utf-8"?>
+<file path=ppt/slides/slide26.xml><?xml version="1.0" encoding="utf-8"?>
 <p:sld xmlns:a="http://schemas.openxmlformats.org/drawingml/2006/main" xmlns:r="http://schemas.openxmlformats.org/officeDocument/2006/relationships" xmlns:p="http://schemas.openxmlformats.org/presentationml/2006/main">
   <p:cSld>
     <p:spTree>
@@ -11958,7 +15911,7 @@
 </p:sld>
 </file>
 
-<file path=ppt/slides/slide23.xml><?xml version="1.0" encoding="utf-8"?>
+<file path=ppt/slides/slide27.xml><?xml version="1.0" encoding="utf-8"?>
 <p:sld xmlns:a="http://schemas.openxmlformats.org/drawingml/2006/main" xmlns:r="http://schemas.openxmlformats.org/officeDocument/2006/relationships" xmlns:p="http://schemas.openxmlformats.org/presentationml/2006/main">
   <p:cSld>
     <p:spTree>
@@ -12018,12 +15971,12 @@
 </p:sld>
 </file>
 
-<file path=ppt/slides/slide24.xml><?xml version="1.0" encoding="utf-8"?>
+<file path=ppt/slides/slide28.xml><?xml version="1.0" encoding="utf-8"?>
 <p:sld xmlns:a="http://schemas.openxmlformats.org/drawingml/2006/main" xmlns:r="http://schemas.openxmlformats.org/officeDocument/2006/relationships" xmlns:p="http://schemas.openxmlformats.org/presentationml/2006/main">
   <p:cSld>
     <p:spTree>
       <p:nvGrpSpPr>
-        <p:cNvPr id="1" name="Shape 538"/>
+        <p:cNvPr id="1" name="Shape 354"/>
         <p:cNvGrpSpPr/>
         <p:nvPr/>
       </p:nvGrpSpPr>
@@ -12037,7 +15990,110 @@
       </p:grpSpPr>
       <p:sp>
         <p:nvSpPr>
-          <p:cNvPr id="539" name="Google Shape;539;p56"/>
+          <p:cNvPr id="355" name="Google Shape;355;p48"/>
+          <p:cNvSpPr txBox="1">
+            <a:spLocks noGrp="1"/>
+          </p:cNvSpPr>
+          <p:nvPr>
+            <p:ph type="body" idx="1"/>
+          </p:nvPr>
+        </p:nvSpPr>
+        <p:spPr>
+          <a:xfrm>
+            <a:off x="713224" y="1238794"/>
+            <a:ext cx="7681625" cy="772885"/>
+          </a:xfrm>
+          <a:prstGeom prst="rect">
+            <a:avLst/>
+          </a:prstGeom>
+        </p:spPr>
+        <p:txBody>
+          <a:bodyPr spcFirstLastPara="1" wrap="square" lIns="91425" tIns="91425" rIns="91425" bIns="91425" anchor="t" anchorCtr="0">
+            <a:noAutofit/>
+          </a:bodyPr>
+          <a:lstStyle/>
+          <a:p>
+            <a:pPr marL="0" indent="0">
+              <a:lnSpc>
+                <a:spcPct val="150000"/>
+              </a:lnSpc>
+              <a:buNone/>
+            </a:pPr>
+            <a:r>
+              <a:rPr lang="pl-PL" dirty="0" err="1">
+                <a:latin typeface="Commissioner" panose="020B0604020202020204" charset="0"/>
+              </a:rPr>
+              <a:t>CostSensitiveClassifier</a:t>
+            </a:r>
+            <a:r>
+              <a:rPr lang="pl-PL" dirty="0">
+                <a:latin typeface="Commissioner" panose="020B0604020202020204" charset="0"/>
+              </a:rPr>
+              <a:t> </a:t>
+            </a:r>
+            <a:r>
+              <a:rPr lang="pl-PL" dirty="0" err="1">
+                <a:latin typeface="Commissioner" panose="020B0604020202020204" charset="0"/>
+              </a:rPr>
+              <a:t>implementation</a:t>
+            </a:r>
+            <a:r>
+              <a:rPr lang="pl-PL" dirty="0">
+                <a:latin typeface="Commissioner" panose="020B0604020202020204" charset="0"/>
+              </a:rPr>
+              <a:t> </a:t>
+            </a:r>
+            <a:r>
+              <a:rPr lang="pl-PL" dirty="0" err="1">
+                <a:latin typeface="Commissioner" panose="020B0604020202020204" charset="0"/>
+              </a:rPr>
+              <a:t>using</a:t>
+            </a:r>
+            <a:r>
+              <a:rPr lang="pl-PL" dirty="0">
+                <a:latin typeface="Commissioner" panose="020B0604020202020204" charset="0"/>
+              </a:rPr>
+              <a:t> </a:t>
+            </a:r>
+            <a:r>
+              <a:rPr lang="pl-PL" dirty="0" err="1">
+                <a:latin typeface="Commissioner" panose="020B0604020202020204" charset="0"/>
+              </a:rPr>
+              <a:t>mlr</a:t>
+            </a:r>
+            <a:r>
+              <a:rPr lang="pl-PL" dirty="0">
+                <a:latin typeface="Commissioner" panose="020B0604020202020204" charset="0"/>
+              </a:rPr>
+              <a:t> </a:t>
+            </a:r>
+            <a:r>
+              <a:rPr lang="pl-PL" dirty="0" err="1">
+                <a:latin typeface="Commissioner" panose="020B0604020202020204" charset="0"/>
+              </a:rPr>
+              <a:t>package</a:t>
+            </a:r>
+            <a:r>
+              <a:rPr lang="pl-PL" dirty="0">
+                <a:latin typeface="Commissioner" panose="020B0604020202020204" charset="0"/>
+              </a:rPr>
+              <a:t> in R:</a:t>
+            </a:r>
+            <a:endParaRPr dirty="0">
+              <a:latin typeface="Commissioner" panose="020B0604020202020204" charset="0"/>
+            </a:endParaRPr>
+          </a:p>
+        </p:txBody>
+      </p:sp>
+      <p:sp>
+        <p:nvSpPr>
+          <p:cNvPr id="7" name="Google Shape;348;p47">
+            <a:extLst>
+              <a:ext uri="{FF2B5EF4-FFF2-40B4-BE49-F238E27FC236}">
+                <a16:creationId xmlns:a16="http://schemas.microsoft.com/office/drawing/2014/main" id="{4E44E270-2A7F-8CA3-0AB9-54127D8ADCA9}"/>
+              </a:ext>
+            </a:extLst>
+          </p:cNvPr>
           <p:cNvSpPr txBox="1">
             <a:spLocks noGrp="1"/>
           </p:cNvSpPr>
@@ -12047,31 +16103,27 @@
         </p:nvSpPr>
         <p:spPr>
           <a:xfrm>
-            <a:off x="1624633" y="1648200"/>
-            <a:ext cx="5894734" cy="1847100"/>
+            <a:off x="713224" y="390639"/>
+            <a:ext cx="7717500" cy="848155"/>
           </a:xfrm>
           <a:prstGeom prst="rect">
             <a:avLst/>
           </a:prstGeom>
         </p:spPr>
         <p:txBody>
-          <a:bodyPr spcFirstLastPara="1" wrap="square" lIns="91425" tIns="91425" rIns="91425" bIns="91425" anchor="ctr" anchorCtr="0">
+          <a:bodyPr spcFirstLastPara="1" wrap="square" lIns="91425" tIns="91425" rIns="91425" bIns="91425" anchor="t" anchorCtr="0">
             <a:noAutofit/>
           </a:bodyPr>
           <a:lstStyle/>
           <a:p>
-            <a:pPr marL="0" lvl="0" indent="0" algn="ctr" rtl="0">
-              <a:spcBef>
-                <a:spcPts val="0"/>
-              </a:spcBef>
-              <a:spcAft>
-                <a:spcPts val="0"/>
-              </a:spcAft>
-              <a:buNone/>
+            <a:pPr marL="285750" indent="-285750">
+              <a:lnSpc>
+                <a:spcPct val="150000"/>
+              </a:lnSpc>
             </a:pPr>
             <a:r>
               <a:rPr lang="pl-PL" dirty="0" err="1"/>
-              <a:t>Thank</a:t>
+              <a:t>Thresholding</a:t>
             </a:r>
             <a:r>
               <a:rPr lang="pl-PL" dirty="0"/>
@@ -12079,29 +16131,2660 @@
             </a:r>
             <a:r>
               <a:rPr lang="pl-PL" dirty="0" err="1"/>
-              <a:t>you</a:t>
-            </a:r>
-            <a:r>
-              <a:rPr lang="pl-PL" dirty="0"/>
-              <a:t> for </a:t>
-            </a:r>
-            <a:r>
-              <a:rPr lang="pl-PL" dirty="0" err="1"/>
-              <a:t>your</a:t>
-            </a:r>
-            <a:r>
-              <a:rPr lang="pl-PL" dirty="0"/>
-              <a:t> </a:t>
-            </a:r>
-            <a:r>
-              <a:rPr lang="pl-PL" dirty="0" err="1"/>
-              <a:t>attention</a:t>
-            </a:r>
-            <a:endParaRPr dirty="0"/>
+              <a:t>algorithms</a:t>
+            </a:r>
+            <a:endParaRPr lang="pl-PL" dirty="0"/>
           </a:p>
         </p:txBody>
       </p:sp>
+      <p:pic>
+        <p:nvPicPr>
+          <p:cNvPr id="8" name="Obraz 7">
+            <a:extLst>
+              <a:ext uri="{FF2B5EF4-FFF2-40B4-BE49-F238E27FC236}">
+                <a16:creationId xmlns:a16="http://schemas.microsoft.com/office/drawing/2014/main" id="{D8E396D5-3AD7-6E77-2E2C-10D95E812727}"/>
+              </a:ext>
+            </a:extLst>
+          </p:cNvPr>
+          <p:cNvPicPr>
+            <a:picLocks noChangeAspect="1"/>
+          </p:cNvPicPr>
+          <p:nvPr/>
+        </p:nvPicPr>
+        <p:blipFill>
+          <a:blip r:embed="rId3"/>
+          <a:stretch>
+            <a:fillRect/>
+          </a:stretch>
+        </p:blipFill>
+        <p:spPr>
+          <a:xfrm>
+            <a:off x="627831" y="1826294"/>
+            <a:ext cx="7852410" cy="2611055"/>
+          </a:xfrm>
+          <a:prstGeom prst="rect">
+            <a:avLst/>
+          </a:prstGeom>
+        </p:spPr>
+      </p:pic>
     </p:spTree>
+    <p:extLst>
+      <p:ext uri="{BB962C8B-B14F-4D97-AF65-F5344CB8AC3E}">
+        <p14:creationId xmlns:p14="http://schemas.microsoft.com/office/powerpoint/2010/main" val="1859208952"/>
+      </p:ext>
+    </p:extLst>
+  </p:cSld>
+  <p:clrMapOvr>
+    <a:masterClrMapping/>
+  </p:clrMapOvr>
+</p:sld>
+</file>
+
+<file path=ppt/slides/slide29.xml><?xml version="1.0" encoding="utf-8"?>
+<p:sld xmlns:a="http://schemas.openxmlformats.org/drawingml/2006/main" xmlns:r="http://schemas.openxmlformats.org/officeDocument/2006/relationships" xmlns:p="http://schemas.openxmlformats.org/presentationml/2006/main">
+  <p:cSld>
+    <p:spTree>
+      <p:nvGrpSpPr>
+        <p:cNvPr id="1" name="Shape 354"/>
+        <p:cNvGrpSpPr/>
+        <p:nvPr/>
+      </p:nvGrpSpPr>
+      <p:grpSpPr>
+        <a:xfrm>
+          <a:off x="0" y="0"/>
+          <a:ext cx="0" cy="0"/>
+          <a:chOff x="0" y="0"/>
+          <a:chExt cx="0" cy="0"/>
+        </a:xfrm>
+      </p:grpSpPr>
+      <p:sp>
+        <p:nvSpPr>
+          <p:cNvPr id="7" name="Google Shape;348;p47">
+            <a:extLst>
+              <a:ext uri="{FF2B5EF4-FFF2-40B4-BE49-F238E27FC236}">
+                <a16:creationId xmlns:a16="http://schemas.microsoft.com/office/drawing/2014/main" id="{4E44E270-2A7F-8CA3-0AB9-54127D8ADCA9}"/>
+              </a:ext>
+            </a:extLst>
+          </p:cNvPr>
+          <p:cNvSpPr txBox="1">
+            <a:spLocks noGrp="1"/>
+          </p:cNvSpPr>
+          <p:nvPr>
+            <p:ph type="title"/>
+          </p:nvPr>
+        </p:nvSpPr>
+        <p:spPr>
+          <a:xfrm>
+            <a:off x="713225" y="470650"/>
+            <a:ext cx="7717500" cy="549900"/>
+          </a:xfrm>
+          <a:prstGeom prst="rect">
+            <a:avLst/>
+          </a:prstGeom>
+        </p:spPr>
+        <p:txBody>
+          <a:bodyPr spcFirstLastPara="1" wrap="square" lIns="91425" tIns="91425" rIns="91425" bIns="91425" anchor="t" anchorCtr="0">
+            <a:noAutofit/>
+          </a:bodyPr>
+          <a:lstStyle/>
+          <a:p>
+            <a:pPr marL="285750" indent="-285750">
+              <a:lnSpc>
+                <a:spcPct val="150000"/>
+              </a:lnSpc>
+            </a:pPr>
+            <a:r>
+              <a:rPr lang="pl-PL" dirty="0"/>
+              <a:t>CSC </a:t>
+            </a:r>
+            <a:r>
+              <a:rPr lang="pl-PL" dirty="0" err="1"/>
+              <a:t>results</a:t>
+            </a:r>
+            <a:endParaRPr lang="pl-PL" dirty="0"/>
+          </a:p>
+        </p:txBody>
+      </p:sp>
+      <p:graphicFrame>
+        <p:nvGraphicFramePr>
+          <p:cNvPr id="5" name="Tabela 4">
+            <a:extLst>
+              <a:ext uri="{FF2B5EF4-FFF2-40B4-BE49-F238E27FC236}">
+                <a16:creationId xmlns:a16="http://schemas.microsoft.com/office/drawing/2014/main" id="{D7EEA5CC-E536-3359-8846-24CBD987EF85}"/>
+              </a:ext>
+            </a:extLst>
+          </p:cNvPr>
+          <p:cNvGraphicFramePr>
+            <a:graphicFrameLocks noGrp="1"/>
+          </p:cNvGraphicFramePr>
+          <p:nvPr>
+            <p:extLst>
+              <p:ext uri="{D42A27DB-BD31-4B8C-83A1-F6EECF244321}">
+                <p14:modId xmlns:p14="http://schemas.microsoft.com/office/powerpoint/2010/main" val="3224926962"/>
+              </p:ext>
+            </p:extLst>
+          </p:nvPr>
+        </p:nvGraphicFramePr>
+        <p:xfrm>
+          <a:off x="1630682" y="1385570"/>
+          <a:ext cx="2315724" cy="1541204"/>
+        </p:xfrm>
+        <a:graphic>
+          <a:graphicData uri="http://schemas.openxmlformats.org/drawingml/2006/table">
+            <a:tbl>
+              <a:tblPr firstRow="1" bandRow="1">
+                <a:tableStyleId>{410AA517-7F76-4011-9E2E-61F37F4E73F9}</a:tableStyleId>
+              </a:tblPr>
+              <a:tblGrid>
+                <a:gridCol w="362267">
+                  <a:extLst>
+                    <a:ext uri="{9D8B030D-6E8A-4147-A177-3AD203B41FA5}">
+                      <a16:colId xmlns:a16="http://schemas.microsoft.com/office/drawing/2014/main" val="1745940311"/>
+                    </a:ext>
+                  </a:extLst>
+                </a:gridCol>
+                <a:gridCol w="268993">
+                  <a:extLst>
+                    <a:ext uri="{9D8B030D-6E8A-4147-A177-3AD203B41FA5}">
+                      <a16:colId xmlns:a16="http://schemas.microsoft.com/office/drawing/2014/main" val="852712599"/>
+                    </a:ext>
+                  </a:extLst>
+                </a:gridCol>
+                <a:gridCol w="838644">
+                  <a:extLst>
+                    <a:ext uri="{9D8B030D-6E8A-4147-A177-3AD203B41FA5}">
+                      <a16:colId xmlns:a16="http://schemas.microsoft.com/office/drawing/2014/main" val="2203307037"/>
+                    </a:ext>
+                  </a:extLst>
+                </a:gridCol>
+                <a:gridCol w="845820">
+                  <a:extLst>
+                    <a:ext uri="{9D8B030D-6E8A-4147-A177-3AD203B41FA5}">
+                      <a16:colId xmlns:a16="http://schemas.microsoft.com/office/drawing/2014/main" val="1894837113"/>
+                    </a:ext>
+                  </a:extLst>
+                </a:gridCol>
+              </a:tblGrid>
+              <a:tr h="309101">
+                <a:tc gridSpan="4">
+                  <a:txBody>
+                    <a:bodyPr/>
+                    <a:lstStyle/>
+                    <a:p>
+                      <a:pPr algn="ctr"/>
+                      <a:r>
+                        <a:rPr lang="pl-PL" dirty="0" err="1"/>
+                        <a:t>Original</a:t>
+                      </a:r>
+                      <a:r>
+                        <a:rPr lang="pl-PL" dirty="0"/>
+                        <a:t> </a:t>
+                      </a:r>
+                      <a:r>
+                        <a:rPr lang="pl-PL" dirty="0" err="1"/>
+                        <a:t>results</a:t>
+                      </a:r>
+                      <a:endParaRPr lang="pl-PL" dirty="0"/>
+                    </a:p>
+                  </a:txBody>
+                  <a:tcPr/>
+                </a:tc>
+                <a:tc hMerge="1">
+                  <a:txBody>
+                    <a:bodyPr/>
+                    <a:lstStyle/>
+                    <a:p>
+                      <a:endParaRPr lang="pl-PL"/>
+                    </a:p>
+                  </a:txBody>
+                  <a:tcPr/>
+                </a:tc>
+                <a:tc hMerge="1">
+                  <a:txBody>
+                    <a:bodyPr/>
+                    <a:lstStyle/>
+                    <a:p>
+                      <a:endParaRPr lang="pl-PL"/>
+                    </a:p>
+                  </a:txBody>
+                  <a:tcPr/>
+                </a:tc>
+                <a:tc hMerge="1">
+                  <a:txBody>
+                    <a:bodyPr/>
+                    <a:lstStyle/>
+                    <a:p>
+                      <a:endParaRPr lang="pl-PL"/>
+                    </a:p>
+                  </a:txBody>
+                  <a:tcPr/>
+                </a:tc>
+                <a:extLst>
+                  <a:ext uri="{0D108BD9-81ED-4DB2-BD59-A6C34878D82A}">
+                    <a16:rowId xmlns:a16="http://schemas.microsoft.com/office/drawing/2014/main" val="3543073346"/>
+                  </a:ext>
+                </a:extLst>
+              </a:tr>
+              <a:tr h="309101">
+                <a:tc rowSpan="2" gridSpan="2">
+                  <a:txBody>
+                    <a:bodyPr/>
+                    <a:lstStyle/>
+                    <a:p>
+                      <a:endParaRPr lang="pl-PL" dirty="0"/>
+                    </a:p>
+                  </a:txBody>
+                  <a:tcPr/>
+                </a:tc>
+                <a:tc rowSpan="2" hMerge="1">
+                  <a:txBody>
+                    <a:bodyPr/>
+                    <a:lstStyle/>
+                    <a:p>
+                      <a:endParaRPr lang="pl-PL"/>
+                    </a:p>
+                  </a:txBody>
+                  <a:tcPr/>
+                </a:tc>
+                <a:tc gridSpan="2">
+                  <a:txBody>
+                    <a:bodyPr/>
+                    <a:lstStyle/>
+                    <a:p>
+                      <a:pPr algn="ctr"/>
+                      <a:r>
+                        <a:rPr lang="pl-PL" dirty="0" err="1"/>
+                        <a:t>Predicted</a:t>
+                      </a:r>
+                      <a:endParaRPr lang="pl-PL" dirty="0"/>
+                    </a:p>
+                  </a:txBody>
+                  <a:tcPr/>
+                </a:tc>
+                <a:tc hMerge="1">
+                  <a:txBody>
+                    <a:bodyPr/>
+                    <a:lstStyle/>
+                    <a:p>
+                      <a:endParaRPr lang="pl-PL"/>
+                    </a:p>
+                  </a:txBody>
+                  <a:tcPr/>
+                </a:tc>
+                <a:extLst>
+                  <a:ext uri="{0D108BD9-81ED-4DB2-BD59-A6C34878D82A}">
+                    <a16:rowId xmlns:a16="http://schemas.microsoft.com/office/drawing/2014/main" val="1745054855"/>
+                  </a:ext>
+                </a:extLst>
+              </a:tr>
+              <a:tr h="303192">
+                <a:tc gridSpan="2" vMerge="1">
+                  <a:txBody>
+                    <a:bodyPr/>
+                    <a:lstStyle/>
+                    <a:p>
+                      <a:endParaRPr lang="pl-PL" dirty="0"/>
+                    </a:p>
+                  </a:txBody>
+                  <a:tcPr/>
+                </a:tc>
+                <a:tc hMerge="1" vMerge="1">
+                  <a:txBody>
+                    <a:bodyPr/>
+                    <a:lstStyle/>
+                    <a:p>
+                      <a:endParaRPr lang="pl-PL" dirty="0"/>
+                    </a:p>
+                  </a:txBody>
+                  <a:tcPr/>
+                </a:tc>
+                <a:tc>
+                  <a:txBody>
+                    <a:bodyPr/>
+                    <a:lstStyle/>
+                    <a:p>
+                      <a:r>
+                        <a:rPr lang="pl-PL" dirty="0"/>
+                        <a:t>1</a:t>
+                      </a:r>
+                    </a:p>
+                  </a:txBody>
+                  <a:tcPr/>
+                </a:tc>
+                <a:tc>
+                  <a:txBody>
+                    <a:bodyPr/>
+                    <a:lstStyle/>
+                    <a:p>
+                      <a:r>
+                        <a:rPr lang="pl-PL" dirty="0"/>
+                        <a:t>0</a:t>
+                      </a:r>
+                    </a:p>
+                  </a:txBody>
+                  <a:tcPr/>
+                </a:tc>
+                <a:extLst>
+                  <a:ext uri="{0D108BD9-81ED-4DB2-BD59-A6C34878D82A}">
+                    <a16:rowId xmlns:a16="http://schemas.microsoft.com/office/drawing/2014/main" val="4163430658"/>
+                  </a:ext>
+                </a:extLst>
+              </a:tr>
+              <a:tr h="309101">
+                <a:tc rowSpan="2">
+                  <a:txBody>
+                    <a:bodyPr/>
+                    <a:lstStyle/>
+                    <a:p>
+                      <a:pPr algn="ctr"/>
+                      <a:r>
+                        <a:rPr lang="pl-PL" dirty="0" err="1"/>
+                        <a:t>Actual</a:t>
+                      </a:r>
+                      <a:endParaRPr lang="pl-PL" dirty="0"/>
+                    </a:p>
+                  </a:txBody>
+                  <a:tcPr vert="vert270"/>
+                </a:tc>
+                <a:tc>
+                  <a:txBody>
+                    <a:bodyPr/>
+                    <a:lstStyle/>
+                    <a:p>
+                      <a:r>
+                        <a:rPr lang="pl-PL" dirty="0"/>
+                        <a:t>1</a:t>
+                      </a:r>
+                    </a:p>
+                  </a:txBody>
+                  <a:tcPr/>
+                </a:tc>
+                <a:tc>
+                  <a:txBody>
+                    <a:bodyPr/>
+                    <a:lstStyle/>
+                    <a:p>
+                      <a:pPr algn="r"/>
+                      <a:r>
+                        <a:rPr lang="pl-PL" dirty="0"/>
+                        <a:t>534</a:t>
+                      </a:r>
+                    </a:p>
+                  </a:txBody>
+                  <a:tcPr/>
+                </a:tc>
+                <a:tc>
+                  <a:txBody>
+                    <a:bodyPr/>
+                    <a:lstStyle/>
+                    <a:p>
+                      <a:pPr algn="r"/>
+                      <a:r>
+                        <a:rPr lang="pl-PL" dirty="0"/>
+                        <a:t>8</a:t>
+                      </a:r>
+                    </a:p>
+                  </a:txBody>
+                  <a:tcPr/>
+                </a:tc>
+                <a:extLst>
+                  <a:ext uri="{0D108BD9-81ED-4DB2-BD59-A6C34878D82A}">
+                    <a16:rowId xmlns:a16="http://schemas.microsoft.com/office/drawing/2014/main" val="4134526702"/>
+                  </a:ext>
+                </a:extLst>
+              </a:tr>
+              <a:tr h="309101">
+                <a:tc vMerge="1">
+                  <a:txBody>
+                    <a:bodyPr/>
+                    <a:lstStyle/>
+                    <a:p>
+                      <a:endParaRPr lang="pl-PL" dirty="0"/>
+                    </a:p>
+                  </a:txBody>
+                  <a:tcPr/>
+                </a:tc>
+                <a:tc>
+                  <a:txBody>
+                    <a:bodyPr/>
+                    <a:lstStyle/>
+                    <a:p>
+                      <a:r>
+                        <a:rPr lang="pl-PL" dirty="0"/>
+                        <a:t>0</a:t>
+                      </a:r>
+                    </a:p>
+                  </a:txBody>
+                  <a:tcPr/>
+                </a:tc>
+                <a:tc>
+                  <a:txBody>
+                    <a:bodyPr/>
+                    <a:lstStyle/>
+                    <a:p>
+                      <a:pPr algn="r"/>
+                      <a:r>
+                        <a:rPr lang="pl-PL" dirty="0"/>
+                        <a:t>83</a:t>
+                      </a:r>
+                    </a:p>
+                  </a:txBody>
+                  <a:tcPr/>
+                </a:tc>
+                <a:tc>
+                  <a:txBody>
+                    <a:bodyPr/>
+                    <a:lstStyle/>
+                    <a:p>
+                      <a:pPr algn="r"/>
+                      <a:r>
+                        <a:rPr lang="pl-PL" dirty="0"/>
+                        <a:t>14</a:t>
+                      </a:r>
+                    </a:p>
+                  </a:txBody>
+                  <a:tcPr/>
+                </a:tc>
+                <a:extLst>
+                  <a:ext uri="{0D108BD9-81ED-4DB2-BD59-A6C34878D82A}">
+                    <a16:rowId xmlns:a16="http://schemas.microsoft.com/office/drawing/2014/main" val="832689875"/>
+                  </a:ext>
+                </a:extLst>
+              </a:tr>
+            </a:tbl>
+          </a:graphicData>
+        </a:graphic>
+      </p:graphicFrame>
+      <mc:AlternateContent xmlns:mc="http://schemas.openxmlformats.org/markup-compatibility/2006">
+        <mc:Choice xmlns:a14="http://schemas.microsoft.com/office/drawing/2010/main" Requires="a14">
+          <p:graphicFrame>
+            <p:nvGraphicFramePr>
+              <p:cNvPr id="6" name="Tabela 5">
+                <a:extLst>
+                  <a:ext uri="{FF2B5EF4-FFF2-40B4-BE49-F238E27FC236}">
+                    <a16:creationId xmlns:a16="http://schemas.microsoft.com/office/drawing/2014/main" id="{E42776C2-CB74-D3B9-FD13-267EDD2D4644}"/>
+                  </a:ext>
+                </a:extLst>
+              </p:cNvPr>
+              <p:cNvGraphicFramePr>
+                <a:graphicFrameLocks noGrp="1"/>
+              </p:cNvGraphicFramePr>
+              <p:nvPr>
+                <p:extLst>
+                  <p:ext uri="{D42A27DB-BD31-4B8C-83A1-F6EECF244321}">
+                    <p14:modId xmlns:p14="http://schemas.microsoft.com/office/powerpoint/2010/main" val="3719467035"/>
+                  </p:ext>
+                </p:extLst>
+              </p:nvPr>
+            </p:nvGraphicFramePr>
+            <p:xfrm>
+              <a:off x="5186165" y="1385570"/>
+              <a:ext cx="2231905" cy="1530177"/>
+            </p:xfrm>
+            <a:graphic>
+              <a:graphicData uri="http://schemas.openxmlformats.org/drawingml/2006/table">
+                <a:tbl>
+                  <a:tblPr firstRow="1" bandRow="1">
+                    <a:tableStyleId>{410AA517-7F76-4011-9E2E-61F37F4E73F9}</a:tableStyleId>
+                  </a:tblPr>
+                  <a:tblGrid>
+                    <a:gridCol w="349155">
+                      <a:extLst>
+                        <a:ext uri="{9D8B030D-6E8A-4147-A177-3AD203B41FA5}">
+                          <a16:colId xmlns:a16="http://schemas.microsoft.com/office/drawing/2014/main" val="1745940311"/>
+                        </a:ext>
+                      </a:extLst>
+                    </a:gridCol>
+                    <a:gridCol w="259256">
+                      <a:extLst>
+                        <a:ext uri="{9D8B030D-6E8A-4147-A177-3AD203B41FA5}">
+                          <a16:colId xmlns:a16="http://schemas.microsoft.com/office/drawing/2014/main" val="852712599"/>
+                        </a:ext>
+                      </a:extLst>
+                    </a:gridCol>
+                    <a:gridCol w="808290">
+                      <a:extLst>
+                        <a:ext uri="{9D8B030D-6E8A-4147-A177-3AD203B41FA5}">
+                          <a16:colId xmlns:a16="http://schemas.microsoft.com/office/drawing/2014/main" val="2203307037"/>
+                        </a:ext>
+                      </a:extLst>
+                    </a:gridCol>
+                    <a:gridCol w="815204">
+                      <a:extLst>
+                        <a:ext uri="{9D8B030D-6E8A-4147-A177-3AD203B41FA5}">
+                          <a16:colId xmlns:a16="http://schemas.microsoft.com/office/drawing/2014/main" val="1894837113"/>
+                        </a:ext>
+                      </a:extLst>
+                    </a:gridCol>
+                  </a:tblGrid>
+                  <a:tr h="301712">
+                    <a:tc gridSpan="4">
+                      <a:txBody>
+                        <a:bodyPr/>
+                        <a:lstStyle/>
+                        <a:p>
+                          <a:pPr algn="ctr"/>
+                          <a14:m>
+                            <m:oMathPara xmlns:m="http://schemas.openxmlformats.org/officeDocument/2006/math">
+                              <m:oMathParaPr>
+                                <m:jc m:val="centerGroup"/>
+                              </m:oMathParaPr>
+                              <m:oMath xmlns:m="http://schemas.openxmlformats.org/officeDocument/2006/math">
+                                <m:sSup>
+                                  <m:sSupPr>
+                                    <m:ctrlPr>
+                                      <a:rPr lang="pl-PL" b="0" i="1" smtClean="0">
+                                        <a:latin typeface="Cambria Math" panose="02040503050406030204" pitchFamily="18" charset="0"/>
+                                      </a:rPr>
+                                    </m:ctrlPr>
+                                  </m:sSupPr>
+                                  <m:e>
+                                    <m:r>
+                                      <a:rPr lang="pl-PL" b="0" i="1" smtClean="0">
+                                        <a:latin typeface="Cambria Math" panose="02040503050406030204" pitchFamily="18" charset="0"/>
+                                      </a:rPr>
+                                      <m:t>𝑝</m:t>
+                                    </m:r>
+                                  </m:e>
+                                  <m:sup>
+                                    <m:r>
+                                      <a:rPr lang="pl-PL" b="0" i="1" smtClean="0">
+                                        <a:latin typeface="Cambria Math" panose="02040503050406030204" pitchFamily="18" charset="0"/>
+                                      </a:rPr>
+                                      <m:t>∗</m:t>
+                                    </m:r>
+                                  </m:sup>
+                                </m:sSup>
+                                <m:r>
+                                  <a:rPr lang="pl-PL" b="0" i="1" smtClean="0">
+                                    <a:latin typeface="Cambria Math" panose="02040503050406030204" pitchFamily="18" charset="0"/>
+                                  </a:rPr>
+                                  <m:t>=0.33</m:t>
+                                </m:r>
+                              </m:oMath>
+                            </m:oMathPara>
+                          </a14:m>
+                          <a:endParaRPr lang="pl-PL" dirty="0"/>
+                        </a:p>
+                      </a:txBody>
+                      <a:tcPr/>
+                    </a:tc>
+                    <a:tc hMerge="1">
+                      <a:txBody>
+                        <a:bodyPr/>
+                        <a:lstStyle/>
+                        <a:p>
+                          <a:endParaRPr lang="pl-PL"/>
+                        </a:p>
+                      </a:txBody>
+                      <a:tcPr/>
+                    </a:tc>
+                    <a:tc hMerge="1">
+                      <a:txBody>
+                        <a:bodyPr/>
+                        <a:lstStyle/>
+                        <a:p>
+                          <a:endParaRPr lang="pl-PL"/>
+                        </a:p>
+                      </a:txBody>
+                      <a:tcPr/>
+                    </a:tc>
+                    <a:tc hMerge="1">
+                      <a:txBody>
+                        <a:bodyPr/>
+                        <a:lstStyle/>
+                        <a:p>
+                          <a:endParaRPr lang="pl-PL"/>
+                        </a:p>
+                      </a:txBody>
+                      <a:tcPr/>
+                    </a:tc>
+                    <a:extLst>
+                      <a:ext uri="{0D108BD9-81ED-4DB2-BD59-A6C34878D82A}">
+                        <a16:rowId xmlns:a16="http://schemas.microsoft.com/office/drawing/2014/main" val="3543073346"/>
+                      </a:ext>
+                    </a:extLst>
+                  </a:tr>
+                  <a:tr h="306859">
+                    <a:tc rowSpan="2" gridSpan="2">
+                      <a:txBody>
+                        <a:bodyPr/>
+                        <a:lstStyle/>
+                        <a:p>
+                          <a:endParaRPr lang="pl-PL" dirty="0"/>
+                        </a:p>
+                      </a:txBody>
+                      <a:tcPr/>
+                    </a:tc>
+                    <a:tc rowSpan="2" hMerge="1">
+                      <a:txBody>
+                        <a:bodyPr/>
+                        <a:lstStyle/>
+                        <a:p>
+                          <a:endParaRPr lang="pl-PL"/>
+                        </a:p>
+                      </a:txBody>
+                      <a:tcPr/>
+                    </a:tc>
+                    <a:tc gridSpan="2">
+                      <a:txBody>
+                        <a:bodyPr/>
+                        <a:lstStyle/>
+                        <a:p>
+                          <a:pPr algn="ctr"/>
+                          <a:r>
+                            <a:rPr lang="pl-PL" dirty="0" err="1"/>
+                            <a:t>Predicted</a:t>
+                          </a:r>
+                          <a:endParaRPr lang="pl-PL" dirty="0"/>
+                        </a:p>
+                      </a:txBody>
+                      <a:tcPr/>
+                    </a:tc>
+                    <a:tc hMerge="1">
+                      <a:txBody>
+                        <a:bodyPr/>
+                        <a:lstStyle/>
+                        <a:p>
+                          <a:endParaRPr lang="pl-PL"/>
+                        </a:p>
+                      </a:txBody>
+                      <a:tcPr/>
+                    </a:tc>
+                    <a:extLst>
+                      <a:ext uri="{0D108BD9-81ED-4DB2-BD59-A6C34878D82A}">
+                        <a16:rowId xmlns:a16="http://schemas.microsoft.com/office/drawing/2014/main" val="1745054855"/>
+                      </a:ext>
+                    </a:extLst>
+                  </a:tr>
+                  <a:tr h="301712">
+                    <a:tc gridSpan="2" vMerge="1">
+                      <a:txBody>
+                        <a:bodyPr/>
+                        <a:lstStyle/>
+                        <a:p>
+                          <a:endParaRPr lang="pl-PL" dirty="0"/>
+                        </a:p>
+                      </a:txBody>
+                      <a:tcPr/>
+                    </a:tc>
+                    <a:tc hMerge="1" vMerge="1">
+                      <a:txBody>
+                        <a:bodyPr/>
+                        <a:lstStyle/>
+                        <a:p>
+                          <a:endParaRPr lang="pl-PL" dirty="0"/>
+                        </a:p>
+                      </a:txBody>
+                      <a:tcPr/>
+                    </a:tc>
+                    <a:tc>
+                      <a:txBody>
+                        <a:bodyPr/>
+                        <a:lstStyle/>
+                        <a:p>
+                          <a:r>
+                            <a:rPr lang="pl-PL" dirty="0"/>
+                            <a:t>1</a:t>
+                          </a:r>
+                        </a:p>
+                      </a:txBody>
+                      <a:tcPr/>
+                    </a:tc>
+                    <a:tc>
+                      <a:txBody>
+                        <a:bodyPr/>
+                        <a:lstStyle/>
+                        <a:p>
+                          <a:r>
+                            <a:rPr lang="pl-PL" dirty="0"/>
+                            <a:t>0</a:t>
+                          </a:r>
+                        </a:p>
+                      </a:txBody>
+                      <a:tcPr/>
+                    </a:tc>
+                    <a:extLst>
+                      <a:ext uri="{0D108BD9-81ED-4DB2-BD59-A6C34878D82A}">
+                        <a16:rowId xmlns:a16="http://schemas.microsoft.com/office/drawing/2014/main" val="4163430658"/>
+                      </a:ext>
+                    </a:extLst>
+                  </a:tr>
+                  <a:tr h="306859">
+                    <a:tc rowSpan="2">
+                      <a:txBody>
+                        <a:bodyPr/>
+                        <a:lstStyle/>
+                        <a:p>
+                          <a:pPr algn="ctr"/>
+                          <a:r>
+                            <a:rPr lang="pl-PL" dirty="0" err="1"/>
+                            <a:t>Actual</a:t>
+                          </a:r>
+                          <a:endParaRPr lang="pl-PL" dirty="0"/>
+                        </a:p>
+                      </a:txBody>
+                      <a:tcPr vert="vert270"/>
+                    </a:tc>
+                    <a:tc>
+                      <a:txBody>
+                        <a:bodyPr/>
+                        <a:lstStyle/>
+                        <a:p>
+                          <a:r>
+                            <a:rPr lang="pl-PL" dirty="0"/>
+                            <a:t>1</a:t>
+                          </a:r>
+                        </a:p>
+                      </a:txBody>
+                      <a:tcPr/>
+                    </a:tc>
+                    <a:tc>
+                      <a:txBody>
+                        <a:bodyPr/>
+                        <a:lstStyle/>
+                        <a:p>
+                          <a:pPr algn="r"/>
+                          <a:r>
+                            <a:rPr lang="pl-PL" dirty="0"/>
+                            <a:t>534</a:t>
+                          </a:r>
+                        </a:p>
+                      </a:txBody>
+                      <a:tcPr/>
+                    </a:tc>
+                    <a:tc>
+                      <a:txBody>
+                        <a:bodyPr/>
+                        <a:lstStyle/>
+                        <a:p>
+                          <a:pPr algn="r"/>
+                          <a:r>
+                            <a:rPr lang="pl-PL" dirty="0"/>
+                            <a:t>8</a:t>
+                          </a:r>
+                        </a:p>
+                      </a:txBody>
+                      <a:tcPr/>
+                    </a:tc>
+                    <a:extLst>
+                      <a:ext uri="{0D108BD9-81ED-4DB2-BD59-A6C34878D82A}">
+                        <a16:rowId xmlns:a16="http://schemas.microsoft.com/office/drawing/2014/main" val="4134526702"/>
+                      </a:ext>
+                    </a:extLst>
+                  </a:tr>
+                  <a:tr h="306859">
+                    <a:tc vMerge="1">
+                      <a:txBody>
+                        <a:bodyPr/>
+                        <a:lstStyle/>
+                        <a:p>
+                          <a:endParaRPr lang="pl-PL" dirty="0"/>
+                        </a:p>
+                      </a:txBody>
+                      <a:tcPr/>
+                    </a:tc>
+                    <a:tc>
+                      <a:txBody>
+                        <a:bodyPr/>
+                        <a:lstStyle/>
+                        <a:p>
+                          <a:r>
+                            <a:rPr lang="pl-PL" dirty="0"/>
+                            <a:t>0</a:t>
+                          </a:r>
+                        </a:p>
+                      </a:txBody>
+                      <a:tcPr/>
+                    </a:tc>
+                    <a:tc>
+                      <a:txBody>
+                        <a:bodyPr/>
+                        <a:lstStyle/>
+                        <a:p>
+                          <a:pPr algn="r"/>
+                          <a:r>
+                            <a:rPr lang="pl-PL" dirty="0"/>
+                            <a:t>83</a:t>
+                          </a:r>
+                        </a:p>
+                      </a:txBody>
+                      <a:tcPr/>
+                    </a:tc>
+                    <a:tc>
+                      <a:txBody>
+                        <a:bodyPr/>
+                        <a:lstStyle/>
+                        <a:p>
+                          <a:pPr algn="r"/>
+                          <a:r>
+                            <a:rPr lang="pl-PL" dirty="0"/>
+                            <a:t>14</a:t>
+                          </a:r>
+                        </a:p>
+                      </a:txBody>
+                      <a:tcPr/>
+                    </a:tc>
+                    <a:extLst>
+                      <a:ext uri="{0D108BD9-81ED-4DB2-BD59-A6C34878D82A}">
+                        <a16:rowId xmlns:a16="http://schemas.microsoft.com/office/drawing/2014/main" val="832689875"/>
+                      </a:ext>
+                    </a:extLst>
+                  </a:tr>
+                </a:tbl>
+              </a:graphicData>
+            </a:graphic>
+          </p:graphicFrame>
+        </mc:Choice>
+        <mc:Fallback>
+          <p:graphicFrame>
+            <p:nvGraphicFramePr>
+              <p:cNvPr id="6" name="Tabela 5">
+                <a:extLst>
+                  <a:ext uri="{FF2B5EF4-FFF2-40B4-BE49-F238E27FC236}">
+                    <a16:creationId xmlns:a16="http://schemas.microsoft.com/office/drawing/2014/main" id="{E42776C2-CB74-D3B9-FD13-267EDD2D4644}"/>
+                  </a:ext>
+                </a:extLst>
+              </p:cNvPr>
+              <p:cNvGraphicFramePr>
+                <a:graphicFrameLocks noGrp="1"/>
+              </p:cNvGraphicFramePr>
+              <p:nvPr>
+                <p:extLst>
+                  <p:ext uri="{D42A27DB-BD31-4B8C-83A1-F6EECF244321}">
+                    <p14:modId xmlns:p14="http://schemas.microsoft.com/office/powerpoint/2010/main" val="3719467035"/>
+                  </p:ext>
+                </p:extLst>
+              </p:nvPr>
+            </p:nvGraphicFramePr>
+            <p:xfrm>
+              <a:off x="5186165" y="1385570"/>
+              <a:ext cx="2231905" cy="1530177"/>
+            </p:xfrm>
+            <a:graphic>
+              <a:graphicData uri="http://schemas.openxmlformats.org/drawingml/2006/table">
+                <a:tbl>
+                  <a:tblPr firstRow="1" bandRow="1">
+                    <a:tableStyleId>{410AA517-7F76-4011-9E2E-61F37F4E73F9}</a:tableStyleId>
+                  </a:tblPr>
+                  <a:tblGrid>
+                    <a:gridCol w="349155">
+                      <a:extLst>
+                        <a:ext uri="{9D8B030D-6E8A-4147-A177-3AD203B41FA5}">
+                          <a16:colId xmlns:a16="http://schemas.microsoft.com/office/drawing/2014/main" val="1745940311"/>
+                        </a:ext>
+                      </a:extLst>
+                    </a:gridCol>
+                    <a:gridCol w="259256">
+                      <a:extLst>
+                        <a:ext uri="{9D8B030D-6E8A-4147-A177-3AD203B41FA5}">
+                          <a16:colId xmlns:a16="http://schemas.microsoft.com/office/drawing/2014/main" val="852712599"/>
+                        </a:ext>
+                      </a:extLst>
+                    </a:gridCol>
+                    <a:gridCol w="808290">
+                      <a:extLst>
+                        <a:ext uri="{9D8B030D-6E8A-4147-A177-3AD203B41FA5}">
+                          <a16:colId xmlns:a16="http://schemas.microsoft.com/office/drawing/2014/main" val="2203307037"/>
+                        </a:ext>
+                      </a:extLst>
+                    </a:gridCol>
+                    <a:gridCol w="815204">
+                      <a:extLst>
+                        <a:ext uri="{9D8B030D-6E8A-4147-A177-3AD203B41FA5}">
+                          <a16:colId xmlns:a16="http://schemas.microsoft.com/office/drawing/2014/main" val="1894837113"/>
+                        </a:ext>
+                      </a:extLst>
+                    </a:gridCol>
+                  </a:tblGrid>
+                  <a:tr h="304800">
+                    <a:tc gridSpan="4">
+                      <a:txBody>
+                        <a:bodyPr/>
+                        <a:lstStyle/>
+                        <a:p>
+                          <a:endParaRPr lang="pl-PL"/>
+                        </a:p>
+                      </a:txBody>
+                      <a:tcPr>
+                        <a:blipFill>
+                          <a:blip r:embed="rId3"/>
+                          <a:stretch>
+                            <a:fillRect l="-272" t="-2000" r="-545" b="-422000"/>
+                          </a:stretch>
+                        </a:blipFill>
+                      </a:tcPr>
+                    </a:tc>
+                    <a:tc hMerge="1">
+                      <a:txBody>
+                        <a:bodyPr/>
+                        <a:lstStyle/>
+                        <a:p>
+                          <a:endParaRPr lang="pl-PL"/>
+                        </a:p>
+                      </a:txBody>
+                      <a:tcPr/>
+                    </a:tc>
+                    <a:tc hMerge="1">
+                      <a:txBody>
+                        <a:bodyPr/>
+                        <a:lstStyle/>
+                        <a:p>
+                          <a:endParaRPr lang="pl-PL"/>
+                        </a:p>
+                      </a:txBody>
+                      <a:tcPr/>
+                    </a:tc>
+                    <a:tc hMerge="1">
+                      <a:txBody>
+                        <a:bodyPr/>
+                        <a:lstStyle/>
+                        <a:p>
+                          <a:endParaRPr lang="pl-PL"/>
+                        </a:p>
+                      </a:txBody>
+                      <a:tcPr/>
+                    </a:tc>
+                    <a:extLst>
+                      <a:ext uri="{0D108BD9-81ED-4DB2-BD59-A6C34878D82A}">
+                        <a16:rowId xmlns:a16="http://schemas.microsoft.com/office/drawing/2014/main" val="3543073346"/>
+                      </a:ext>
+                    </a:extLst>
+                  </a:tr>
+                  <a:tr h="306859">
+                    <a:tc rowSpan="2" gridSpan="2">
+                      <a:txBody>
+                        <a:bodyPr/>
+                        <a:lstStyle/>
+                        <a:p>
+                          <a:endParaRPr lang="pl-PL" dirty="0"/>
+                        </a:p>
+                      </a:txBody>
+                      <a:tcPr/>
+                    </a:tc>
+                    <a:tc rowSpan="2" hMerge="1">
+                      <a:txBody>
+                        <a:bodyPr/>
+                        <a:lstStyle/>
+                        <a:p>
+                          <a:endParaRPr lang="pl-PL"/>
+                        </a:p>
+                      </a:txBody>
+                      <a:tcPr/>
+                    </a:tc>
+                    <a:tc gridSpan="2">
+                      <a:txBody>
+                        <a:bodyPr/>
+                        <a:lstStyle/>
+                        <a:p>
+                          <a:pPr algn="ctr"/>
+                          <a:r>
+                            <a:rPr lang="pl-PL" dirty="0" err="1"/>
+                            <a:t>Predicted</a:t>
+                          </a:r>
+                          <a:endParaRPr lang="pl-PL" dirty="0"/>
+                        </a:p>
+                      </a:txBody>
+                      <a:tcPr/>
+                    </a:tc>
+                    <a:tc hMerge="1">
+                      <a:txBody>
+                        <a:bodyPr/>
+                        <a:lstStyle/>
+                        <a:p>
+                          <a:endParaRPr lang="pl-PL"/>
+                        </a:p>
+                      </a:txBody>
+                      <a:tcPr/>
+                    </a:tc>
+                    <a:extLst>
+                      <a:ext uri="{0D108BD9-81ED-4DB2-BD59-A6C34878D82A}">
+                        <a16:rowId xmlns:a16="http://schemas.microsoft.com/office/drawing/2014/main" val="1745054855"/>
+                      </a:ext>
+                    </a:extLst>
+                  </a:tr>
+                  <a:tr h="304800">
+                    <a:tc gridSpan="2" vMerge="1">
+                      <a:txBody>
+                        <a:bodyPr/>
+                        <a:lstStyle/>
+                        <a:p>
+                          <a:endParaRPr lang="pl-PL" dirty="0"/>
+                        </a:p>
+                      </a:txBody>
+                      <a:tcPr/>
+                    </a:tc>
+                    <a:tc hMerge="1" vMerge="1">
+                      <a:txBody>
+                        <a:bodyPr/>
+                        <a:lstStyle/>
+                        <a:p>
+                          <a:endParaRPr lang="pl-PL" dirty="0"/>
+                        </a:p>
+                      </a:txBody>
+                      <a:tcPr/>
+                    </a:tc>
+                    <a:tc>
+                      <a:txBody>
+                        <a:bodyPr/>
+                        <a:lstStyle/>
+                        <a:p>
+                          <a:r>
+                            <a:rPr lang="pl-PL" dirty="0"/>
+                            <a:t>1</a:t>
+                          </a:r>
+                        </a:p>
+                      </a:txBody>
+                      <a:tcPr/>
+                    </a:tc>
+                    <a:tc>
+                      <a:txBody>
+                        <a:bodyPr/>
+                        <a:lstStyle/>
+                        <a:p>
+                          <a:r>
+                            <a:rPr lang="pl-PL" dirty="0"/>
+                            <a:t>0</a:t>
+                          </a:r>
+                        </a:p>
+                      </a:txBody>
+                      <a:tcPr/>
+                    </a:tc>
+                    <a:extLst>
+                      <a:ext uri="{0D108BD9-81ED-4DB2-BD59-A6C34878D82A}">
+                        <a16:rowId xmlns:a16="http://schemas.microsoft.com/office/drawing/2014/main" val="4163430658"/>
+                      </a:ext>
+                    </a:extLst>
+                  </a:tr>
+                  <a:tr h="306859">
+                    <a:tc rowSpan="2">
+                      <a:txBody>
+                        <a:bodyPr/>
+                        <a:lstStyle/>
+                        <a:p>
+                          <a:pPr algn="ctr"/>
+                          <a:r>
+                            <a:rPr lang="pl-PL" dirty="0" err="1"/>
+                            <a:t>Actual</a:t>
+                          </a:r>
+                          <a:endParaRPr lang="pl-PL" dirty="0"/>
+                        </a:p>
+                      </a:txBody>
+                      <a:tcPr vert="vert270"/>
+                    </a:tc>
+                    <a:tc>
+                      <a:txBody>
+                        <a:bodyPr/>
+                        <a:lstStyle/>
+                        <a:p>
+                          <a:r>
+                            <a:rPr lang="pl-PL" dirty="0"/>
+                            <a:t>1</a:t>
+                          </a:r>
+                        </a:p>
+                      </a:txBody>
+                      <a:tcPr/>
+                    </a:tc>
+                    <a:tc>
+                      <a:txBody>
+                        <a:bodyPr/>
+                        <a:lstStyle/>
+                        <a:p>
+                          <a:pPr algn="r"/>
+                          <a:r>
+                            <a:rPr lang="pl-PL" dirty="0"/>
+                            <a:t>534</a:t>
+                          </a:r>
+                        </a:p>
+                      </a:txBody>
+                      <a:tcPr/>
+                    </a:tc>
+                    <a:tc>
+                      <a:txBody>
+                        <a:bodyPr/>
+                        <a:lstStyle/>
+                        <a:p>
+                          <a:pPr algn="r"/>
+                          <a:r>
+                            <a:rPr lang="pl-PL" dirty="0"/>
+                            <a:t>8</a:t>
+                          </a:r>
+                        </a:p>
+                      </a:txBody>
+                      <a:tcPr/>
+                    </a:tc>
+                    <a:extLst>
+                      <a:ext uri="{0D108BD9-81ED-4DB2-BD59-A6C34878D82A}">
+                        <a16:rowId xmlns:a16="http://schemas.microsoft.com/office/drawing/2014/main" val="4134526702"/>
+                      </a:ext>
+                    </a:extLst>
+                  </a:tr>
+                  <a:tr h="306859">
+                    <a:tc vMerge="1">
+                      <a:txBody>
+                        <a:bodyPr/>
+                        <a:lstStyle/>
+                        <a:p>
+                          <a:endParaRPr lang="pl-PL" dirty="0"/>
+                        </a:p>
+                      </a:txBody>
+                      <a:tcPr/>
+                    </a:tc>
+                    <a:tc>
+                      <a:txBody>
+                        <a:bodyPr/>
+                        <a:lstStyle/>
+                        <a:p>
+                          <a:r>
+                            <a:rPr lang="pl-PL" dirty="0"/>
+                            <a:t>0</a:t>
+                          </a:r>
+                        </a:p>
+                      </a:txBody>
+                      <a:tcPr/>
+                    </a:tc>
+                    <a:tc>
+                      <a:txBody>
+                        <a:bodyPr/>
+                        <a:lstStyle/>
+                        <a:p>
+                          <a:pPr algn="r"/>
+                          <a:r>
+                            <a:rPr lang="pl-PL" dirty="0"/>
+                            <a:t>83</a:t>
+                          </a:r>
+                        </a:p>
+                      </a:txBody>
+                      <a:tcPr/>
+                    </a:tc>
+                    <a:tc>
+                      <a:txBody>
+                        <a:bodyPr/>
+                        <a:lstStyle/>
+                        <a:p>
+                          <a:pPr algn="r"/>
+                          <a:r>
+                            <a:rPr lang="pl-PL" dirty="0"/>
+                            <a:t>14</a:t>
+                          </a:r>
+                        </a:p>
+                      </a:txBody>
+                      <a:tcPr/>
+                    </a:tc>
+                    <a:extLst>
+                      <a:ext uri="{0D108BD9-81ED-4DB2-BD59-A6C34878D82A}">
+                        <a16:rowId xmlns:a16="http://schemas.microsoft.com/office/drawing/2014/main" val="832689875"/>
+                      </a:ext>
+                    </a:extLst>
+                  </a:tr>
+                </a:tbl>
+              </a:graphicData>
+            </a:graphic>
+          </p:graphicFrame>
+        </mc:Fallback>
+      </mc:AlternateContent>
+      <mc:AlternateContent xmlns:mc="http://schemas.openxmlformats.org/markup-compatibility/2006">
+        <mc:Choice xmlns:a14="http://schemas.microsoft.com/office/drawing/2010/main" Requires="a14">
+          <p:graphicFrame>
+            <p:nvGraphicFramePr>
+              <p:cNvPr id="8" name="Tabela 7">
+                <a:extLst>
+                  <a:ext uri="{FF2B5EF4-FFF2-40B4-BE49-F238E27FC236}">
+                    <a16:creationId xmlns:a16="http://schemas.microsoft.com/office/drawing/2014/main" id="{F44DAD76-5926-E5DB-4483-034BA1F4CD71}"/>
+                  </a:ext>
+                </a:extLst>
+              </p:cNvPr>
+              <p:cNvGraphicFramePr>
+                <a:graphicFrameLocks noGrp="1"/>
+              </p:cNvGraphicFramePr>
+              <p:nvPr>
+                <p:extLst>
+                  <p:ext uri="{D42A27DB-BD31-4B8C-83A1-F6EECF244321}">
+                    <p14:modId xmlns:p14="http://schemas.microsoft.com/office/powerpoint/2010/main" val="3403656109"/>
+                  </p:ext>
+                </p:extLst>
+              </p:nvPr>
+            </p:nvGraphicFramePr>
+            <p:xfrm>
+              <a:off x="1642111" y="3160188"/>
+              <a:ext cx="2315725" cy="1524000"/>
+            </p:xfrm>
+            <a:graphic>
+              <a:graphicData uri="http://schemas.openxmlformats.org/drawingml/2006/table">
+                <a:tbl>
+                  <a:tblPr firstRow="1" bandRow="1">
+                    <a:tableStyleId>{410AA517-7F76-4011-9E2E-61F37F4E73F9}</a:tableStyleId>
+                  </a:tblPr>
+                  <a:tblGrid>
+                    <a:gridCol w="362267">
+                      <a:extLst>
+                        <a:ext uri="{9D8B030D-6E8A-4147-A177-3AD203B41FA5}">
+                          <a16:colId xmlns:a16="http://schemas.microsoft.com/office/drawing/2014/main" val="1745940311"/>
+                        </a:ext>
+                      </a:extLst>
+                    </a:gridCol>
+                    <a:gridCol w="268993">
+                      <a:extLst>
+                        <a:ext uri="{9D8B030D-6E8A-4147-A177-3AD203B41FA5}">
+                          <a16:colId xmlns:a16="http://schemas.microsoft.com/office/drawing/2014/main" val="852712599"/>
+                        </a:ext>
+                      </a:extLst>
+                    </a:gridCol>
+                    <a:gridCol w="838645">
+                      <a:extLst>
+                        <a:ext uri="{9D8B030D-6E8A-4147-A177-3AD203B41FA5}">
+                          <a16:colId xmlns:a16="http://schemas.microsoft.com/office/drawing/2014/main" val="2203307037"/>
+                        </a:ext>
+                      </a:extLst>
+                    </a:gridCol>
+                    <a:gridCol w="845820">
+                      <a:extLst>
+                        <a:ext uri="{9D8B030D-6E8A-4147-A177-3AD203B41FA5}">
+                          <a16:colId xmlns:a16="http://schemas.microsoft.com/office/drawing/2014/main" val="1894837113"/>
+                        </a:ext>
+                      </a:extLst>
+                    </a:gridCol>
+                  </a:tblGrid>
+                  <a:tr h="291163">
+                    <a:tc gridSpan="4">
+                      <a:txBody>
+                        <a:bodyPr/>
+                        <a:lstStyle/>
+                        <a:p>
+                          <a:pPr algn="ctr"/>
+                          <a14:m>
+                            <m:oMathPara xmlns:m="http://schemas.openxmlformats.org/officeDocument/2006/math">
+                              <m:oMathParaPr>
+                                <m:jc m:val="centerGroup"/>
+                              </m:oMathParaPr>
+                              <m:oMath xmlns:m="http://schemas.openxmlformats.org/officeDocument/2006/math">
+                                <m:sSup>
+                                  <m:sSupPr>
+                                    <m:ctrlPr>
+                                      <a:rPr lang="pl-PL" b="0" i="1" smtClean="0">
+                                        <a:latin typeface="Cambria Math" panose="02040503050406030204" pitchFamily="18" charset="0"/>
+                                      </a:rPr>
+                                    </m:ctrlPr>
+                                  </m:sSupPr>
+                                  <m:e>
+                                    <m:r>
+                                      <a:rPr lang="pl-PL" b="0" i="1" smtClean="0">
+                                        <a:latin typeface="Cambria Math" panose="02040503050406030204" pitchFamily="18" charset="0"/>
+                                      </a:rPr>
+                                      <m:t>𝑝</m:t>
+                                    </m:r>
+                                  </m:e>
+                                  <m:sup>
+                                    <m:r>
+                                      <a:rPr lang="pl-PL" b="0" i="1" smtClean="0">
+                                        <a:latin typeface="Cambria Math" panose="02040503050406030204" pitchFamily="18" charset="0"/>
+                                      </a:rPr>
+                                      <m:t>∗</m:t>
+                                    </m:r>
+                                  </m:sup>
+                                </m:sSup>
+                                <m:r>
+                                  <a:rPr lang="pl-PL" b="0" i="1" smtClean="0">
+                                    <a:latin typeface="Cambria Math" panose="02040503050406030204" pitchFamily="18" charset="0"/>
+                                  </a:rPr>
+                                  <m:t>=0.17</m:t>
+                                </m:r>
+                              </m:oMath>
+                            </m:oMathPara>
+                          </a14:m>
+                          <a:endParaRPr lang="pl-PL" dirty="0"/>
+                        </a:p>
+                      </a:txBody>
+                      <a:tcPr/>
+                    </a:tc>
+                    <a:tc hMerge="1">
+                      <a:txBody>
+                        <a:bodyPr/>
+                        <a:lstStyle/>
+                        <a:p>
+                          <a:endParaRPr lang="pl-PL"/>
+                        </a:p>
+                      </a:txBody>
+                      <a:tcPr/>
+                    </a:tc>
+                    <a:tc hMerge="1">
+                      <a:txBody>
+                        <a:bodyPr/>
+                        <a:lstStyle/>
+                        <a:p>
+                          <a:endParaRPr lang="pl-PL"/>
+                        </a:p>
+                      </a:txBody>
+                      <a:tcPr/>
+                    </a:tc>
+                    <a:tc hMerge="1">
+                      <a:txBody>
+                        <a:bodyPr/>
+                        <a:lstStyle/>
+                        <a:p>
+                          <a:endParaRPr lang="pl-PL"/>
+                        </a:p>
+                      </a:txBody>
+                      <a:tcPr/>
+                    </a:tc>
+                    <a:extLst>
+                      <a:ext uri="{0D108BD9-81ED-4DB2-BD59-A6C34878D82A}">
+                        <a16:rowId xmlns:a16="http://schemas.microsoft.com/office/drawing/2014/main" val="3543073346"/>
+                      </a:ext>
+                    </a:extLst>
+                  </a:tr>
+                  <a:tr h="291163">
+                    <a:tc rowSpan="2" gridSpan="2">
+                      <a:txBody>
+                        <a:bodyPr/>
+                        <a:lstStyle/>
+                        <a:p>
+                          <a:endParaRPr lang="pl-PL" dirty="0"/>
+                        </a:p>
+                      </a:txBody>
+                      <a:tcPr/>
+                    </a:tc>
+                    <a:tc rowSpan="2" hMerge="1">
+                      <a:txBody>
+                        <a:bodyPr/>
+                        <a:lstStyle/>
+                        <a:p>
+                          <a:endParaRPr lang="pl-PL"/>
+                        </a:p>
+                      </a:txBody>
+                      <a:tcPr/>
+                    </a:tc>
+                    <a:tc gridSpan="2">
+                      <a:txBody>
+                        <a:bodyPr/>
+                        <a:lstStyle/>
+                        <a:p>
+                          <a:pPr algn="ctr"/>
+                          <a:r>
+                            <a:rPr lang="pl-PL" dirty="0" err="1"/>
+                            <a:t>Predicted</a:t>
+                          </a:r>
+                          <a:endParaRPr lang="pl-PL" dirty="0"/>
+                        </a:p>
+                      </a:txBody>
+                      <a:tcPr/>
+                    </a:tc>
+                    <a:tc hMerge="1">
+                      <a:txBody>
+                        <a:bodyPr/>
+                        <a:lstStyle/>
+                        <a:p>
+                          <a:endParaRPr lang="pl-PL"/>
+                        </a:p>
+                      </a:txBody>
+                      <a:tcPr/>
+                    </a:tc>
+                    <a:extLst>
+                      <a:ext uri="{0D108BD9-81ED-4DB2-BD59-A6C34878D82A}">
+                        <a16:rowId xmlns:a16="http://schemas.microsoft.com/office/drawing/2014/main" val="1745054855"/>
+                      </a:ext>
+                    </a:extLst>
+                  </a:tr>
+                  <a:tr h="239312">
+                    <a:tc gridSpan="2" vMerge="1">
+                      <a:txBody>
+                        <a:bodyPr/>
+                        <a:lstStyle/>
+                        <a:p>
+                          <a:endParaRPr lang="pl-PL" dirty="0"/>
+                        </a:p>
+                      </a:txBody>
+                      <a:tcPr/>
+                    </a:tc>
+                    <a:tc hMerge="1" vMerge="1">
+                      <a:txBody>
+                        <a:bodyPr/>
+                        <a:lstStyle/>
+                        <a:p>
+                          <a:endParaRPr lang="pl-PL" dirty="0"/>
+                        </a:p>
+                      </a:txBody>
+                      <a:tcPr/>
+                    </a:tc>
+                    <a:tc>
+                      <a:txBody>
+                        <a:bodyPr/>
+                        <a:lstStyle/>
+                        <a:p>
+                          <a:r>
+                            <a:rPr lang="pl-PL" dirty="0"/>
+                            <a:t>1</a:t>
+                          </a:r>
+                        </a:p>
+                      </a:txBody>
+                      <a:tcPr/>
+                    </a:tc>
+                    <a:tc>
+                      <a:txBody>
+                        <a:bodyPr/>
+                        <a:lstStyle/>
+                        <a:p>
+                          <a:r>
+                            <a:rPr lang="pl-PL" dirty="0"/>
+                            <a:t>0</a:t>
+                          </a:r>
+                        </a:p>
+                      </a:txBody>
+                      <a:tcPr/>
+                    </a:tc>
+                    <a:extLst>
+                      <a:ext uri="{0D108BD9-81ED-4DB2-BD59-A6C34878D82A}">
+                        <a16:rowId xmlns:a16="http://schemas.microsoft.com/office/drawing/2014/main" val="4163430658"/>
+                      </a:ext>
+                    </a:extLst>
+                  </a:tr>
+                  <a:tr h="291163">
+                    <a:tc rowSpan="2">
+                      <a:txBody>
+                        <a:bodyPr/>
+                        <a:lstStyle/>
+                        <a:p>
+                          <a:pPr algn="ctr"/>
+                          <a:r>
+                            <a:rPr lang="pl-PL" dirty="0" err="1"/>
+                            <a:t>Actual</a:t>
+                          </a:r>
+                          <a:endParaRPr lang="pl-PL" dirty="0"/>
+                        </a:p>
+                      </a:txBody>
+                      <a:tcPr vert="vert270"/>
+                    </a:tc>
+                    <a:tc>
+                      <a:txBody>
+                        <a:bodyPr/>
+                        <a:lstStyle/>
+                        <a:p>
+                          <a:r>
+                            <a:rPr lang="pl-PL" dirty="0"/>
+                            <a:t>1</a:t>
+                          </a:r>
+                        </a:p>
+                      </a:txBody>
+                      <a:tcPr/>
+                    </a:tc>
+                    <a:tc>
+                      <a:txBody>
+                        <a:bodyPr/>
+                        <a:lstStyle/>
+                        <a:p>
+                          <a:pPr algn="r"/>
+                          <a:r>
+                            <a:rPr lang="pl-PL" dirty="0"/>
+                            <a:t>316</a:t>
+                          </a:r>
+                        </a:p>
+                      </a:txBody>
+                      <a:tcPr/>
+                    </a:tc>
+                    <a:tc>
+                      <a:txBody>
+                        <a:bodyPr/>
+                        <a:lstStyle/>
+                        <a:p>
+                          <a:pPr algn="r"/>
+                          <a:r>
+                            <a:rPr lang="pl-PL" dirty="0"/>
+                            <a:t>226</a:t>
+                          </a:r>
+                        </a:p>
+                      </a:txBody>
+                      <a:tcPr/>
+                    </a:tc>
+                    <a:extLst>
+                      <a:ext uri="{0D108BD9-81ED-4DB2-BD59-A6C34878D82A}">
+                        <a16:rowId xmlns:a16="http://schemas.microsoft.com/office/drawing/2014/main" val="4134526702"/>
+                      </a:ext>
+                    </a:extLst>
+                  </a:tr>
+                  <a:tr h="291163">
+                    <a:tc vMerge="1">
+                      <a:txBody>
+                        <a:bodyPr/>
+                        <a:lstStyle/>
+                        <a:p>
+                          <a:endParaRPr lang="pl-PL" dirty="0"/>
+                        </a:p>
+                      </a:txBody>
+                      <a:tcPr/>
+                    </a:tc>
+                    <a:tc>
+                      <a:txBody>
+                        <a:bodyPr/>
+                        <a:lstStyle/>
+                        <a:p>
+                          <a:r>
+                            <a:rPr lang="pl-PL" dirty="0"/>
+                            <a:t>0</a:t>
+                          </a:r>
+                        </a:p>
+                      </a:txBody>
+                      <a:tcPr/>
+                    </a:tc>
+                    <a:tc>
+                      <a:txBody>
+                        <a:bodyPr/>
+                        <a:lstStyle/>
+                        <a:p>
+                          <a:pPr algn="r"/>
+                          <a:r>
+                            <a:rPr lang="pl-PL" dirty="0"/>
+                            <a:t>37</a:t>
+                          </a:r>
+                        </a:p>
+                      </a:txBody>
+                      <a:tcPr/>
+                    </a:tc>
+                    <a:tc>
+                      <a:txBody>
+                        <a:bodyPr/>
+                        <a:lstStyle/>
+                        <a:p>
+                          <a:pPr algn="r"/>
+                          <a:r>
+                            <a:rPr lang="pl-PL" dirty="0"/>
+                            <a:t>60</a:t>
+                          </a:r>
+                        </a:p>
+                      </a:txBody>
+                      <a:tcPr/>
+                    </a:tc>
+                    <a:extLst>
+                      <a:ext uri="{0D108BD9-81ED-4DB2-BD59-A6C34878D82A}">
+                        <a16:rowId xmlns:a16="http://schemas.microsoft.com/office/drawing/2014/main" val="832689875"/>
+                      </a:ext>
+                    </a:extLst>
+                  </a:tr>
+                </a:tbl>
+              </a:graphicData>
+            </a:graphic>
+          </p:graphicFrame>
+        </mc:Choice>
+        <mc:Fallback>
+          <p:graphicFrame>
+            <p:nvGraphicFramePr>
+              <p:cNvPr id="8" name="Tabela 7">
+                <a:extLst>
+                  <a:ext uri="{FF2B5EF4-FFF2-40B4-BE49-F238E27FC236}">
+                    <a16:creationId xmlns:a16="http://schemas.microsoft.com/office/drawing/2014/main" id="{F44DAD76-5926-E5DB-4483-034BA1F4CD71}"/>
+                  </a:ext>
+                </a:extLst>
+              </p:cNvPr>
+              <p:cNvGraphicFramePr>
+                <a:graphicFrameLocks noGrp="1"/>
+              </p:cNvGraphicFramePr>
+              <p:nvPr>
+                <p:extLst>
+                  <p:ext uri="{D42A27DB-BD31-4B8C-83A1-F6EECF244321}">
+                    <p14:modId xmlns:p14="http://schemas.microsoft.com/office/powerpoint/2010/main" val="3403656109"/>
+                  </p:ext>
+                </p:extLst>
+              </p:nvPr>
+            </p:nvGraphicFramePr>
+            <p:xfrm>
+              <a:off x="1642111" y="3160188"/>
+              <a:ext cx="2315725" cy="1524000"/>
+            </p:xfrm>
+            <a:graphic>
+              <a:graphicData uri="http://schemas.openxmlformats.org/drawingml/2006/table">
+                <a:tbl>
+                  <a:tblPr firstRow="1" bandRow="1">
+                    <a:tableStyleId>{410AA517-7F76-4011-9E2E-61F37F4E73F9}</a:tableStyleId>
+                  </a:tblPr>
+                  <a:tblGrid>
+                    <a:gridCol w="362267">
+                      <a:extLst>
+                        <a:ext uri="{9D8B030D-6E8A-4147-A177-3AD203B41FA5}">
+                          <a16:colId xmlns:a16="http://schemas.microsoft.com/office/drawing/2014/main" val="1745940311"/>
+                        </a:ext>
+                      </a:extLst>
+                    </a:gridCol>
+                    <a:gridCol w="268993">
+                      <a:extLst>
+                        <a:ext uri="{9D8B030D-6E8A-4147-A177-3AD203B41FA5}">
+                          <a16:colId xmlns:a16="http://schemas.microsoft.com/office/drawing/2014/main" val="852712599"/>
+                        </a:ext>
+                      </a:extLst>
+                    </a:gridCol>
+                    <a:gridCol w="838645">
+                      <a:extLst>
+                        <a:ext uri="{9D8B030D-6E8A-4147-A177-3AD203B41FA5}">
+                          <a16:colId xmlns:a16="http://schemas.microsoft.com/office/drawing/2014/main" val="2203307037"/>
+                        </a:ext>
+                      </a:extLst>
+                    </a:gridCol>
+                    <a:gridCol w="845820">
+                      <a:extLst>
+                        <a:ext uri="{9D8B030D-6E8A-4147-A177-3AD203B41FA5}">
+                          <a16:colId xmlns:a16="http://schemas.microsoft.com/office/drawing/2014/main" val="1894837113"/>
+                        </a:ext>
+                      </a:extLst>
+                    </a:gridCol>
+                  </a:tblGrid>
+                  <a:tr h="304800">
+                    <a:tc gridSpan="4">
+                      <a:txBody>
+                        <a:bodyPr/>
+                        <a:lstStyle/>
+                        <a:p>
+                          <a:endParaRPr lang="pl-PL"/>
+                        </a:p>
+                      </a:txBody>
+                      <a:tcPr>
+                        <a:blipFill>
+                          <a:blip r:embed="rId4"/>
+                          <a:stretch>
+                            <a:fillRect l="-262" t="-2000" r="-262" b="-422000"/>
+                          </a:stretch>
+                        </a:blipFill>
+                      </a:tcPr>
+                    </a:tc>
+                    <a:tc hMerge="1">
+                      <a:txBody>
+                        <a:bodyPr/>
+                        <a:lstStyle/>
+                        <a:p>
+                          <a:endParaRPr lang="pl-PL"/>
+                        </a:p>
+                      </a:txBody>
+                      <a:tcPr/>
+                    </a:tc>
+                    <a:tc hMerge="1">
+                      <a:txBody>
+                        <a:bodyPr/>
+                        <a:lstStyle/>
+                        <a:p>
+                          <a:endParaRPr lang="pl-PL"/>
+                        </a:p>
+                      </a:txBody>
+                      <a:tcPr/>
+                    </a:tc>
+                    <a:tc hMerge="1">
+                      <a:txBody>
+                        <a:bodyPr/>
+                        <a:lstStyle/>
+                        <a:p>
+                          <a:endParaRPr lang="pl-PL"/>
+                        </a:p>
+                      </a:txBody>
+                      <a:tcPr/>
+                    </a:tc>
+                    <a:extLst>
+                      <a:ext uri="{0D108BD9-81ED-4DB2-BD59-A6C34878D82A}">
+                        <a16:rowId xmlns:a16="http://schemas.microsoft.com/office/drawing/2014/main" val="3543073346"/>
+                      </a:ext>
+                    </a:extLst>
+                  </a:tr>
+                  <a:tr h="304800">
+                    <a:tc rowSpan="2" gridSpan="2">
+                      <a:txBody>
+                        <a:bodyPr/>
+                        <a:lstStyle/>
+                        <a:p>
+                          <a:endParaRPr lang="pl-PL" dirty="0"/>
+                        </a:p>
+                      </a:txBody>
+                      <a:tcPr/>
+                    </a:tc>
+                    <a:tc rowSpan="2" hMerge="1">
+                      <a:txBody>
+                        <a:bodyPr/>
+                        <a:lstStyle/>
+                        <a:p>
+                          <a:endParaRPr lang="pl-PL"/>
+                        </a:p>
+                      </a:txBody>
+                      <a:tcPr/>
+                    </a:tc>
+                    <a:tc gridSpan="2">
+                      <a:txBody>
+                        <a:bodyPr/>
+                        <a:lstStyle/>
+                        <a:p>
+                          <a:pPr algn="ctr"/>
+                          <a:r>
+                            <a:rPr lang="pl-PL" dirty="0" err="1"/>
+                            <a:t>Predicted</a:t>
+                          </a:r>
+                          <a:endParaRPr lang="pl-PL" dirty="0"/>
+                        </a:p>
+                      </a:txBody>
+                      <a:tcPr/>
+                    </a:tc>
+                    <a:tc hMerge="1">
+                      <a:txBody>
+                        <a:bodyPr/>
+                        <a:lstStyle/>
+                        <a:p>
+                          <a:endParaRPr lang="pl-PL"/>
+                        </a:p>
+                      </a:txBody>
+                      <a:tcPr/>
+                    </a:tc>
+                    <a:extLst>
+                      <a:ext uri="{0D108BD9-81ED-4DB2-BD59-A6C34878D82A}">
+                        <a16:rowId xmlns:a16="http://schemas.microsoft.com/office/drawing/2014/main" val="1745054855"/>
+                      </a:ext>
+                    </a:extLst>
+                  </a:tr>
+                  <a:tr h="304800">
+                    <a:tc gridSpan="2" vMerge="1">
+                      <a:txBody>
+                        <a:bodyPr/>
+                        <a:lstStyle/>
+                        <a:p>
+                          <a:endParaRPr lang="pl-PL" dirty="0"/>
+                        </a:p>
+                      </a:txBody>
+                      <a:tcPr/>
+                    </a:tc>
+                    <a:tc hMerge="1" vMerge="1">
+                      <a:txBody>
+                        <a:bodyPr/>
+                        <a:lstStyle/>
+                        <a:p>
+                          <a:endParaRPr lang="pl-PL" dirty="0"/>
+                        </a:p>
+                      </a:txBody>
+                      <a:tcPr/>
+                    </a:tc>
+                    <a:tc>
+                      <a:txBody>
+                        <a:bodyPr/>
+                        <a:lstStyle/>
+                        <a:p>
+                          <a:r>
+                            <a:rPr lang="pl-PL" dirty="0"/>
+                            <a:t>1</a:t>
+                          </a:r>
+                        </a:p>
+                      </a:txBody>
+                      <a:tcPr/>
+                    </a:tc>
+                    <a:tc>
+                      <a:txBody>
+                        <a:bodyPr/>
+                        <a:lstStyle/>
+                        <a:p>
+                          <a:r>
+                            <a:rPr lang="pl-PL" dirty="0"/>
+                            <a:t>0</a:t>
+                          </a:r>
+                        </a:p>
+                      </a:txBody>
+                      <a:tcPr/>
+                    </a:tc>
+                    <a:extLst>
+                      <a:ext uri="{0D108BD9-81ED-4DB2-BD59-A6C34878D82A}">
+                        <a16:rowId xmlns:a16="http://schemas.microsoft.com/office/drawing/2014/main" val="4163430658"/>
+                      </a:ext>
+                    </a:extLst>
+                  </a:tr>
+                  <a:tr h="304800">
+                    <a:tc rowSpan="2">
+                      <a:txBody>
+                        <a:bodyPr/>
+                        <a:lstStyle/>
+                        <a:p>
+                          <a:pPr algn="ctr"/>
+                          <a:r>
+                            <a:rPr lang="pl-PL" dirty="0" err="1"/>
+                            <a:t>Actual</a:t>
+                          </a:r>
+                          <a:endParaRPr lang="pl-PL" dirty="0"/>
+                        </a:p>
+                      </a:txBody>
+                      <a:tcPr vert="vert270"/>
+                    </a:tc>
+                    <a:tc>
+                      <a:txBody>
+                        <a:bodyPr/>
+                        <a:lstStyle/>
+                        <a:p>
+                          <a:r>
+                            <a:rPr lang="pl-PL" dirty="0"/>
+                            <a:t>1</a:t>
+                          </a:r>
+                        </a:p>
+                      </a:txBody>
+                      <a:tcPr/>
+                    </a:tc>
+                    <a:tc>
+                      <a:txBody>
+                        <a:bodyPr/>
+                        <a:lstStyle/>
+                        <a:p>
+                          <a:pPr algn="r"/>
+                          <a:r>
+                            <a:rPr lang="pl-PL" dirty="0"/>
+                            <a:t>316</a:t>
+                          </a:r>
+                        </a:p>
+                      </a:txBody>
+                      <a:tcPr/>
+                    </a:tc>
+                    <a:tc>
+                      <a:txBody>
+                        <a:bodyPr/>
+                        <a:lstStyle/>
+                        <a:p>
+                          <a:pPr algn="r"/>
+                          <a:r>
+                            <a:rPr lang="pl-PL" dirty="0"/>
+                            <a:t>226</a:t>
+                          </a:r>
+                        </a:p>
+                      </a:txBody>
+                      <a:tcPr/>
+                    </a:tc>
+                    <a:extLst>
+                      <a:ext uri="{0D108BD9-81ED-4DB2-BD59-A6C34878D82A}">
+                        <a16:rowId xmlns:a16="http://schemas.microsoft.com/office/drawing/2014/main" val="4134526702"/>
+                      </a:ext>
+                    </a:extLst>
+                  </a:tr>
+                  <a:tr h="304800">
+                    <a:tc vMerge="1">
+                      <a:txBody>
+                        <a:bodyPr/>
+                        <a:lstStyle/>
+                        <a:p>
+                          <a:endParaRPr lang="pl-PL" dirty="0"/>
+                        </a:p>
+                      </a:txBody>
+                      <a:tcPr/>
+                    </a:tc>
+                    <a:tc>
+                      <a:txBody>
+                        <a:bodyPr/>
+                        <a:lstStyle/>
+                        <a:p>
+                          <a:r>
+                            <a:rPr lang="pl-PL" dirty="0"/>
+                            <a:t>0</a:t>
+                          </a:r>
+                        </a:p>
+                      </a:txBody>
+                      <a:tcPr/>
+                    </a:tc>
+                    <a:tc>
+                      <a:txBody>
+                        <a:bodyPr/>
+                        <a:lstStyle/>
+                        <a:p>
+                          <a:pPr algn="r"/>
+                          <a:r>
+                            <a:rPr lang="pl-PL" dirty="0"/>
+                            <a:t>37</a:t>
+                          </a:r>
+                        </a:p>
+                      </a:txBody>
+                      <a:tcPr/>
+                    </a:tc>
+                    <a:tc>
+                      <a:txBody>
+                        <a:bodyPr/>
+                        <a:lstStyle/>
+                        <a:p>
+                          <a:pPr algn="r"/>
+                          <a:r>
+                            <a:rPr lang="pl-PL" dirty="0"/>
+                            <a:t>60</a:t>
+                          </a:r>
+                        </a:p>
+                      </a:txBody>
+                      <a:tcPr/>
+                    </a:tc>
+                    <a:extLst>
+                      <a:ext uri="{0D108BD9-81ED-4DB2-BD59-A6C34878D82A}">
+                        <a16:rowId xmlns:a16="http://schemas.microsoft.com/office/drawing/2014/main" val="832689875"/>
+                      </a:ext>
+                    </a:extLst>
+                  </a:tr>
+                </a:tbl>
+              </a:graphicData>
+            </a:graphic>
+          </p:graphicFrame>
+        </mc:Fallback>
+      </mc:AlternateContent>
+      <mc:AlternateContent xmlns:mc="http://schemas.openxmlformats.org/markup-compatibility/2006">
+        <mc:Choice xmlns:a14="http://schemas.microsoft.com/office/drawing/2010/main" Requires="a14">
+          <p:graphicFrame>
+            <p:nvGraphicFramePr>
+              <p:cNvPr id="9" name="Tabela 8">
+                <a:extLst>
+                  <a:ext uri="{FF2B5EF4-FFF2-40B4-BE49-F238E27FC236}">
+                    <a16:creationId xmlns:a16="http://schemas.microsoft.com/office/drawing/2014/main" id="{61BDC5AF-16B2-5164-8E39-2FD0F68D9FB4}"/>
+                  </a:ext>
+                </a:extLst>
+              </p:cNvPr>
+              <p:cNvGraphicFramePr>
+                <a:graphicFrameLocks noGrp="1"/>
+              </p:cNvGraphicFramePr>
+              <p:nvPr>
+                <p:extLst>
+                  <p:ext uri="{D42A27DB-BD31-4B8C-83A1-F6EECF244321}">
+                    <p14:modId xmlns:p14="http://schemas.microsoft.com/office/powerpoint/2010/main" val="1094921486"/>
+                  </p:ext>
+                </p:extLst>
+              </p:nvPr>
+            </p:nvGraphicFramePr>
+            <p:xfrm>
+              <a:off x="5186165" y="3160188"/>
+              <a:ext cx="2315725" cy="1524000"/>
+            </p:xfrm>
+            <a:graphic>
+              <a:graphicData uri="http://schemas.openxmlformats.org/drawingml/2006/table">
+                <a:tbl>
+                  <a:tblPr firstRow="1" bandRow="1">
+                    <a:tableStyleId>{410AA517-7F76-4011-9E2E-61F37F4E73F9}</a:tableStyleId>
+                  </a:tblPr>
+                  <a:tblGrid>
+                    <a:gridCol w="362267">
+                      <a:extLst>
+                        <a:ext uri="{9D8B030D-6E8A-4147-A177-3AD203B41FA5}">
+                          <a16:colId xmlns:a16="http://schemas.microsoft.com/office/drawing/2014/main" val="1745940311"/>
+                        </a:ext>
+                      </a:extLst>
+                    </a:gridCol>
+                    <a:gridCol w="268993">
+                      <a:extLst>
+                        <a:ext uri="{9D8B030D-6E8A-4147-A177-3AD203B41FA5}">
+                          <a16:colId xmlns:a16="http://schemas.microsoft.com/office/drawing/2014/main" val="852712599"/>
+                        </a:ext>
+                      </a:extLst>
+                    </a:gridCol>
+                    <a:gridCol w="838645">
+                      <a:extLst>
+                        <a:ext uri="{9D8B030D-6E8A-4147-A177-3AD203B41FA5}">
+                          <a16:colId xmlns:a16="http://schemas.microsoft.com/office/drawing/2014/main" val="2203307037"/>
+                        </a:ext>
+                      </a:extLst>
+                    </a:gridCol>
+                    <a:gridCol w="845820">
+                      <a:extLst>
+                        <a:ext uri="{9D8B030D-6E8A-4147-A177-3AD203B41FA5}">
+                          <a16:colId xmlns:a16="http://schemas.microsoft.com/office/drawing/2014/main" val="1894837113"/>
+                        </a:ext>
+                      </a:extLst>
+                    </a:gridCol>
+                  </a:tblGrid>
+                  <a:tr h="291163">
+                    <a:tc gridSpan="4">
+                      <a:txBody>
+                        <a:bodyPr/>
+                        <a:lstStyle/>
+                        <a:p>
+                          <a:pPr algn="ctr"/>
+                          <a14:m>
+                            <m:oMathPara xmlns:m="http://schemas.openxmlformats.org/officeDocument/2006/math">
+                              <m:oMathParaPr>
+                                <m:jc m:val="centerGroup"/>
+                              </m:oMathParaPr>
+                              <m:oMath xmlns:m="http://schemas.openxmlformats.org/officeDocument/2006/math">
+                                <m:sSup>
+                                  <m:sSupPr>
+                                    <m:ctrlPr>
+                                      <a:rPr lang="pl-PL" b="0" i="1" smtClean="0">
+                                        <a:latin typeface="Cambria Math" panose="02040503050406030204" pitchFamily="18" charset="0"/>
+                                      </a:rPr>
+                                    </m:ctrlPr>
+                                  </m:sSupPr>
+                                  <m:e>
+                                    <m:r>
+                                      <a:rPr lang="pl-PL" b="0" i="1" smtClean="0">
+                                        <a:latin typeface="Cambria Math" panose="02040503050406030204" pitchFamily="18" charset="0"/>
+                                      </a:rPr>
+                                      <m:t>𝑝</m:t>
+                                    </m:r>
+                                  </m:e>
+                                  <m:sup>
+                                    <m:r>
+                                      <a:rPr lang="pl-PL" b="0" i="1" smtClean="0">
+                                        <a:latin typeface="Cambria Math" panose="02040503050406030204" pitchFamily="18" charset="0"/>
+                                      </a:rPr>
+                                      <m:t>∗</m:t>
+                                    </m:r>
+                                  </m:sup>
+                                </m:sSup>
+                                <m:r>
+                                  <a:rPr lang="pl-PL" b="0" i="1" smtClean="0">
+                                    <a:latin typeface="Cambria Math" panose="02040503050406030204" pitchFamily="18" charset="0"/>
+                                  </a:rPr>
+                                  <m:t>=0.091</m:t>
+                                </m:r>
+                              </m:oMath>
+                            </m:oMathPara>
+                          </a14:m>
+                          <a:endParaRPr lang="pl-PL" dirty="0"/>
+                        </a:p>
+                      </a:txBody>
+                      <a:tcPr/>
+                    </a:tc>
+                    <a:tc hMerge="1">
+                      <a:txBody>
+                        <a:bodyPr/>
+                        <a:lstStyle/>
+                        <a:p>
+                          <a:endParaRPr lang="pl-PL"/>
+                        </a:p>
+                      </a:txBody>
+                      <a:tcPr/>
+                    </a:tc>
+                    <a:tc hMerge="1">
+                      <a:txBody>
+                        <a:bodyPr/>
+                        <a:lstStyle/>
+                        <a:p>
+                          <a:endParaRPr lang="pl-PL"/>
+                        </a:p>
+                      </a:txBody>
+                      <a:tcPr/>
+                    </a:tc>
+                    <a:tc hMerge="1">
+                      <a:txBody>
+                        <a:bodyPr/>
+                        <a:lstStyle/>
+                        <a:p>
+                          <a:endParaRPr lang="pl-PL"/>
+                        </a:p>
+                      </a:txBody>
+                      <a:tcPr/>
+                    </a:tc>
+                    <a:extLst>
+                      <a:ext uri="{0D108BD9-81ED-4DB2-BD59-A6C34878D82A}">
+                        <a16:rowId xmlns:a16="http://schemas.microsoft.com/office/drawing/2014/main" val="3543073346"/>
+                      </a:ext>
+                    </a:extLst>
+                  </a:tr>
+                  <a:tr h="291163">
+                    <a:tc rowSpan="2" gridSpan="2">
+                      <a:txBody>
+                        <a:bodyPr/>
+                        <a:lstStyle/>
+                        <a:p>
+                          <a:endParaRPr lang="pl-PL" dirty="0"/>
+                        </a:p>
+                      </a:txBody>
+                      <a:tcPr/>
+                    </a:tc>
+                    <a:tc rowSpan="2" hMerge="1">
+                      <a:txBody>
+                        <a:bodyPr/>
+                        <a:lstStyle/>
+                        <a:p>
+                          <a:endParaRPr lang="pl-PL"/>
+                        </a:p>
+                      </a:txBody>
+                      <a:tcPr/>
+                    </a:tc>
+                    <a:tc gridSpan="2">
+                      <a:txBody>
+                        <a:bodyPr/>
+                        <a:lstStyle/>
+                        <a:p>
+                          <a:pPr algn="ctr"/>
+                          <a:r>
+                            <a:rPr lang="pl-PL" dirty="0" err="1"/>
+                            <a:t>Predicted</a:t>
+                          </a:r>
+                          <a:endParaRPr lang="pl-PL" dirty="0"/>
+                        </a:p>
+                      </a:txBody>
+                      <a:tcPr/>
+                    </a:tc>
+                    <a:tc hMerge="1">
+                      <a:txBody>
+                        <a:bodyPr/>
+                        <a:lstStyle/>
+                        <a:p>
+                          <a:endParaRPr lang="pl-PL"/>
+                        </a:p>
+                      </a:txBody>
+                      <a:tcPr/>
+                    </a:tc>
+                    <a:extLst>
+                      <a:ext uri="{0D108BD9-81ED-4DB2-BD59-A6C34878D82A}">
+                        <a16:rowId xmlns:a16="http://schemas.microsoft.com/office/drawing/2014/main" val="1745054855"/>
+                      </a:ext>
+                    </a:extLst>
+                  </a:tr>
+                  <a:tr h="239312">
+                    <a:tc gridSpan="2" vMerge="1">
+                      <a:txBody>
+                        <a:bodyPr/>
+                        <a:lstStyle/>
+                        <a:p>
+                          <a:endParaRPr lang="pl-PL" dirty="0"/>
+                        </a:p>
+                      </a:txBody>
+                      <a:tcPr/>
+                    </a:tc>
+                    <a:tc hMerge="1" vMerge="1">
+                      <a:txBody>
+                        <a:bodyPr/>
+                        <a:lstStyle/>
+                        <a:p>
+                          <a:endParaRPr lang="pl-PL" dirty="0"/>
+                        </a:p>
+                      </a:txBody>
+                      <a:tcPr/>
+                    </a:tc>
+                    <a:tc>
+                      <a:txBody>
+                        <a:bodyPr/>
+                        <a:lstStyle/>
+                        <a:p>
+                          <a:r>
+                            <a:rPr lang="pl-PL" dirty="0"/>
+                            <a:t>1</a:t>
+                          </a:r>
+                        </a:p>
+                      </a:txBody>
+                      <a:tcPr/>
+                    </a:tc>
+                    <a:tc>
+                      <a:txBody>
+                        <a:bodyPr/>
+                        <a:lstStyle/>
+                        <a:p>
+                          <a:r>
+                            <a:rPr lang="pl-PL" dirty="0"/>
+                            <a:t>0</a:t>
+                          </a:r>
+                        </a:p>
+                      </a:txBody>
+                      <a:tcPr/>
+                    </a:tc>
+                    <a:extLst>
+                      <a:ext uri="{0D108BD9-81ED-4DB2-BD59-A6C34878D82A}">
+                        <a16:rowId xmlns:a16="http://schemas.microsoft.com/office/drawing/2014/main" val="4163430658"/>
+                      </a:ext>
+                    </a:extLst>
+                  </a:tr>
+                  <a:tr h="291163">
+                    <a:tc rowSpan="2">
+                      <a:txBody>
+                        <a:bodyPr/>
+                        <a:lstStyle/>
+                        <a:p>
+                          <a:pPr algn="ctr"/>
+                          <a:r>
+                            <a:rPr lang="pl-PL" dirty="0" err="1"/>
+                            <a:t>Actual</a:t>
+                          </a:r>
+                          <a:endParaRPr lang="pl-PL" dirty="0"/>
+                        </a:p>
+                      </a:txBody>
+                      <a:tcPr vert="vert270"/>
+                    </a:tc>
+                    <a:tc>
+                      <a:txBody>
+                        <a:bodyPr/>
+                        <a:lstStyle/>
+                        <a:p>
+                          <a:r>
+                            <a:rPr lang="pl-PL" dirty="0"/>
+                            <a:t>1</a:t>
+                          </a:r>
+                        </a:p>
+                      </a:txBody>
+                      <a:tcPr/>
+                    </a:tc>
+                    <a:tc>
+                      <a:txBody>
+                        <a:bodyPr/>
+                        <a:lstStyle/>
+                        <a:p>
+                          <a:pPr algn="r"/>
+                          <a:r>
+                            <a:rPr lang="pl-PL" dirty="0"/>
+                            <a:t>310</a:t>
+                          </a:r>
+                        </a:p>
+                      </a:txBody>
+                      <a:tcPr/>
+                    </a:tc>
+                    <a:tc>
+                      <a:txBody>
+                        <a:bodyPr/>
+                        <a:lstStyle/>
+                        <a:p>
+                          <a:pPr algn="r"/>
+                          <a:r>
+                            <a:rPr lang="pl-PL" dirty="0"/>
+                            <a:t>232</a:t>
+                          </a:r>
+                        </a:p>
+                      </a:txBody>
+                      <a:tcPr/>
+                    </a:tc>
+                    <a:extLst>
+                      <a:ext uri="{0D108BD9-81ED-4DB2-BD59-A6C34878D82A}">
+                        <a16:rowId xmlns:a16="http://schemas.microsoft.com/office/drawing/2014/main" val="4134526702"/>
+                      </a:ext>
+                    </a:extLst>
+                  </a:tr>
+                  <a:tr h="291163">
+                    <a:tc vMerge="1">
+                      <a:txBody>
+                        <a:bodyPr/>
+                        <a:lstStyle/>
+                        <a:p>
+                          <a:endParaRPr lang="pl-PL" dirty="0"/>
+                        </a:p>
+                      </a:txBody>
+                      <a:tcPr/>
+                    </a:tc>
+                    <a:tc>
+                      <a:txBody>
+                        <a:bodyPr/>
+                        <a:lstStyle/>
+                        <a:p>
+                          <a:r>
+                            <a:rPr lang="pl-PL" dirty="0"/>
+                            <a:t>0</a:t>
+                          </a:r>
+                        </a:p>
+                      </a:txBody>
+                      <a:tcPr/>
+                    </a:tc>
+                    <a:tc>
+                      <a:txBody>
+                        <a:bodyPr/>
+                        <a:lstStyle/>
+                        <a:p>
+                          <a:pPr algn="r"/>
+                          <a:r>
+                            <a:rPr lang="pl-PL" dirty="0"/>
+                            <a:t>35</a:t>
+                          </a:r>
+                        </a:p>
+                      </a:txBody>
+                      <a:tcPr/>
+                    </a:tc>
+                    <a:tc>
+                      <a:txBody>
+                        <a:bodyPr/>
+                        <a:lstStyle/>
+                        <a:p>
+                          <a:pPr algn="r"/>
+                          <a:r>
+                            <a:rPr lang="pl-PL" dirty="0"/>
+                            <a:t>35</a:t>
+                          </a:r>
+                        </a:p>
+                      </a:txBody>
+                      <a:tcPr/>
+                    </a:tc>
+                    <a:extLst>
+                      <a:ext uri="{0D108BD9-81ED-4DB2-BD59-A6C34878D82A}">
+                        <a16:rowId xmlns:a16="http://schemas.microsoft.com/office/drawing/2014/main" val="832689875"/>
+                      </a:ext>
+                    </a:extLst>
+                  </a:tr>
+                </a:tbl>
+              </a:graphicData>
+            </a:graphic>
+          </p:graphicFrame>
+        </mc:Choice>
+        <mc:Fallback>
+          <p:graphicFrame>
+            <p:nvGraphicFramePr>
+              <p:cNvPr id="9" name="Tabela 8">
+                <a:extLst>
+                  <a:ext uri="{FF2B5EF4-FFF2-40B4-BE49-F238E27FC236}">
+                    <a16:creationId xmlns:a16="http://schemas.microsoft.com/office/drawing/2014/main" id="{61BDC5AF-16B2-5164-8E39-2FD0F68D9FB4}"/>
+                  </a:ext>
+                </a:extLst>
+              </p:cNvPr>
+              <p:cNvGraphicFramePr>
+                <a:graphicFrameLocks noGrp="1"/>
+              </p:cNvGraphicFramePr>
+              <p:nvPr>
+                <p:extLst>
+                  <p:ext uri="{D42A27DB-BD31-4B8C-83A1-F6EECF244321}">
+                    <p14:modId xmlns:p14="http://schemas.microsoft.com/office/powerpoint/2010/main" val="1094921486"/>
+                  </p:ext>
+                </p:extLst>
+              </p:nvPr>
+            </p:nvGraphicFramePr>
+            <p:xfrm>
+              <a:off x="5186165" y="3160188"/>
+              <a:ext cx="2315725" cy="1524000"/>
+            </p:xfrm>
+            <a:graphic>
+              <a:graphicData uri="http://schemas.openxmlformats.org/drawingml/2006/table">
+                <a:tbl>
+                  <a:tblPr firstRow="1" bandRow="1">
+                    <a:tableStyleId>{410AA517-7F76-4011-9E2E-61F37F4E73F9}</a:tableStyleId>
+                  </a:tblPr>
+                  <a:tblGrid>
+                    <a:gridCol w="362267">
+                      <a:extLst>
+                        <a:ext uri="{9D8B030D-6E8A-4147-A177-3AD203B41FA5}">
+                          <a16:colId xmlns:a16="http://schemas.microsoft.com/office/drawing/2014/main" val="1745940311"/>
+                        </a:ext>
+                      </a:extLst>
+                    </a:gridCol>
+                    <a:gridCol w="268993">
+                      <a:extLst>
+                        <a:ext uri="{9D8B030D-6E8A-4147-A177-3AD203B41FA5}">
+                          <a16:colId xmlns:a16="http://schemas.microsoft.com/office/drawing/2014/main" val="852712599"/>
+                        </a:ext>
+                      </a:extLst>
+                    </a:gridCol>
+                    <a:gridCol w="838645">
+                      <a:extLst>
+                        <a:ext uri="{9D8B030D-6E8A-4147-A177-3AD203B41FA5}">
+                          <a16:colId xmlns:a16="http://schemas.microsoft.com/office/drawing/2014/main" val="2203307037"/>
+                        </a:ext>
+                      </a:extLst>
+                    </a:gridCol>
+                    <a:gridCol w="845820">
+                      <a:extLst>
+                        <a:ext uri="{9D8B030D-6E8A-4147-A177-3AD203B41FA5}">
+                          <a16:colId xmlns:a16="http://schemas.microsoft.com/office/drawing/2014/main" val="1894837113"/>
+                        </a:ext>
+                      </a:extLst>
+                    </a:gridCol>
+                  </a:tblGrid>
+                  <a:tr h="304800">
+                    <a:tc gridSpan="4">
+                      <a:txBody>
+                        <a:bodyPr/>
+                        <a:lstStyle/>
+                        <a:p>
+                          <a:endParaRPr lang="pl-PL"/>
+                        </a:p>
+                      </a:txBody>
+                      <a:tcPr>
+                        <a:blipFill>
+                          <a:blip r:embed="rId5"/>
+                          <a:stretch>
+                            <a:fillRect l="-262" t="-2000" r="-525" b="-422000"/>
+                          </a:stretch>
+                        </a:blipFill>
+                      </a:tcPr>
+                    </a:tc>
+                    <a:tc hMerge="1">
+                      <a:txBody>
+                        <a:bodyPr/>
+                        <a:lstStyle/>
+                        <a:p>
+                          <a:endParaRPr lang="pl-PL"/>
+                        </a:p>
+                      </a:txBody>
+                      <a:tcPr/>
+                    </a:tc>
+                    <a:tc hMerge="1">
+                      <a:txBody>
+                        <a:bodyPr/>
+                        <a:lstStyle/>
+                        <a:p>
+                          <a:endParaRPr lang="pl-PL"/>
+                        </a:p>
+                      </a:txBody>
+                      <a:tcPr/>
+                    </a:tc>
+                    <a:tc hMerge="1">
+                      <a:txBody>
+                        <a:bodyPr/>
+                        <a:lstStyle/>
+                        <a:p>
+                          <a:endParaRPr lang="pl-PL"/>
+                        </a:p>
+                      </a:txBody>
+                      <a:tcPr/>
+                    </a:tc>
+                    <a:extLst>
+                      <a:ext uri="{0D108BD9-81ED-4DB2-BD59-A6C34878D82A}">
+                        <a16:rowId xmlns:a16="http://schemas.microsoft.com/office/drawing/2014/main" val="3543073346"/>
+                      </a:ext>
+                    </a:extLst>
+                  </a:tr>
+                  <a:tr h="304800">
+                    <a:tc rowSpan="2" gridSpan="2">
+                      <a:txBody>
+                        <a:bodyPr/>
+                        <a:lstStyle/>
+                        <a:p>
+                          <a:endParaRPr lang="pl-PL" dirty="0"/>
+                        </a:p>
+                      </a:txBody>
+                      <a:tcPr/>
+                    </a:tc>
+                    <a:tc rowSpan="2" hMerge="1">
+                      <a:txBody>
+                        <a:bodyPr/>
+                        <a:lstStyle/>
+                        <a:p>
+                          <a:endParaRPr lang="pl-PL"/>
+                        </a:p>
+                      </a:txBody>
+                      <a:tcPr/>
+                    </a:tc>
+                    <a:tc gridSpan="2">
+                      <a:txBody>
+                        <a:bodyPr/>
+                        <a:lstStyle/>
+                        <a:p>
+                          <a:pPr algn="ctr"/>
+                          <a:r>
+                            <a:rPr lang="pl-PL" dirty="0" err="1"/>
+                            <a:t>Predicted</a:t>
+                          </a:r>
+                          <a:endParaRPr lang="pl-PL" dirty="0"/>
+                        </a:p>
+                      </a:txBody>
+                      <a:tcPr/>
+                    </a:tc>
+                    <a:tc hMerge="1">
+                      <a:txBody>
+                        <a:bodyPr/>
+                        <a:lstStyle/>
+                        <a:p>
+                          <a:endParaRPr lang="pl-PL"/>
+                        </a:p>
+                      </a:txBody>
+                      <a:tcPr/>
+                    </a:tc>
+                    <a:extLst>
+                      <a:ext uri="{0D108BD9-81ED-4DB2-BD59-A6C34878D82A}">
+                        <a16:rowId xmlns:a16="http://schemas.microsoft.com/office/drawing/2014/main" val="1745054855"/>
+                      </a:ext>
+                    </a:extLst>
+                  </a:tr>
+                  <a:tr h="304800">
+                    <a:tc gridSpan="2" vMerge="1">
+                      <a:txBody>
+                        <a:bodyPr/>
+                        <a:lstStyle/>
+                        <a:p>
+                          <a:endParaRPr lang="pl-PL" dirty="0"/>
+                        </a:p>
+                      </a:txBody>
+                      <a:tcPr/>
+                    </a:tc>
+                    <a:tc hMerge="1" vMerge="1">
+                      <a:txBody>
+                        <a:bodyPr/>
+                        <a:lstStyle/>
+                        <a:p>
+                          <a:endParaRPr lang="pl-PL" dirty="0"/>
+                        </a:p>
+                      </a:txBody>
+                      <a:tcPr/>
+                    </a:tc>
+                    <a:tc>
+                      <a:txBody>
+                        <a:bodyPr/>
+                        <a:lstStyle/>
+                        <a:p>
+                          <a:r>
+                            <a:rPr lang="pl-PL" dirty="0"/>
+                            <a:t>1</a:t>
+                          </a:r>
+                        </a:p>
+                      </a:txBody>
+                      <a:tcPr/>
+                    </a:tc>
+                    <a:tc>
+                      <a:txBody>
+                        <a:bodyPr/>
+                        <a:lstStyle/>
+                        <a:p>
+                          <a:r>
+                            <a:rPr lang="pl-PL" dirty="0"/>
+                            <a:t>0</a:t>
+                          </a:r>
+                        </a:p>
+                      </a:txBody>
+                      <a:tcPr/>
+                    </a:tc>
+                    <a:extLst>
+                      <a:ext uri="{0D108BD9-81ED-4DB2-BD59-A6C34878D82A}">
+                        <a16:rowId xmlns:a16="http://schemas.microsoft.com/office/drawing/2014/main" val="4163430658"/>
+                      </a:ext>
+                    </a:extLst>
+                  </a:tr>
+                  <a:tr h="304800">
+                    <a:tc rowSpan="2">
+                      <a:txBody>
+                        <a:bodyPr/>
+                        <a:lstStyle/>
+                        <a:p>
+                          <a:pPr algn="ctr"/>
+                          <a:r>
+                            <a:rPr lang="pl-PL" dirty="0" err="1"/>
+                            <a:t>Actual</a:t>
+                          </a:r>
+                          <a:endParaRPr lang="pl-PL" dirty="0"/>
+                        </a:p>
+                      </a:txBody>
+                      <a:tcPr vert="vert270"/>
+                    </a:tc>
+                    <a:tc>
+                      <a:txBody>
+                        <a:bodyPr/>
+                        <a:lstStyle/>
+                        <a:p>
+                          <a:r>
+                            <a:rPr lang="pl-PL" dirty="0"/>
+                            <a:t>1</a:t>
+                          </a:r>
+                        </a:p>
+                      </a:txBody>
+                      <a:tcPr/>
+                    </a:tc>
+                    <a:tc>
+                      <a:txBody>
+                        <a:bodyPr/>
+                        <a:lstStyle/>
+                        <a:p>
+                          <a:pPr algn="r"/>
+                          <a:r>
+                            <a:rPr lang="pl-PL" dirty="0"/>
+                            <a:t>310</a:t>
+                          </a:r>
+                        </a:p>
+                      </a:txBody>
+                      <a:tcPr/>
+                    </a:tc>
+                    <a:tc>
+                      <a:txBody>
+                        <a:bodyPr/>
+                        <a:lstStyle/>
+                        <a:p>
+                          <a:pPr algn="r"/>
+                          <a:r>
+                            <a:rPr lang="pl-PL" dirty="0"/>
+                            <a:t>232</a:t>
+                          </a:r>
+                        </a:p>
+                      </a:txBody>
+                      <a:tcPr/>
+                    </a:tc>
+                    <a:extLst>
+                      <a:ext uri="{0D108BD9-81ED-4DB2-BD59-A6C34878D82A}">
+                        <a16:rowId xmlns:a16="http://schemas.microsoft.com/office/drawing/2014/main" val="4134526702"/>
+                      </a:ext>
+                    </a:extLst>
+                  </a:tr>
+                  <a:tr h="304800">
+                    <a:tc vMerge="1">
+                      <a:txBody>
+                        <a:bodyPr/>
+                        <a:lstStyle/>
+                        <a:p>
+                          <a:endParaRPr lang="pl-PL" dirty="0"/>
+                        </a:p>
+                      </a:txBody>
+                      <a:tcPr/>
+                    </a:tc>
+                    <a:tc>
+                      <a:txBody>
+                        <a:bodyPr/>
+                        <a:lstStyle/>
+                        <a:p>
+                          <a:r>
+                            <a:rPr lang="pl-PL" dirty="0"/>
+                            <a:t>0</a:t>
+                          </a:r>
+                        </a:p>
+                      </a:txBody>
+                      <a:tcPr/>
+                    </a:tc>
+                    <a:tc>
+                      <a:txBody>
+                        <a:bodyPr/>
+                        <a:lstStyle/>
+                        <a:p>
+                          <a:pPr algn="r"/>
+                          <a:r>
+                            <a:rPr lang="pl-PL" dirty="0"/>
+                            <a:t>35</a:t>
+                          </a:r>
+                        </a:p>
+                      </a:txBody>
+                      <a:tcPr/>
+                    </a:tc>
+                    <a:tc>
+                      <a:txBody>
+                        <a:bodyPr/>
+                        <a:lstStyle/>
+                        <a:p>
+                          <a:pPr algn="r"/>
+                          <a:r>
+                            <a:rPr lang="pl-PL" dirty="0"/>
+                            <a:t>35</a:t>
+                          </a:r>
+                        </a:p>
+                      </a:txBody>
+                      <a:tcPr/>
+                    </a:tc>
+                    <a:extLst>
+                      <a:ext uri="{0D108BD9-81ED-4DB2-BD59-A6C34878D82A}">
+                        <a16:rowId xmlns:a16="http://schemas.microsoft.com/office/drawing/2014/main" val="832689875"/>
+                      </a:ext>
+                    </a:extLst>
+                  </a:tr>
+                </a:tbl>
+              </a:graphicData>
+            </a:graphic>
+          </p:graphicFrame>
+        </mc:Fallback>
+      </mc:AlternateContent>
+    </p:spTree>
+    <p:extLst>
+      <p:ext uri="{BB962C8B-B14F-4D97-AF65-F5344CB8AC3E}">
+        <p14:creationId xmlns:p14="http://schemas.microsoft.com/office/powerpoint/2010/main" val="2392616128"/>
+      </p:ext>
+    </p:extLst>
   </p:cSld>
   <p:clrMapOvr>
     <a:masterClrMapping/>
@@ -12573,6 +19256,783 @@
               </a:spcAft>
             </a:pPr>
             <a:endParaRPr lang="pl-PL" dirty="0"/>
+          </a:p>
+        </p:txBody>
+      </p:sp>
+    </p:spTree>
+  </p:cSld>
+  <p:clrMapOvr>
+    <a:masterClrMapping/>
+  </p:clrMapOvr>
+</p:sld>
+</file>
+
+<file path=ppt/slides/slide30.xml><?xml version="1.0" encoding="utf-8"?>
+<p:sld xmlns:a="http://schemas.openxmlformats.org/drawingml/2006/main" xmlns:r="http://schemas.openxmlformats.org/officeDocument/2006/relationships" xmlns:p="http://schemas.openxmlformats.org/presentationml/2006/main">
+  <p:cSld>
+    <p:spTree>
+      <p:nvGrpSpPr>
+        <p:cNvPr id="1" name="Shape 354"/>
+        <p:cNvGrpSpPr/>
+        <p:nvPr/>
+      </p:nvGrpSpPr>
+      <p:grpSpPr>
+        <a:xfrm>
+          <a:off x="0" y="0"/>
+          <a:ext cx="0" cy="0"/>
+          <a:chOff x="0" y="0"/>
+          <a:chExt cx="0" cy="0"/>
+        </a:xfrm>
+      </p:grpSpPr>
+      <p:sp>
+        <p:nvSpPr>
+          <p:cNvPr id="355" name="Google Shape;355;p48"/>
+          <p:cNvSpPr txBox="1">
+            <a:spLocks noGrp="1"/>
+          </p:cNvSpPr>
+          <p:nvPr>
+            <p:ph type="body" idx="1"/>
+          </p:nvPr>
+        </p:nvSpPr>
+        <p:spPr>
+          <a:xfrm>
+            <a:off x="713224" y="1238794"/>
+            <a:ext cx="7681625" cy="772885"/>
+          </a:xfrm>
+          <a:prstGeom prst="rect">
+            <a:avLst/>
+          </a:prstGeom>
+        </p:spPr>
+        <p:txBody>
+          <a:bodyPr spcFirstLastPara="1" wrap="square" lIns="91425" tIns="91425" rIns="91425" bIns="91425" anchor="t" anchorCtr="0">
+            <a:noAutofit/>
+          </a:bodyPr>
+          <a:lstStyle/>
+          <a:p>
+            <a:pPr marL="0" indent="0">
+              <a:lnSpc>
+                <a:spcPct val="150000"/>
+              </a:lnSpc>
+              <a:buNone/>
+            </a:pPr>
+            <a:r>
+              <a:rPr lang="pl-PL" dirty="0" err="1">
+                <a:latin typeface="Commissioner" panose="020B0604020202020204" charset="0"/>
+              </a:rPr>
+              <a:t>Empirical</a:t>
+            </a:r>
+            <a:r>
+              <a:rPr lang="pl-PL" dirty="0">
+                <a:latin typeface="Commissioner" panose="020B0604020202020204" charset="0"/>
+              </a:rPr>
+              <a:t> </a:t>
+            </a:r>
+            <a:r>
+              <a:rPr lang="pl-PL" dirty="0" err="1">
+                <a:latin typeface="Commissioner" panose="020B0604020202020204" charset="0"/>
+              </a:rPr>
+              <a:t>Thresholding</a:t>
+            </a:r>
+            <a:r>
+              <a:rPr lang="pl-PL" dirty="0">
+                <a:latin typeface="Commissioner" panose="020B0604020202020204" charset="0"/>
+              </a:rPr>
+              <a:t> </a:t>
+            </a:r>
+            <a:r>
+              <a:rPr lang="pl-PL" dirty="0" err="1">
+                <a:latin typeface="Commissioner" panose="020B0604020202020204" charset="0"/>
+              </a:rPr>
+              <a:t>implementation</a:t>
+            </a:r>
+            <a:r>
+              <a:rPr lang="pl-PL" dirty="0">
+                <a:latin typeface="Commissioner" panose="020B0604020202020204" charset="0"/>
+              </a:rPr>
+              <a:t> </a:t>
+            </a:r>
+            <a:r>
+              <a:rPr lang="pl-PL" dirty="0" err="1">
+                <a:latin typeface="Commissioner" panose="020B0604020202020204" charset="0"/>
+              </a:rPr>
+              <a:t>using</a:t>
+            </a:r>
+            <a:r>
+              <a:rPr lang="pl-PL" dirty="0">
+                <a:latin typeface="Commissioner" panose="020B0604020202020204" charset="0"/>
+              </a:rPr>
+              <a:t> </a:t>
+            </a:r>
+            <a:r>
+              <a:rPr lang="pl-PL" dirty="0" err="1">
+                <a:latin typeface="Commissioner" panose="020B0604020202020204" charset="0"/>
+              </a:rPr>
+              <a:t>mlr</a:t>
+            </a:r>
+            <a:r>
+              <a:rPr lang="pl-PL" dirty="0">
+                <a:latin typeface="Commissioner" panose="020B0604020202020204" charset="0"/>
+              </a:rPr>
+              <a:t> </a:t>
+            </a:r>
+            <a:r>
+              <a:rPr lang="pl-PL" dirty="0" err="1">
+                <a:latin typeface="Commissioner" panose="020B0604020202020204" charset="0"/>
+              </a:rPr>
+              <a:t>package</a:t>
+            </a:r>
+            <a:r>
+              <a:rPr lang="pl-PL" dirty="0">
+                <a:latin typeface="Commissioner" panose="020B0604020202020204" charset="0"/>
+              </a:rPr>
+              <a:t> in R:</a:t>
+            </a:r>
+            <a:endParaRPr dirty="0">
+              <a:latin typeface="Commissioner" panose="020B0604020202020204" charset="0"/>
+            </a:endParaRPr>
+          </a:p>
+        </p:txBody>
+      </p:sp>
+      <p:sp>
+        <p:nvSpPr>
+          <p:cNvPr id="7" name="Google Shape;348;p47">
+            <a:extLst>
+              <a:ext uri="{FF2B5EF4-FFF2-40B4-BE49-F238E27FC236}">
+                <a16:creationId xmlns:a16="http://schemas.microsoft.com/office/drawing/2014/main" id="{4E44E270-2A7F-8CA3-0AB9-54127D8ADCA9}"/>
+              </a:ext>
+            </a:extLst>
+          </p:cNvPr>
+          <p:cNvSpPr txBox="1">
+            <a:spLocks noGrp="1"/>
+          </p:cNvSpPr>
+          <p:nvPr>
+            <p:ph type="title"/>
+          </p:nvPr>
+        </p:nvSpPr>
+        <p:spPr>
+          <a:xfrm>
+            <a:off x="713224" y="390639"/>
+            <a:ext cx="7717500" cy="848155"/>
+          </a:xfrm>
+          <a:prstGeom prst="rect">
+            <a:avLst/>
+          </a:prstGeom>
+        </p:spPr>
+        <p:txBody>
+          <a:bodyPr spcFirstLastPara="1" wrap="square" lIns="91425" tIns="91425" rIns="91425" bIns="91425" anchor="t" anchorCtr="0">
+            <a:noAutofit/>
+          </a:bodyPr>
+          <a:lstStyle/>
+          <a:p>
+            <a:pPr marL="285750" indent="-285750">
+              <a:lnSpc>
+                <a:spcPct val="150000"/>
+              </a:lnSpc>
+            </a:pPr>
+            <a:r>
+              <a:rPr lang="pl-PL" dirty="0" err="1"/>
+              <a:t>Thresholding</a:t>
+            </a:r>
+            <a:r>
+              <a:rPr lang="pl-PL" dirty="0"/>
+              <a:t> </a:t>
+            </a:r>
+            <a:r>
+              <a:rPr lang="pl-PL" dirty="0" err="1"/>
+              <a:t>algorithms</a:t>
+            </a:r>
+            <a:endParaRPr lang="pl-PL" dirty="0"/>
+          </a:p>
+        </p:txBody>
+      </p:sp>
+      <p:pic>
+        <p:nvPicPr>
+          <p:cNvPr id="5" name="Obraz 4">
+            <a:extLst>
+              <a:ext uri="{FF2B5EF4-FFF2-40B4-BE49-F238E27FC236}">
+                <a16:creationId xmlns:a16="http://schemas.microsoft.com/office/drawing/2014/main" id="{F61F705B-864A-4039-47EB-8CC74B8D68B3}"/>
+              </a:ext>
+            </a:extLst>
+          </p:cNvPr>
+          <p:cNvPicPr>
+            <a:picLocks noChangeAspect="1"/>
+          </p:cNvPicPr>
+          <p:nvPr/>
+        </p:nvPicPr>
+        <p:blipFill>
+          <a:blip r:embed="rId3"/>
+          <a:stretch>
+            <a:fillRect/>
+          </a:stretch>
+        </p:blipFill>
+        <p:spPr>
+          <a:xfrm>
+            <a:off x="1059963" y="2011679"/>
+            <a:ext cx="6988146" cy="2149026"/>
+          </a:xfrm>
+          <a:prstGeom prst="rect">
+            <a:avLst/>
+          </a:prstGeom>
+        </p:spPr>
+      </p:pic>
+    </p:spTree>
+    <p:extLst>
+      <p:ext uri="{BB962C8B-B14F-4D97-AF65-F5344CB8AC3E}">
+        <p14:creationId xmlns:p14="http://schemas.microsoft.com/office/powerpoint/2010/main" val="598159046"/>
+      </p:ext>
+    </p:extLst>
+  </p:cSld>
+  <p:clrMapOvr>
+    <a:masterClrMapping/>
+  </p:clrMapOvr>
+</p:sld>
+</file>
+
+<file path=ppt/slides/slide31.xml><?xml version="1.0" encoding="utf-8"?>
+<p:sld xmlns:a="http://schemas.openxmlformats.org/drawingml/2006/main" xmlns:r="http://schemas.openxmlformats.org/officeDocument/2006/relationships" xmlns:p="http://schemas.openxmlformats.org/presentationml/2006/main">
+  <p:cSld>
+    <p:spTree>
+      <p:nvGrpSpPr>
+        <p:cNvPr id="1" name="Shape 354"/>
+        <p:cNvGrpSpPr/>
+        <p:nvPr/>
+      </p:nvGrpSpPr>
+      <p:grpSpPr>
+        <a:xfrm>
+          <a:off x="0" y="0"/>
+          <a:ext cx="0" cy="0"/>
+          <a:chOff x="0" y="0"/>
+          <a:chExt cx="0" cy="0"/>
+        </a:xfrm>
+      </p:grpSpPr>
+      <p:sp>
+        <p:nvSpPr>
+          <p:cNvPr id="7" name="Google Shape;348;p47">
+            <a:extLst>
+              <a:ext uri="{FF2B5EF4-FFF2-40B4-BE49-F238E27FC236}">
+                <a16:creationId xmlns:a16="http://schemas.microsoft.com/office/drawing/2014/main" id="{4E44E270-2A7F-8CA3-0AB9-54127D8ADCA9}"/>
+              </a:ext>
+            </a:extLst>
+          </p:cNvPr>
+          <p:cNvSpPr txBox="1">
+            <a:spLocks noGrp="1"/>
+          </p:cNvSpPr>
+          <p:nvPr>
+            <p:ph type="title"/>
+          </p:nvPr>
+        </p:nvSpPr>
+        <p:spPr>
+          <a:xfrm>
+            <a:off x="713224" y="390639"/>
+            <a:ext cx="7717500" cy="848155"/>
+          </a:xfrm>
+          <a:prstGeom prst="rect">
+            <a:avLst/>
+          </a:prstGeom>
+        </p:spPr>
+        <p:txBody>
+          <a:bodyPr spcFirstLastPara="1" wrap="square" lIns="91425" tIns="91425" rIns="91425" bIns="91425" anchor="t" anchorCtr="0">
+            <a:noAutofit/>
+          </a:bodyPr>
+          <a:lstStyle/>
+          <a:p>
+            <a:pPr marL="285750" indent="-285750">
+              <a:lnSpc>
+                <a:spcPct val="150000"/>
+              </a:lnSpc>
+            </a:pPr>
+            <a:r>
+              <a:rPr lang="pl-PL" dirty="0" err="1"/>
+              <a:t>Empirical</a:t>
+            </a:r>
+            <a:r>
+              <a:rPr lang="pl-PL" dirty="0"/>
+              <a:t> </a:t>
+            </a:r>
+            <a:r>
+              <a:rPr lang="pl-PL" dirty="0" err="1"/>
+              <a:t>thresholding</a:t>
+            </a:r>
+            <a:r>
+              <a:rPr lang="pl-PL" dirty="0"/>
+              <a:t> </a:t>
+            </a:r>
+            <a:r>
+              <a:rPr lang="pl-PL" dirty="0" err="1"/>
+              <a:t>results</a:t>
+            </a:r>
+            <a:endParaRPr lang="pl-PL" dirty="0"/>
+          </a:p>
+        </p:txBody>
+      </p:sp>
+      <p:graphicFrame>
+        <p:nvGraphicFramePr>
+          <p:cNvPr id="2" name="Tabela 1">
+            <a:extLst>
+              <a:ext uri="{FF2B5EF4-FFF2-40B4-BE49-F238E27FC236}">
+                <a16:creationId xmlns:a16="http://schemas.microsoft.com/office/drawing/2014/main" id="{D6FED635-9C52-434E-A750-6157DDE8F3CF}"/>
+              </a:ext>
+            </a:extLst>
+          </p:cNvPr>
+          <p:cNvGraphicFramePr>
+            <a:graphicFrameLocks noGrp="1"/>
+          </p:cNvGraphicFramePr>
+          <p:nvPr>
+            <p:extLst>
+              <p:ext uri="{D42A27DB-BD31-4B8C-83A1-F6EECF244321}">
+                <p14:modId xmlns:p14="http://schemas.microsoft.com/office/powerpoint/2010/main" val="2747701651"/>
+              </p:ext>
+            </p:extLst>
+          </p:nvPr>
+        </p:nvGraphicFramePr>
+        <p:xfrm>
+          <a:off x="3414112" y="2571750"/>
+          <a:ext cx="2315724" cy="1536903"/>
+        </p:xfrm>
+        <a:graphic>
+          <a:graphicData uri="http://schemas.openxmlformats.org/drawingml/2006/table">
+            <a:tbl>
+              <a:tblPr firstRow="1" bandRow="1">
+                <a:tableStyleId>{410AA517-7F76-4011-9E2E-61F37F4E73F9}</a:tableStyleId>
+              </a:tblPr>
+              <a:tblGrid>
+                <a:gridCol w="362267">
+                  <a:extLst>
+                    <a:ext uri="{9D8B030D-6E8A-4147-A177-3AD203B41FA5}">
+                      <a16:colId xmlns:a16="http://schemas.microsoft.com/office/drawing/2014/main" val="1745940311"/>
+                    </a:ext>
+                  </a:extLst>
+                </a:gridCol>
+                <a:gridCol w="268993">
+                  <a:extLst>
+                    <a:ext uri="{9D8B030D-6E8A-4147-A177-3AD203B41FA5}">
+                      <a16:colId xmlns:a16="http://schemas.microsoft.com/office/drawing/2014/main" val="852712599"/>
+                    </a:ext>
+                  </a:extLst>
+                </a:gridCol>
+                <a:gridCol w="838644">
+                  <a:extLst>
+                    <a:ext uri="{9D8B030D-6E8A-4147-A177-3AD203B41FA5}">
+                      <a16:colId xmlns:a16="http://schemas.microsoft.com/office/drawing/2014/main" val="2203307037"/>
+                    </a:ext>
+                  </a:extLst>
+                </a:gridCol>
+                <a:gridCol w="845820">
+                  <a:extLst>
+                    <a:ext uri="{9D8B030D-6E8A-4147-A177-3AD203B41FA5}">
+                      <a16:colId xmlns:a16="http://schemas.microsoft.com/office/drawing/2014/main" val="1894837113"/>
+                    </a:ext>
+                  </a:extLst>
+                </a:gridCol>
+              </a:tblGrid>
+              <a:tr h="0">
+                <a:tc gridSpan="4">
+                  <a:txBody>
+                    <a:bodyPr/>
+                    <a:lstStyle/>
+                    <a:p>
+                      <a:pPr algn="ctr"/>
+                      <a:r>
+                        <a:rPr lang="pl-PL" dirty="0" err="1"/>
+                        <a:t>Results</a:t>
+                      </a:r>
+                      <a:r>
+                        <a:rPr lang="pl-PL" dirty="0"/>
+                        <a:t> for ET</a:t>
+                      </a:r>
+                    </a:p>
+                  </a:txBody>
+                  <a:tcPr/>
+                </a:tc>
+                <a:tc hMerge="1">
+                  <a:txBody>
+                    <a:bodyPr/>
+                    <a:lstStyle/>
+                    <a:p>
+                      <a:endParaRPr lang="pl-PL"/>
+                    </a:p>
+                  </a:txBody>
+                  <a:tcPr/>
+                </a:tc>
+                <a:tc hMerge="1">
+                  <a:txBody>
+                    <a:bodyPr/>
+                    <a:lstStyle/>
+                    <a:p>
+                      <a:endParaRPr lang="pl-PL"/>
+                    </a:p>
+                  </a:txBody>
+                  <a:tcPr/>
+                </a:tc>
+                <a:tc hMerge="1">
+                  <a:txBody>
+                    <a:bodyPr/>
+                    <a:lstStyle/>
+                    <a:p>
+                      <a:endParaRPr lang="pl-PL"/>
+                    </a:p>
+                  </a:txBody>
+                  <a:tcPr/>
+                </a:tc>
+                <a:extLst>
+                  <a:ext uri="{0D108BD9-81ED-4DB2-BD59-A6C34878D82A}">
+                    <a16:rowId xmlns:a16="http://schemas.microsoft.com/office/drawing/2014/main" val="3543073346"/>
+                  </a:ext>
+                </a:extLst>
+              </a:tr>
+              <a:tr h="309101">
+                <a:tc rowSpan="2" gridSpan="2">
+                  <a:txBody>
+                    <a:bodyPr/>
+                    <a:lstStyle/>
+                    <a:p>
+                      <a:endParaRPr lang="pl-PL" dirty="0"/>
+                    </a:p>
+                  </a:txBody>
+                  <a:tcPr/>
+                </a:tc>
+                <a:tc rowSpan="2" hMerge="1">
+                  <a:txBody>
+                    <a:bodyPr/>
+                    <a:lstStyle/>
+                    <a:p>
+                      <a:endParaRPr lang="pl-PL"/>
+                    </a:p>
+                  </a:txBody>
+                  <a:tcPr/>
+                </a:tc>
+                <a:tc gridSpan="2">
+                  <a:txBody>
+                    <a:bodyPr/>
+                    <a:lstStyle/>
+                    <a:p>
+                      <a:pPr algn="ctr"/>
+                      <a:r>
+                        <a:rPr lang="pl-PL" dirty="0" err="1"/>
+                        <a:t>Predicted</a:t>
+                      </a:r>
+                      <a:endParaRPr lang="pl-PL" dirty="0"/>
+                    </a:p>
+                  </a:txBody>
+                  <a:tcPr/>
+                </a:tc>
+                <a:tc hMerge="1">
+                  <a:txBody>
+                    <a:bodyPr/>
+                    <a:lstStyle/>
+                    <a:p>
+                      <a:endParaRPr lang="pl-PL"/>
+                    </a:p>
+                  </a:txBody>
+                  <a:tcPr/>
+                </a:tc>
+                <a:extLst>
+                  <a:ext uri="{0D108BD9-81ED-4DB2-BD59-A6C34878D82A}">
+                    <a16:rowId xmlns:a16="http://schemas.microsoft.com/office/drawing/2014/main" val="1745054855"/>
+                  </a:ext>
+                </a:extLst>
+              </a:tr>
+              <a:tr h="303192">
+                <a:tc gridSpan="2" vMerge="1">
+                  <a:txBody>
+                    <a:bodyPr/>
+                    <a:lstStyle/>
+                    <a:p>
+                      <a:endParaRPr lang="pl-PL" dirty="0"/>
+                    </a:p>
+                  </a:txBody>
+                  <a:tcPr/>
+                </a:tc>
+                <a:tc hMerge="1" vMerge="1">
+                  <a:txBody>
+                    <a:bodyPr/>
+                    <a:lstStyle/>
+                    <a:p>
+                      <a:endParaRPr lang="pl-PL" dirty="0"/>
+                    </a:p>
+                  </a:txBody>
+                  <a:tcPr/>
+                </a:tc>
+                <a:tc>
+                  <a:txBody>
+                    <a:bodyPr/>
+                    <a:lstStyle/>
+                    <a:p>
+                      <a:r>
+                        <a:rPr lang="pl-PL" dirty="0"/>
+                        <a:t>1</a:t>
+                      </a:r>
+                    </a:p>
+                  </a:txBody>
+                  <a:tcPr/>
+                </a:tc>
+                <a:tc>
+                  <a:txBody>
+                    <a:bodyPr/>
+                    <a:lstStyle/>
+                    <a:p>
+                      <a:r>
+                        <a:rPr lang="pl-PL" dirty="0"/>
+                        <a:t>0</a:t>
+                      </a:r>
+                    </a:p>
+                  </a:txBody>
+                  <a:tcPr/>
+                </a:tc>
+                <a:extLst>
+                  <a:ext uri="{0D108BD9-81ED-4DB2-BD59-A6C34878D82A}">
+                    <a16:rowId xmlns:a16="http://schemas.microsoft.com/office/drawing/2014/main" val="4163430658"/>
+                  </a:ext>
+                </a:extLst>
+              </a:tr>
+              <a:tr h="309101">
+                <a:tc rowSpan="2">
+                  <a:txBody>
+                    <a:bodyPr/>
+                    <a:lstStyle/>
+                    <a:p>
+                      <a:pPr algn="ctr"/>
+                      <a:r>
+                        <a:rPr lang="pl-PL" dirty="0" err="1"/>
+                        <a:t>Actual</a:t>
+                      </a:r>
+                      <a:endParaRPr lang="pl-PL" dirty="0"/>
+                    </a:p>
+                  </a:txBody>
+                  <a:tcPr vert="vert270"/>
+                </a:tc>
+                <a:tc>
+                  <a:txBody>
+                    <a:bodyPr/>
+                    <a:lstStyle/>
+                    <a:p>
+                      <a:r>
+                        <a:rPr lang="pl-PL" dirty="0"/>
+                        <a:t>1</a:t>
+                      </a:r>
+                    </a:p>
+                  </a:txBody>
+                  <a:tcPr/>
+                </a:tc>
+                <a:tc>
+                  <a:txBody>
+                    <a:bodyPr/>
+                    <a:lstStyle/>
+                    <a:p>
+                      <a:pPr algn="r"/>
+                      <a:r>
+                        <a:rPr lang="pl-PL" dirty="0"/>
+                        <a:t>310</a:t>
+                      </a:r>
+                    </a:p>
+                  </a:txBody>
+                  <a:tcPr/>
+                </a:tc>
+                <a:tc>
+                  <a:txBody>
+                    <a:bodyPr/>
+                    <a:lstStyle/>
+                    <a:p>
+                      <a:pPr algn="r"/>
+                      <a:r>
+                        <a:rPr lang="pl-PL" dirty="0"/>
+                        <a:t>232</a:t>
+                      </a:r>
+                    </a:p>
+                  </a:txBody>
+                  <a:tcPr/>
+                </a:tc>
+                <a:extLst>
+                  <a:ext uri="{0D108BD9-81ED-4DB2-BD59-A6C34878D82A}">
+                    <a16:rowId xmlns:a16="http://schemas.microsoft.com/office/drawing/2014/main" val="4134526702"/>
+                  </a:ext>
+                </a:extLst>
+              </a:tr>
+              <a:tr h="309101">
+                <a:tc vMerge="1">
+                  <a:txBody>
+                    <a:bodyPr/>
+                    <a:lstStyle/>
+                    <a:p>
+                      <a:endParaRPr lang="pl-PL" dirty="0"/>
+                    </a:p>
+                  </a:txBody>
+                  <a:tcPr/>
+                </a:tc>
+                <a:tc>
+                  <a:txBody>
+                    <a:bodyPr/>
+                    <a:lstStyle/>
+                    <a:p>
+                      <a:r>
+                        <a:rPr lang="pl-PL" dirty="0"/>
+                        <a:t>0</a:t>
+                      </a:r>
+                    </a:p>
+                  </a:txBody>
+                  <a:tcPr/>
+                </a:tc>
+                <a:tc>
+                  <a:txBody>
+                    <a:bodyPr/>
+                    <a:lstStyle/>
+                    <a:p>
+                      <a:pPr algn="r"/>
+                      <a:r>
+                        <a:rPr lang="pl-PL" dirty="0"/>
+                        <a:t>35</a:t>
+                      </a:r>
+                    </a:p>
+                  </a:txBody>
+                  <a:tcPr/>
+                </a:tc>
+                <a:tc>
+                  <a:txBody>
+                    <a:bodyPr/>
+                    <a:lstStyle/>
+                    <a:p>
+                      <a:pPr algn="r"/>
+                      <a:r>
+                        <a:rPr lang="pl-PL" dirty="0"/>
+                        <a:t>62</a:t>
+                      </a:r>
+                    </a:p>
+                  </a:txBody>
+                  <a:tcPr/>
+                </a:tc>
+                <a:extLst>
+                  <a:ext uri="{0D108BD9-81ED-4DB2-BD59-A6C34878D82A}">
+                    <a16:rowId xmlns:a16="http://schemas.microsoft.com/office/drawing/2014/main" val="832689875"/>
+                  </a:ext>
+                </a:extLst>
+              </a:tr>
+            </a:tbl>
+          </a:graphicData>
+        </a:graphic>
+      </p:graphicFrame>
+      <p:pic>
+        <p:nvPicPr>
+          <p:cNvPr id="10" name="Obraz 9">
+            <a:extLst>
+              <a:ext uri="{FF2B5EF4-FFF2-40B4-BE49-F238E27FC236}">
+                <a16:creationId xmlns:a16="http://schemas.microsoft.com/office/drawing/2014/main" id="{8EAABCBE-BAEA-5117-BE52-FB52DE95967E}"/>
+              </a:ext>
+            </a:extLst>
+          </p:cNvPr>
+          <p:cNvPicPr>
+            <a:picLocks noChangeAspect="1"/>
+          </p:cNvPicPr>
+          <p:nvPr/>
+        </p:nvPicPr>
+        <p:blipFill>
+          <a:blip r:embed="rId3"/>
+          <a:stretch>
+            <a:fillRect/>
+          </a:stretch>
+        </p:blipFill>
+        <p:spPr>
+          <a:xfrm>
+            <a:off x="1215852" y="1440251"/>
+            <a:ext cx="6712296" cy="757382"/>
+          </a:xfrm>
+          <a:prstGeom prst="rect">
+            <a:avLst/>
+          </a:prstGeom>
+        </p:spPr>
+      </p:pic>
+    </p:spTree>
+    <p:extLst>
+      <p:ext uri="{BB962C8B-B14F-4D97-AF65-F5344CB8AC3E}">
+        <p14:creationId xmlns:p14="http://schemas.microsoft.com/office/powerpoint/2010/main" val="1382038404"/>
+      </p:ext>
+    </p:extLst>
+  </p:cSld>
+  <p:clrMapOvr>
+    <a:masterClrMapping/>
+  </p:clrMapOvr>
+</p:sld>
+</file>
+
+<file path=ppt/slides/slide32.xml><?xml version="1.0" encoding="utf-8"?>
+<p:sld xmlns:a="http://schemas.openxmlformats.org/drawingml/2006/main" xmlns:r="http://schemas.openxmlformats.org/officeDocument/2006/relationships" xmlns:p="http://schemas.openxmlformats.org/presentationml/2006/main">
+  <p:cSld>
+    <p:spTree>
+      <p:nvGrpSpPr>
+        <p:cNvPr id="1" name="Shape 538"/>
+        <p:cNvGrpSpPr/>
+        <p:nvPr/>
+      </p:nvGrpSpPr>
+      <p:grpSpPr>
+        <a:xfrm>
+          <a:off x="0" y="0"/>
+          <a:ext cx="0" cy="0"/>
+          <a:chOff x="0" y="0"/>
+          <a:chExt cx="0" cy="0"/>
+        </a:xfrm>
+      </p:grpSpPr>
+      <p:sp>
+        <p:nvSpPr>
+          <p:cNvPr id="539" name="Google Shape;539;p56"/>
+          <p:cNvSpPr txBox="1">
+            <a:spLocks noGrp="1"/>
+          </p:cNvSpPr>
+          <p:nvPr>
+            <p:ph type="title"/>
+          </p:nvPr>
+        </p:nvSpPr>
+        <p:spPr>
+          <a:xfrm>
+            <a:off x="1624633" y="1648200"/>
+            <a:ext cx="5894734" cy="1847100"/>
+          </a:xfrm>
+          <a:prstGeom prst="rect">
+            <a:avLst/>
+          </a:prstGeom>
+        </p:spPr>
+        <p:txBody>
+          <a:bodyPr spcFirstLastPara="1" wrap="square" lIns="91425" tIns="91425" rIns="91425" bIns="91425" anchor="ctr" anchorCtr="0">
+            <a:noAutofit/>
+          </a:bodyPr>
+          <a:lstStyle/>
+          <a:p>
+            <a:pPr marL="0" lvl="0" indent="0" algn="ctr" rtl="0">
+              <a:spcBef>
+                <a:spcPts val="0"/>
+              </a:spcBef>
+              <a:spcAft>
+                <a:spcPts val="0"/>
+              </a:spcAft>
+              <a:buNone/>
+            </a:pPr>
+            <a:r>
+              <a:rPr lang="pl-PL" dirty="0" err="1"/>
+              <a:t>Thank</a:t>
+            </a:r>
+            <a:r>
+              <a:rPr lang="pl-PL" dirty="0"/>
+              <a:t> </a:t>
+            </a:r>
+            <a:r>
+              <a:rPr lang="pl-PL" dirty="0" err="1"/>
+              <a:t>you</a:t>
+            </a:r>
+            <a:r>
+              <a:rPr lang="pl-PL" dirty="0"/>
+              <a:t> for </a:t>
+            </a:r>
+            <a:r>
+              <a:rPr lang="pl-PL" dirty="0" err="1"/>
+              <a:t>your</a:t>
+            </a:r>
+            <a:r>
+              <a:rPr lang="pl-PL" dirty="0"/>
+              <a:t> </a:t>
+            </a:r>
+            <a:r>
+              <a:rPr lang="pl-PL" dirty="0" err="1"/>
+              <a:t>attention</a:t>
+            </a:r>
+            <a:endParaRPr dirty="0"/>
           </a:p>
         </p:txBody>
       </p:sp>

--- a/presentation/pres.pptx
+++ b/presentation/pres.pptx
@@ -5,7 +5,7 @@
     <p:sldMasterId id="2147483685" r:id="rId1"/>
   </p:sldMasterIdLst>
   <p:notesMasterIdLst>
-    <p:notesMasterId r:id="rId34"/>
+    <p:notesMasterId r:id="rId38"/>
   </p:notesMasterIdLst>
   <p:sldIdLst>
     <p:sldId id="256" r:id="rId2"/>
@@ -15,48 +15,52 @@
     <p:sldId id="259" r:id="rId6"/>
     <p:sldId id="319" r:id="rId7"/>
     <p:sldId id="315" r:id="rId8"/>
-    <p:sldId id="317" r:id="rId9"/>
-    <p:sldId id="288" r:id="rId10"/>
-    <p:sldId id="318" r:id="rId11"/>
-    <p:sldId id="320" r:id="rId12"/>
-    <p:sldId id="321" r:id="rId13"/>
-    <p:sldId id="322" r:id="rId14"/>
-    <p:sldId id="323" r:id="rId15"/>
-    <p:sldId id="325" r:id="rId16"/>
-    <p:sldId id="326" r:id="rId17"/>
-    <p:sldId id="327" r:id="rId18"/>
-    <p:sldId id="328" r:id="rId19"/>
-    <p:sldId id="329" r:id="rId20"/>
-    <p:sldId id="324" r:id="rId21"/>
-    <p:sldId id="334" r:id="rId22"/>
-    <p:sldId id="333" r:id="rId23"/>
-    <p:sldId id="331" r:id="rId24"/>
-    <p:sldId id="335" r:id="rId25"/>
-    <p:sldId id="313" r:id="rId26"/>
-    <p:sldId id="263" r:id="rId27"/>
-    <p:sldId id="314" r:id="rId28"/>
-    <p:sldId id="336" r:id="rId29"/>
-    <p:sldId id="337" r:id="rId30"/>
-    <p:sldId id="338" r:id="rId31"/>
-    <p:sldId id="339" r:id="rId32"/>
-    <p:sldId id="271" r:id="rId33"/>
+    <p:sldId id="328" r:id="rId9"/>
+    <p:sldId id="329" r:id="rId10"/>
+    <p:sldId id="343" r:id="rId11"/>
+    <p:sldId id="317" r:id="rId12"/>
+    <p:sldId id="288" r:id="rId13"/>
+    <p:sldId id="318" r:id="rId14"/>
+    <p:sldId id="320" r:id="rId15"/>
+    <p:sldId id="321" r:id="rId16"/>
+    <p:sldId id="322" r:id="rId17"/>
+    <p:sldId id="323" r:id="rId18"/>
+    <p:sldId id="325" r:id="rId19"/>
+    <p:sldId id="326" r:id="rId20"/>
+    <p:sldId id="327" r:id="rId21"/>
+    <p:sldId id="324" r:id="rId22"/>
+    <p:sldId id="334" r:id="rId23"/>
+    <p:sldId id="333" r:id="rId24"/>
+    <p:sldId id="331" r:id="rId25"/>
+    <p:sldId id="335" r:id="rId26"/>
+    <p:sldId id="313" r:id="rId27"/>
+    <p:sldId id="263" r:id="rId28"/>
+    <p:sldId id="314" r:id="rId29"/>
+    <p:sldId id="336" r:id="rId30"/>
+    <p:sldId id="337" r:id="rId31"/>
+    <p:sldId id="338" r:id="rId32"/>
+    <p:sldId id="339" r:id="rId33"/>
+    <p:sldId id="340" r:id="rId34"/>
+    <p:sldId id="341" r:id="rId35"/>
+    <p:sldId id="271" r:id="rId36"/>
+    <p:sldId id="342" r:id="rId37"/>
   </p:sldIdLst>
   <p:sldSz cx="9144000" cy="5143500" type="screen16x9"/>
   <p:notesSz cx="6858000" cy="9144000"/>
   <p:embeddedFontLst>
     <p:embeddedFont>
       <p:font typeface="Cambria Math" panose="02040503050406030204" pitchFamily="18" charset="0"/>
-      <p:regular r:id="rId35"/>
+      <p:regular r:id="rId39"/>
     </p:embeddedFont>
     <p:embeddedFont>
       <p:font typeface="Commissioner" panose="020B0604020202020204" charset="0"/>
-      <p:regular r:id="rId36"/>
-      <p:bold r:id="rId37"/>
+      <p:regular r:id="rId40"/>
+      <p:bold r:id="rId41"/>
     </p:embeddedFont>
     <p:embeddedFont>
       <p:font typeface="Golos Text" panose="020B0604020202020204" charset="0"/>
-      <p:regular r:id="rId38"/>
-      <p:bold r:id="rId39"/>
+      <p:regular r:id="rId42"/>
+      <p:bold r:id="rId43"/>
     </p:embeddedFont>
   </p:embeddedFontLst>
   <p:defaultTextStyle>
@@ -1713,7 +1717,7 @@
   <p:cSld>
     <p:spTree>
       <p:nvGrpSpPr>
-        <p:cNvPr id="1" name="Shape 535"/>
+        <p:cNvPr id="1" name="Shape 351"/>
         <p:cNvGrpSpPr/>
         <p:nvPr/>
       </p:nvGrpSpPr>
@@ -1727,7 +1731,7 @@
       </p:grpSpPr>
       <p:sp>
         <p:nvSpPr>
-          <p:cNvPr id="536" name="Google Shape;536;g131ff7c0f5b_0_254:notes"/>
+          <p:cNvPr id="352" name="Google Shape;352;g13e1fc50fc5_0_14:notes"/>
           <p:cNvSpPr>
             <a:spLocks noGrp="1" noRot="1" noChangeAspect="1"/>
           </p:cNvSpPr>
@@ -1768,7 +1772,7 @@
       </p:sp>
       <p:sp>
         <p:nvSpPr>
-          <p:cNvPr id="537" name="Google Shape;537;g131ff7c0f5b_0_254:notes"/>
+          <p:cNvPr id="353" name="Google Shape;353;g13e1fc50fc5_0_14:notes"/>
           <p:cNvSpPr txBox="1">
             <a:spLocks noGrp="1"/>
           </p:cNvSpPr>
@@ -1805,6 +1809,120 @@
         </p:txBody>
       </p:sp>
     </p:spTree>
+    <p:extLst>
+      <p:ext uri="{BB962C8B-B14F-4D97-AF65-F5344CB8AC3E}">
+        <p14:creationId xmlns:p14="http://schemas.microsoft.com/office/powerpoint/2010/main" val="329388420"/>
+      </p:ext>
+    </p:extLst>
+  </p:cSld>
+  <p:clrMapOvr>
+    <a:masterClrMapping/>
+  </p:clrMapOvr>
+</p:notes>
+</file>
+
+<file path=ppt/notesSlides/notesSlide19.xml><?xml version="1.0" encoding="utf-8"?>
+<p:notes xmlns:a="http://schemas.openxmlformats.org/drawingml/2006/main" xmlns:r="http://schemas.openxmlformats.org/officeDocument/2006/relationships" xmlns:p="http://schemas.openxmlformats.org/presentationml/2006/main" showMasterSp="0" showMasterPhAnim="0">
+  <p:cSld>
+    <p:spTree>
+      <p:nvGrpSpPr>
+        <p:cNvPr id="1" name="Shape 351"/>
+        <p:cNvGrpSpPr/>
+        <p:nvPr/>
+      </p:nvGrpSpPr>
+      <p:grpSpPr>
+        <a:xfrm>
+          <a:off x="0" y="0"/>
+          <a:ext cx="0" cy="0"/>
+          <a:chOff x="0" y="0"/>
+          <a:chExt cx="0" cy="0"/>
+        </a:xfrm>
+      </p:grpSpPr>
+      <p:sp>
+        <p:nvSpPr>
+          <p:cNvPr id="352" name="Google Shape;352;g13e1fc50fc5_0_14:notes"/>
+          <p:cNvSpPr>
+            <a:spLocks noGrp="1" noRot="1" noChangeAspect="1"/>
+          </p:cNvSpPr>
+          <p:nvPr>
+            <p:ph type="sldImg" idx="2"/>
+          </p:nvPr>
+        </p:nvSpPr>
+        <p:spPr>
+          <a:xfrm>
+            <a:off x="381000" y="685800"/>
+            <a:ext cx="6096000" cy="3429000"/>
+          </a:xfrm>
+          <a:custGeom>
+            <a:avLst/>
+            <a:gdLst/>
+            <a:ahLst/>
+            <a:cxnLst/>
+            <a:rect l="l" t="t" r="r" b="b"/>
+            <a:pathLst>
+              <a:path w="120000" h="120000" extrusionOk="0">
+                <a:moveTo>
+                  <a:pt x="0" y="0"/>
+                </a:moveTo>
+                <a:lnTo>
+                  <a:pt x="120000" y="0"/>
+                </a:lnTo>
+                <a:lnTo>
+                  <a:pt x="120000" y="120000"/>
+                </a:lnTo>
+                <a:lnTo>
+                  <a:pt x="0" y="120000"/>
+                </a:lnTo>
+                <a:close/>
+              </a:path>
+            </a:pathLst>
+          </a:custGeom>
+        </p:spPr>
+      </p:sp>
+      <p:sp>
+        <p:nvSpPr>
+          <p:cNvPr id="353" name="Google Shape;353;g13e1fc50fc5_0_14:notes"/>
+          <p:cNvSpPr txBox="1">
+            <a:spLocks noGrp="1"/>
+          </p:cNvSpPr>
+          <p:nvPr>
+            <p:ph type="body" idx="1"/>
+          </p:nvPr>
+        </p:nvSpPr>
+        <p:spPr>
+          <a:xfrm>
+            <a:off x="685800" y="4343400"/>
+            <a:ext cx="5486400" cy="4114800"/>
+          </a:xfrm>
+          <a:prstGeom prst="rect">
+            <a:avLst/>
+          </a:prstGeom>
+        </p:spPr>
+        <p:txBody>
+          <a:bodyPr spcFirstLastPara="1" wrap="square" lIns="91425" tIns="91425" rIns="91425" bIns="91425" anchor="t" anchorCtr="0">
+            <a:noAutofit/>
+          </a:bodyPr>
+          <a:lstStyle/>
+          <a:p>
+            <a:pPr marL="0" lvl="0" indent="0" algn="l" rtl="0">
+              <a:spcBef>
+                <a:spcPts val="0"/>
+              </a:spcBef>
+              <a:spcAft>
+                <a:spcPts val="0"/>
+              </a:spcAft>
+              <a:buNone/>
+            </a:pPr>
+            <a:endParaRPr/>
+          </a:p>
+        </p:txBody>
+      </p:sp>
+    </p:spTree>
+    <p:extLst>
+      <p:ext uri="{BB962C8B-B14F-4D97-AF65-F5344CB8AC3E}">
+        <p14:creationId xmlns:p14="http://schemas.microsoft.com/office/powerpoint/2010/main" val="3903622514"/>
+      </p:ext>
+    </p:extLst>
   </p:cSld>
   <p:clrMapOvr>
     <a:masterClrMapping/>
@@ -1909,6 +2027,219 @@
         </p:txBody>
       </p:sp>
     </p:spTree>
+  </p:cSld>
+  <p:clrMapOvr>
+    <a:masterClrMapping/>
+  </p:clrMapOvr>
+</p:notes>
+</file>
+
+<file path=ppt/notesSlides/notesSlide20.xml><?xml version="1.0" encoding="utf-8"?>
+<p:notes xmlns:a="http://schemas.openxmlformats.org/drawingml/2006/main" xmlns:r="http://schemas.openxmlformats.org/officeDocument/2006/relationships" xmlns:p="http://schemas.openxmlformats.org/presentationml/2006/main" showMasterSp="0" showMasterPhAnim="0">
+  <p:cSld>
+    <p:spTree>
+      <p:nvGrpSpPr>
+        <p:cNvPr id="1" name="Shape 535"/>
+        <p:cNvGrpSpPr/>
+        <p:nvPr/>
+      </p:nvGrpSpPr>
+      <p:grpSpPr>
+        <a:xfrm>
+          <a:off x="0" y="0"/>
+          <a:ext cx="0" cy="0"/>
+          <a:chOff x="0" y="0"/>
+          <a:chExt cx="0" cy="0"/>
+        </a:xfrm>
+      </p:grpSpPr>
+      <p:sp>
+        <p:nvSpPr>
+          <p:cNvPr id="536" name="Google Shape;536;g131ff7c0f5b_0_254:notes"/>
+          <p:cNvSpPr>
+            <a:spLocks noGrp="1" noRot="1" noChangeAspect="1"/>
+          </p:cNvSpPr>
+          <p:nvPr>
+            <p:ph type="sldImg" idx="2"/>
+          </p:nvPr>
+        </p:nvSpPr>
+        <p:spPr>
+          <a:xfrm>
+            <a:off x="381000" y="685800"/>
+            <a:ext cx="6096000" cy="3429000"/>
+          </a:xfrm>
+          <a:custGeom>
+            <a:avLst/>
+            <a:gdLst/>
+            <a:ahLst/>
+            <a:cxnLst/>
+            <a:rect l="l" t="t" r="r" b="b"/>
+            <a:pathLst>
+              <a:path w="120000" h="120000" extrusionOk="0">
+                <a:moveTo>
+                  <a:pt x="0" y="0"/>
+                </a:moveTo>
+                <a:lnTo>
+                  <a:pt x="120000" y="0"/>
+                </a:lnTo>
+                <a:lnTo>
+                  <a:pt x="120000" y="120000"/>
+                </a:lnTo>
+                <a:lnTo>
+                  <a:pt x="0" y="120000"/>
+                </a:lnTo>
+                <a:close/>
+              </a:path>
+            </a:pathLst>
+          </a:custGeom>
+        </p:spPr>
+      </p:sp>
+      <p:sp>
+        <p:nvSpPr>
+          <p:cNvPr id="537" name="Google Shape;537;g131ff7c0f5b_0_254:notes"/>
+          <p:cNvSpPr txBox="1">
+            <a:spLocks noGrp="1"/>
+          </p:cNvSpPr>
+          <p:nvPr>
+            <p:ph type="body" idx="1"/>
+          </p:nvPr>
+        </p:nvSpPr>
+        <p:spPr>
+          <a:xfrm>
+            <a:off x="685800" y="4343400"/>
+            <a:ext cx="5486400" cy="4114800"/>
+          </a:xfrm>
+          <a:prstGeom prst="rect">
+            <a:avLst/>
+          </a:prstGeom>
+        </p:spPr>
+        <p:txBody>
+          <a:bodyPr spcFirstLastPara="1" wrap="square" lIns="91425" tIns="91425" rIns="91425" bIns="91425" anchor="t" anchorCtr="0">
+            <a:noAutofit/>
+          </a:bodyPr>
+          <a:lstStyle/>
+          <a:p>
+            <a:pPr marL="0" lvl="0" indent="0" algn="l" rtl="0">
+              <a:spcBef>
+                <a:spcPts val="0"/>
+              </a:spcBef>
+              <a:spcAft>
+                <a:spcPts val="0"/>
+              </a:spcAft>
+              <a:buNone/>
+            </a:pPr>
+            <a:endParaRPr/>
+          </a:p>
+        </p:txBody>
+      </p:sp>
+    </p:spTree>
+  </p:cSld>
+  <p:clrMapOvr>
+    <a:masterClrMapping/>
+  </p:clrMapOvr>
+</p:notes>
+</file>
+
+<file path=ppt/notesSlides/notesSlide21.xml><?xml version="1.0" encoding="utf-8"?>
+<p:notes xmlns:a="http://schemas.openxmlformats.org/drawingml/2006/main" xmlns:r="http://schemas.openxmlformats.org/officeDocument/2006/relationships" xmlns:p="http://schemas.openxmlformats.org/presentationml/2006/main" showMasterSp="0" showMasterPhAnim="0">
+  <p:cSld>
+    <p:spTree>
+      <p:nvGrpSpPr>
+        <p:cNvPr id="1" name="Shape 351"/>
+        <p:cNvGrpSpPr/>
+        <p:nvPr/>
+      </p:nvGrpSpPr>
+      <p:grpSpPr>
+        <a:xfrm>
+          <a:off x="0" y="0"/>
+          <a:ext cx="0" cy="0"/>
+          <a:chOff x="0" y="0"/>
+          <a:chExt cx="0" cy="0"/>
+        </a:xfrm>
+      </p:grpSpPr>
+      <p:sp>
+        <p:nvSpPr>
+          <p:cNvPr id="352" name="Google Shape;352;g13e1fc50fc5_0_14:notes"/>
+          <p:cNvSpPr>
+            <a:spLocks noGrp="1" noRot="1" noChangeAspect="1"/>
+          </p:cNvSpPr>
+          <p:nvPr>
+            <p:ph type="sldImg" idx="2"/>
+          </p:nvPr>
+        </p:nvSpPr>
+        <p:spPr>
+          <a:xfrm>
+            <a:off x="381000" y="685800"/>
+            <a:ext cx="6096000" cy="3429000"/>
+          </a:xfrm>
+          <a:custGeom>
+            <a:avLst/>
+            <a:gdLst/>
+            <a:ahLst/>
+            <a:cxnLst/>
+            <a:rect l="l" t="t" r="r" b="b"/>
+            <a:pathLst>
+              <a:path w="120000" h="120000" extrusionOk="0">
+                <a:moveTo>
+                  <a:pt x="0" y="0"/>
+                </a:moveTo>
+                <a:lnTo>
+                  <a:pt x="120000" y="0"/>
+                </a:lnTo>
+                <a:lnTo>
+                  <a:pt x="120000" y="120000"/>
+                </a:lnTo>
+                <a:lnTo>
+                  <a:pt x="0" y="120000"/>
+                </a:lnTo>
+                <a:close/>
+              </a:path>
+            </a:pathLst>
+          </a:custGeom>
+        </p:spPr>
+      </p:sp>
+      <p:sp>
+        <p:nvSpPr>
+          <p:cNvPr id="353" name="Google Shape;353;g13e1fc50fc5_0_14:notes"/>
+          <p:cNvSpPr txBox="1">
+            <a:spLocks noGrp="1"/>
+          </p:cNvSpPr>
+          <p:nvPr>
+            <p:ph type="body" idx="1"/>
+          </p:nvPr>
+        </p:nvSpPr>
+        <p:spPr>
+          <a:xfrm>
+            <a:off x="685800" y="4343400"/>
+            <a:ext cx="5486400" cy="4114800"/>
+          </a:xfrm>
+          <a:prstGeom prst="rect">
+            <a:avLst/>
+          </a:prstGeom>
+        </p:spPr>
+        <p:txBody>
+          <a:bodyPr spcFirstLastPara="1" wrap="square" lIns="91425" tIns="91425" rIns="91425" bIns="91425" anchor="t" anchorCtr="0">
+            <a:noAutofit/>
+          </a:bodyPr>
+          <a:lstStyle/>
+          <a:p>
+            <a:pPr marL="0" lvl="0" indent="0" algn="l" rtl="0">
+              <a:spcBef>
+                <a:spcPts val="0"/>
+              </a:spcBef>
+              <a:spcAft>
+                <a:spcPts val="0"/>
+              </a:spcAft>
+              <a:buNone/>
+            </a:pPr>
+            <a:endParaRPr/>
+          </a:p>
+        </p:txBody>
+      </p:sp>
+    </p:spTree>
+    <p:extLst>
+      <p:ext uri="{BB962C8B-B14F-4D97-AF65-F5344CB8AC3E}">
+        <p14:creationId xmlns:p14="http://schemas.microsoft.com/office/powerpoint/2010/main" val="824303122"/>
+      </p:ext>
+    </p:extLst>
   </p:cSld>
   <p:clrMapOvr>
     <a:masterClrMapping/>
@@ -7551,6 +7882,425 @@
           <p:cNvPr id="2" name="Text Placeholder 1">
             <a:extLst>
               <a:ext uri="{FF2B5EF4-FFF2-40B4-BE49-F238E27FC236}">
+                <a16:creationId xmlns:a16="http://schemas.microsoft.com/office/drawing/2014/main" id="{39EF3890-B994-AC9A-8487-E2D305E58C72}"/>
+              </a:ext>
+            </a:extLst>
+          </p:cNvPr>
+          <p:cNvSpPr>
+            <a:spLocks noGrp="1"/>
+          </p:cNvSpPr>
+          <p:nvPr>
+            <p:ph type="body" idx="1"/>
+          </p:nvPr>
+        </p:nvSpPr>
+        <p:spPr>
+          <a:xfrm>
+            <a:off x="926641" y="1759300"/>
+            <a:ext cx="7290668" cy="2092500"/>
+          </a:xfrm>
+        </p:spPr>
+        <p:txBody>
+          <a:bodyPr/>
+          <a:lstStyle/>
+          <a:p>
+            <a:r>
+              <a:rPr lang="en-GB" dirty="0"/>
+              <a:t>Drummond, C., and Holte, R. 2000. </a:t>
+            </a:r>
+            <a:r>
+              <a:rPr lang="en-GB" i="1" dirty="0"/>
+              <a:t>Exploiting the cost (in)sensitivity of decision tree splitting</a:t>
+            </a:r>
+            <a:r>
+              <a:rPr lang="pl-PL" i="1" dirty="0"/>
+              <a:t> </a:t>
+            </a:r>
+            <a:r>
+              <a:rPr lang="en-GB" i="1" dirty="0"/>
+              <a:t>criteria</a:t>
+            </a:r>
+            <a:r>
+              <a:rPr lang="en-GB" dirty="0"/>
+              <a:t>. In Proceedings of the 17th International Conference on Machine Learning, 239-246.</a:t>
+            </a:r>
+            <a:endParaRPr lang="pl-PL" dirty="0"/>
+          </a:p>
+          <a:p>
+            <a:pPr>
+              <a:lnSpc>
+                <a:spcPct val="150000"/>
+              </a:lnSpc>
+            </a:pPr>
+            <a:r>
+              <a:rPr lang="en-GB" dirty="0"/>
+              <a:t>Ling, C.X., Yang, Q., Wang, J., and Zhang, S. 2004. </a:t>
+            </a:r>
+            <a:r>
+              <a:rPr lang="en-GB" i="1" dirty="0"/>
+              <a:t>Decision Trees with Minimal Costs</a:t>
+            </a:r>
+            <a:r>
+              <a:rPr lang="en-GB" dirty="0"/>
+              <a:t>. In</a:t>
+            </a:r>
+            <a:r>
+              <a:rPr lang="pl-PL" dirty="0"/>
+              <a:t> </a:t>
+            </a:r>
+            <a:r>
+              <a:rPr lang="en-GB" dirty="0"/>
+              <a:t>Proceedings of 2004 International Conference on Machine Learning (ICML'2004).</a:t>
+            </a:r>
+            <a:endParaRPr lang="pl-PL" dirty="0"/>
+          </a:p>
+        </p:txBody>
+      </p:sp>
+      <p:sp>
+        <p:nvSpPr>
+          <p:cNvPr id="3" name="Title 2">
+            <a:extLst>
+              <a:ext uri="{FF2B5EF4-FFF2-40B4-BE49-F238E27FC236}">
+                <a16:creationId xmlns:a16="http://schemas.microsoft.com/office/drawing/2014/main" id="{BABD0B89-BD1D-5B34-00CA-E4947727E210}"/>
+              </a:ext>
+            </a:extLst>
+          </p:cNvPr>
+          <p:cNvSpPr>
+            <a:spLocks noGrp="1"/>
+          </p:cNvSpPr>
+          <p:nvPr>
+            <p:ph type="title"/>
+          </p:nvPr>
+        </p:nvSpPr>
+        <p:spPr/>
+        <p:txBody>
+          <a:bodyPr/>
+          <a:lstStyle/>
+          <a:p>
+            <a:r>
+              <a:rPr lang="pl-PL" dirty="0" err="1"/>
+              <a:t>Cost-sensitive</a:t>
+            </a:r>
+            <a:r>
+              <a:rPr lang="pl-PL" dirty="0"/>
+              <a:t> </a:t>
+            </a:r>
+            <a:r>
+              <a:rPr lang="pl-PL" dirty="0" err="1"/>
+              <a:t>decision</a:t>
+            </a:r>
+            <a:r>
+              <a:rPr lang="pl-PL" dirty="0"/>
+              <a:t> </a:t>
+            </a:r>
+            <a:r>
+              <a:rPr lang="pl-PL" dirty="0" err="1"/>
+              <a:t>trees</a:t>
+            </a:r>
+            <a:endParaRPr lang="en-GB" dirty="0"/>
+          </a:p>
+        </p:txBody>
+      </p:sp>
+    </p:spTree>
+    <p:extLst>
+      <p:ext uri="{BB962C8B-B14F-4D97-AF65-F5344CB8AC3E}">
+        <p14:creationId xmlns:p14="http://schemas.microsoft.com/office/powerpoint/2010/main" val="1088098854"/>
+      </p:ext>
+    </p:extLst>
+  </p:cSld>
+  <p:clrMapOvr>
+    <a:masterClrMapping/>
+  </p:clrMapOvr>
+</p:sld>
+</file>
+
+<file path=ppt/slides/slide11.xml><?xml version="1.0" encoding="utf-8"?>
+<p:sld xmlns:a="http://schemas.openxmlformats.org/drawingml/2006/main" xmlns:r="http://schemas.openxmlformats.org/officeDocument/2006/relationships" xmlns:p="http://schemas.openxmlformats.org/presentationml/2006/main">
+  <p:cSld>
+    <p:spTree>
+      <p:nvGrpSpPr>
+        <p:cNvPr id="1" name="Shape 331"/>
+        <p:cNvGrpSpPr/>
+        <p:nvPr/>
+      </p:nvGrpSpPr>
+      <p:grpSpPr>
+        <a:xfrm>
+          <a:off x="0" y="0"/>
+          <a:ext cx="0" cy="0"/>
+          <a:chOff x="0" y="0"/>
+          <a:chExt cx="0" cy="0"/>
+        </a:xfrm>
+      </p:grpSpPr>
+      <p:grpSp>
+        <p:nvGrpSpPr>
+          <p:cNvPr id="332" name="Google Shape;332;p45"/>
+          <p:cNvGrpSpPr/>
+          <p:nvPr/>
+        </p:nvGrpSpPr>
+        <p:grpSpPr>
+          <a:xfrm>
+            <a:off x="0" y="0"/>
+            <a:ext cx="2473800" cy="4131000"/>
+            <a:chOff x="0" y="0"/>
+            <a:chExt cx="2473800" cy="4131000"/>
+          </a:xfrm>
+        </p:grpSpPr>
+        <p:sp>
+          <p:nvSpPr>
+            <p:cNvPr id="333" name="Google Shape;333;p45"/>
+            <p:cNvSpPr/>
+            <p:nvPr/>
+          </p:nvSpPr>
+          <p:spPr>
+            <a:xfrm>
+              <a:off x="0" y="1012500"/>
+              <a:ext cx="2473800" cy="870000"/>
+            </a:xfrm>
+            <a:prstGeom prst="rect">
+              <a:avLst/>
+            </a:prstGeom>
+            <a:solidFill>
+              <a:schemeClr val="dk2"/>
+            </a:solidFill>
+            <a:ln>
+              <a:noFill/>
+            </a:ln>
+          </p:spPr>
+          <p:txBody>
+            <a:bodyPr spcFirstLastPara="1" wrap="square" lIns="91425" tIns="91425" rIns="91425" bIns="91425" anchor="ctr" anchorCtr="0">
+              <a:noAutofit/>
+            </a:bodyPr>
+            <a:lstStyle/>
+            <a:p>
+              <a:pPr marL="0" lvl="0" indent="0" algn="l" rtl="0">
+                <a:spcBef>
+                  <a:spcPts val="0"/>
+                </a:spcBef>
+                <a:spcAft>
+                  <a:spcPts val="0"/>
+                </a:spcAft>
+                <a:buNone/>
+              </a:pPr>
+              <a:endParaRPr/>
+            </a:p>
+          </p:txBody>
+        </p:sp>
+        <p:cxnSp>
+          <p:nvCxnSpPr>
+            <p:cNvPr id="334" name="Google Shape;334;p45"/>
+            <p:cNvCxnSpPr/>
+            <p:nvPr/>
+          </p:nvCxnSpPr>
+          <p:spPr>
+            <a:xfrm rot="10800000">
+              <a:off x="711250" y="0"/>
+              <a:ext cx="0" cy="4131000"/>
+            </a:xfrm>
+            <a:prstGeom prst="straightConnector1">
+              <a:avLst/>
+            </a:prstGeom>
+            <a:noFill/>
+            <a:ln w="9525" cap="flat" cmpd="sng">
+              <a:solidFill>
+                <a:schemeClr val="dk1"/>
+              </a:solidFill>
+              <a:prstDash val="solid"/>
+              <a:round/>
+              <a:headEnd type="none" w="med" len="med"/>
+              <a:tailEnd type="none" w="med" len="med"/>
+            </a:ln>
+          </p:spPr>
+        </p:cxnSp>
+      </p:grpSp>
+      <p:sp>
+        <p:nvSpPr>
+          <p:cNvPr id="335" name="Google Shape;335;p45"/>
+          <p:cNvSpPr txBox="1">
+            <a:spLocks noGrp="1"/>
+          </p:cNvSpPr>
+          <p:nvPr>
+            <p:ph type="title"/>
+          </p:nvPr>
+        </p:nvSpPr>
+        <p:spPr>
+          <a:xfrm>
+            <a:off x="1512075" y="2036300"/>
+            <a:ext cx="3552294" cy="1477500"/>
+          </a:xfrm>
+          <a:prstGeom prst="rect">
+            <a:avLst/>
+          </a:prstGeom>
+        </p:spPr>
+        <p:txBody>
+          <a:bodyPr spcFirstLastPara="1" wrap="square" lIns="91425" tIns="91425" rIns="91425" bIns="91425" anchor="t" anchorCtr="0">
+            <a:noAutofit/>
+          </a:bodyPr>
+          <a:lstStyle/>
+          <a:p>
+            <a:pPr marL="0" lvl="0" indent="0" algn="l" rtl="0">
+              <a:spcBef>
+                <a:spcPts val="0"/>
+              </a:spcBef>
+              <a:spcAft>
+                <a:spcPts val="0"/>
+              </a:spcAft>
+              <a:buNone/>
+            </a:pPr>
+            <a:r>
+              <a:rPr lang="pl-PL" dirty="0"/>
+              <a:t>Meta-learning</a:t>
+            </a:r>
+            <a:endParaRPr dirty="0"/>
+          </a:p>
+        </p:txBody>
+      </p:sp>
+      <p:sp>
+        <p:nvSpPr>
+          <p:cNvPr id="336" name="Google Shape;336;p45"/>
+          <p:cNvSpPr txBox="1">
+            <a:spLocks noGrp="1"/>
+          </p:cNvSpPr>
+          <p:nvPr>
+            <p:ph type="title" idx="2"/>
+          </p:nvPr>
+        </p:nvSpPr>
+        <p:spPr>
+          <a:xfrm>
+            <a:off x="1512075" y="1012500"/>
+            <a:ext cx="1076100" cy="870000"/>
+          </a:xfrm>
+          <a:prstGeom prst="rect">
+            <a:avLst/>
+          </a:prstGeom>
+        </p:spPr>
+        <p:txBody>
+          <a:bodyPr spcFirstLastPara="1" wrap="square" lIns="91425" tIns="91425" rIns="91425" bIns="91425" anchor="ctr" anchorCtr="0">
+            <a:noAutofit/>
+          </a:bodyPr>
+          <a:lstStyle/>
+          <a:p>
+            <a:pPr marL="0" lvl="0" indent="0" algn="l" rtl="0">
+              <a:spcBef>
+                <a:spcPts val="0"/>
+              </a:spcBef>
+              <a:spcAft>
+                <a:spcPts val="0"/>
+              </a:spcAft>
+              <a:buNone/>
+            </a:pPr>
+            <a:r>
+              <a:rPr lang="en" dirty="0"/>
+              <a:t>0</a:t>
+            </a:r>
+            <a:r>
+              <a:rPr lang="pl-PL" dirty="0"/>
+              <a:t>3</a:t>
+            </a:r>
+            <a:endParaRPr dirty="0"/>
+          </a:p>
+        </p:txBody>
+      </p:sp>
+    </p:spTree>
+    <p:extLst>
+      <p:ext uri="{BB962C8B-B14F-4D97-AF65-F5344CB8AC3E}">
+        <p14:creationId xmlns:p14="http://schemas.microsoft.com/office/powerpoint/2010/main" val="14651690"/>
+      </p:ext>
+    </p:extLst>
+  </p:cSld>
+  <p:clrMapOvr>
+    <a:masterClrMapping/>
+  </p:clrMapOvr>
+</p:sld>
+</file>
+
+<file path=ppt/slides/slide12.xml><?xml version="1.0" encoding="utf-8"?>
+<p:sld xmlns:a="http://schemas.openxmlformats.org/drawingml/2006/main" xmlns:r="http://schemas.openxmlformats.org/officeDocument/2006/relationships" xmlns:p="http://schemas.openxmlformats.org/presentationml/2006/main">
+  <p:cSld>
+    <p:spTree>
+      <p:nvGrpSpPr>
+        <p:cNvPr id="1" name="Shape 4780"/>
+        <p:cNvGrpSpPr/>
+        <p:nvPr/>
+      </p:nvGrpSpPr>
+      <p:grpSpPr>
+        <a:xfrm>
+          <a:off x="0" y="0"/>
+          <a:ext cx="0" cy="0"/>
+          <a:chOff x="0" y="0"/>
+          <a:chExt cx="0" cy="0"/>
+        </a:xfrm>
+      </p:grpSpPr>
+      <p:sp>
+        <p:nvSpPr>
+          <p:cNvPr id="4781" name="Google Shape;4781;p73"/>
+          <p:cNvSpPr txBox="1">
+            <a:spLocks noGrp="1"/>
+          </p:cNvSpPr>
+          <p:nvPr>
+            <p:ph type="title"/>
+          </p:nvPr>
+        </p:nvSpPr>
+        <p:spPr>
+          <a:xfrm>
+            <a:off x="948325" y="1409875"/>
+            <a:ext cx="4863300" cy="661800"/>
+          </a:xfrm>
+          <a:prstGeom prst="rect">
+            <a:avLst/>
+          </a:prstGeom>
+        </p:spPr>
+        <p:txBody>
+          <a:bodyPr spcFirstLastPara="1" wrap="square" lIns="91425" tIns="91425" rIns="91425" bIns="91425" anchor="t" anchorCtr="0">
+            <a:noAutofit/>
+          </a:bodyPr>
+          <a:lstStyle/>
+          <a:p>
+            <a:pPr marL="0" lvl="0" indent="0" algn="l" rtl="0">
+              <a:spcBef>
+                <a:spcPts val="0"/>
+              </a:spcBef>
+              <a:spcAft>
+                <a:spcPts val="0"/>
+              </a:spcAft>
+              <a:buNone/>
+            </a:pPr>
+            <a:r>
+              <a:rPr lang="pl-PL" sz="4000" dirty="0" err="1"/>
+              <a:t>Sampling</a:t>
+            </a:r>
+            <a:endParaRPr sz="4000" dirty="0"/>
+          </a:p>
+        </p:txBody>
+      </p:sp>
+    </p:spTree>
+  </p:cSld>
+  <p:clrMapOvr>
+    <a:masterClrMapping/>
+  </p:clrMapOvr>
+</p:sld>
+</file>
+
+<file path=ppt/slides/slide13.xml><?xml version="1.0" encoding="utf-8"?>
+<p:sld xmlns:a="http://schemas.openxmlformats.org/drawingml/2006/main" xmlns:r="http://schemas.openxmlformats.org/officeDocument/2006/relationships" xmlns:p="http://schemas.openxmlformats.org/presentationml/2006/main">
+  <p:cSld>
+    <p:spTree>
+      <p:nvGrpSpPr>
+        <p:cNvPr id="1" name=""/>
+        <p:cNvGrpSpPr/>
+        <p:nvPr/>
+      </p:nvGrpSpPr>
+      <p:grpSpPr>
+        <a:xfrm>
+          <a:off x="0" y="0"/>
+          <a:ext cx="0" cy="0"/>
+          <a:chOff x="0" y="0"/>
+          <a:chExt cx="0" cy="0"/>
+        </a:xfrm>
+      </p:grpSpPr>
+      <p:sp>
+        <p:nvSpPr>
+          <p:cNvPr id="2" name="Text Placeholder 1">
+            <a:extLst>
+              <a:ext uri="{FF2B5EF4-FFF2-40B4-BE49-F238E27FC236}">
                 <a16:creationId xmlns:a16="http://schemas.microsoft.com/office/drawing/2014/main" id="{4C148219-67A4-6A1C-4219-69A2693902C5}"/>
               </a:ext>
             </a:extLst>
@@ -7705,7 +8455,7 @@
 </p:sld>
 </file>
 
-<file path=ppt/slides/slide11.xml><?xml version="1.0" encoding="utf-8"?>
+<file path=ppt/slides/slide14.xml><?xml version="1.0" encoding="utf-8"?>
 <p:sld xmlns:a="http://schemas.openxmlformats.org/drawingml/2006/main" xmlns:r="http://schemas.openxmlformats.org/officeDocument/2006/relationships" xmlns:p="http://schemas.openxmlformats.org/presentationml/2006/main">
   <p:cSld>
     <p:spTree>
@@ -8216,7 +8966,7 @@
 </p:sld>
 </file>
 
-<file path=ppt/slides/slide12.xml><?xml version="1.0" encoding="utf-8"?>
+<file path=ppt/slides/slide15.xml><?xml version="1.0" encoding="utf-8"?>
 <p:sld xmlns:a="http://schemas.openxmlformats.org/drawingml/2006/main" xmlns:r="http://schemas.openxmlformats.org/officeDocument/2006/relationships" xmlns:p="http://schemas.openxmlformats.org/presentationml/2006/main">
   <p:cSld>
     <p:spTree>
@@ -8607,7 +9357,7 @@
 </p:sld>
 </file>
 
-<file path=ppt/slides/slide13.xml><?xml version="1.0" encoding="utf-8"?>
+<file path=ppt/slides/slide16.xml><?xml version="1.0" encoding="utf-8"?>
 <p:sld xmlns:a="http://schemas.openxmlformats.org/drawingml/2006/main" xmlns:r="http://schemas.openxmlformats.org/officeDocument/2006/relationships" xmlns:p="http://schemas.openxmlformats.org/presentationml/2006/main">
   <p:cSld>
     <p:spTree>
@@ -8770,7 +9520,7 @@
 </p:sld>
 </file>
 
-<file path=ppt/slides/slide14.xml><?xml version="1.0" encoding="utf-8"?>
+<file path=ppt/slides/slide17.xml><?xml version="1.0" encoding="utf-8"?>
 <p:sld xmlns:a="http://schemas.openxmlformats.org/drawingml/2006/main" xmlns:r="http://schemas.openxmlformats.org/officeDocument/2006/relationships" xmlns:p="http://schemas.openxmlformats.org/presentationml/2006/main">
   <p:cSld>
     <p:spTree>
@@ -9302,7 +10052,7 @@
 </p:sld>
 </file>
 
-<file path=ppt/slides/slide15.xml><?xml version="1.0" encoding="utf-8"?>
+<file path=ppt/slides/slide18.xml><?xml version="1.0" encoding="utf-8"?>
 <p:sld xmlns:a="http://schemas.openxmlformats.org/drawingml/2006/main" xmlns:r="http://schemas.openxmlformats.org/officeDocument/2006/relationships" xmlns:p="http://schemas.openxmlformats.org/presentationml/2006/main">
   <p:cSld>
     <p:spTree>
@@ -10457,7 +11207,7 @@
 </p:sld>
 </file>
 
-<file path=ppt/slides/slide16.xml><?xml version="1.0" encoding="utf-8"?>
+<file path=ppt/slides/slide19.xml><?xml version="1.0" encoding="utf-8"?>
 <p:sld xmlns:a="http://schemas.openxmlformats.org/drawingml/2006/main" xmlns:r="http://schemas.openxmlformats.org/officeDocument/2006/relationships" xmlns:p="http://schemas.openxmlformats.org/presentationml/2006/main">
   <p:cSld>
     <p:spTree>
@@ -10909,787 +11659,6 @@
     <p:extLst>
       <p:ext uri="{BB962C8B-B14F-4D97-AF65-F5344CB8AC3E}">
         <p14:creationId xmlns:p14="http://schemas.microsoft.com/office/powerpoint/2010/main" val="987521502"/>
-      </p:ext>
-    </p:extLst>
-  </p:cSld>
-  <p:clrMapOvr>
-    <a:masterClrMapping/>
-  </p:clrMapOvr>
-</p:sld>
-</file>
-
-<file path=ppt/slides/slide17.xml><?xml version="1.0" encoding="utf-8"?>
-<p:sld xmlns:a="http://schemas.openxmlformats.org/drawingml/2006/main" xmlns:r="http://schemas.openxmlformats.org/officeDocument/2006/relationships" xmlns:p="http://schemas.openxmlformats.org/presentationml/2006/main">
-  <p:cSld>
-    <p:spTree>
-      <p:nvGrpSpPr>
-        <p:cNvPr id="1" name=""/>
-        <p:cNvGrpSpPr/>
-        <p:nvPr/>
-      </p:nvGrpSpPr>
-      <p:grpSpPr>
-        <a:xfrm>
-          <a:off x="0" y="0"/>
-          <a:ext cx="0" cy="0"/>
-          <a:chOff x="0" y="0"/>
-          <a:chExt cx="0" cy="0"/>
-        </a:xfrm>
-      </p:grpSpPr>
-      <mc:AlternateContent xmlns:mc="http://schemas.openxmlformats.org/markup-compatibility/2006" xmlns:a14="http://schemas.microsoft.com/office/drawing/2010/main">
-        <mc:Choice Requires="a14">
-          <p:sp>
-            <p:nvSpPr>
-              <p:cNvPr id="2" name="Text Placeholder 1">
-                <a:extLst>
-                  <a:ext uri="{FF2B5EF4-FFF2-40B4-BE49-F238E27FC236}">
-                    <a16:creationId xmlns:a16="http://schemas.microsoft.com/office/drawing/2014/main" id="{4C148219-67A4-6A1C-4219-69A2693902C5}"/>
-                  </a:ext>
-                </a:extLst>
-              </p:cNvPr>
-              <p:cNvSpPr>
-                <a:spLocks noGrp="1"/>
-              </p:cNvSpPr>
-              <p:nvPr>
-                <p:ph type="body" idx="1"/>
-              </p:nvPr>
-            </p:nvSpPr>
-            <p:spPr>
-              <a:xfrm>
-                <a:off x="713225" y="1525500"/>
-                <a:ext cx="7717501" cy="2092500"/>
-              </a:xfrm>
-            </p:spPr>
-            <p:txBody>
-              <a:bodyPr/>
-              <a:lstStyle/>
-              <a:p>
-                <a:pPr>
-                  <a:lnSpc>
-                    <a:spcPct val="150000"/>
-                  </a:lnSpc>
-                </a:pPr>
-                <a:r>
-                  <a:rPr lang="pl-PL" dirty="0"/>
-                  <a:t>C4.5 model </a:t>
-                </a:r>
-                <a:r>
-                  <a:rPr lang="pl-PL" dirty="0" err="1"/>
-                  <a:t>already</a:t>
-                </a:r>
-                <a:r>
-                  <a:rPr lang="pl-PL" dirty="0"/>
-                  <a:t> </a:t>
-                </a:r>
-                <a:r>
-                  <a:rPr lang="pl-PL" dirty="0" err="1"/>
-                  <a:t>uses</a:t>
-                </a:r>
-                <a:r>
-                  <a:rPr lang="pl-PL" dirty="0"/>
-                  <a:t> </a:t>
-                </a:r>
-                <a14:m>
-                  <m:oMath xmlns:m="http://schemas.openxmlformats.org/officeDocument/2006/math">
-                    <m:sSub>
-                      <m:sSubPr>
-                        <m:ctrlPr>
-                          <a:rPr lang="pl-PL" i="1" smtClean="0">
-                            <a:latin typeface="Cambria Math" panose="02040503050406030204" pitchFamily="18" charset="0"/>
-                          </a:rPr>
-                        </m:ctrlPr>
-                      </m:sSubPr>
-                      <m:e>
-                        <m:r>
-                          <a:rPr lang="pl-PL" b="0" i="1" smtClean="0">
-                            <a:latin typeface="Cambria Math" panose="02040503050406030204" pitchFamily="18" charset="0"/>
-                          </a:rPr>
-                          <m:t>𝑊</m:t>
-                        </m:r>
-                      </m:e>
-                      <m:sub>
-                        <m:r>
-                          <a:rPr lang="pl-PL" b="0" i="1" smtClean="0">
-                            <a:latin typeface="Cambria Math" panose="02040503050406030204" pitchFamily="18" charset="0"/>
-                          </a:rPr>
-                          <m:t>𝑗</m:t>
-                        </m:r>
-                      </m:sub>
-                    </m:sSub>
-                    <m:r>
-                      <a:rPr lang="pl-PL" b="0" i="1" smtClean="0">
-                        <a:latin typeface="Cambria Math" panose="02040503050406030204" pitchFamily="18" charset="0"/>
-                      </a:rPr>
-                      <m:t>(</m:t>
-                    </m:r>
-                    <m:r>
-                      <a:rPr lang="pl-PL" b="0" i="1" smtClean="0">
-                        <a:latin typeface="Cambria Math" panose="02040503050406030204" pitchFamily="18" charset="0"/>
-                      </a:rPr>
-                      <m:t>𝑡</m:t>
-                    </m:r>
-                    <m:r>
-                      <a:rPr lang="pl-PL" b="0" i="1" smtClean="0">
-                        <a:latin typeface="Cambria Math" panose="02040503050406030204" pitchFamily="18" charset="0"/>
-                      </a:rPr>
-                      <m:t>)</m:t>
-                    </m:r>
-                  </m:oMath>
-                </a14:m>
-                <a:r>
-                  <a:rPr lang="pl-PL" dirty="0"/>
-                  <a:t> </a:t>
-                </a:r>
-                <a:r>
-                  <a:rPr lang="pl-PL" dirty="0" err="1"/>
-                  <a:t>instead</a:t>
-                </a:r>
-                <a:r>
-                  <a:rPr lang="pl-PL" dirty="0"/>
-                  <a:t> of </a:t>
-                </a:r>
-                <a14:m>
-                  <m:oMath xmlns:m="http://schemas.openxmlformats.org/officeDocument/2006/math">
-                    <m:sSub>
-                      <m:sSubPr>
-                        <m:ctrlPr>
-                          <a:rPr lang="pl-PL" i="1" smtClean="0">
-                            <a:latin typeface="Cambria Math" panose="02040503050406030204" pitchFamily="18" charset="0"/>
-                          </a:rPr>
-                        </m:ctrlPr>
-                      </m:sSubPr>
-                      <m:e>
-                        <m:r>
-                          <a:rPr lang="pl-PL" b="0" i="1" smtClean="0">
-                            <a:latin typeface="Cambria Math" panose="02040503050406030204" pitchFamily="18" charset="0"/>
-                          </a:rPr>
-                          <m:t>𝑁</m:t>
-                        </m:r>
-                      </m:e>
-                      <m:sub>
-                        <m:r>
-                          <a:rPr lang="pl-PL" b="0" i="1" smtClean="0">
-                            <a:latin typeface="Cambria Math" panose="02040503050406030204" pitchFamily="18" charset="0"/>
-                          </a:rPr>
-                          <m:t>𝑗</m:t>
-                        </m:r>
-                      </m:sub>
-                    </m:sSub>
-                    <m:r>
-                      <a:rPr lang="pl-PL" b="0" i="1" smtClean="0">
-                        <a:latin typeface="Cambria Math" panose="02040503050406030204" pitchFamily="18" charset="0"/>
-                      </a:rPr>
-                      <m:t>(</m:t>
-                    </m:r>
-                    <m:r>
-                      <a:rPr lang="pl-PL" b="0" i="1" smtClean="0">
-                        <a:latin typeface="Cambria Math" panose="02040503050406030204" pitchFamily="18" charset="0"/>
-                      </a:rPr>
-                      <m:t>𝑡</m:t>
-                    </m:r>
-                    <m:r>
-                      <a:rPr lang="pl-PL" b="0" i="1" smtClean="0">
-                        <a:latin typeface="Cambria Math" panose="02040503050406030204" pitchFamily="18" charset="0"/>
-                      </a:rPr>
-                      <m:t>)</m:t>
-                    </m:r>
-                  </m:oMath>
-                </a14:m>
-                <a:r>
-                  <a:rPr lang="pl-PL" dirty="0"/>
-                  <a:t>, to </a:t>
-                </a:r>
-                <a:r>
-                  <a:rPr lang="pl-PL" dirty="0" err="1"/>
-                  <a:t>create</a:t>
-                </a:r>
-                <a:r>
-                  <a:rPr lang="pl-PL" dirty="0"/>
-                  <a:t> a </a:t>
-                </a:r>
-                <a:r>
-                  <a:rPr lang="pl-PL" dirty="0" err="1"/>
-                  <a:t>cost-sensitive</a:t>
-                </a:r>
-                <a:r>
-                  <a:rPr lang="pl-PL" dirty="0"/>
-                  <a:t> C4.5 we </a:t>
-                </a:r>
-                <a:r>
-                  <a:rPr lang="pl-PL" dirty="0" err="1"/>
-                  <a:t>need</a:t>
-                </a:r>
-                <a:r>
-                  <a:rPr lang="pl-PL" dirty="0"/>
-                  <a:t> to </a:t>
-                </a:r>
-                <a:r>
-                  <a:rPr lang="pl-PL" dirty="0" err="1"/>
-                  <a:t>properly</a:t>
-                </a:r>
-                <a:r>
-                  <a:rPr lang="pl-PL" dirty="0"/>
-                  <a:t> </a:t>
-                </a:r>
-                <a:r>
-                  <a:rPr lang="pl-PL" dirty="0" err="1"/>
-                  <a:t>initialize</a:t>
-                </a:r>
-                <a:r>
-                  <a:rPr lang="pl-PL" dirty="0"/>
-                  <a:t> </a:t>
-                </a:r>
-                <a:r>
-                  <a:rPr lang="pl-PL" dirty="0" err="1"/>
-                  <a:t>weights</a:t>
-                </a:r>
-                <a:r>
-                  <a:rPr lang="pl-PL" dirty="0"/>
-                  <a:t> (</a:t>
-                </a:r>
-                <a:r>
-                  <a:rPr lang="pl-PL" dirty="0" err="1"/>
-                  <a:t>formula</a:t>
-                </a:r>
-                <a:r>
-                  <a:rPr lang="pl-PL" dirty="0"/>
-                  <a:t> from </a:t>
-                </a:r>
-                <a:r>
-                  <a:rPr lang="pl-PL" dirty="0" err="1"/>
-                  <a:t>previous</a:t>
-                </a:r>
-                <a:r>
-                  <a:rPr lang="pl-PL" dirty="0"/>
-                  <a:t> </a:t>
-                </a:r>
-                <a:r>
-                  <a:rPr lang="pl-PL" dirty="0" err="1"/>
-                  <a:t>slide</a:t>
-                </a:r>
-                <a:r>
-                  <a:rPr lang="pl-PL" dirty="0"/>
-                  <a:t>).</a:t>
-                </a:r>
-              </a:p>
-              <a:p>
-                <a:pPr>
-                  <a:lnSpc>
-                    <a:spcPct val="150000"/>
-                  </a:lnSpc>
-                </a:pPr>
-                <a:r>
-                  <a:rPr lang="pl-PL" dirty="0" err="1"/>
-                  <a:t>According</a:t>
-                </a:r>
-                <a:r>
-                  <a:rPr lang="pl-PL" dirty="0"/>
-                  <a:t> to </a:t>
-                </a:r>
-                <a:r>
-                  <a:rPr lang="pl-PL" dirty="0" err="1"/>
-                  <a:t>experiments</a:t>
-                </a:r>
-                <a:r>
-                  <a:rPr lang="pl-PL" dirty="0"/>
-                  <a:t> </a:t>
-                </a:r>
-                <a:r>
-                  <a:rPr lang="pl-PL" dirty="0" err="1"/>
-                  <a:t>conducted</a:t>
-                </a:r>
-                <a:r>
-                  <a:rPr lang="pl-PL" dirty="0"/>
-                  <a:t> in [</a:t>
-                </a:r>
-                <a:r>
-                  <a:rPr lang="pl-PL" dirty="0" err="1"/>
-                  <a:t>Ting</a:t>
-                </a:r>
-                <a:r>
-                  <a:rPr lang="pl-PL" dirty="0"/>
-                  <a:t> 1998], the CS C4.5 </a:t>
-                </a:r>
-                <a:r>
-                  <a:rPr lang="pl-PL" dirty="0" err="1"/>
-                  <a:t>performes</a:t>
-                </a:r>
-                <a:r>
-                  <a:rPr lang="pl-PL" dirty="0"/>
-                  <a:t> </a:t>
-                </a:r>
-                <a:r>
-                  <a:rPr lang="pl-PL" dirty="0" err="1"/>
-                  <a:t>better</a:t>
-                </a:r>
-                <a:r>
-                  <a:rPr lang="pl-PL" dirty="0"/>
-                  <a:t> </a:t>
-                </a:r>
-                <a:r>
-                  <a:rPr lang="pl-PL" dirty="0" err="1"/>
-                  <a:t>than</a:t>
-                </a:r>
-                <a:r>
-                  <a:rPr lang="pl-PL" dirty="0"/>
-                  <a:t> C4.5 for </a:t>
-                </a:r>
-                <a:r>
-                  <a:rPr lang="pl-PL" dirty="0" err="1"/>
-                  <a:t>binary</a:t>
-                </a:r>
-                <a:r>
-                  <a:rPr lang="pl-PL" dirty="0"/>
-                  <a:t> </a:t>
-                </a:r>
-                <a:r>
-                  <a:rPr lang="pl-PL" dirty="0" err="1"/>
-                  <a:t>classification</a:t>
-                </a:r>
-                <a:r>
-                  <a:rPr lang="pl-PL" dirty="0"/>
-                  <a:t>, but </a:t>
-                </a:r>
-                <a:r>
-                  <a:rPr lang="pl-PL" dirty="0" err="1"/>
-                  <a:t>comparably</a:t>
-                </a:r>
-                <a:r>
-                  <a:rPr lang="pl-PL" dirty="0"/>
-                  <a:t> in </a:t>
-                </a:r>
-                <a:r>
-                  <a:rPr lang="pl-PL" dirty="0" err="1"/>
-                  <a:t>case</a:t>
-                </a:r>
-                <a:r>
-                  <a:rPr lang="pl-PL" dirty="0"/>
-                  <a:t> of </a:t>
-                </a:r>
-                <a:r>
-                  <a:rPr lang="pl-PL" dirty="0" err="1"/>
-                  <a:t>multiple</a:t>
-                </a:r>
-                <a:r>
-                  <a:rPr lang="pl-PL" dirty="0"/>
-                  <a:t> </a:t>
-                </a:r>
-                <a:r>
-                  <a:rPr lang="pl-PL" dirty="0" err="1"/>
-                  <a:t>classes</a:t>
-                </a:r>
-                <a:r>
-                  <a:rPr lang="pl-PL" dirty="0"/>
-                  <a:t> (</a:t>
-                </a:r>
-                <a:r>
-                  <a:rPr lang="pl-PL" dirty="0" err="1"/>
-                  <a:t>due</a:t>
-                </a:r>
-                <a:r>
-                  <a:rPr lang="pl-PL" dirty="0"/>
-                  <a:t> to </a:t>
-                </a:r>
-                <a:r>
-                  <a:rPr lang="pl-PL" dirty="0" err="1"/>
-                  <a:t>problematic</a:t>
-                </a:r>
-                <a:r>
-                  <a:rPr lang="pl-PL" dirty="0"/>
-                  <a:t> </a:t>
-                </a:r>
-                <a:r>
-                  <a:rPr lang="pl-PL" dirty="0" err="1"/>
-                  <a:t>cost</a:t>
-                </a:r>
-                <a:r>
-                  <a:rPr lang="pl-PL" dirty="0"/>
-                  <a:t> matrix -&gt; </a:t>
-                </a:r>
-                <a:r>
-                  <a:rPr lang="pl-PL" dirty="0" err="1"/>
-                  <a:t>cost</a:t>
-                </a:r>
-                <a:r>
-                  <a:rPr lang="pl-PL" dirty="0"/>
-                  <a:t> </a:t>
-                </a:r>
-                <a:r>
-                  <a:rPr lang="pl-PL" dirty="0" err="1"/>
-                  <a:t>vector</a:t>
-                </a:r>
-                <a:r>
-                  <a:rPr lang="pl-PL" dirty="0"/>
-                  <a:t> </a:t>
-                </a:r>
-                <a:r>
-                  <a:rPr lang="pl-PL" dirty="0" err="1"/>
-                  <a:t>conversion</a:t>
-                </a:r>
-                <a:r>
-                  <a:rPr lang="pl-PL" dirty="0"/>
-                  <a:t>).</a:t>
-                </a:r>
-                <a:br>
-                  <a:rPr lang="pl-PL" dirty="0"/>
-                </a:br>
-                <a:br>
-                  <a:rPr lang="pl-PL" dirty="0"/>
-                </a:br>
-                <a:endParaRPr lang="pl-PL" dirty="0"/>
-              </a:p>
-              <a:p>
-                <a:pPr marL="482600" indent="-342900">
-                  <a:lnSpc>
-                    <a:spcPct val="150000"/>
-                  </a:lnSpc>
-                  <a:buFont typeface="+mj-lt"/>
-                  <a:buAutoNum type="arabicPeriod"/>
-                </a:pPr>
-                <a:endParaRPr lang="pl-PL" dirty="0"/>
-              </a:p>
-            </p:txBody>
-          </p:sp>
-        </mc:Choice>
-        <mc:Fallback xmlns="">
-          <p:sp>
-            <p:nvSpPr>
-              <p:cNvPr id="2" name="Text Placeholder 1">
-                <a:extLst>
-                  <a:ext uri="{FF2B5EF4-FFF2-40B4-BE49-F238E27FC236}">
-                    <a16:creationId xmlns:a16="http://schemas.microsoft.com/office/drawing/2014/main" id="{4C148219-67A4-6A1C-4219-69A2693902C5}"/>
-                  </a:ext>
-                </a:extLst>
-              </p:cNvPr>
-              <p:cNvSpPr>
-                <a:spLocks noGrp="1" noRot="1" noChangeAspect="1" noMove="1" noResize="1" noEditPoints="1" noAdjustHandles="1" noChangeArrowheads="1" noChangeShapeType="1" noTextEdit="1"/>
-              </p:cNvSpPr>
-              <p:nvPr>
-                <p:ph type="body" idx="1"/>
-              </p:nvPr>
-            </p:nvSpPr>
-            <p:spPr>
-              <a:xfrm>
-                <a:off x="713225" y="1525500"/>
-                <a:ext cx="7717501" cy="2092500"/>
-              </a:xfrm>
-              <a:blipFill>
-                <a:blip r:embed="rId2"/>
-                <a:stretch>
-                  <a:fillRect r="-158"/>
-                </a:stretch>
-              </a:blipFill>
-            </p:spPr>
-            <p:txBody>
-              <a:bodyPr/>
-              <a:lstStyle/>
-              <a:p>
-                <a:r>
-                  <a:rPr lang="en-GB">
-                    <a:noFill/>
-                  </a:rPr>
-                  <a:t> </a:t>
-                </a:r>
-              </a:p>
-            </p:txBody>
-          </p:sp>
-        </mc:Fallback>
-      </mc:AlternateContent>
-      <p:sp>
-        <p:nvSpPr>
-          <p:cNvPr id="3" name="Title 2">
-            <a:extLst>
-              <a:ext uri="{FF2B5EF4-FFF2-40B4-BE49-F238E27FC236}">
-                <a16:creationId xmlns:a16="http://schemas.microsoft.com/office/drawing/2014/main" id="{A8AC65F6-0871-5304-59F1-3C34ECF7B43F}"/>
-              </a:ext>
-            </a:extLst>
-          </p:cNvPr>
-          <p:cNvSpPr>
-            <a:spLocks noGrp="1"/>
-          </p:cNvSpPr>
-          <p:nvPr>
-            <p:ph type="title"/>
-          </p:nvPr>
-        </p:nvSpPr>
-        <p:spPr>
-          <a:xfrm>
-            <a:off x="585187" y="478024"/>
-            <a:ext cx="7973575" cy="549900"/>
-          </a:xfrm>
-        </p:spPr>
-        <p:txBody>
-          <a:bodyPr/>
-          <a:lstStyle/>
-          <a:p>
-            <a:r>
-              <a:rPr lang="pl-PL" dirty="0" err="1"/>
-              <a:t>Instance</a:t>
-            </a:r>
-            <a:r>
-              <a:rPr lang="pl-PL" dirty="0"/>
-              <a:t> </a:t>
-            </a:r>
-            <a:r>
-              <a:rPr lang="pl-PL" dirty="0" err="1"/>
-              <a:t>weighting</a:t>
-            </a:r>
-            <a:r>
-              <a:rPr lang="pl-PL" dirty="0"/>
-              <a:t> – </a:t>
-            </a:r>
-            <a:r>
-              <a:rPr lang="pl-PL" dirty="0" err="1"/>
-              <a:t>cost-sensitive</a:t>
-            </a:r>
-            <a:r>
-              <a:rPr lang="pl-PL" dirty="0"/>
-              <a:t> </a:t>
-            </a:r>
-            <a:r>
-              <a:rPr lang="pl-PL" dirty="0" err="1"/>
-              <a:t>trees</a:t>
-            </a:r>
-            <a:endParaRPr lang="en-GB" dirty="0"/>
-          </a:p>
-        </p:txBody>
-      </p:sp>
-    </p:spTree>
-    <p:extLst>
-      <p:ext uri="{BB962C8B-B14F-4D97-AF65-F5344CB8AC3E}">
-        <p14:creationId xmlns:p14="http://schemas.microsoft.com/office/powerpoint/2010/main" val="4168222492"/>
-      </p:ext>
-    </p:extLst>
-  </p:cSld>
-  <p:clrMapOvr>
-    <a:masterClrMapping/>
-  </p:clrMapOvr>
-</p:sld>
-</file>
-
-<file path=ppt/slides/slide18.xml><?xml version="1.0" encoding="utf-8"?>
-<p:sld xmlns:a="http://schemas.openxmlformats.org/drawingml/2006/main" xmlns:r="http://schemas.openxmlformats.org/officeDocument/2006/relationships" xmlns:p="http://schemas.openxmlformats.org/presentationml/2006/main">
-  <p:cSld>
-    <p:spTree>
-      <p:nvGrpSpPr>
-        <p:cNvPr id="1" name=""/>
-        <p:cNvGrpSpPr/>
-        <p:nvPr/>
-      </p:nvGrpSpPr>
-      <p:grpSpPr>
-        <a:xfrm>
-          <a:off x="0" y="0"/>
-          <a:ext cx="0" cy="0"/>
-          <a:chOff x="0" y="0"/>
-          <a:chExt cx="0" cy="0"/>
-        </a:xfrm>
-      </p:grpSpPr>
-      <p:sp>
-        <p:nvSpPr>
-          <p:cNvPr id="2" name="Text Placeholder 1">
-            <a:extLst>
-              <a:ext uri="{FF2B5EF4-FFF2-40B4-BE49-F238E27FC236}">
-                <a16:creationId xmlns:a16="http://schemas.microsoft.com/office/drawing/2014/main" id="{39EF3890-B994-AC9A-8487-E2D305E58C72}"/>
-              </a:ext>
-            </a:extLst>
-          </p:cNvPr>
-          <p:cNvSpPr>
-            <a:spLocks noGrp="1"/>
-          </p:cNvSpPr>
-          <p:nvPr>
-            <p:ph type="body" idx="1"/>
-          </p:nvPr>
-        </p:nvSpPr>
-        <p:spPr/>
-        <p:txBody>
-          <a:bodyPr/>
-          <a:lstStyle/>
-          <a:p>
-            <a:endParaRPr lang="en-GB" dirty="0"/>
-          </a:p>
-        </p:txBody>
-      </p:sp>
-      <p:sp>
-        <p:nvSpPr>
-          <p:cNvPr id="3" name="Title 2">
-            <a:extLst>
-              <a:ext uri="{FF2B5EF4-FFF2-40B4-BE49-F238E27FC236}">
-                <a16:creationId xmlns:a16="http://schemas.microsoft.com/office/drawing/2014/main" id="{BABD0B89-BD1D-5B34-00CA-E4947727E210}"/>
-              </a:ext>
-            </a:extLst>
-          </p:cNvPr>
-          <p:cNvSpPr>
-            <a:spLocks noGrp="1"/>
-          </p:cNvSpPr>
-          <p:nvPr>
-            <p:ph type="title"/>
-          </p:nvPr>
-        </p:nvSpPr>
-        <p:spPr/>
-        <p:txBody>
-          <a:bodyPr/>
-          <a:lstStyle/>
-          <a:p>
-            <a:r>
-              <a:rPr lang="pl-PL" dirty="0"/>
-              <a:t>ICET </a:t>
-            </a:r>
-            <a:r>
-              <a:rPr lang="pl-PL" dirty="0" err="1"/>
-              <a:t>algorithm</a:t>
-            </a:r>
-            <a:endParaRPr lang="en-GB" dirty="0"/>
-          </a:p>
-        </p:txBody>
-      </p:sp>
-    </p:spTree>
-    <p:extLst>
-      <p:ext uri="{BB962C8B-B14F-4D97-AF65-F5344CB8AC3E}">
-        <p14:creationId xmlns:p14="http://schemas.microsoft.com/office/powerpoint/2010/main" val="911961182"/>
-      </p:ext>
-    </p:extLst>
-  </p:cSld>
-  <p:clrMapOvr>
-    <a:masterClrMapping/>
-  </p:clrMapOvr>
-</p:sld>
-</file>
-
-<file path=ppt/slides/slide19.xml><?xml version="1.0" encoding="utf-8"?>
-<p:sld xmlns:a="http://schemas.openxmlformats.org/drawingml/2006/main" xmlns:r="http://schemas.openxmlformats.org/officeDocument/2006/relationships" xmlns:p="http://schemas.openxmlformats.org/presentationml/2006/main">
-  <p:cSld>
-    <p:spTree>
-      <p:nvGrpSpPr>
-        <p:cNvPr id="1" name=""/>
-        <p:cNvGrpSpPr/>
-        <p:nvPr/>
-      </p:nvGrpSpPr>
-      <p:grpSpPr>
-        <a:xfrm>
-          <a:off x="0" y="0"/>
-          <a:ext cx="0" cy="0"/>
-          <a:chOff x="0" y="0"/>
-          <a:chExt cx="0" cy="0"/>
-        </a:xfrm>
-      </p:grpSpPr>
-      <p:sp>
-        <p:nvSpPr>
-          <p:cNvPr id="3" name="Title 2">
-            <a:extLst>
-              <a:ext uri="{FF2B5EF4-FFF2-40B4-BE49-F238E27FC236}">
-                <a16:creationId xmlns:a16="http://schemas.microsoft.com/office/drawing/2014/main" id="{BABD0B89-BD1D-5B34-00CA-E4947727E210}"/>
-              </a:ext>
-            </a:extLst>
-          </p:cNvPr>
-          <p:cNvSpPr>
-            <a:spLocks noGrp="1"/>
-          </p:cNvSpPr>
-          <p:nvPr>
-            <p:ph type="title"/>
-          </p:nvPr>
-        </p:nvSpPr>
-        <p:spPr/>
-        <p:txBody>
-          <a:bodyPr/>
-          <a:lstStyle/>
-          <a:p>
-            <a:r>
-              <a:rPr lang="pl-PL" dirty="0"/>
-              <a:t>ICET </a:t>
-            </a:r>
-            <a:r>
-              <a:rPr lang="pl-PL" dirty="0" err="1"/>
-              <a:t>algorithm</a:t>
-            </a:r>
-            <a:endParaRPr lang="en-GB" dirty="0"/>
-          </a:p>
-        </p:txBody>
-      </p:sp>
-      <p:pic>
-        <p:nvPicPr>
-          <p:cNvPr id="5" name="Picture 4" descr="A diagram of a tree&#10;&#10;Description automatically generated">
-            <a:extLst>
-              <a:ext uri="{FF2B5EF4-FFF2-40B4-BE49-F238E27FC236}">
-                <a16:creationId xmlns:a16="http://schemas.microsoft.com/office/drawing/2014/main" id="{93E4F447-1557-CE5C-D020-0380BD73714E}"/>
-              </a:ext>
-            </a:extLst>
-          </p:cNvPr>
-          <p:cNvPicPr>
-            <a:picLocks noChangeAspect="1"/>
-          </p:cNvPicPr>
-          <p:nvPr/>
-        </p:nvPicPr>
-        <p:blipFill>
-          <a:blip r:embed="rId2"/>
-          <a:stretch>
-            <a:fillRect/>
-          </a:stretch>
-        </p:blipFill>
-        <p:spPr>
-          <a:xfrm>
-            <a:off x="1395668" y="1240978"/>
-            <a:ext cx="6352613" cy="3242531"/>
-          </a:xfrm>
-          <a:prstGeom prst="rect">
-            <a:avLst/>
-          </a:prstGeom>
-        </p:spPr>
-      </p:pic>
-      <p:sp>
-        <p:nvSpPr>
-          <p:cNvPr id="6" name="TextBox 5">
-            <a:extLst>
-              <a:ext uri="{FF2B5EF4-FFF2-40B4-BE49-F238E27FC236}">
-                <a16:creationId xmlns:a16="http://schemas.microsoft.com/office/drawing/2014/main" id="{E5A6155E-F8E9-4D82-2F3A-A71AC24FA958}"/>
-              </a:ext>
-            </a:extLst>
-          </p:cNvPr>
-          <p:cNvSpPr txBox="1"/>
-          <p:nvPr/>
-        </p:nvSpPr>
-        <p:spPr>
-          <a:xfrm>
-            <a:off x="2230667" y="4518961"/>
-            <a:ext cx="4682613" cy="307777"/>
-          </a:xfrm>
-          <a:prstGeom prst="rect">
-            <a:avLst/>
-          </a:prstGeom>
-          <a:noFill/>
-        </p:spPr>
-        <p:txBody>
-          <a:bodyPr wrap="square" rtlCol="0">
-            <a:spAutoFit/>
-          </a:bodyPr>
-          <a:lstStyle/>
-          <a:p>
-            <a:pPr algn="ctr"/>
-            <a:r>
-              <a:rPr lang="pl-PL" dirty="0">
-                <a:latin typeface="Comissioner"/>
-              </a:rPr>
-              <a:t>Source: [</a:t>
-            </a:r>
-            <a:r>
-              <a:rPr lang="pl-PL" dirty="0" err="1">
-                <a:latin typeface="Comissioner"/>
-              </a:rPr>
-              <a:t>Turney</a:t>
-            </a:r>
-            <a:r>
-              <a:rPr lang="pl-PL" dirty="0">
-                <a:latin typeface="Comissioner"/>
-              </a:rPr>
-              <a:t> 1995]</a:t>
-            </a:r>
-            <a:endParaRPr lang="en-GB" dirty="0">
-              <a:latin typeface="Comissioner"/>
-            </a:endParaRPr>
-          </a:p>
-        </p:txBody>
-      </p:sp>
-    </p:spTree>
-    <p:extLst>
-      <p:ext uri="{BB962C8B-B14F-4D97-AF65-F5344CB8AC3E}">
-        <p14:creationId xmlns:p14="http://schemas.microsoft.com/office/powerpoint/2010/main" val="2342707706"/>
       </p:ext>
     </p:extLst>
   </p:cSld>
@@ -11898,6 +11867,553 @@
   <p:cSld>
     <p:spTree>
       <p:nvGrpSpPr>
+        <p:cNvPr id="1" name=""/>
+        <p:cNvGrpSpPr/>
+        <p:nvPr/>
+      </p:nvGrpSpPr>
+      <p:grpSpPr>
+        <a:xfrm>
+          <a:off x="0" y="0"/>
+          <a:ext cx="0" cy="0"/>
+          <a:chOff x="0" y="0"/>
+          <a:chExt cx="0" cy="0"/>
+        </a:xfrm>
+      </p:grpSpPr>
+      <mc:AlternateContent xmlns:mc="http://schemas.openxmlformats.org/markup-compatibility/2006" xmlns:a14="http://schemas.microsoft.com/office/drawing/2010/main">
+        <mc:Choice Requires="a14">
+          <p:sp>
+            <p:nvSpPr>
+              <p:cNvPr id="2" name="Text Placeholder 1">
+                <a:extLst>
+                  <a:ext uri="{FF2B5EF4-FFF2-40B4-BE49-F238E27FC236}">
+                    <a16:creationId xmlns:a16="http://schemas.microsoft.com/office/drawing/2014/main" id="{4C148219-67A4-6A1C-4219-69A2693902C5}"/>
+                  </a:ext>
+                </a:extLst>
+              </p:cNvPr>
+              <p:cNvSpPr>
+                <a:spLocks noGrp="1"/>
+              </p:cNvSpPr>
+              <p:nvPr>
+                <p:ph type="body" idx="1"/>
+              </p:nvPr>
+            </p:nvSpPr>
+            <p:spPr>
+              <a:xfrm>
+                <a:off x="713225" y="1525500"/>
+                <a:ext cx="7717501" cy="2092500"/>
+              </a:xfrm>
+            </p:spPr>
+            <p:txBody>
+              <a:bodyPr/>
+              <a:lstStyle/>
+              <a:p>
+                <a:pPr>
+                  <a:lnSpc>
+                    <a:spcPct val="150000"/>
+                  </a:lnSpc>
+                </a:pPr>
+                <a:r>
+                  <a:rPr lang="pl-PL" dirty="0"/>
+                  <a:t>C4.5 model </a:t>
+                </a:r>
+                <a:r>
+                  <a:rPr lang="pl-PL" dirty="0" err="1"/>
+                  <a:t>already</a:t>
+                </a:r>
+                <a:r>
+                  <a:rPr lang="pl-PL" dirty="0"/>
+                  <a:t> </a:t>
+                </a:r>
+                <a:r>
+                  <a:rPr lang="pl-PL" dirty="0" err="1"/>
+                  <a:t>uses</a:t>
+                </a:r>
+                <a:r>
+                  <a:rPr lang="pl-PL" dirty="0"/>
+                  <a:t> </a:t>
+                </a:r>
+                <a14:m>
+                  <m:oMath xmlns:m="http://schemas.openxmlformats.org/officeDocument/2006/math">
+                    <m:sSub>
+                      <m:sSubPr>
+                        <m:ctrlPr>
+                          <a:rPr lang="pl-PL" i="1" smtClean="0">
+                            <a:latin typeface="Cambria Math" panose="02040503050406030204" pitchFamily="18" charset="0"/>
+                          </a:rPr>
+                        </m:ctrlPr>
+                      </m:sSubPr>
+                      <m:e>
+                        <m:r>
+                          <a:rPr lang="pl-PL" b="0" i="1" smtClean="0">
+                            <a:latin typeface="Cambria Math" panose="02040503050406030204" pitchFamily="18" charset="0"/>
+                          </a:rPr>
+                          <m:t>𝑊</m:t>
+                        </m:r>
+                      </m:e>
+                      <m:sub>
+                        <m:r>
+                          <a:rPr lang="pl-PL" b="0" i="1" smtClean="0">
+                            <a:latin typeface="Cambria Math" panose="02040503050406030204" pitchFamily="18" charset="0"/>
+                          </a:rPr>
+                          <m:t>𝑗</m:t>
+                        </m:r>
+                      </m:sub>
+                    </m:sSub>
+                    <m:r>
+                      <a:rPr lang="pl-PL" b="0" i="1" smtClean="0">
+                        <a:latin typeface="Cambria Math" panose="02040503050406030204" pitchFamily="18" charset="0"/>
+                      </a:rPr>
+                      <m:t>(</m:t>
+                    </m:r>
+                    <m:r>
+                      <a:rPr lang="pl-PL" b="0" i="1" smtClean="0">
+                        <a:latin typeface="Cambria Math" panose="02040503050406030204" pitchFamily="18" charset="0"/>
+                      </a:rPr>
+                      <m:t>𝑡</m:t>
+                    </m:r>
+                    <m:r>
+                      <a:rPr lang="pl-PL" b="0" i="1" smtClean="0">
+                        <a:latin typeface="Cambria Math" panose="02040503050406030204" pitchFamily="18" charset="0"/>
+                      </a:rPr>
+                      <m:t>)</m:t>
+                    </m:r>
+                  </m:oMath>
+                </a14:m>
+                <a:r>
+                  <a:rPr lang="pl-PL" dirty="0"/>
+                  <a:t> </a:t>
+                </a:r>
+                <a:r>
+                  <a:rPr lang="pl-PL" dirty="0" err="1"/>
+                  <a:t>instead</a:t>
+                </a:r>
+                <a:r>
+                  <a:rPr lang="pl-PL" dirty="0"/>
+                  <a:t> of </a:t>
+                </a:r>
+                <a14:m>
+                  <m:oMath xmlns:m="http://schemas.openxmlformats.org/officeDocument/2006/math">
+                    <m:sSub>
+                      <m:sSubPr>
+                        <m:ctrlPr>
+                          <a:rPr lang="pl-PL" i="1" smtClean="0">
+                            <a:latin typeface="Cambria Math" panose="02040503050406030204" pitchFamily="18" charset="0"/>
+                          </a:rPr>
+                        </m:ctrlPr>
+                      </m:sSubPr>
+                      <m:e>
+                        <m:r>
+                          <a:rPr lang="pl-PL" b="0" i="1" smtClean="0">
+                            <a:latin typeface="Cambria Math" panose="02040503050406030204" pitchFamily="18" charset="0"/>
+                          </a:rPr>
+                          <m:t>𝑁</m:t>
+                        </m:r>
+                      </m:e>
+                      <m:sub>
+                        <m:r>
+                          <a:rPr lang="pl-PL" b="0" i="1" smtClean="0">
+                            <a:latin typeface="Cambria Math" panose="02040503050406030204" pitchFamily="18" charset="0"/>
+                          </a:rPr>
+                          <m:t>𝑗</m:t>
+                        </m:r>
+                      </m:sub>
+                    </m:sSub>
+                    <m:r>
+                      <a:rPr lang="pl-PL" b="0" i="1" smtClean="0">
+                        <a:latin typeface="Cambria Math" panose="02040503050406030204" pitchFamily="18" charset="0"/>
+                      </a:rPr>
+                      <m:t>(</m:t>
+                    </m:r>
+                    <m:r>
+                      <a:rPr lang="pl-PL" b="0" i="1" smtClean="0">
+                        <a:latin typeface="Cambria Math" panose="02040503050406030204" pitchFamily="18" charset="0"/>
+                      </a:rPr>
+                      <m:t>𝑡</m:t>
+                    </m:r>
+                    <m:r>
+                      <a:rPr lang="pl-PL" b="0" i="1" smtClean="0">
+                        <a:latin typeface="Cambria Math" panose="02040503050406030204" pitchFamily="18" charset="0"/>
+                      </a:rPr>
+                      <m:t>)</m:t>
+                    </m:r>
+                  </m:oMath>
+                </a14:m>
+                <a:r>
+                  <a:rPr lang="pl-PL" dirty="0"/>
+                  <a:t>, to </a:t>
+                </a:r>
+                <a:r>
+                  <a:rPr lang="pl-PL" dirty="0" err="1"/>
+                  <a:t>create</a:t>
+                </a:r>
+                <a:r>
+                  <a:rPr lang="pl-PL" dirty="0"/>
+                  <a:t> a </a:t>
+                </a:r>
+                <a:r>
+                  <a:rPr lang="pl-PL" dirty="0" err="1"/>
+                  <a:t>cost-sensitive</a:t>
+                </a:r>
+                <a:r>
+                  <a:rPr lang="pl-PL" dirty="0"/>
+                  <a:t> C4.5 we </a:t>
+                </a:r>
+                <a:r>
+                  <a:rPr lang="pl-PL" dirty="0" err="1"/>
+                  <a:t>need</a:t>
+                </a:r>
+                <a:r>
+                  <a:rPr lang="pl-PL" dirty="0"/>
+                  <a:t> to </a:t>
+                </a:r>
+                <a:r>
+                  <a:rPr lang="pl-PL" dirty="0" err="1"/>
+                  <a:t>properly</a:t>
+                </a:r>
+                <a:r>
+                  <a:rPr lang="pl-PL" dirty="0"/>
+                  <a:t> </a:t>
+                </a:r>
+                <a:r>
+                  <a:rPr lang="pl-PL" dirty="0" err="1"/>
+                  <a:t>initialize</a:t>
+                </a:r>
+                <a:r>
+                  <a:rPr lang="pl-PL" dirty="0"/>
+                  <a:t> </a:t>
+                </a:r>
+                <a:r>
+                  <a:rPr lang="pl-PL" dirty="0" err="1"/>
+                  <a:t>weights</a:t>
+                </a:r>
+                <a:r>
+                  <a:rPr lang="pl-PL" dirty="0"/>
+                  <a:t> (</a:t>
+                </a:r>
+                <a:r>
+                  <a:rPr lang="pl-PL" dirty="0" err="1"/>
+                  <a:t>formula</a:t>
+                </a:r>
+                <a:r>
+                  <a:rPr lang="pl-PL" dirty="0"/>
+                  <a:t> from </a:t>
+                </a:r>
+                <a:r>
+                  <a:rPr lang="pl-PL" dirty="0" err="1"/>
+                  <a:t>previous</a:t>
+                </a:r>
+                <a:r>
+                  <a:rPr lang="pl-PL" dirty="0"/>
+                  <a:t> </a:t>
+                </a:r>
+                <a:r>
+                  <a:rPr lang="pl-PL" dirty="0" err="1"/>
+                  <a:t>slide</a:t>
+                </a:r>
+                <a:r>
+                  <a:rPr lang="pl-PL" dirty="0"/>
+                  <a:t>).</a:t>
+                </a:r>
+              </a:p>
+              <a:p>
+                <a:pPr>
+                  <a:lnSpc>
+                    <a:spcPct val="150000"/>
+                  </a:lnSpc>
+                </a:pPr>
+                <a:r>
+                  <a:rPr lang="pl-PL" dirty="0" err="1"/>
+                  <a:t>According</a:t>
+                </a:r>
+                <a:r>
+                  <a:rPr lang="pl-PL" dirty="0"/>
+                  <a:t> to </a:t>
+                </a:r>
+                <a:r>
+                  <a:rPr lang="pl-PL" dirty="0" err="1"/>
+                  <a:t>experiments</a:t>
+                </a:r>
+                <a:r>
+                  <a:rPr lang="pl-PL" dirty="0"/>
+                  <a:t> </a:t>
+                </a:r>
+                <a:r>
+                  <a:rPr lang="pl-PL" dirty="0" err="1"/>
+                  <a:t>conducted</a:t>
+                </a:r>
+                <a:r>
+                  <a:rPr lang="pl-PL" dirty="0"/>
+                  <a:t> in [</a:t>
+                </a:r>
+                <a:r>
+                  <a:rPr lang="pl-PL" dirty="0" err="1"/>
+                  <a:t>Ting</a:t>
+                </a:r>
+                <a:r>
+                  <a:rPr lang="pl-PL" dirty="0"/>
+                  <a:t> 1998], the CS C4.5 </a:t>
+                </a:r>
+                <a:r>
+                  <a:rPr lang="pl-PL" dirty="0" err="1"/>
+                  <a:t>performes</a:t>
+                </a:r>
+                <a:r>
+                  <a:rPr lang="pl-PL" dirty="0"/>
+                  <a:t> </a:t>
+                </a:r>
+                <a:r>
+                  <a:rPr lang="pl-PL" dirty="0" err="1"/>
+                  <a:t>better</a:t>
+                </a:r>
+                <a:r>
+                  <a:rPr lang="pl-PL" dirty="0"/>
+                  <a:t> </a:t>
+                </a:r>
+                <a:r>
+                  <a:rPr lang="pl-PL" dirty="0" err="1"/>
+                  <a:t>than</a:t>
+                </a:r>
+                <a:r>
+                  <a:rPr lang="pl-PL" dirty="0"/>
+                  <a:t> C4.5 for </a:t>
+                </a:r>
+                <a:r>
+                  <a:rPr lang="pl-PL" dirty="0" err="1"/>
+                  <a:t>binary</a:t>
+                </a:r>
+                <a:r>
+                  <a:rPr lang="pl-PL" dirty="0"/>
+                  <a:t> </a:t>
+                </a:r>
+                <a:r>
+                  <a:rPr lang="pl-PL" dirty="0" err="1"/>
+                  <a:t>classification</a:t>
+                </a:r>
+                <a:r>
+                  <a:rPr lang="pl-PL" dirty="0"/>
+                  <a:t>, but </a:t>
+                </a:r>
+                <a:r>
+                  <a:rPr lang="pl-PL" dirty="0" err="1"/>
+                  <a:t>comparably</a:t>
+                </a:r>
+                <a:r>
+                  <a:rPr lang="pl-PL" dirty="0"/>
+                  <a:t> in </a:t>
+                </a:r>
+                <a:r>
+                  <a:rPr lang="pl-PL" dirty="0" err="1"/>
+                  <a:t>case</a:t>
+                </a:r>
+                <a:r>
+                  <a:rPr lang="pl-PL" dirty="0"/>
+                  <a:t> of </a:t>
+                </a:r>
+                <a:r>
+                  <a:rPr lang="pl-PL" dirty="0" err="1"/>
+                  <a:t>multiple</a:t>
+                </a:r>
+                <a:r>
+                  <a:rPr lang="pl-PL" dirty="0"/>
+                  <a:t> </a:t>
+                </a:r>
+                <a:r>
+                  <a:rPr lang="pl-PL" dirty="0" err="1"/>
+                  <a:t>classes</a:t>
+                </a:r>
+                <a:r>
+                  <a:rPr lang="pl-PL" dirty="0"/>
+                  <a:t> (</a:t>
+                </a:r>
+                <a:r>
+                  <a:rPr lang="pl-PL" dirty="0" err="1"/>
+                  <a:t>due</a:t>
+                </a:r>
+                <a:r>
+                  <a:rPr lang="pl-PL" dirty="0"/>
+                  <a:t> to </a:t>
+                </a:r>
+                <a:r>
+                  <a:rPr lang="pl-PL" dirty="0" err="1"/>
+                  <a:t>problematic</a:t>
+                </a:r>
+                <a:r>
+                  <a:rPr lang="pl-PL" dirty="0"/>
+                  <a:t> </a:t>
+                </a:r>
+                <a:r>
+                  <a:rPr lang="pl-PL" dirty="0" err="1"/>
+                  <a:t>cost</a:t>
+                </a:r>
+                <a:r>
+                  <a:rPr lang="pl-PL" dirty="0"/>
+                  <a:t> matrix -&gt; </a:t>
+                </a:r>
+                <a:r>
+                  <a:rPr lang="pl-PL" dirty="0" err="1"/>
+                  <a:t>cost</a:t>
+                </a:r>
+                <a:r>
+                  <a:rPr lang="pl-PL" dirty="0"/>
+                  <a:t> </a:t>
+                </a:r>
+                <a:r>
+                  <a:rPr lang="pl-PL" dirty="0" err="1"/>
+                  <a:t>vector</a:t>
+                </a:r>
+                <a:r>
+                  <a:rPr lang="pl-PL" dirty="0"/>
+                  <a:t> </a:t>
+                </a:r>
+                <a:r>
+                  <a:rPr lang="pl-PL" dirty="0" err="1"/>
+                  <a:t>conversion</a:t>
+                </a:r>
+                <a:r>
+                  <a:rPr lang="pl-PL" dirty="0"/>
+                  <a:t>).</a:t>
+                </a:r>
+                <a:br>
+                  <a:rPr lang="pl-PL" dirty="0"/>
+                </a:br>
+                <a:br>
+                  <a:rPr lang="pl-PL" dirty="0"/>
+                </a:br>
+                <a:endParaRPr lang="pl-PL" dirty="0"/>
+              </a:p>
+              <a:p>
+                <a:pPr marL="482600" indent="-342900">
+                  <a:lnSpc>
+                    <a:spcPct val="150000"/>
+                  </a:lnSpc>
+                  <a:buFont typeface="+mj-lt"/>
+                  <a:buAutoNum type="arabicPeriod"/>
+                </a:pPr>
+                <a:endParaRPr lang="pl-PL" dirty="0"/>
+              </a:p>
+            </p:txBody>
+          </p:sp>
+        </mc:Choice>
+        <mc:Fallback xmlns="">
+          <p:sp>
+            <p:nvSpPr>
+              <p:cNvPr id="2" name="Text Placeholder 1">
+                <a:extLst>
+                  <a:ext uri="{FF2B5EF4-FFF2-40B4-BE49-F238E27FC236}">
+                    <a16:creationId xmlns:a16="http://schemas.microsoft.com/office/drawing/2014/main" id="{4C148219-67A4-6A1C-4219-69A2693902C5}"/>
+                  </a:ext>
+                </a:extLst>
+              </p:cNvPr>
+              <p:cNvSpPr>
+                <a:spLocks noGrp="1" noRot="1" noChangeAspect="1" noMove="1" noResize="1" noEditPoints="1" noAdjustHandles="1" noChangeArrowheads="1" noChangeShapeType="1" noTextEdit="1"/>
+              </p:cNvSpPr>
+              <p:nvPr>
+                <p:ph type="body" idx="1"/>
+              </p:nvPr>
+            </p:nvSpPr>
+            <p:spPr>
+              <a:xfrm>
+                <a:off x="713225" y="1525500"/>
+                <a:ext cx="7717501" cy="2092500"/>
+              </a:xfrm>
+              <a:blipFill>
+                <a:blip r:embed="rId2"/>
+                <a:stretch>
+                  <a:fillRect r="-158"/>
+                </a:stretch>
+              </a:blipFill>
+            </p:spPr>
+            <p:txBody>
+              <a:bodyPr/>
+              <a:lstStyle/>
+              <a:p>
+                <a:r>
+                  <a:rPr lang="en-GB">
+                    <a:noFill/>
+                  </a:rPr>
+                  <a:t> </a:t>
+                </a:r>
+              </a:p>
+            </p:txBody>
+          </p:sp>
+        </mc:Fallback>
+      </mc:AlternateContent>
+      <p:sp>
+        <p:nvSpPr>
+          <p:cNvPr id="3" name="Title 2">
+            <a:extLst>
+              <a:ext uri="{FF2B5EF4-FFF2-40B4-BE49-F238E27FC236}">
+                <a16:creationId xmlns:a16="http://schemas.microsoft.com/office/drawing/2014/main" id="{A8AC65F6-0871-5304-59F1-3C34ECF7B43F}"/>
+              </a:ext>
+            </a:extLst>
+          </p:cNvPr>
+          <p:cNvSpPr>
+            <a:spLocks noGrp="1"/>
+          </p:cNvSpPr>
+          <p:nvPr>
+            <p:ph type="title"/>
+          </p:nvPr>
+        </p:nvSpPr>
+        <p:spPr>
+          <a:xfrm>
+            <a:off x="585187" y="478024"/>
+            <a:ext cx="7973575" cy="549900"/>
+          </a:xfrm>
+        </p:spPr>
+        <p:txBody>
+          <a:bodyPr/>
+          <a:lstStyle/>
+          <a:p>
+            <a:r>
+              <a:rPr lang="pl-PL" dirty="0" err="1"/>
+              <a:t>Instance</a:t>
+            </a:r>
+            <a:r>
+              <a:rPr lang="pl-PL" dirty="0"/>
+              <a:t> </a:t>
+            </a:r>
+            <a:r>
+              <a:rPr lang="pl-PL" dirty="0" err="1"/>
+              <a:t>weighting</a:t>
+            </a:r>
+            <a:r>
+              <a:rPr lang="pl-PL" dirty="0"/>
+              <a:t> – </a:t>
+            </a:r>
+            <a:r>
+              <a:rPr lang="pl-PL" dirty="0" err="1"/>
+              <a:t>cost-sensitive</a:t>
+            </a:r>
+            <a:r>
+              <a:rPr lang="pl-PL" dirty="0"/>
+              <a:t> </a:t>
+            </a:r>
+            <a:r>
+              <a:rPr lang="pl-PL" dirty="0" err="1"/>
+              <a:t>trees</a:t>
+            </a:r>
+            <a:endParaRPr lang="en-GB" dirty="0"/>
+          </a:p>
+        </p:txBody>
+      </p:sp>
+    </p:spTree>
+    <p:extLst>
+      <p:ext uri="{BB962C8B-B14F-4D97-AF65-F5344CB8AC3E}">
+        <p14:creationId xmlns:p14="http://schemas.microsoft.com/office/powerpoint/2010/main" val="4168222492"/>
+      </p:ext>
+    </p:extLst>
+  </p:cSld>
+  <p:clrMapOvr>
+    <a:masterClrMapping/>
+  </p:clrMapOvr>
+</p:sld>
+</file>
+
+<file path=ppt/slides/slide21.xml><?xml version="1.0" encoding="utf-8"?>
+<p:sld xmlns:a="http://schemas.openxmlformats.org/drawingml/2006/main" xmlns:r="http://schemas.openxmlformats.org/officeDocument/2006/relationships" xmlns:p="http://schemas.openxmlformats.org/presentationml/2006/main">
+  <p:cSld>
+    <p:spTree>
+      <p:nvGrpSpPr>
         <p:cNvPr id="1" name="Shape 4780"/>
         <p:cNvGrpSpPr/>
         <p:nvPr/>
@@ -11965,7 +12481,7 @@
 </p:sld>
 </file>
 
-<file path=ppt/slides/slide21.xml><?xml version="1.0" encoding="utf-8"?>
+<file path=ppt/slides/slide22.xml><?xml version="1.0" encoding="utf-8"?>
 <p:sld xmlns:a="http://schemas.openxmlformats.org/drawingml/2006/main" xmlns:r="http://schemas.openxmlformats.org/officeDocument/2006/relationships" xmlns:p="http://schemas.openxmlformats.org/presentationml/2006/main">
   <p:cSld>
     <p:spTree>
@@ -12070,6 +12586,947 @@
             <a:r>
               <a:rPr lang="pl-PL" dirty="0" err="1"/>
               <a:t>thresholding</a:t>
+            </a:r>
+            <a:endParaRPr lang="en-GB" dirty="0"/>
+          </a:p>
+        </p:txBody>
+      </p:sp>
+      <mc:AlternateContent xmlns:mc="http://schemas.openxmlformats.org/markup-compatibility/2006" xmlns:a14="http://schemas.microsoft.com/office/drawing/2010/main">
+        <mc:Choice Requires="a14">
+          <p:sp>
+            <p:nvSpPr>
+              <p:cNvPr id="6" name="Text Placeholder 1">
+                <a:extLst>
+                  <a:ext uri="{FF2B5EF4-FFF2-40B4-BE49-F238E27FC236}">
+                    <a16:creationId xmlns:a16="http://schemas.microsoft.com/office/drawing/2014/main" id="{7392A943-EA8C-AA28-05D8-3A31DC956FB4}"/>
+                  </a:ext>
+                </a:extLst>
+              </p:cNvPr>
+              <p:cNvSpPr txBox="1">
+                <a:spLocks/>
+              </p:cNvSpPr>
+              <p:nvPr/>
+            </p:nvSpPr>
+            <p:spPr>
+              <a:xfrm>
+                <a:off x="713226" y="1407512"/>
+                <a:ext cx="7717499" cy="2592987"/>
+              </a:xfrm>
+              <a:prstGeom prst="rect">
+                <a:avLst/>
+              </a:prstGeom>
+              <a:noFill/>
+              <a:ln>
+                <a:noFill/>
+              </a:ln>
+            </p:spPr>
+            <p:txBody>
+              <a:bodyPr spcFirstLastPara="1" wrap="square" lIns="91425" tIns="91425" rIns="91425" bIns="91425" anchor="t" anchorCtr="0">
+                <a:noAutofit/>
+              </a:bodyPr>
+              <a:lstStyle>
+                <a:defPPr marR="0" lvl="0" algn="l" rtl="0">
+                  <a:lnSpc>
+                    <a:spcPct val="100000"/>
+                  </a:lnSpc>
+                  <a:spcBef>
+                    <a:spcPts val="0"/>
+                  </a:spcBef>
+                  <a:spcAft>
+                    <a:spcPts val="0"/>
+                  </a:spcAft>
+                </a:defPPr>
+                <a:lvl1pPr marL="457200" marR="0" lvl="0" indent="-317500" algn="l" rtl="0">
+                  <a:lnSpc>
+                    <a:spcPct val="115000"/>
+                  </a:lnSpc>
+                  <a:spcBef>
+                    <a:spcPts val="0"/>
+                  </a:spcBef>
+                  <a:spcAft>
+                    <a:spcPts val="0"/>
+                  </a:spcAft>
+                  <a:buClr>
+                    <a:schemeClr val="dk2"/>
+                  </a:buClr>
+                  <a:buSzPts val="1400"/>
+                  <a:buFont typeface="Red Hat Display"/>
+                  <a:buChar char="■"/>
+                  <a:defRPr sz="1400" b="0" i="0" u="none" strike="noStrike" cap="none">
+                    <a:solidFill>
+                      <a:schemeClr val="dk1"/>
+                    </a:solidFill>
+                    <a:latin typeface="Commissioner"/>
+                    <a:ea typeface="Commissioner"/>
+                    <a:cs typeface="Commissioner"/>
+                    <a:sym typeface="Commissioner"/>
+                  </a:defRPr>
+                </a:lvl1pPr>
+                <a:lvl2pPr marL="914400" marR="0" lvl="1" indent="-317500" algn="l" rtl="0">
+                  <a:lnSpc>
+                    <a:spcPct val="115000"/>
+                  </a:lnSpc>
+                  <a:spcBef>
+                    <a:spcPts val="1600"/>
+                  </a:spcBef>
+                  <a:spcAft>
+                    <a:spcPts val="0"/>
+                  </a:spcAft>
+                  <a:buClr>
+                    <a:srgbClr val="FFFFFF"/>
+                  </a:buClr>
+                  <a:buSzPts val="1400"/>
+                  <a:buFont typeface="Red Hat Display"/>
+                  <a:buChar char="○"/>
+                  <a:defRPr sz="1400" b="0" i="0" u="none" strike="noStrike" cap="none">
+                    <a:solidFill>
+                      <a:schemeClr val="dk1"/>
+                    </a:solidFill>
+                    <a:latin typeface="Commissioner"/>
+                    <a:ea typeface="Commissioner"/>
+                    <a:cs typeface="Commissioner"/>
+                    <a:sym typeface="Commissioner"/>
+                  </a:defRPr>
+                </a:lvl2pPr>
+                <a:lvl3pPr marL="1371600" marR="0" lvl="2" indent="-317500" algn="l" rtl="0">
+                  <a:lnSpc>
+                    <a:spcPct val="115000"/>
+                  </a:lnSpc>
+                  <a:spcBef>
+                    <a:spcPts val="1600"/>
+                  </a:spcBef>
+                  <a:spcAft>
+                    <a:spcPts val="0"/>
+                  </a:spcAft>
+                  <a:buClr>
+                    <a:srgbClr val="FFFFFF"/>
+                  </a:buClr>
+                  <a:buSzPts val="1400"/>
+                  <a:buFont typeface="Red Hat Display"/>
+                  <a:buChar char="■"/>
+                  <a:defRPr sz="1400" b="0" i="0" u="none" strike="noStrike" cap="none">
+                    <a:solidFill>
+                      <a:schemeClr val="dk1"/>
+                    </a:solidFill>
+                    <a:latin typeface="Commissioner"/>
+                    <a:ea typeface="Commissioner"/>
+                    <a:cs typeface="Commissioner"/>
+                    <a:sym typeface="Commissioner"/>
+                  </a:defRPr>
+                </a:lvl3pPr>
+                <a:lvl4pPr marL="1828800" marR="0" lvl="3" indent="-317500" algn="l" rtl="0">
+                  <a:lnSpc>
+                    <a:spcPct val="115000"/>
+                  </a:lnSpc>
+                  <a:spcBef>
+                    <a:spcPts val="1600"/>
+                  </a:spcBef>
+                  <a:spcAft>
+                    <a:spcPts val="0"/>
+                  </a:spcAft>
+                  <a:buClr>
+                    <a:srgbClr val="FFFFFF"/>
+                  </a:buClr>
+                  <a:buSzPts val="1400"/>
+                  <a:buFont typeface="Red Hat Display"/>
+                  <a:buChar char="●"/>
+                  <a:defRPr sz="1400" b="0" i="0" u="none" strike="noStrike" cap="none">
+                    <a:solidFill>
+                      <a:schemeClr val="dk1"/>
+                    </a:solidFill>
+                    <a:latin typeface="Commissioner"/>
+                    <a:ea typeface="Commissioner"/>
+                    <a:cs typeface="Commissioner"/>
+                    <a:sym typeface="Commissioner"/>
+                  </a:defRPr>
+                </a:lvl4pPr>
+                <a:lvl5pPr marL="2286000" marR="0" lvl="4" indent="-317500" algn="l" rtl="0">
+                  <a:lnSpc>
+                    <a:spcPct val="115000"/>
+                  </a:lnSpc>
+                  <a:spcBef>
+                    <a:spcPts val="1600"/>
+                  </a:spcBef>
+                  <a:spcAft>
+                    <a:spcPts val="0"/>
+                  </a:spcAft>
+                  <a:buClr>
+                    <a:srgbClr val="FFFFFF"/>
+                  </a:buClr>
+                  <a:buSzPts val="1400"/>
+                  <a:buFont typeface="Red Hat Display"/>
+                  <a:buChar char="○"/>
+                  <a:defRPr sz="1400" b="0" i="0" u="none" strike="noStrike" cap="none">
+                    <a:solidFill>
+                      <a:schemeClr val="dk1"/>
+                    </a:solidFill>
+                    <a:latin typeface="Commissioner"/>
+                    <a:ea typeface="Commissioner"/>
+                    <a:cs typeface="Commissioner"/>
+                    <a:sym typeface="Commissioner"/>
+                  </a:defRPr>
+                </a:lvl5pPr>
+                <a:lvl6pPr marL="2743200" marR="0" lvl="5" indent="-317500" algn="l" rtl="0">
+                  <a:lnSpc>
+                    <a:spcPct val="115000"/>
+                  </a:lnSpc>
+                  <a:spcBef>
+                    <a:spcPts val="1600"/>
+                  </a:spcBef>
+                  <a:spcAft>
+                    <a:spcPts val="0"/>
+                  </a:spcAft>
+                  <a:buClr>
+                    <a:srgbClr val="FFFFFF"/>
+                  </a:buClr>
+                  <a:buSzPts val="1400"/>
+                  <a:buFont typeface="Red Hat Display"/>
+                  <a:buChar char="■"/>
+                  <a:defRPr sz="1400" b="0" i="0" u="none" strike="noStrike" cap="none">
+                    <a:solidFill>
+                      <a:schemeClr val="dk1"/>
+                    </a:solidFill>
+                    <a:latin typeface="Commissioner"/>
+                    <a:ea typeface="Commissioner"/>
+                    <a:cs typeface="Commissioner"/>
+                    <a:sym typeface="Commissioner"/>
+                  </a:defRPr>
+                </a:lvl6pPr>
+                <a:lvl7pPr marL="3200400" marR="0" lvl="6" indent="-317500" algn="l" rtl="0">
+                  <a:lnSpc>
+                    <a:spcPct val="115000"/>
+                  </a:lnSpc>
+                  <a:spcBef>
+                    <a:spcPts val="1600"/>
+                  </a:spcBef>
+                  <a:spcAft>
+                    <a:spcPts val="0"/>
+                  </a:spcAft>
+                  <a:buClr>
+                    <a:srgbClr val="FFFFFF"/>
+                  </a:buClr>
+                  <a:buSzPts val="1400"/>
+                  <a:buFont typeface="Red Hat Display"/>
+                  <a:buChar char="●"/>
+                  <a:defRPr sz="1400" b="0" i="0" u="none" strike="noStrike" cap="none">
+                    <a:solidFill>
+                      <a:schemeClr val="dk1"/>
+                    </a:solidFill>
+                    <a:latin typeface="Commissioner"/>
+                    <a:ea typeface="Commissioner"/>
+                    <a:cs typeface="Commissioner"/>
+                    <a:sym typeface="Commissioner"/>
+                  </a:defRPr>
+                </a:lvl7pPr>
+                <a:lvl8pPr marL="3657600" marR="0" lvl="7" indent="-317500" algn="l" rtl="0">
+                  <a:lnSpc>
+                    <a:spcPct val="115000"/>
+                  </a:lnSpc>
+                  <a:spcBef>
+                    <a:spcPts val="1600"/>
+                  </a:spcBef>
+                  <a:spcAft>
+                    <a:spcPts val="0"/>
+                  </a:spcAft>
+                  <a:buClr>
+                    <a:srgbClr val="FFFFFF"/>
+                  </a:buClr>
+                  <a:buSzPts val="1400"/>
+                  <a:buFont typeface="Red Hat Display"/>
+                  <a:buChar char="○"/>
+                  <a:defRPr sz="1400" b="0" i="0" u="none" strike="noStrike" cap="none">
+                    <a:solidFill>
+                      <a:schemeClr val="dk1"/>
+                    </a:solidFill>
+                    <a:latin typeface="Commissioner"/>
+                    <a:ea typeface="Commissioner"/>
+                    <a:cs typeface="Commissioner"/>
+                    <a:sym typeface="Commissioner"/>
+                  </a:defRPr>
+                </a:lvl8pPr>
+                <a:lvl9pPr marL="4114800" marR="0" lvl="8" indent="-317500" algn="l" rtl="0">
+                  <a:lnSpc>
+                    <a:spcPct val="115000"/>
+                  </a:lnSpc>
+                  <a:spcBef>
+                    <a:spcPts val="1600"/>
+                  </a:spcBef>
+                  <a:spcAft>
+                    <a:spcPts val="1600"/>
+                  </a:spcAft>
+                  <a:buClr>
+                    <a:srgbClr val="FFFFFF"/>
+                  </a:buClr>
+                  <a:buSzPts val="1400"/>
+                  <a:buFont typeface="Red Hat Display"/>
+                  <a:buChar char="■"/>
+                  <a:defRPr sz="1400" b="0" i="0" u="none" strike="noStrike" cap="none">
+                    <a:solidFill>
+                      <a:schemeClr val="dk1"/>
+                    </a:solidFill>
+                    <a:latin typeface="Commissioner"/>
+                    <a:ea typeface="Commissioner"/>
+                    <a:cs typeface="Commissioner"/>
+                    <a:sym typeface="Commissioner"/>
+                  </a:defRPr>
+                </a:lvl9pPr>
+              </a:lstStyle>
+              <a:p>
+                <a:pPr>
+                  <a:lnSpc>
+                    <a:spcPct val="150000"/>
+                  </a:lnSpc>
+                </a:pPr>
+                <a:r>
+                  <a:rPr lang="pl-PL" dirty="0"/>
+                  <a:t>The </a:t>
+                </a:r>
+                <a:r>
+                  <a:rPr lang="pl-PL" dirty="0" err="1"/>
+                  <a:t>expected</a:t>
+                </a:r>
+                <a:r>
+                  <a:rPr lang="pl-PL" dirty="0"/>
+                  <a:t> </a:t>
+                </a:r>
+                <a:r>
+                  <a:rPr lang="pl-PL" dirty="0" err="1"/>
+                  <a:t>cost</a:t>
+                </a:r>
+                <a:r>
+                  <a:rPr lang="pl-PL" dirty="0"/>
+                  <a:t> of </a:t>
+                </a:r>
+                <a:r>
+                  <a:rPr lang="pl-PL" dirty="0" err="1"/>
+                  <a:t>classifying</a:t>
+                </a:r>
+                <a:r>
+                  <a:rPr lang="pl-PL" dirty="0"/>
+                  <a:t> </a:t>
+                </a:r>
+                <a:r>
+                  <a:rPr lang="pl-PL" dirty="0" err="1"/>
+                  <a:t>an</a:t>
+                </a:r>
+                <a:r>
+                  <a:rPr lang="pl-PL" dirty="0"/>
+                  <a:t> </a:t>
+                </a:r>
+                <a:r>
+                  <a:rPr lang="pl-PL" dirty="0" err="1"/>
+                  <a:t>instance</a:t>
+                </a:r>
+                <a:r>
+                  <a:rPr lang="pl-PL" dirty="0"/>
+                  <a:t> x </a:t>
+                </a:r>
+                <a:r>
+                  <a:rPr lang="pl-PL" dirty="0" err="1"/>
+                  <a:t>into</a:t>
+                </a:r>
+                <a:r>
+                  <a:rPr lang="pl-PL" dirty="0"/>
+                  <a:t> </a:t>
+                </a:r>
+                <a:r>
+                  <a:rPr lang="pl-PL" dirty="0" err="1"/>
+                  <a:t>class</a:t>
+                </a:r>
+                <a:r>
+                  <a:rPr lang="pl-PL" dirty="0"/>
+                  <a:t> j:</a:t>
+                </a:r>
+              </a:p>
+              <a:p>
+                <a:pPr marL="139700" indent="0">
+                  <a:lnSpc>
+                    <a:spcPct val="150000"/>
+                  </a:lnSpc>
+                  <a:buNone/>
+                </a:pPr>
+                <a:r>
+                  <a:rPr lang="pl-PL" dirty="0"/>
+                  <a:t>	</a:t>
+                </a:r>
+                <a14:m>
+                  <m:oMath xmlns:m="http://schemas.openxmlformats.org/officeDocument/2006/math">
+                    <m:r>
+                      <a:rPr lang="pl-PL" b="0" i="1" smtClean="0">
+                        <a:latin typeface="Cambria Math" panose="02040503050406030204" pitchFamily="18" charset="0"/>
+                      </a:rPr>
+                      <m:t>𝑅</m:t>
+                    </m:r>
+                    <m:d>
+                      <m:dPr>
+                        <m:ctrlPr>
+                          <a:rPr lang="pl-PL" b="0" i="1" smtClean="0">
+                            <a:latin typeface="Cambria Math" panose="02040503050406030204" pitchFamily="18" charset="0"/>
+                          </a:rPr>
+                        </m:ctrlPr>
+                      </m:dPr>
+                      <m:e>
+                        <m:r>
+                          <a:rPr lang="pl-PL" b="0" i="1" smtClean="0">
+                            <a:latin typeface="Cambria Math" panose="02040503050406030204" pitchFamily="18" charset="0"/>
+                          </a:rPr>
+                          <m:t>𝑖</m:t>
+                        </m:r>
+                      </m:e>
+                      <m:e>
+                        <m:r>
+                          <a:rPr lang="pl-PL" b="0" i="1" smtClean="0">
+                            <a:latin typeface="Cambria Math" panose="02040503050406030204" pitchFamily="18" charset="0"/>
+                          </a:rPr>
+                          <m:t>𝑥</m:t>
+                        </m:r>
+                      </m:e>
+                    </m:d>
+                    <m:r>
+                      <a:rPr lang="pl-PL" b="0" i="1" smtClean="0">
+                        <a:latin typeface="Cambria Math" panose="02040503050406030204" pitchFamily="18" charset="0"/>
+                      </a:rPr>
+                      <m:t>=</m:t>
+                    </m:r>
+                    <m:nary>
+                      <m:naryPr>
+                        <m:chr m:val="∑"/>
+                        <m:supHide m:val="on"/>
+                        <m:ctrlPr>
+                          <a:rPr lang="pl-PL" b="0" i="1" smtClean="0">
+                            <a:latin typeface="Cambria Math" panose="02040503050406030204" pitchFamily="18" charset="0"/>
+                          </a:rPr>
+                        </m:ctrlPr>
+                      </m:naryPr>
+                      <m:sub>
+                        <m:r>
+                          <m:rPr>
+                            <m:brk m:alnAt="7"/>
+                          </m:rPr>
+                          <a:rPr lang="pl-PL" b="0" i="1" smtClean="0">
+                            <a:latin typeface="Cambria Math" panose="02040503050406030204" pitchFamily="18" charset="0"/>
+                          </a:rPr>
+                          <m:t>𝑗</m:t>
+                        </m:r>
+                      </m:sub>
+                      <m:sup/>
+                      <m:e>
+                        <m:r>
+                          <a:rPr lang="pl-PL" b="0" i="1" smtClean="0">
+                            <a:latin typeface="Cambria Math" panose="02040503050406030204" pitchFamily="18" charset="0"/>
+                          </a:rPr>
+                          <m:t>𝑃</m:t>
+                        </m:r>
+                        <m:d>
+                          <m:dPr>
+                            <m:ctrlPr>
+                              <a:rPr lang="pl-PL" b="0" i="1" smtClean="0">
+                                <a:latin typeface="Cambria Math" panose="02040503050406030204" pitchFamily="18" charset="0"/>
+                              </a:rPr>
+                            </m:ctrlPr>
+                          </m:dPr>
+                          <m:e>
+                            <m:r>
+                              <a:rPr lang="pl-PL" b="0" i="1" smtClean="0">
+                                <a:latin typeface="Cambria Math" panose="02040503050406030204" pitchFamily="18" charset="0"/>
+                              </a:rPr>
+                              <m:t>𝑗</m:t>
+                            </m:r>
+                          </m:e>
+                          <m:e>
+                            <m:r>
+                              <a:rPr lang="pl-PL" b="0" i="1" smtClean="0">
+                                <a:latin typeface="Cambria Math" panose="02040503050406030204" pitchFamily="18" charset="0"/>
+                              </a:rPr>
+                              <m:t>𝑥</m:t>
+                            </m:r>
+                          </m:e>
+                        </m:d>
+                        <m:r>
+                          <a:rPr lang="pl-PL" b="0" i="1" smtClean="0">
+                            <a:latin typeface="Cambria Math" panose="02040503050406030204" pitchFamily="18" charset="0"/>
+                          </a:rPr>
+                          <m:t>𝐶</m:t>
+                        </m:r>
+                        <m:r>
+                          <a:rPr lang="pl-PL" b="0" i="1" smtClean="0">
+                            <a:latin typeface="Cambria Math" panose="02040503050406030204" pitchFamily="18" charset="0"/>
+                          </a:rPr>
+                          <m:t>(</m:t>
+                        </m:r>
+                        <m:r>
+                          <a:rPr lang="pl-PL" b="0" i="1" smtClean="0">
+                            <a:latin typeface="Cambria Math" panose="02040503050406030204" pitchFamily="18" charset="0"/>
+                          </a:rPr>
+                          <m:t>𝑖</m:t>
+                        </m:r>
+                        <m:r>
+                          <a:rPr lang="pl-PL" b="0" i="1" smtClean="0">
+                            <a:latin typeface="Cambria Math" panose="02040503050406030204" pitchFamily="18" charset="0"/>
+                          </a:rPr>
+                          <m:t>, </m:t>
+                        </m:r>
+                        <m:r>
+                          <a:rPr lang="pl-PL" b="0" i="1" smtClean="0">
+                            <a:latin typeface="Cambria Math" panose="02040503050406030204" pitchFamily="18" charset="0"/>
+                          </a:rPr>
+                          <m:t>𝑗</m:t>
+                        </m:r>
+                        <m:r>
+                          <a:rPr lang="pl-PL" b="0" i="1" smtClean="0">
+                            <a:latin typeface="Cambria Math" panose="02040503050406030204" pitchFamily="18" charset="0"/>
+                          </a:rPr>
+                          <m:t>)</m:t>
+                        </m:r>
+                      </m:e>
+                    </m:nary>
+                  </m:oMath>
+                </a14:m>
+                <a:endParaRPr lang="pl-PL" b="0" dirty="0"/>
+              </a:p>
+              <a:p>
+                <a:pPr>
+                  <a:lnSpc>
+                    <a:spcPct val="150000"/>
+                  </a:lnSpc>
+                </a:pPr>
+                <a:r>
+                  <a:rPr lang="pl-PL" dirty="0"/>
+                  <a:t>In </a:t>
+                </a:r>
+                <a:r>
+                  <a:rPr lang="pl-PL" dirty="0" err="1"/>
+                  <a:t>binary</a:t>
+                </a:r>
+                <a:r>
+                  <a:rPr lang="pl-PL" dirty="0"/>
+                  <a:t> </a:t>
+                </a:r>
+                <a:r>
+                  <a:rPr lang="pl-PL" dirty="0" err="1"/>
+                  <a:t>case</a:t>
+                </a:r>
+                <a:r>
+                  <a:rPr lang="pl-PL" dirty="0"/>
+                  <a:t> the </a:t>
+                </a:r>
+                <a:r>
+                  <a:rPr lang="pl-PL" dirty="0" err="1"/>
+                  <a:t>threshold</a:t>
+                </a:r>
+                <a:r>
+                  <a:rPr lang="pl-PL" dirty="0"/>
+                  <a:t> </a:t>
+                </a:r>
+                <a14:m>
+                  <m:oMath xmlns:m="http://schemas.openxmlformats.org/officeDocument/2006/math">
+                    <m:sSup>
+                      <m:sSupPr>
+                        <m:ctrlPr>
+                          <a:rPr lang="pl-PL" b="0" i="1" smtClean="0">
+                            <a:latin typeface="Cambria Math" panose="02040503050406030204" pitchFamily="18" charset="0"/>
+                          </a:rPr>
+                        </m:ctrlPr>
+                      </m:sSupPr>
+                      <m:e>
+                        <m:r>
+                          <a:rPr lang="pl-PL" b="0" i="1" smtClean="0">
+                            <a:latin typeface="Cambria Math" panose="02040503050406030204" pitchFamily="18" charset="0"/>
+                          </a:rPr>
+                          <m:t>𝑝</m:t>
+                        </m:r>
+                      </m:e>
+                      <m:sup>
+                        <m:r>
+                          <a:rPr lang="pl-PL" b="0" i="1" smtClean="0">
+                            <a:latin typeface="Cambria Math" panose="02040503050406030204" pitchFamily="18" charset="0"/>
+                          </a:rPr>
+                          <m:t>∗</m:t>
+                        </m:r>
+                      </m:sup>
+                    </m:sSup>
+                  </m:oMath>
+                </a14:m>
+                <a:r>
+                  <a:rPr lang="pl-PL" dirty="0" err="1"/>
+                  <a:t>obtained</a:t>
+                </a:r>
+                <a:r>
+                  <a:rPr lang="pl-PL" dirty="0"/>
+                  <a:t> from </a:t>
+                </a:r>
+                <a:r>
+                  <a:rPr lang="pl-PL" dirty="0" err="1"/>
+                  <a:t>cost</a:t>
+                </a:r>
+                <a:r>
+                  <a:rPr lang="pl-PL" dirty="0"/>
+                  <a:t> matrix:</a:t>
+                </a:r>
+                <a:endParaRPr lang="pl-PL" b="0" dirty="0">
+                  <a:ea typeface="Cambria Math" panose="02040503050406030204" pitchFamily="18" charset="0"/>
+                </a:endParaRPr>
+              </a:p>
+              <a:p>
+                <a:pPr marL="139700" indent="0">
+                  <a:lnSpc>
+                    <a:spcPct val="150000"/>
+                  </a:lnSpc>
+                  <a:buNone/>
+                </a:pPr>
+                <a:r>
+                  <a:rPr lang="pl-PL" dirty="0">
+                    <a:ea typeface="Cambria Math" panose="02040503050406030204" pitchFamily="18" charset="0"/>
+                  </a:rPr>
+                  <a:t>	</a:t>
+                </a:r>
+                <a:r>
+                  <a:rPr lang="pl-PL" b="0" dirty="0">
+                    <a:ea typeface="Cambria Math" panose="02040503050406030204" pitchFamily="18" charset="0"/>
+                  </a:rPr>
+                  <a:t> </a:t>
+                </a:r>
+                <a14:m>
+                  <m:oMath xmlns:m="http://schemas.openxmlformats.org/officeDocument/2006/math">
+                    <m:sSup>
+                      <m:sSupPr>
+                        <m:ctrlPr>
+                          <a:rPr lang="pl-PL" b="0" i="1" smtClean="0">
+                            <a:latin typeface="Cambria Math" panose="02040503050406030204" pitchFamily="18" charset="0"/>
+                            <a:ea typeface="Cambria Math" panose="02040503050406030204" pitchFamily="18" charset="0"/>
+                          </a:rPr>
+                        </m:ctrlPr>
+                      </m:sSupPr>
+                      <m:e>
+                        <m:r>
+                          <a:rPr lang="pl-PL" b="0" i="1" smtClean="0">
+                            <a:latin typeface="Cambria Math" panose="02040503050406030204" pitchFamily="18" charset="0"/>
+                            <a:ea typeface="Cambria Math" panose="02040503050406030204" pitchFamily="18" charset="0"/>
+                          </a:rPr>
+                          <m:t>𝑝</m:t>
+                        </m:r>
+                      </m:e>
+                      <m:sup>
+                        <m:r>
+                          <a:rPr lang="pl-PL" b="0" i="1" smtClean="0">
+                            <a:latin typeface="Cambria Math" panose="02040503050406030204" pitchFamily="18" charset="0"/>
+                            <a:ea typeface="Cambria Math" panose="02040503050406030204" pitchFamily="18" charset="0"/>
+                          </a:rPr>
+                          <m:t>∗</m:t>
+                        </m:r>
+                      </m:sup>
+                    </m:sSup>
+                    <m:r>
+                      <a:rPr lang="pl-PL" b="0" i="1" smtClean="0">
+                        <a:latin typeface="Cambria Math" panose="02040503050406030204" pitchFamily="18" charset="0"/>
+                        <a:ea typeface="Cambria Math" panose="02040503050406030204" pitchFamily="18" charset="0"/>
+                      </a:rPr>
+                      <m:t>= </m:t>
+                    </m:r>
+                    <m:f>
+                      <m:fPr>
+                        <m:ctrlPr>
+                          <a:rPr lang="pl-PL" b="0" i="1" smtClean="0">
+                            <a:latin typeface="Cambria Math" panose="02040503050406030204" pitchFamily="18" charset="0"/>
+                            <a:ea typeface="Cambria Math" panose="02040503050406030204" pitchFamily="18" charset="0"/>
+                          </a:rPr>
+                        </m:ctrlPr>
+                      </m:fPr>
+                      <m:num>
+                        <m:r>
+                          <a:rPr lang="pl-PL" b="0" i="1" smtClean="0">
+                            <a:latin typeface="Cambria Math" panose="02040503050406030204" pitchFamily="18" charset="0"/>
+                            <a:ea typeface="Cambria Math" panose="02040503050406030204" pitchFamily="18" charset="0"/>
+                          </a:rPr>
+                          <m:t>𝐶</m:t>
+                        </m:r>
+                        <m:r>
+                          <a:rPr lang="pl-PL" b="0" i="1" smtClean="0">
+                            <a:latin typeface="Cambria Math" panose="02040503050406030204" pitchFamily="18" charset="0"/>
+                            <a:ea typeface="Cambria Math" panose="02040503050406030204" pitchFamily="18" charset="0"/>
+                          </a:rPr>
+                          <m:t>(1, 0)</m:t>
+                        </m:r>
+                      </m:num>
+                      <m:den>
+                        <m:r>
+                          <a:rPr lang="pl-PL" b="0" i="1" smtClean="0">
+                            <a:latin typeface="Cambria Math" panose="02040503050406030204" pitchFamily="18" charset="0"/>
+                            <a:ea typeface="Cambria Math" panose="02040503050406030204" pitchFamily="18" charset="0"/>
+                          </a:rPr>
+                          <m:t>𝐶</m:t>
+                        </m:r>
+                        <m:d>
+                          <m:dPr>
+                            <m:ctrlPr>
+                              <a:rPr lang="pl-PL" b="0" i="1" smtClean="0">
+                                <a:latin typeface="Cambria Math" panose="02040503050406030204" pitchFamily="18" charset="0"/>
+                                <a:ea typeface="Cambria Math" panose="02040503050406030204" pitchFamily="18" charset="0"/>
+                              </a:rPr>
+                            </m:ctrlPr>
+                          </m:dPr>
+                          <m:e>
+                            <m:r>
+                              <a:rPr lang="pl-PL" b="0" i="1" smtClean="0">
+                                <a:latin typeface="Cambria Math" panose="02040503050406030204" pitchFamily="18" charset="0"/>
+                                <a:ea typeface="Cambria Math" panose="02040503050406030204" pitchFamily="18" charset="0"/>
+                              </a:rPr>
+                              <m:t>1, 0</m:t>
+                            </m:r>
+                          </m:e>
+                        </m:d>
+                        <m:r>
+                          <a:rPr lang="pl-PL" b="0" i="1" smtClean="0">
+                            <a:latin typeface="Cambria Math" panose="02040503050406030204" pitchFamily="18" charset="0"/>
+                            <a:ea typeface="Cambria Math" panose="02040503050406030204" pitchFamily="18" charset="0"/>
+                          </a:rPr>
+                          <m:t>+</m:t>
+                        </m:r>
+                        <m:r>
+                          <a:rPr lang="pl-PL" b="0" i="1" smtClean="0">
+                            <a:latin typeface="Cambria Math" panose="02040503050406030204" pitchFamily="18" charset="0"/>
+                            <a:ea typeface="Cambria Math" panose="02040503050406030204" pitchFamily="18" charset="0"/>
+                          </a:rPr>
+                          <m:t>𝐶</m:t>
+                        </m:r>
+                        <m:r>
+                          <a:rPr lang="pl-PL" b="0" i="1" smtClean="0">
+                            <a:latin typeface="Cambria Math" panose="02040503050406030204" pitchFamily="18" charset="0"/>
+                            <a:ea typeface="Cambria Math" panose="02040503050406030204" pitchFamily="18" charset="0"/>
+                          </a:rPr>
+                          <m:t>(0, 1)</m:t>
+                        </m:r>
+                      </m:den>
+                    </m:f>
+                    <m:r>
+                      <a:rPr lang="pl-PL" b="0" i="1" smtClean="0">
+                        <a:latin typeface="Cambria Math" panose="02040503050406030204" pitchFamily="18" charset="0"/>
+                        <a:ea typeface="Cambria Math" panose="02040503050406030204" pitchFamily="18" charset="0"/>
+                      </a:rPr>
+                      <m:t>=</m:t>
+                    </m:r>
+                    <m:f>
+                      <m:fPr>
+                        <m:ctrlPr>
+                          <a:rPr lang="pl-PL" b="0" i="1" smtClean="0">
+                            <a:latin typeface="Cambria Math" panose="02040503050406030204" pitchFamily="18" charset="0"/>
+                            <a:ea typeface="Cambria Math" panose="02040503050406030204" pitchFamily="18" charset="0"/>
+                          </a:rPr>
+                        </m:ctrlPr>
+                      </m:fPr>
+                      <m:num>
+                        <m:r>
+                          <a:rPr lang="pl-PL" b="0" i="1" smtClean="0">
+                            <a:latin typeface="Cambria Math" panose="02040503050406030204" pitchFamily="18" charset="0"/>
+                            <a:ea typeface="Cambria Math" panose="02040503050406030204" pitchFamily="18" charset="0"/>
+                          </a:rPr>
+                          <m:t>𝐹𝑃</m:t>
+                        </m:r>
+                      </m:num>
+                      <m:den>
+                        <m:r>
+                          <a:rPr lang="pl-PL" b="0" i="1" smtClean="0">
+                            <a:latin typeface="Cambria Math" panose="02040503050406030204" pitchFamily="18" charset="0"/>
+                            <a:ea typeface="Cambria Math" panose="02040503050406030204" pitchFamily="18" charset="0"/>
+                          </a:rPr>
+                          <m:t>𝐹𝑃</m:t>
+                        </m:r>
+                        <m:r>
+                          <a:rPr lang="pl-PL" b="0" i="1" smtClean="0">
+                            <a:latin typeface="Cambria Math" panose="02040503050406030204" pitchFamily="18" charset="0"/>
+                            <a:ea typeface="Cambria Math" panose="02040503050406030204" pitchFamily="18" charset="0"/>
+                          </a:rPr>
+                          <m:t>+</m:t>
+                        </m:r>
+                        <m:r>
+                          <a:rPr lang="pl-PL" b="0" i="1" smtClean="0">
+                            <a:latin typeface="Cambria Math" panose="02040503050406030204" pitchFamily="18" charset="0"/>
+                            <a:ea typeface="Cambria Math" panose="02040503050406030204" pitchFamily="18" charset="0"/>
+                          </a:rPr>
+                          <m:t>𝐹𝑁</m:t>
+                        </m:r>
+                      </m:den>
+                    </m:f>
+                    <m:r>
+                      <a:rPr lang="pl-PL" b="0" i="1" smtClean="0">
+                        <a:latin typeface="Cambria Math" panose="02040503050406030204" pitchFamily="18" charset="0"/>
+                        <a:ea typeface="Cambria Math" panose="02040503050406030204" pitchFamily="18" charset="0"/>
+                      </a:rPr>
+                      <m:t> .</m:t>
+                    </m:r>
+                  </m:oMath>
+                </a14:m>
+                <a:r>
+                  <a:rPr lang="pl-PL" b="0" dirty="0"/>
+                  <a:t> </a:t>
+                </a:r>
+              </a:p>
+              <a:p>
+                <a:pPr marL="139700" indent="0">
+                  <a:lnSpc>
+                    <a:spcPct val="150000"/>
+                  </a:lnSpc>
+                  <a:buNone/>
+                </a:pPr>
+                <a:endParaRPr lang="en-GB" dirty="0"/>
+              </a:p>
+            </p:txBody>
+          </p:sp>
+        </mc:Choice>
+        <mc:Fallback xmlns="">
+          <p:sp>
+            <p:nvSpPr>
+              <p:cNvPr id="6" name="Text Placeholder 1">
+                <a:extLst>
+                  <a:ext uri="{FF2B5EF4-FFF2-40B4-BE49-F238E27FC236}">
+                    <a16:creationId xmlns:a16="http://schemas.microsoft.com/office/drawing/2014/main" id="{7392A943-EA8C-AA28-05D8-3A31DC956FB4}"/>
+                  </a:ext>
+                </a:extLst>
+              </p:cNvPr>
+              <p:cNvSpPr txBox="1">
+                <a:spLocks noRot="1" noChangeAspect="1" noMove="1" noResize="1" noEditPoints="1" noAdjustHandles="1" noChangeArrowheads="1" noChangeShapeType="1" noTextEdit="1"/>
+              </p:cNvSpPr>
+              <p:nvPr/>
+            </p:nvSpPr>
+            <p:spPr>
+              <a:xfrm>
+                <a:off x="713226" y="1407512"/>
+                <a:ext cx="7717499" cy="2592987"/>
+              </a:xfrm>
+              <a:prstGeom prst="rect">
+                <a:avLst/>
+              </a:prstGeom>
+              <a:blipFill>
+                <a:blip r:embed="rId2"/>
+                <a:stretch>
+                  <a:fillRect/>
+                </a:stretch>
+              </a:blipFill>
+              <a:ln>
+                <a:noFill/>
+              </a:ln>
+            </p:spPr>
+            <p:txBody>
+              <a:bodyPr/>
+              <a:lstStyle/>
+              <a:p>
+                <a:r>
+                  <a:rPr lang="pl-PL">
+                    <a:noFill/>
+                  </a:rPr>
+                  <a:t> </a:t>
+                </a:r>
+              </a:p>
+            </p:txBody>
+          </p:sp>
+        </mc:Fallback>
+      </mc:AlternateContent>
+    </p:spTree>
+    <p:extLst>
+      <p:ext uri="{BB962C8B-B14F-4D97-AF65-F5344CB8AC3E}">
+        <p14:creationId xmlns:p14="http://schemas.microsoft.com/office/powerpoint/2010/main" val="2008094664"/>
+      </p:ext>
+    </p:extLst>
+  </p:cSld>
+  <p:clrMapOvr>
+    <a:masterClrMapping/>
+  </p:clrMapOvr>
+</p:sld>
+</file>
+
+<file path=ppt/slides/slide23.xml><?xml version="1.0" encoding="utf-8"?>
+<p:sld xmlns:a="http://schemas.openxmlformats.org/drawingml/2006/main" xmlns:r="http://schemas.openxmlformats.org/officeDocument/2006/relationships" xmlns:p="http://schemas.openxmlformats.org/presentationml/2006/main">
+  <p:cSld>
+    <p:spTree>
+      <p:nvGrpSpPr>
+        <p:cNvPr id="1" name=""/>
+        <p:cNvGrpSpPr/>
+        <p:nvPr/>
+      </p:nvGrpSpPr>
+      <p:grpSpPr>
+        <a:xfrm>
+          <a:off x="0" y="0"/>
+          <a:ext cx="0" cy="0"/>
+          <a:chOff x="0" y="0"/>
+          <a:chExt cx="0" cy="0"/>
+        </a:xfrm>
+      </p:grpSpPr>
+      <p:sp>
+        <p:nvSpPr>
+          <p:cNvPr id="2" name="Text Placeholder 1">
+            <a:extLst>
+              <a:ext uri="{FF2B5EF4-FFF2-40B4-BE49-F238E27FC236}">
+                <a16:creationId xmlns:a16="http://schemas.microsoft.com/office/drawing/2014/main" id="{4C148219-67A4-6A1C-4219-69A2693902C5}"/>
+              </a:ext>
+            </a:extLst>
+          </p:cNvPr>
+          <p:cNvSpPr>
+            <a:spLocks noGrp="1"/>
+          </p:cNvSpPr>
+          <p:nvPr>
+            <p:ph type="body" idx="1"/>
+          </p:nvPr>
+        </p:nvSpPr>
+        <p:spPr>
+          <a:xfrm>
+            <a:off x="713225" y="1525500"/>
+            <a:ext cx="7717501" cy="2092500"/>
+          </a:xfrm>
+        </p:spPr>
+        <p:txBody>
+          <a:bodyPr/>
+          <a:lstStyle/>
+          <a:p>
+            <a:pPr marL="139700" indent="0">
+              <a:lnSpc>
+                <a:spcPct val="150000"/>
+              </a:lnSpc>
+              <a:buNone/>
+            </a:pPr>
+            <a:br>
+              <a:rPr lang="pl-PL" dirty="0"/>
+            </a:br>
+            <a:br>
+              <a:rPr lang="pl-PL" dirty="0"/>
+            </a:br>
+            <a:endParaRPr lang="pl-PL" dirty="0"/>
+          </a:p>
+          <a:p>
+            <a:pPr marL="482600" indent="-342900">
+              <a:lnSpc>
+                <a:spcPct val="150000"/>
+              </a:lnSpc>
+              <a:buFont typeface="+mj-lt"/>
+              <a:buAutoNum type="arabicPeriod"/>
+            </a:pPr>
+            <a:endParaRPr lang="pl-PL" dirty="0"/>
+          </a:p>
+        </p:txBody>
+      </p:sp>
+      <p:sp>
+        <p:nvSpPr>
+          <p:cNvPr id="3" name="Title 2">
+            <a:extLst>
+              <a:ext uri="{FF2B5EF4-FFF2-40B4-BE49-F238E27FC236}">
+                <a16:creationId xmlns:a16="http://schemas.microsoft.com/office/drawing/2014/main" id="{A8AC65F6-0871-5304-59F1-3C34ECF7B43F}"/>
+              </a:ext>
+            </a:extLst>
+          </p:cNvPr>
+          <p:cNvSpPr>
+            <a:spLocks noGrp="1"/>
+          </p:cNvSpPr>
+          <p:nvPr>
+            <p:ph type="title"/>
+          </p:nvPr>
+        </p:nvSpPr>
+        <p:spPr/>
+        <p:txBody>
+          <a:bodyPr/>
+          <a:lstStyle/>
+          <a:p>
+            <a:r>
+              <a:rPr lang="pl-PL" dirty="0" err="1"/>
+              <a:t>MetaCost</a:t>
             </a:r>
             <a:endParaRPr lang="en-GB" dirty="0"/>
           </a:p>
@@ -12367,7 +13824,7 @@
                 </a:r>
                 <a:r>
                   <a:rPr lang="pl-PL" dirty="0" err="1"/>
-                  <a:t>expected</a:t>
+                  <a:t>algorithm</a:t>
                 </a:r>
                 <a:r>
                   <a:rPr lang="pl-PL" dirty="0"/>
@@ -12375,15 +13832,15 @@
                 </a:r>
                 <a:r>
                   <a:rPr lang="pl-PL" dirty="0" err="1"/>
-                  <a:t>cost</a:t>
-                </a:r>
-                <a:r>
-                  <a:rPr lang="pl-PL" dirty="0"/>
-                  <a:t> of </a:t>
+                  <a:t>first</a:t>
+                </a:r>
+                <a:r>
+                  <a:rPr lang="pl-PL" dirty="0"/>
+                  <a:t> </a:t>
                 </a:r>
                 <a:r>
                   <a:rPr lang="pl-PL" dirty="0" err="1"/>
-                  <a:t>classifying</a:t>
+                  <a:t>uses</a:t>
                 </a:r>
                 <a:r>
                   <a:rPr lang="pl-PL" dirty="0"/>
@@ -12391,7 +13848,15 @@
                 </a:r>
                 <a:r>
                   <a:rPr lang="pl-PL" dirty="0" err="1"/>
-                  <a:t>an</a:t>
+                  <a:t>bagging</a:t>
+                </a:r>
+                <a:r>
+                  <a:rPr lang="pl-PL" dirty="0"/>
+                  <a:t> on </a:t>
+                </a:r>
+                <a:r>
+                  <a:rPr lang="pl-PL" dirty="0" err="1"/>
+                  <a:t>decision</a:t>
                 </a:r>
                 <a:r>
                   <a:rPr lang="pl-PL" dirty="0"/>
@@ -12399,15 +13864,15 @@
                 </a:r>
                 <a:r>
                   <a:rPr lang="pl-PL" dirty="0" err="1"/>
-                  <a:t>instance</a:t>
-                </a:r>
-                <a:r>
-                  <a:rPr lang="pl-PL" dirty="0"/>
-                  <a:t> x </a:t>
+                  <a:t>trees</a:t>
+                </a:r>
+                <a:r>
+                  <a:rPr lang="pl-PL" dirty="0"/>
+                  <a:t> to </a:t>
                 </a:r>
                 <a:r>
                   <a:rPr lang="pl-PL" dirty="0" err="1"/>
-                  <a:t>into</a:t>
+                  <a:t>obtain</a:t>
                 </a:r>
                 <a:r>
                   <a:rPr lang="pl-PL" dirty="0"/>
@@ -12415,158 +13880,44 @@
                 </a:r>
                 <a:r>
                   <a:rPr lang="pl-PL" dirty="0" err="1"/>
-                  <a:t>class</a:t>
-                </a:r>
-                <a:r>
-                  <a:rPr lang="pl-PL" dirty="0"/>
-                  <a:t> j:</a:t>
-                </a:r>
-              </a:p>
-              <a:p>
-                <a:pPr marL="139700" indent="0">
-                  <a:lnSpc>
-                    <a:spcPct val="150000"/>
-                  </a:lnSpc>
-                  <a:buNone/>
-                </a:pPr>
-                <a:r>
-                  <a:rPr lang="pl-PL" dirty="0"/>
-                  <a:t>	</a:t>
-                </a:r>
-                <a14:m>
-                  <m:oMath xmlns:m="http://schemas.openxmlformats.org/officeDocument/2006/math">
-                    <m:r>
-                      <a:rPr lang="pl-PL" b="0" i="1" smtClean="0">
-                        <a:latin typeface="Cambria Math" panose="02040503050406030204" pitchFamily="18" charset="0"/>
-                      </a:rPr>
-                      <m:t>𝑅</m:t>
-                    </m:r>
-                    <m:d>
-                      <m:dPr>
-                        <m:ctrlPr>
-                          <a:rPr lang="pl-PL" b="0" i="1" smtClean="0">
-                            <a:latin typeface="Cambria Math" panose="02040503050406030204" pitchFamily="18" charset="0"/>
-                          </a:rPr>
-                        </m:ctrlPr>
-                      </m:dPr>
-                      <m:e>
-                        <m:r>
-                          <a:rPr lang="pl-PL" b="0" i="1" smtClean="0">
-                            <a:latin typeface="Cambria Math" panose="02040503050406030204" pitchFamily="18" charset="0"/>
-                          </a:rPr>
-                          <m:t>𝑖</m:t>
-                        </m:r>
-                      </m:e>
-                      <m:e>
-                        <m:r>
-                          <a:rPr lang="pl-PL" b="0" i="1" smtClean="0">
-                            <a:latin typeface="Cambria Math" panose="02040503050406030204" pitchFamily="18" charset="0"/>
-                          </a:rPr>
-                          <m:t>𝑥</m:t>
-                        </m:r>
-                      </m:e>
-                    </m:d>
-                    <m:r>
-                      <a:rPr lang="pl-PL" b="0" i="1" smtClean="0">
-                        <a:latin typeface="Cambria Math" panose="02040503050406030204" pitchFamily="18" charset="0"/>
-                      </a:rPr>
-                      <m:t>=</m:t>
-                    </m:r>
-                    <m:nary>
-                      <m:naryPr>
-                        <m:chr m:val="∑"/>
-                        <m:supHide m:val="on"/>
-                        <m:ctrlPr>
-                          <a:rPr lang="pl-PL" b="0" i="1" smtClean="0">
-                            <a:latin typeface="Cambria Math" panose="02040503050406030204" pitchFamily="18" charset="0"/>
-                          </a:rPr>
-                        </m:ctrlPr>
-                      </m:naryPr>
-                      <m:sub>
-                        <m:r>
-                          <m:rPr>
-                            <m:brk m:alnAt="7"/>
-                          </m:rPr>
-                          <a:rPr lang="pl-PL" b="0" i="1" smtClean="0">
-                            <a:latin typeface="Cambria Math" panose="02040503050406030204" pitchFamily="18" charset="0"/>
-                          </a:rPr>
-                          <m:t>𝑗</m:t>
-                        </m:r>
-                      </m:sub>
-                      <m:sup/>
-                      <m:e>
-                        <m:r>
-                          <a:rPr lang="pl-PL" b="0" i="1" smtClean="0">
-                            <a:latin typeface="Cambria Math" panose="02040503050406030204" pitchFamily="18" charset="0"/>
-                          </a:rPr>
-                          <m:t>𝑃</m:t>
-                        </m:r>
-                        <m:d>
-                          <m:dPr>
-                            <m:ctrlPr>
-                              <a:rPr lang="pl-PL" b="0" i="1" smtClean="0">
-                                <a:latin typeface="Cambria Math" panose="02040503050406030204" pitchFamily="18" charset="0"/>
-                              </a:rPr>
-                            </m:ctrlPr>
-                          </m:dPr>
-                          <m:e>
-                            <m:r>
-                              <a:rPr lang="pl-PL" b="0" i="1" smtClean="0">
-                                <a:latin typeface="Cambria Math" panose="02040503050406030204" pitchFamily="18" charset="0"/>
-                              </a:rPr>
-                              <m:t>𝑗</m:t>
-                            </m:r>
-                          </m:e>
-                          <m:e>
-                            <m:r>
-                              <a:rPr lang="pl-PL" b="0" i="1" smtClean="0">
-                                <a:latin typeface="Cambria Math" panose="02040503050406030204" pitchFamily="18" charset="0"/>
-                              </a:rPr>
-                              <m:t>𝑥</m:t>
-                            </m:r>
-                          </m:e>
-                        </m:d>
-                        <m:r>
-                          <a:rPr lang="pl-PL" b="0" i="1" smtClean="0">
-                            <a:latin typeface="Cambria Math" panose="02040503050406030204" pitchFamily="18" charset="0"/>
-                          </a:rPr>
-                          <m:t>𝐶</m:t>
-                        </m:r>
-                        <m:r>
-                          <a:rPr lang="pl-PL" b="0" i="1" smtClean="0">
-                            <a:latin typeface="Cambria Math" panose="02040503050406030204" pitchFamily="18" charset="0"/>
-                          </a:rPr>
-                          <m:t>(</m:t>
-                        </m:r>
-                        <m:r>
-                          <a:rPr lang="pl-PL" b="0" i="1" smtClean="0">
-                            <a:latin typeface="Cambria Math" panose="02040503050406030204" pitchFamily="18" charset="0"/>
-                          </a:rPr>
-                          <m:t>𝑖</m:t>
-                        </m:r>
-                        <m:r>
-                          <a:rPr lang="pl-PL" b="0" i="1" smtClean="0">
-                            <a:latin typeface="Cambria Math" panose="02040503050406030204" pitchFamily="18" charset="0"/>
-                          </a:rPr>
-                          <m:t>, </m:t>
-                        </m:r>
-                        <m:r>
-                          <a:rPr lang="pl-PL" b="0" i="1" smtClean="0">
-                            <a:latin typeface="Cambria Math" panose="02040503050406030204" pitchFamily="18" charset="0"/>
-                          </a:rPr>
-                          <m:t>𝑗</m:t>
-                        </m:r>
-                        <m:r>
-                          <a:rPr lang="pl-PL" b="0" i="1" smtClean="0">
-                            <a:latin typeface="Cambria Math" panose="02040503050406030204" pitchFamily="18" charset="0"/>
-                          </a:rPr>
-                          <m:t>)</m:t>
-                        </m:r>
-                      </m:e>
-                    </m:nary>
-                  </m:oMath>
-                </a14:m>
-                <a:endParaRPr lang="pl-PL" b="0" dirty="0"/>
+                  <a:t>reliable</a:t>
+                </a:r>
+                <a:r>
+                  <a:rPr lang="pl-PL" dirty="0"/>
+                  <a:t> </a:t>
+                </a:r>
+                <a:r>
+                  <a:rPr lang="pl-PL" dirty="0" err="1"/>
+                  <a:t>probability</a:t>
+                </a:r>
+                <a:r>
+                  <a:rPr lang="pl-PL" dirty="0"/>
+                  <a:t> </a:t>
+                </a:r>
+                <a:r>
+                  <a:rPr lang="pl-PL" dirty="0" err="1"/>
+                  <a:t>estimations</a:t>
+                </a:r>
+                <a:r>
+                  <a:rPr lang="pl-PL" dirty="0"/>
+                  <a:t> for </a:t>
+                </a:r>
+                <a:r>
+                  <a:rPr lang="pl-PL" dirty="0" err="1"/>
+                  <a:t>training</a:t>
+                </a:r>
+                <a:r>
+                  <a:rPr lang="pl-PL" dirty="0"/>
+                  <a:t> </a:t>
+                </a:r>
+                <a:r>
+                  <a:rPr lang="pl-PL" dirty="0" err="1"/>
+                  <a:t>instances</a:t>
+                </a:r>
+                <a:r>
+                  <a:rPr lang="pl-PL" dirty="0"/>
+                  <a:t>.</a:t>
+                </a:r>
               </a:p>
               <a:p>
                 <a:pPr>
@@ -12576,11 +13927,11 @@
                 </a:pPr>
                 <a:r>
                   <a:rPr lang="pl-PL" dirty="0"/>
-                  <a:t>In </a:t>
+                  <a:t>The </a:t>
                 </a:r>
                 <a:r>
                   <a:rPr lang="pl-PL" dirty="0" err="1"/>
-                  <a:t>binary</a:t>
+                  <a:t>training</a:t>
                 </a:r>
                 <a:r>
                   <a:rPr lang="pl-PL" dirty="0"/>
@@ -12588,11 +13939,35 @@
                 </a:r>
                 <a:r>
                   <a:rPr lang="pl-PL" dirty="0" err="1"/>
-                  <a:t>case</a:t>
-                </a:r>
-                <a:r>
-                  <a:rPr lang="pl-PL" dirty="0"/>
-                  <a:t> the </a:t>
+                  <a:t>examples</a:t>
+                </a:r>
+                <a:r>
+                  <a:rPr lang="pl-PL" dirty="0"/>
+                  <a:t> </a:t>
+                </a:r>
+                <a:r>
+                  <a:rPr lang="pl-PL" dirty="0" err="1"/>
+                  <a:t>are</a:t>
+                </a:r>
+                <a:r>
+                  <a:rPr lang="pl-PL" dirty="0"/>
+                  <a:t> </a:t>
+                </a:r>
+                <a:r>
+                  <a:rPr lang="pl-PL" dirty="0" err="1"/>
+                  <a:t>relabeled</a:t>
+                </a:r>
+                <a:r>
+                  <a:rPr lang="pl-PL" dirty="0"/>
+                  <a:t> </a:t>
+                </a:r>
+                <a:r>
+                  <a:rPr lang="pl-PL" dirty="0" err="1"/>
+                  <a:t>according</a:t>
+                </a:r>
+                <a:r>
+                  <a:rPr lang="pl-PL" dirty="0"/>
+                  <a:t> to </a:t>
                 </a:r>
                 <a:r>
                   <a:rPr lang="pl-PL" dirty="0" err="1"/>
@@ -12629,229 +14004,110 @@
                         </m:r>
                       </m:sup>
                     </m:sSup>
+                    <m:r>
+                      <a:rPr lang="pl-PL" b="0" i="0" smtClean="0">
+                        <a:latin typeface="Cambria Math" panose="02040503050406030204" pitchFamily="18" charset="0"/>
+                      </a:rPr>
+                      <m:t>.</m:t>
+                    </m:r>
                   </m:oMath>
                 </a14:m>
-                <a:r>
-                  <a:rPr lang="pl-PL" dirty="0" err="1"/>
-                  <a:t>obtained</a:t>
-                </a:r>
-                <a:r>
-                  <a:rPr lang="pl-PL" dirty="0"/>
-                  <a:t> from </a:t>
-                </a:r>
-                <a:r>
-                  <a:rPr lang="pl-PL" dirty="0" err="1"/>
-                  <a:t>cost</a:t>
-                </a:r>
-                <a:r>
-                  <a:rPr lang="pl-PL" dirty="0"/>
-                  <a:t> matrix:</a:t>
-                </a:r>
-                <a:endParaRPr lang="pl-PL" b="0" dirty="0">
-                  <a:ea typeface="Cambria Math" panose="02040503050406030204" pitchFamily="18" charset="0"/>
-                </a:endParaRPr>
+                <a:endParaRPr lang="pl-PL" b="0" dirty="0"/>
               </a:p>
               <a:p>
-                <a:pPr marL="139700" indent="0">
+                <a:pPr>
                   <a:lnSpc>
                     <a:spcPct val="150000"/>
                   </a:lnSpc>
-                  <a:buNone/>
                 </a:pPr>
                 <a:r>
-                  <a:rPr lang="pl-PL" dirty="0">
-                    <a:ea typeface="Cambria Math" panose="02040503050406030204" pitchFamily="18" charset="0"/>
-                  </a:rPr>
-                  <a:t>	</a:t>
-                </a:r>
-                <a:r>
-                  <a:rPr lang="pl-PL" b="0" dirty="0">
-                    <a:ea typeface="Cambria Math" panose="02040503050406030204" pitchFamily="18" charset="0"/>
-                  </a:rPr>
+                  <a:rPr lang="pl-PL" dirty="0" err="1"/>
+                  <a:t>After</a:t>
+                </a:r>
+                <a:r>
+                  <a:rPr lang="pl-PL" dirty="0"/>
                   <a:t> </a:t>
                 </a:r>
-                <a14:m>
-                  <m:oMath xmlns:m="http://schemas.openxmlformats.org/officeDocument/2006/math">
-                    <m:sSup>
-                      <m:sSupPr>
-                        <m:ctrlPr>
-                          <a:rPr lang="pl-PL" b="0" i="1" smtClean="0">
-                            <a:latin typeface="Cambria Math" panose="02040503050406030204" pitchFamily="18" charset="0"/>
-                            <a:ea typeface="Cambria Math" panose="02040503050406030204" pitchFamily="18" charset="0"/>
-                          </a:rPr>
-                        </m:ctrlPr>
-                      </m:sSupPr>
-                      <m:e>
-                        <m:r>
-                          <a:rPr lang="pl-PL" b="0" i="1" smtClean="0">
-                            <a:latin typeface="Cambria Math" panose="02040503050406030204" pitchFamily="18" charset="0"/>
-                            <a:ea typeface="Cambria Math" panose="02040503050406030204" pitchFamily="18" charset="0"/>
-                          </a:rPr>
-                          <m:t>𝑝</m:t>
-                        </m:r>
-                      </m:e>
-                      <m:sup>
-                        <m:r>
-                          <a:rPr lang="pl-PL" b="0" i="1" smtClean="0">
-                            <a:latin typeface="Cambria Math" panose="02040503050406030204" pitchFamily="18" charset="0"/>
-                            <a:ea typeface="Cambria Math" panose="02040503050406030204" pitchFamily="18" charset="0"/>
-                          </a:rPr>
-                          <m:t>∗</m:t>
-                        </m:r>
-                      </m:sup>
-                    </m:sSup>
-                    <m:r>
-                      <a:rPr lang="pl-PL" b="0" i="1" smtClean="0">
-                        <a:latin typeface="Cambria Math" panose="02040503050406030204" pitchFamily="18" charset="0"/>
-                        <a:ea typeface="Cambria Math" panose="02040503050406030204" pitchFamily="18" charset="0"/>
-                      </a:rPr>
-                      <m:t>= </m:t>
-                    </m:r>
-                    <m:f>
-                      <m:fPr>
-                        <m:ctrlPr>
-                          <a:rPr lang="pl-PL" b="0" i="1" smtClean="0">
-                            <a:latin typeface="Cambria Math" panose="02040503050406030204" pitchFamily="18" charset="0"/>
-                            <a:ea typeface="Cambria Math" panose="02040503050406030204" pitchFamily="18" charset="0"/>
-                          </a:rPr>
-                        </m:ctrlPr>
-                      </m:fPr>
-                      <m:num>
-                        <m:r>
-                          <a:rPr lang="pl-PL" b="0" i="1" smtClean="0">
-                            <a:latin typeface="Cambria Math" panose="02040503050406030204" pitchFamily="18" charset="0"/>
-                            <a:ea typeface="Cambria Math" panose="02040503050406030204" pitchFamily="18" charset="0"/>
-                          </a:rPr>
-                          <m:t>𝐶</m:t>
-                        </m:r>
-                        <m:r>
-                          <a:rPr lang="pl-PL" b="0" i="1" smtClean="0">
-                            <a:latin typeface="Cambria Math" panose="02040503050406030204" pitchFamily="18" charset="0"/>
-                            <a:ea typeface="Cambria Math" panose="02040503050406030204" pitchFamily="18" charset="0"/>
-                          </a:rPr>
-                          <m:t>(1, 0)</m:t>
-                        </m:r>
-                      </m:num>
-                      <m:den>
-                        <m:r>
-                          <a:rPr lang="pl-PL" b="0" i="1" smtClean="0">
-                            <a:latin typeface="Cambria Math" panose="02040503050406030204" pitchFamily="18" charset="0"/>
-                            <a:ea typeface="Cambria Math" panose="02040503050406030204" pitchFamily="18" charset="0"/>
-                          </a:rPr>
-                          <m:t>𝐶</m:t>
-                        </m:r>
-                        <m:d>
-                          <m:dPr>
-                            <m:ctrlPr>
-                              <a:rPr lang="pl-PL" b="0" i="1" smtClean="0">
-                                <a:latin typeface="Cambria Math" panose="02040503050406030204" pitchFamily="18" charset="0"/>
-                                <a:ea typeface="Cambria Math" panose="02040503050406030204" pitchFamily="18" charset="0"/>
-                              </a:rPr>
-                            </m:ctrlPr>
-                          </m:dPr>
-                          <m:e>
-                            <m:r>
-                              <a:rPr lang="pl-PL" b="0" i="1" smtClean="0">
-                                <a:latin typeface="Cambria Math" panose="02040503050406030204" pitchFamily="18" charset="0"/>
-                                <a:ea typeface="Cambria Math" panose="02040503050406030204" pitchFamily="18" charset="0"/>
-                              </a:rPr>
-                              <m:t>1, 0</m:t>
-                            </m:r>
-                          </m:e>
-                        </m:d>
-                        <m:r>
-                          <a:rPr lang="pl-PL" b="0" i="1" smtClean="0">
-                            <a:latin typeface="Cambria Math" panose="02040503050406030204" pitchFamily="18" charset="0"/>
-                            <a:ea typeface="Cambria Math" panose="02040503050406030204" pitchFamily="18" charset="0"/>
-                          </a:rPr>
-                          <m:t>+</m:t>
-                        </m:r>
-                        <m:r>
-                          <a:rPr lang="pl-PL" b="0" i="1" smtClean="0">
-                            <a:latin typeface="Cambria Math" panose="02040503050406030204" pitchFamily="18" charset="0"/>
-                            <a:ea typeface="Cambria Math" panose="02040503050406030204" pitchFamily="18" charset="0"/>
-                          </a:rPr>
-                          <m:t>𝐶</m:t>
-                        </m:r>
-                        <m:r>
-                          <a:rPr lang="pl-PL" b="0" i="1" smtClean="0">
-                            <a:latin typeface="Cambria Math" panose="02040503050406030204" pitchFamily="18" charset="0"/>
-                            <a:ea typeface="Cambria Math" panose="02040503050406030204" pitchFamily="18" charset="0"/>
-                          </a:rPr>
-                          <m:t>(0, 1)</m:t>
-                        </m:r>
-                      </m:den>
-                    </m:f>
-                    <m:r>
-                      <a:rPr lang="pl-PL" b="0" i="1" smtClean="0">
-                        <a:latin typeface="Cambria Math" panose="02040503050406030204" pitchFamily="18" charset="0"/>
-                        <a:ea typeface="Cambria Math" panose="02040503050406030204" pitchFamily="18" charset="0"/>
-                      </a:rPr>
-                      <m:t>=</m:t>
-                    </m:r>
-                    <m:f>
-                      <m:fPr>
-                        <m:ctrlPr>
-                          <a:rPr lang="pl-PL" b="0" i="1" smtClean="0">
-                            <a:latin typeface="Cambria Math" panose="02040503050406030204" pitchFamily="18" charset="0"/>
-                            <a:ea typeface="Cambria Math" panose="02040503050406030204" pitchFamily="18" charset="0"/>
-                          </a:rPr>
-                        </m:ctrlPr>
-                      </m:fPr>
-                      <m:num>
-                        <m:r>
-                          <a:rPr lang="pl-PL" b="0" i="1" smtClean="0">
-                            <a:latin typeface="Cambria Math" panose="02040503050406030204" pitchFamily="18" charset="0"/>
-                            <a:ea typeface="Cambria Math" panose="02040503050406030204" pitchFamily="18" charset="0"/>
-                          </a:rPr>
-                          <m:t>𝐹𝑃</m:t>
-                        </m:r>
-                      </m:num>
-                      <m:den>
-                        <m:r>
-                          <a:rPr lang="pl-PL" b="0" i="1" smtClean="0">
-                            <a:latin typeface="Cambria Math" panose="02040503050406030204" pitchFamily="18" charset="0"/>
-                            <a:ea typeface="Cambria Math" panose="02040503050406030204" pitchFamily="18" charset="0"/>
-                          </a:rPr>
-                          <m:t>𝐹𝑃</m:t>
-                        </m:r>
-                        <m:r>
-                          <a:rPr lang="pl-PL" b="0" i="1" smtClean="0">
-                            <a:latin typeface="Cambria Math" panose="02040503050406030204" pitchFamily="18" charset="0"/>
-                            <a:ea typeface="Cambria Math" panose="02040503050406030204" pitchFamily="18" charset="0"/>
-                          </a:rPr>
-                          <m:t>+</m:t>
-                        </m:r>
-                        <m:r>
-                          <a:rPr lang="pl-PL" b="0" i="1" smtClean="0">
-                            <a:latin typeface="Cambria Math" panose="02040503050406030204" pitchFamily="18" charset="0"/>
-                            <a:ea typeface="Cambria Math" panose="02040503050406030204" pitchFamily="18" charset="0"/>
-                          </a:rPr>
-                          <m:t>𝐹𝑁</m:t>
-                        </m:r>
-                      </m:den>
-                    </m:f>
-                    <m:r>
-                      <a:rPr lang="pl-PL" b="0" i="1" smtClean="0">
-                        <a:latin typeface="Cambria Math" panose="02040503050406030204" pitchFamily="18" charset="0"/>
-                        <a:ea typeface="Cambria Math" panose="02040503050406030204" pitchFamily="18" charset="0"/>
-                      </a:rPr>
-                      <m:t> .</m:t>
-                    </m:r>
-                  </m:oMath>
-                </a14:m>
-                <a:r>
-                  <a:rPr lang="pl-PL" b="0" dirty="0"/>
+                <a:r>
+                  <a:rPr lang="pl-PL" dirty="0" err="1"/>
+                  <a:t>that</a:t>
+                </a:r>
+                <a:r>
+                  <a:rPr lang="pl-PL" dirty="0"/>
+                  <a:t> a </a:t>
+                </a:r>
+                <a:r>
+                  <a:rPr lang="pl-PL" dirty="0" err="1"/>
+                  <a:t>cost-insensitive</a:t>
+                </a:r>
+                <a:r>
+                  <a:rPr lang="pl-PL" dirty="0"/>
                   <a:t> </a:t>
                 </a:r>
-              </a:p>
-              <a:p>
-                <a:pPr marL="139700" indent="0">
-                  <a:lnSpc>
-                    <a:spcPct val="150000"/>
-                  </a:lnSpc>
-                  <a:buNone/>
-                </a:pPr>
+                <a:r>
+                  <a:rPr lang="pl-PL" dirty="0" err="1"/>
+                  <a:t>classifier</a:t>
+                </a:r>
+                <a:r>
+                  <a:rPr lang="pl-PL" dirty="0"/>
+                  <a:t> </a:t>
+                </a:r>
+                <a:r>
+                  <a:rPr lang="pl-PL" dirty="0" err="1"/>
+                  <a:t>is</a:t>
+                </a:r>
+                <a:r>
+                  <a:rPr lang="pl-PL" dirty="0"/>
+                  <a:t> </a:t>
+                </a:r>
+                <a:r>
+                  <a:rPr lang="pl-PL" dirty="0" err="1"/>
+                  <a:t>built</a:t>
+                </a:r>
+                <a:r>
+                  <a:rPr lang="pl-PL" dirty="0"/>
+                  <a:t> for </a:t>
+                </a:r>
+                <a:r>
+                  <a:rPr lang="pl-PL" dirty="0" err="1"/>
+                  <a:t>relabeled</a:t>
+                </a:r>
+                <a:r>
+                  <a:rPr lang="pl-PL" dirty="0"/>
+                  <a:t> </a:t>
+                </a:r>
+                <a:r>
+                  <a:rPr lang="pl-PL" dirty="0" err="1"/>
+                  <a:t>instances</a:t>
+                </a:r>
+                <a:r>
+                  <a:rPr lang="pl-PL" dirty="0"/>
+                  <a:t> to </a:t>
+                </a:r>
+                <a:r>
+                  <a:rPr lang="pl-PL" dirty="0" err="1"/>
+                  <a:t>produce</a:t>
+                </a:r>
+                <a:r>
+                  <a:rPr lang="pl-PL" dirty="0"/>
+                  <a:t> </a:t>
+                </a:r>
+                <a:r>
+                  <a:rPr lang="pl-PL" dirty="0" err="1"/>
+                  <a:t>predictions</a:t>
+                </a:r>
+                <a:r>
+                  <a:rPr lang="pl-PL" dirty="0"/>
+                  <a:t> for test </a:t>
+                </a:r>
+                <a:r>
+                  <a:rPr lang="pl-PL" dirty="0" err="1"/>
+                  <a:t>instances</a:t>
+                </a:r>
+                <a:r>
+                  <a:rPr lang="pl-PL" dirty="0"/>
+                  <a:t>.</a:t>
+                </a:r>
                 <a:endParaRPr lang="en-GB" dirty="0"/>
               </a:p>
             </p:txBody>
@@ -12895,7 +14151,7 @@
               <a:lstStyle/>
               <a:p>
                 <a:r>
-                  <a:rPr lang="pl-PL">
+                  <a:rPr lang="en-GB">
                     <a:noFill/>
                   </a:rPr>
                   <a:t> </a:t>
@@ -12908,7 +14164,7 @@
     </p:spTree>
     <p:extLst>
       <p:ext uri="{BB962C8B-B14F-4D97-AF65-F5344CB8AC3E}">
-        <p14:creationId xmlns:p14="http://schemas.microsoft.com/office/powerpoint/2010/main" val="2008094664"/>
+        <p14:creationId xmlns:p14="http://schemas.microsoft.com/office/powerpoint/2010/main" val="3255234697"/>
       </p:ext>
     </p:extLst>
   </p:cSld>
@@ -12918,7 +14174,7 @@
 </p:sld>
 </file>
 
-<file path=ppt/slides/slide22.xml><?xml version="1.0" encoding="utf-8"?>
+<file path=ppt/slides/slide24.xml><?xml version="1.0" encoding="utf-8"?>
 <p:sld xmlns:a="http://schemas.openxmlformats.org/drawingml/2006/main" xmlns:r="http://schemas.openxmlformats.org/officeDocument/2006/relationships" xmlns:p="http://schemas.openxmlformats.org/presentationml/2006/main">
   <p:cSld>
     <p:spTree>
@@ -13010,7 +14266,7 @@
           <a:p>
             <a:r>
               <a:rPr lang="pl-PL" dirty="0" err="1"/>
-              <a:t>MetaCost</a:t>
+              <a:t>CostSensitiveClassifier</a:t>
             </a:r>
             <a:endParaRPr lang="en-GB" dirty="0"/>
           </a:p>
@@ -13303,12 +14559,16 @@
                   </a:lnSpc>
                 </a:pPr>
                 <a:r>
-                  <a:rPr lang="pl-PL" dirty="0"/>
-                  <a:t>The </a:t>
+                  <a:rPr lang="pl-PL" b="0" dirty="0"/>
+                  <a:t>If a </a:t>
+                </a:r>
+                <a:r>
+                  <a:rPr lang="pl-PL" b="0" dirty="0" err="1"/>
+                  <a:t>cost</a:t>
                 </a:r>
                 <a:r>
                   <a:rPr lang="pl-PL" dirty="0" err="1"/>
-                  <a:t>algorithm</a:t>
+                  <a:t>-insensitive</a:t>
                 </a:r>
                 <a:r>
                   <a:rPr lang="pl-PL" dirty="0"/>
@@ -13316,7 +14576,7 @@
                 </a:r>
                 <a:r>
                   <a:rPr lang="pl-PL" dirty="0" err="1"/>
-                  <a:t>first</a:t>
+                  <a:t>classifier</a:t>
                 </a:r>
                 <a:r>
                   <a:rPr lang="pl-PL" dirty="0"/>
@@ -13324,7 +14584,7 @@
                 </a:r>
                 <a:r>
                   <a:rPr lang="pl-PL" dirty="0" err="1"/>
-                  <a:t>uses</a:t>
+                  <a:t>outputs</a:t>
                 </a:r>
                 <a:r>
                   <a:rPr lang="pl-PL" dirty="0"/>
@@ -13332,15 +14592,23 @@
                 </a:r>
                 <a:r>
                   <a:rPr lang="pl-PL" dirty="0" err="1"/>
-                  <a:t>bagging</a:t>
-                </a:r>
-                <a:r>
-                  <a:rPr lang="pl-PL" dirty="0"/>
-                  <a:t> on </a:t>
+                  <a:t>probabilities</a:t>
+                </a:r>
+                <a:r>
+                  <a:rPr lang="pl-PL" dirty="0"/>
+                  <a:t> </a:t>
                 </a:r>
                 <a:r>
                   <a:rPr lang="pl-PL" dirty="0" err="1"/>
-                  <a:t>decision</a:t>
+                  <a:t>associated</a:t>
+                </a:r>
+                <a:r>
+                  <a:rPr lang="pl-PL" dirty="0"/>
+                  <a:t> with </a:t>
+                </a:r>
+                <a:r>
+                  <a:rPr lang="pl-PL" dirty="0" err="1"/>
+                  <a:t>each</a:t>
                 </a:r>
                 <a:r>
                   <a:rPr lang="pl-PL" dirty="0"/>
@@ -13348,15 +14616,15 @@
                 </a:r>
                 <a:r>
                   <a:rPr lang="pl-PL" dirty="0" err="1"/>
-                  <a:t>trees</a:t>
-                </a:r>
-                <a:r>
-                  <a:rPr lang="pl-PL" dirty="0"/>
-                  <a:t> to </a:t>
+                  <a:t>instance</a:t>
+                </a:r>
+                <a:r>
+                  <a:rPr lang="pl-PL" dirty="0"/>
+                  <a:t>, the CSC </a:t>
                 </a:r>
                 <a:r>
                   <a:rPr lang="pl-PL" dirty="0" err="1"/>
-                  <a:t>obtain</a:t>
+                  <a:t>can</a:t>
                 </a:r>
                 <a:r>
                   <a:rPr lang="pl-PL" dirty="0"/>
@@ -13364,7 +14632,7 @@
                 </a:r>
                 <a:r>
                   <a:rPr lang="pl-PL" dirty="0" err="1"/>
-                  <a:t>reliable</a:t>
+                  <a:t>predict</a:t>
                 </a:r>
                 <a:r>
                   <a:rPr lang="pl-PL" dirty="0"/>
@@ -13372,7 +14640,15 @@
                 </a:r>
                 <a:r>
                   <a:rPr lang="pl-PL" dirty="0" err="1"/>
-                  <a:t>probability</a:t>
+                  <a:t>classes</a:t>
+                </a:r>
+                <a:r>
+                  <a:rPr lang="pl-PL" dirty="0"/>
+                  <a:t> with the </a:t>
+                </a:r>
+                <a:r>
+                  <a:rPr lang="pl-PL" dirty="0" err="1"/>
+                  <a:t>smallest</a:t>
                 </a:r>
                 <a:r>
                   <a:rPr lang="pl-PL" dirty="0"/>
@@ -13380,15 +14656,15 @@
                 </a:r>
                 <a:r>
                   <a:rPr lang="pl-PL" dirty="0" err="1"/>
-                  <a:t>estimations</a:t>
-                </a:r>
-                <a:r>
-                  <a:rPr lang="pl-PL" dirty="0"/>
-                  <a:t> for </a:t>
+                  <a:t>expected</a:t>
+                </a:r>
+                <a:r>
+                  <a:rPr lang="pl-PL" dirty="0"/>
+                  <a:t> </a:t>
                 </a:r>
                 <a:r>
                   <a:rPr lang="pl-PL" dirty="0" err="1"/>
-                  <a:t>training</a:t>
+                  <a:t>misclassification</a:t>
                 </a:r>
                 <a:r>
                   <a:rPr lang="pl-PL" dirty="0"/>
@@ -13396,7 +14672,7 @@
                 </a:r>
                 <a:r>
                   <a:rPr lang="pl-PL" dirty="0" err="1"/>
-                  <a:t>instances</a:t>
+                  <a:t>cost</a:t>
                 </a:r>
                 <a:r>
                   <a:rPr lang="pl-PL" dirty="0"/>
@@ -13411,11 +14687,11 @@
                 </a:pPr>
                 <a:r>
                   <a:rPr lang="pl-PL" dirty="0"/>
-                  <a:t>The </a:t>
+                  <a:t>In </a:t>
                 </a:r>
                 <a:r>
                   <a:rPr lang="pl-PL" dirty="0" err="1"/>
-                  <a:t>training</a:t>
+                  <a:t>binary</a:t>
                 </a:r>
                 <a:r>
                   <a:rPr lang="pl-PL" dirty="0"/>
@@ -13423,35 +14699,11 @@
                 </a:r>
                 <a:r>
                   <a:rPr lang="pl-PL" dirty="0" err="1"/>
-                  <a:t>examples</a:t>
-                </a:r>
-                <a:r>
-                  <a:rPr lang="pl-PL" dirty="0"/>
-                  <a:t> </a:t>
-                </a:r>
-                <a:r>
-                  <a:rPr lang="pl-PL" dirty="0" err="1"/>
-                  <a:t>are</a:t>
-                </a:r>
-                <a:r>
-                  <a:rPr lang="pl-PL" dirty="0"/>
-                  <a:t> </a:t>
-                </a:r>
-                <a:r>
-                  <a:rPr lang="pl-PL" dirty="0" err="1"/>
-                  <a:t>relabled</a:t>
-                </a:r>
-                <a:r>
-                  <a:rPr lang="pl-PL" dirty="0"/>
-                  <a:t> </a:t>
-                </a:r>
-                <a:r>
-                  <a:rPr lang="pl-PL" dirty="0" err="1"/>
-                  <a:t>according</a:t>
-                </a:r>
-                <a:r>
-                  <a:rPr lang="pl-PL" dirty="0"/>
-                  <a:t> to </a:t>
+                  <a:t>case</a:t>
+                </a:r>
+                <a:r>
+                  <a:rPr lang="pl-PL" dirty="0"/>
+                  <a:t> the </a:t>
                 </a:r>
                 <a:r>
                   <a:rPr lang="pl-PL" dirty="0" err="1"/>
@@ -13488,15 +14740,156 @@
                         </m:r>
                       </m:sup>
                     </m:sSup>
+                  </m:oMath>
+                </a14:m>
+                <a:r>
+                  <a:rPr lang="pl-PL" b="0" dirty="0"/>
+                  <a:t> </a:t>
+                </a:r>
+                <a:r>
+                  <a:rPr lang="pl-PL" b="0" dirty="0" err="1"/>
+                  <a:t>is</a:t>
+                </a:r>
+                <a:r>
+                  <a:rPr lang="pl-PL" b="0" dirty="0"/>
+                  <a:t> </a:t>
+                </a:r>
+                <a:r>
+                  <a:rPr lang="pl-PL" b="0" dirty="0" err="1"/>
+                  <a:t>used</a:t>
+                </a:r>
+                <a:r>
+                  <a:rPr lang="pl-PL" b="0" dirty="0"/>
+                  <a:t> for the </a:t>
+                </a:r>
+                <a:r>
+                  <a:rPr lang="pl-PL" b="0" dirty="0" err="1"/>
+                  <a:t>classifier</a:t>
+                </a:r>
+                <a:r>
+                  <a:rPr lang="pl-PL" b="0" dirty="0"/>
+                  <a:t> to </a:t>
+                </a:r>
+                <a:r>
+                  <a:rPr lang="pl-PL" b="0" dirty="0" err="1"/>
+                  <a:t>classify</a:t>
+                </a:r>
+                <a:r>
+                  <a:rPr lang="pl-PL" b="0" dirty="0"/>
+                  <a:t> </a:t>
+                </a:r>
+                <a:r>
+                  <a:rPr lang="pl-PL" b="0" dirty="0" err="1"/>
+                  <a:t>instance</a:t>
+                </a:r>
+                <a:r>
+                  <a:rPr lang="pl-PL" b="0" dirty="0"/>
+                  <a:t> x to </a:t>
+                </a:r>
+                <a:r>
+                  <a:rPr lang="pl-PL" b="0" dirty="0" err="1"/>
+                  <a:t>positive</a:t>
+                </a:r>
+                <a:r>
+                  <a:rPr lang="pl-PL" b="0" dirty="0"/>
+                  <a:t> </a:t>
+                </a:r>
+                <a:r>
+                  <a:rPr lang="pl-PL" b="0" dirty="0" err="1"/>
+                  <a:t>class</a:t>
+                </a:r>
+                <a:r>
+                  <a:rPr lang="pl-PL" dirty="0"/>
+                  <a:t> </a:t>
+                </a:r>
+                <a:r>
+                  <a:rPr lang="pl-PL" dirty="0" err="1"/>
+                  <a:t>if</a:t>
+                </a:r>
+                <a:r>
+                  <a:rPr lang="pl-PL" dirty="0"/>
+                  <a:t> </a:t>
+                </a:r>
+                <a14:m>
+                  <m:oMath xmlns:m="http://schemas.openxmlformats.org/officeDocument/2006/math">
+                    <m:r>
+                      <a:rPr lang="pl-PL" b="0" i="1" smtClean="0">
+                        <a:latin typeface="Cambria Math" panose="02040503050406030204" pitchFamily="18" charset="0"/>
+                      </a:rPr>
+                      <m:t>𝑃</m:t>
+                    </m:r>
+                    <m:d>
+                      <m:dPr>
+                        <m:ctrlPr>
+                          <a:rPr lang="pl-PL" b="0" i="1" smtClean="0">
+                            <a:latin typeface="Cambria Math" panose="02040503050406030204" pitchFamily="18" charset="0"/>
+                          </a:rPr>
+                        </m:ctrlPr>
+                      </m:dPr>
+                      <m:e>
+                        <m:r>
+                          <a:rPr lang="pl-PL" b="0" i="1" smtClean="0">
+                            <a:latin typeface="Cambria Math" panose="02040503050406030204" pitchFamily="18" charset="0"/>
+                          </a:rPr>
+                          <m:t>1</m:t>
+                        </m:r>
+                      </m:e>
+                      <m:e>
+                        <m:r>
+                          <a:rPr lang="pl-PL" b="0" i="1" smtClean="0">
+                            <a:latin typeface="Cambria Math" panose="02040503050406030204" pitchFamily="18" charset="0"/>
+                          </a:rPr>
+                          <m:t>𝑥</m:t>
+                        </m:r>
+                      </m:e>
+                    </m:d>
+                    <m:r>
+                      <a:rPr lang="pl-PL" b="0" i="1" smtClean="0">
+                        <a:latin typeface="Cambria Math" panose="02040503050406030204" pitchFamily="18" charset="0"/>
+                        <a:ea typeface="Cambria Math" panose="02040503050406030204" pitchFamily="18" charset="0"/>
+                      </a:rPr>
+                      <m:t>≥</m:t>
+                    </m:r>
+                    <m:sSup>
+                      <m:sSupPr>
+                        <m:ctrlPr>
+                          <a:rPr lang="pl-PL" b="0" i="1" smtClean="0">
+                            <a:latin typeface="Cambria Math" panose="02040503050406030204" pitchFamily="18" charset="0"/>
+                            <a:ea typeface="Cambria Math" panose="02040503050406030204" pitchFamily="18" charset="0"/>
+                          </a:rPr>
+                        </m:ctrlPr>
+                      </m:sSupPr>
+                      <m:e>
+                        <m:r>
+                          <a:rPr lang="pl-PL" b="0" i="1" smtClean="0">
+                            <a:latin typeface="Cambria Math" panose="02040503050406030204" pitchFamily="18" charset="0"/>
+                            <a:ea typeface="Cambria Math" panose="02040503050406030204" pitchFamily="18" charset="0"/>
+                          </a:rPr>
+                          <m:t>𝑝</m:t>
+                        </m:r>
+                      </m:e>
+                      <m:sup>
+                        <m:r>
+                          <a:rPr lang="pl-PL" b="0" i="1" smtClean="0">
+                            <a:latin typeface="Cambria Math" panose="02040503050406030204" pitchFamily="18" charset="0"/>
+                            <a:ea typeface="Cambria Math" panose="02040503050406030204" pitchFamily="18" charset="0"/>
+                          </a:rPr>
+                          <m:t>∗</m:t>
+                        </m:r>
+                      </m:sup>
+                    </m:sSup>
                     <m:r>
                       <a:rPr lang="pl-PL" b="0" i="0" smtClean="0">
                         <a:latin typeface="Cambria Math" panose="02040503050406030204" pitchFamily="18" charset="0"/>
+                        <a:ea typeface="Cambria Math" panose="02040503050406030204" pitchFamily="18" charset="0"/>
                       </a:rPr>
                       <m:t>.</m:t>
                     </m:r>
                   </m:oMath>
                 </a14:m>
-                <a:endParaRPr lang="pl-PL" b="0" dirty="0"/>
+                <a:endParaRPr lang="pl-PL" b="0" dirty="0">
+                  <a:ea typeface="Cambria Math" panose="02040503050406030204" pitchFamily="18" charset="0"/>
+                </a:endParaRPr>
               </a:p>
               <a:p>
                 <a:pPr>
@@ -13505,8 +14898,32 @@
                   </a:lnSpc>
                 </a:pPr>
                 <a:r>
+                  <a:rPr lang="pl-PL" b="0" dirty="0"/>
+                  <a:t>Drawback: </a:t>
+                </a:r>
+                <a:r>
+                  <a:rPr lang="pl-PL" dirty="0"/>
+                  <a:t>we </a:t>
+                </a:r>
+                <a:r>
                   <a:rPr lang="pl-PL" dirty="0" err="1"/>
-                  <a:t>After</a:t>
+                  <a:t>need</a:t>
+                </a:r>
+                <a:r>
+                  <a:rPr lang="pl-PL" dirty="0"/>
+                  <a:t> a </a:t>
+                </a:r>
+                <a:r>
+                  <a:rPr lang="pl-PL" dirty="0" err="1"/>
+                  <a:t>cost-insensitive</a:t>
+                </a:r>
+                <a:r>
+                  <a:rPr lang="pl-PL" dirty="0"/>
+                  <a:t> </a:t>
+                </a:r>
+                <a:r>
+                  <a:rPr lang="pl-PL" dirty="0" err="1"/>
+                  <a:t>classifier</a:t>
                 </a:r>
                 <a:r>
                   <a:rPr lang="pl-PL" dirty="0"/>
@@ -13518,11 +14935,11 @@
                 </a:r>
                 <a:r>
                   <a:rPr lang="pl-PL" dirty="0"/>
-                  <a:t> a </a:t>
+                  <a:t> </a:t>
                 </a:r>
                 <a:r>
                   <a:rPr lang="pl-PL" dirty="0" err="1"/>
-                  <a:t>cost-insensitive</a:t>
+                  <a:t>produces</a:t>
                 </a:r>
                 <a:r>
                   <a:rPr lang="pl-PL" dirty="0"/>
@@ -13530,7 +14947,7 @@
                 </a:r>
                 <a:r>
                   <a:rPr lang="pl-PL" dirty="0" err="1"/>
-                  <a:t>classifier</a:t>
+                  <a:t>accurate</a:t>
                 </a:r>
                 <a:r>
                   <a:rPr lang="pl-PL" dirty="0"/>
@@ -13538,7 +14955,7 @@
                 </a:r>
                 <a:r>
                   <a:rPr lang="pl-PL" dirty="0" err="1"/>
-                  <a:t>is</a:t>
+                  <a:t>posterior</a:t>
                 </a:r>
                 <a:r>
                   <a:rPr lang="pl-PL" dirty="0"/>
@@ -13546,47 +14963,15 @@
                 </a:r>
                 <a:r>
                   <a:rPr lang="pl-PL" dirty="0" err="1"/>
-                  <a:t>built</a:t>
-                </a:r>
-                <a:r>
-                  <a:rPr lang="pl-PL" dirty="0"/>
-                  <a:t> for </a:t>
+                  <a:t>probability</a:t>
+                </a:r>
+                <a:r>
+                  <a:rPr lang="pl-PL" dirty="0"/>
+                  <a:t> </a:t>
                 </a:r>
                 <a:r>
                   <a:rPr lang="pl-PL" dirty="0" err="1"/>
-                  <a:t>relabled</a:t>
-                </a:r>
-                <a:r>
-                  <a:rPr lang="pl-PL" dirty="0"/>
-                  <a:t> </a:t>
-                </a:r>
-                <a:r>
-                  <a:rPr lang="pl-PL" dirty="0" err="1"/>
-                  <a:t>instances</a:t>
-                </a:r>
-                <a:r>
-                  <a:rPr lang="pl-PL" dirty="0"/>
-                  <a:t> to </a:t>
-                </a:r>
-                <a:r>
-                  <a:rPr lang="pl-PL" dirty="0" err="1"/>
-                  <a:t>produce</a:t>
-                </a:r>
-                <a:r>
-                  <a:rPr lang="pl-PL" dirty="0"/>
-                  <a:t> </a:t>
-                </a:r>
-                <a:r>
-                  <a:rPr lang="pl-PL" dirty="0" err="1"/>
-                  <a:t>predictions</a:t>
-                </a:r>
-                <a:r>
-                  <a:rPr lang="pl-PL" dirty="0"/>
-                  <a:t> for test </a:t>
-                </a:r>
-                <a:r>
-                  <a:rPr lang="pl-PL" dirty="0" err="1"/>
-                  <a:t>instances</a:t>
+                  <a:t>estimations</a:t>
                 </a:r>
                 <a:r>
                   <a:rPr lang="pl-PL" dirty="0"/>
@@ -13648,7 +15033,7 @@
     </p:spTree>
     <p:extLst>
       <p:ext uri="{BB962C8B-B14F-4D97-AF65-F5344CB8AC3E}">
-        <p14:creationId xmlns:p14="http://schemas.microsoft.com/office/powerpoint/2010/main" val="3255234697"/>
+        <p14:creationId xmlns:p14="http://schemas.microsoft.com/office/powerpoint/2010/main" val="3412601296"/>
       </p:ext>
     </p:extLst>
   </p:cSld>
@@ -13658,7 +15043,7 @@
 </p:sld>
 </file>
 
-<file path=ppt/slides/slide23.xml><?xml version="1.0" encoding="utf-8"?>
+<file path=ppt/slides/slide25.xml><?xml version="1.0" encoding="utf-8"?>
 <p:sld xmlns:a="http://schemas.openxmlformats.org/drawingml/2006/main" xmlns:r="http://schemas.openxmlformats.org/officeDocument/2006/relationships" xmlns:p="http://schemas.openxmlformats.org/presentationml/2006/main">
   <p:cSld>
     <p:spTree>
@@ -13750,7 +15135,15 @@
           <a:p>
             <a:r>
               <a:rPr lang="pl-PL" dirty="0" err="1"/>
-              <a:t>CostSensitiveClassifier</a:t>
+              <a:t>Empirical</a:t>
+            </a:r>
+            <a:r>
+              <a:rPr lang="pl-PL" dirty="0"/>
+              <a:t> </a:t>
+            </a:r>
+            <a:r>
+              <a:rPr lang="pl-PL" dirty="0" err="1"/>
+              <a:t>thresholding</a:t>
             </a:r>
             <a:endParaRPr lang="en-GB" dirty="0"/>
           </a:p>
@@ -14043,883 +15436,6 @@
                   </a:lnSpc>
                 </a:pPr>
                 <a:r>
-                  <a:rPr lang="pl-PL" b="0" dirty="0"/>
-                  <a:t>If a </a:t>
-                </a:r>
-                <a:r>
-                  <a:rPr lang="pl-PL" b="0" dirty="0" err="1"/>
-                  <a:t>cost</a:t>
-                </a:r>
-                <a:r>
-                  <a:rPr lang="pl-PL" dirty="0" err="1"/>
-                  <a:t>-insensitive</a:t>
-                </a:r>
-                <a:r>
-                  <a:rPr lang="pl-PL" dirty="0"/>
-                  <a:t> </a:t>
-                </a:r>
-                <a:r>
-                  <a:rPr lang="pl-PL" dirty="0" err="1"/>
-                  <a:t>classifier</a:t>
-                </a:r>
-                <a:r>
-                  <a:rPr lang="pl-PL" dirty="0"/>
-                  <a:t> </a:t>
-                </a:r>
-                <a:r>
-                  <a:rPr lang="pl-PL" dirty="0" err="1"/>
-                  <a:t>outputs</a:t>
-                </a:r>
-                <a:r>
-                  <a:rPr lang="pl-PL" dirty="0"/>
-                  <a:t> </a:t>
-                </a:r>
-                <a:r>
-                  <a:rPr lang="pl-PL" dirty="0" err="1"/>
-                  <a:t>probabilities</a:t>
-                </a:r>
-                <a:r>
-                  <a:rPr lang="pl-PL" dirty="0"/>
-                  <a:t> </a:t>
-                </a:r>
-                <a:r>
-                  <a:rPr lang="pl-PL" dirty="0" err="1"/>
-                  <a:t>associated</a:t>
-                </a:r>
-                <a:r>
-                  <a:rPr lang="pl-PL" dirty="0"/>
-                  <a:t> with </a:t>
-                </a:r>
-                <a:r>
-                  <a:rPr lang="pl-PL" dirty="0" err="1"/>
-                  <a:t>each</a:t>
-                </a:r>
-                <a:r>
-                  <a:rPr lang="pl-PL" dirty="0"/>
-                  <a:t> </a:t>
-                </a:r>
-                <a:r>
-                  <a:rPr lang="pl-PL" dirty="0" err="1"/>
-                  <a:t>instance</a:t>
-                </a:r>
-                <a:r>
-                  <a:rPr lang="pl-PL" dirty="0"/>
-                  <a:t>, the CSC </a:t>
-                </a:r>
-                <a:r>
-                  <a:rPr lang="pl-PL" dirty="0" err="1"/>
-                  <a:t>can</a:t>
-                </a:r>
-                <a:r>
-                  <a:rPr lang="pl-PL" dirty="0"/>
-                  <a:t> </a:t>
-                </a:r>
-                <a:r>
-                  <a:rPr lang="pl-PL" dirty="0" err="1"/>
-                  <a:t>predict</a:t>
-                </a:r>
-                <a:r>
-                  <a:rPr lang="pl-PL" dirty="0"/>
-                  <a:t> </a:t>
-                </a:r>
-                <a:r>
-                  <a:rPr lang="pl-PL" dirty="0" err="1"/>
-                  <a:t>classes</a:t>
-                </a:r>
-                <a:r>
-                  <a:rPr lang="pl-PL" dirty="0"/>
-                  <a:t> with the </a:t>
-                </a:r>
-                <a:r>
-                  <a:rPr lang="pl-PL" dirty="0" err="1"/>
-                  <a:t>smallest</a:t>
-                </a:r>
-                <a:r>
-                  <a:rPr lang="pl-PL" dirty="0"/>
-                  <a:t> </a:t>
-                </a:r>
-                <a:r>
-                  <a:rPr lang="pl-PL" dirty="0" err="1"/>
-                  <a:t>expected</a:t>
-                </a:r>
-                <a:r>
-                  <a:rPr lang="pl-PL" dirty="0"/>
-                  <a:t> </a:t>
-                </a:r>
-                <a:r>
-                  <a:rPr lang="pl-PL" dirty="0" err="1"/>
-                  <a:t>misclassification</a:t>
-                </a:r>
-                <a:r>
-                  <a:rPr lang="pl-PL" dirty="0"/>
-                  <a:t> </a:t>
-                </a:r>
-                <a:r>
-                  <a:rPr lang="pl-PL" dirty="0" err="1"/>
-                  <a:t>cost</a:t>
-                </a:r>
-                <a:r>
-                  <a:rPr lang="pl-PL" dirty="0"/>
-                  <a:t>.</a:t>
-                </a:r>
-              </a:p>
-              <a:p>
-                <a:pPr>
-                  <a:lnSpc>
-                    <a:spcPct val="150000"/>
-                  </a:lnSpc>
-                </a:pPr>
-                <a:r>
-                  <a:rPr lang="pl-PL" dirty="0"/>
-                  <a:t>In </a:t>
-                </a:r>
-                <a:r>
-                  <a:rPr lang="pl-PL" dirty="0" err="1"/>
-                  <a:t>binary</a:t>
-                </a:r>
-                <a:r>
-                  <a:rPr lang="pl-PL" dirty="0"/>
-                  <a:t> </a:t>
-                </a:r>
-                <a:r>
-                  <a:rPr lang="pl-PL" dirty="0" err="1"/>
-                  <a:t>case</a:t>
-                </a:r>
-                <a:r>
-                  <a:rPr lang="pl-PL" dirty="0"/>
-                  <a:t> the </a:t>
-                </a:r>
-                <a:r>
-                  <a:rPr lang="pl-PL" dirty="0" err="1"/>
-                  <a:t>threshold</a:t>
-                </a:r>
-                <a:r>
-                  <a:rPr lang="pl-PL" dirty="0"/>
-                  <a:t> </a:t>
-                </a:r>
-                <a14:m>
-                  <m:oMath xmlns:m="http://schemas.openxmlformats.org/officeDocument/2006/math">
-                    <m:sSup>
-                      <m:sSupPr>
-                        <m:ctrlPr>
-                          <a:rPr lang="pl-PL" b="0" i="1" smtClean="0">
-                            <a:latin typeface="Cambria Math" panose="02040503050406030204" pitchFamily="18" charset="0"/>
-                          </a:rPr>
-                        </m:ctrlPr>
-                      </m:sSupPr>
-                      <m:e>
-                        <m:r>
-                          <a:rPr lang="pl-PL" b="0" i="1" smtClean="0">
-                            <a:latin typeface="Cambria Math" panose="02040503050406030204" pitchFamily="18" charset="0"/>
-                          </a:rPr>
-                          <m:t>𝑝</m:t>
-                        </m:r>
-                      </m:e>
-                      <m:sup>
-                        <m:r>
-                          <a:rPr lang="pl-PL" b="0" i="1" smtClean="0">
-                            <a:latin typeface="Cambria Math" panose="02040503050406030204" pitchFamily="18" charset="0"/>
-                          </a:rPr>
-                          <m:t>∗</m:t>
-                        </m:r>
-                      </m:sup>
-                    </m:sSup>
-                  </m:oMath>
-                </a14:m>
-                <a:r>
-                  <a:rPr lang="pl-PL" b="0" dirty="0"/>
-                  <a:t> </a:t>
-                </a:r>
-                <a:r>
-                  <a:rPr lang="pl-PL" b="0" dirty="0" err="1"/>
-                  <a:t>is</a:t>
-                </a:r>
-                <a:r>
-                  <a:rPr lang="pl-PL" b="0" dirty="0"/>
-                  <a:t> </a:t>
-                </a:r>
-                <a:r>
-                  <a:rPr lang="pl-PL" b="0" dirty="0" err="1"/>
-                  <a:t>used</a:t>
-                </a:r>
-                <a:r>
-                  <a:rPr lang="pl-PL" b="0" dirty="0"/>
-                  <a:t> for the </a:t>
-                </a:r>
-                <a:r>
-                  <a:rPr lang="pl-PL" b="0" dirty="0" err="1"/>
-                  <a:t>classifier</a:t>
-                </a:r>
-                <a:r>
-                  <a:rPr lang="pl-PL" b="0" dirty="0"/>
-                  <a:t> to </a:t>
-                </a:r>
-                <a:r>
-                  <a:rPr lang="pl-PL" b="0" dirty="0" err="1"/>
-                  <a:t>classify</a:t>
-                </a:r>
-                <a:r>
-                  <a:rPr lang="pl-PL" b="0" dirty="0"/>
-                  <a:t> </a:t>
-                </a:r>
-                <a:r>
-                  <a:rPr lang="pl-PL" b="0" dirty="0" err="1"/>
-                  <a:t>instance</a:t>
-                </a:r>
-                <a:r>
-                  <a:rPr lang="pl-PL" b="0" dirty="0"/>
-                  <a:t> x to </a:t>
-                </a:r>
-                <a:r>
-                  <a:rPr lang="pl-PL" b="0" dirty="0" err="1"/>
-                  <a:t>positive</a:t>
-                </a:r>
-                <a:r>
-                  <a:rPr lang="pl-PL" b="0" dirty="0"/>
-                  <a:t> </a:t>
-                </a:r>
-                <a:r>
-                  <a:rPr lang="pl-PL" b="0" dirty="0" err="1"/>
-                  <a:t>class</a:t>
-                </a:r>
-                <a:r>
-                  <a:rPr lang="pl-PL" dirty="0"/>
-                  <a:t> </a:t>
-                </a:r>
-                <a:r>
-                  <a:rPr lang="pl-PL" dirty="0" err="1"/>
-                  <a:t>if</a:t>
-                </a:r>
-                <a:r>
-                  <a:rPr lang="pl-PL" dirty="0"/>
-                  <a:t> </a:t>
-                </a:r>
-                <a14:m>
-                  <m:oMath xmlns:m="http://schemas.openxmlformats.org/officeDocument/2006/math">
-                    <m:r>
-                      <a:rPr lang="pl-PL" b="0" i="1" smtClean="0">
-                        <a:latin typeface="Cambria Math" panose="02040503050406030204" pitchFamily="18" charset="0"/>
-                      </a:rPr>
-                      <m:t>𝑃</m:t>
-                    </m:r>
-                    <m:d>
-                      <m:dPr>
-                        <m:ctrlPr>
-                          <a:rPr lang="pl-PL" b="0" i="1" smtClean="0">
-                            <a:latin typeface="Cambria Math" panose="02040503050406030204" pitchFamily="18" charset="0"/>
-                          </a:rPr>
-                        </m:ctrlPr>
-                      </m:dPr>
-                      <m:e>
-                        <m:r>
-                          <a:rPr lang="pl-PL" b="0" i="1" smtClean="0">
-                            <a:latin typeface="Cambria Math" panose="02040503050406030204" pitchFamily="18" charset="0"/>
-                          </a:rPr>
-                          <m:t>1</m:t>
-                        </m:r>
-                      </m:e>
-                      <m:e>
-                        <m:r>
-                          <a:rPr lang="pl-PL" b="0" i="1" smtClean="0">
-                            <a:latin typeface="Cambria Math" panose="02040503050406030204" pitchFamily="18" charset="0"/>
-                          </a:rPr>
-                          <m:t>𝑥</m:t>
-                        </m:r>
-                      </m:e>
-                    </m:d>
-                    <m:r>
-                      <a:rPr lang="pl-PL" b="0" i="1" smtClean="0">
-                        <a:latin typeface="Cambria Math" panose="02040503050406030204" pitchFamily="18" charset="0"/>
-                        <a:ea typeface="Cambria Math" panose="02040503050406030204" pitchFamily="18" charset="0"/>
-                      </a:rPr>
-                      <m:t>≥</m:t>
-                    </m:r>
-                    <m:sSup>
-                      <m:sSupPr>
-                        <m:ctrlPr>
-                          <a:rPr lang="pl-PL" b="0" i="1" smtClean="0">
-                            <a:latin typeface="Cambria Math" panose="02040503050406030204" pitchFamily="18" charset="0"/>
-                            <a:ea typeface="Cambria Math" panose="02040503050406030204" pitchFamily="18" charset="0"/>
-                          </a:rPr>
-                        </m:ctrlPr>
-                      </m:sSupPr>
-                      <m:e>
-                        <m:r>
-                          <a:rPr lang="pl-PL" b="0" i="1" smtClean="0">
-                            <a:latin typeface="Cambria Math" panose="02040503050406030204" pitchFamily="18" charset="0"/>
-                            <a:ea typeface="Cambria Math" panose="02040503050406030204" pitchFamily="18" charset="0"/>
-                          </a:rPr>
-                          <m:t>𝑝</m:t>
-                        </m:r>
-                      </m:e>
-                      <m:sup>
-                        <m:r>
-                          <a:rPr lang="pl-PL" b="0" i="1" smtClean="0">
-                            <a:latin typeface="Cambria Math" panose="02040503050406030204" pitchFamily="18" charset="0"/>
-                            <a:ea typeface="Cambria Math" panose="02040503050406030204" pitchFamily="18" charset="0"/>
-                          </a:rPr>
-                          <m:t>∗</m:t>
-                        </m:r>
-                      </m:sup>
-                    </m:sSup>
-                    <m:r>
-                      <a:rPr lang="pl-PL" b="0" i="0" smtClean="0">
-                        <a:latin typeface="Cambria Math" panose="02040503050406030204" pitchFamily="18" charset="0"/>
-                        <a:ea typeface="Cambria Math" panose="02040503050406030204" pitchFamily="18" charset="0"/>
-                      </a:rPr>
-                      <m:t>.</m:t>
-                    </m:r>
-                  </m:oMath>
-                </a14:m>
-                <a:endParaRPr lang="pl-PL" b="0" dirty="0">
-                  <a:ea typeface="Cambria Math" panose="02040503050406030204" pitchFamily="18" charset="0"/>
-                </a:endParaRPr>
-              </a:p>
-              <a:p>
-                <a:pPr>
-                  <a:lnSpc>
-                    <a:spcPct val="150000"/>
-                  </a:lnSpc>
-                </a:pPr>
-                <a:r>
-                  <a:rPr lang="pl-PL" b="0" dirty="0"/>
-                  <a:t>Drawback: </a:t>
-                </a:r>
-                <a:r>
-                  <a:rPr lang="pl-PL" dirty="0"/>
-                  <a:t>we </a:t>
-                </a:r>
-                <a:r>
-                  <a:rPr lang="pl-PL" dirty="0" err="1"/>
-                  <a:t>need</a:t>
-                </a:r>
-                <a:r>
-                  <a:rPr lang="pl-PL" dirty="0"/>
-                  <a:t> a </a:t>
-                </a:r>
-                <a:r>
-                  <a:rPr lang="pl-PL" dirty="0" err="1"/>
-                  <a:t>cost-insensitive</a:t>
-                </a:r>
-                <a:r>
-                  <a:rPr lang="pl-PL" dirty="0"/>
-                  <a:t> </a:t>
-                </a:r>
-                <a:r>
-                  <a:rPr lang="pl-PL" dirty="0" err="1"/>
-                  <a:t>classifier</a:t>
-                </a:r>
-                <a:r>
-                  <a:rPr lang="pl-PL" dirty="0"/>
-                  <a:t> </a:t>
-                </a:r>
-                <a:r>
-                  <a:rPr lang="pl-PL" dirty="0" err="1"/>
-                  <a:t>that</a:t>
-                </a:r>
-                <a:r>
-                  <a:rPr lang="pl-PL" dirty="0"/>
-                  <a:t> </a:t>
-                </a:r>
-                <a:r>
-                  <a:rPr lang="pl-PL" dirty="0" err="1"/>
-                  <a:t>produces</a:t>
-                </a:r>
-                <a:r>
-                  <a:rPr lang="pl-PL" dirty="0"/>
-                  <a:t> </a:t>
-                </a:r>
-                <a:r>
-                  <a:rPr lang="pl-PL" dirty="0" err="1"/>
-                  <a:t>accurate</a:t>
-                </a:r>
-                <a:r>
-                  <a:rPr lang="pl-PL" dirty="0"/>
-                  <a:t> </a:t>
-                </a:r>
-                <a:r>
-                  <a:rPr lang="pl-PL" dirty="0" err="1"/>
-                  <a:t>posterior</a:t>
-                </a:r>
-                <a:r>
-                  <a:rPr lang="pl-PL" dirty="0"/>
-                  <a:t> </a:t>
-                </a:r>
-                <a:r>
-                  <a:rPr lang="pl-PL" dirty="0" err="1"/>
-                  <a:t>probability</a:t>
-                </a:r>
-                <a:r>
-                  <a:rPr lang="pl-PL" dirty="0"/>
-                  <a:t> </a:t>
-                </a:r>
-                <a:r>
-                  <a:rPr lang="pl-PL" dirty="0" err="1"/>
-                  <a:t>estimations</a:t>
-                </a:r>
-                <a:r>
-                  <a:rPr lang="pl-PL" dirty="0"/>
-                  <a:t>.</a:t>
-                </a:r>
-                <a:endParaRPr lang="en-GB" dirty="0"/>
-              </a:p>
-            </p:txBody>
-          </p:sp>
-        </mc:Choice>
-        <mc:Fallback xmlns="">
-          <p:sp>
-            <p:nvSpPr>
-              <p:cNvPr id="6" name="Text Placeholder 1">
-                <a:extLst>
-                  <a:ext uri="{FF2B5EF4-FFF2-40B4-BE49-F238E27FC236}">
-                    <a16:creationId xmlns:a16="http://schemas.microsoft.com/office/drawing/2014/main" id="{7392A943-EA8C-AA28-05D8-3A31DC956FB4}"/>
-                  </a:ext>
-                </a:extLst>
-              </p:cNvPr>
-              <p:cNvSpPr txBox="1">
-                <a:spLocks noRot="1" noChangeAspect="1" noMove="1" noResize="1" noEditPoints="1" noAdjustHandles="1" noChangeArrowheads="1" noChangeShapeType="1" noTextEdit="1"/>
-              </p:cNvSpPr>
-              <p:nvPr/>
-            </p:nvSpPr>
-            <p:spPr>
-              <a:xfrm>
-                <a:off x="713226" y="1407512"/>
-                <a:ext cx="7717499" cy="2592987"/>
-              </a:xfrm>
-              <a:prstGeom prst="rect">
-                <a:avLst/>
-              </a:prstGeom>
-              <a:blipFill>
-                <a:blip r:embed="rId2"/>
-                <a:stretch>
-                  <a:fillRect/>
-                </a:stretch>
-              </a:blipFill>
-              <a:ln>
-                <a:noFill/>
-              </a:ln>
-            </p:spPr>
-            <p:txBody>
-              <a:bodyPr/>
-              <a:lstStyle/>
-              <a:p>
-                <a:r>
-                  <a:rPr lang="pl-PL">
-                    <a:noFill/>
-                  </a:rPr>
-                  <a:t> </a:t>
-                </a:r>
-              </a:p>
-            </p:txBody>
-          </p:sp>
-        </mc:Fallback>
-      </mc:AlternateContent>
-    </p:spTree>
-    <p:extLst>
-      <p:ext uri="{BB962C8B-B14F-4D97-AF65-F5344CB8AC3E}">
-        <p14:creationId xmlns:p14="http://schemas.microsoft.com/office/powerpoint/2010/main" val="3412601296"/>
-      </p:ext>
-    </p:extLst>
-  </p:cSld>
-  <p:clrMapOvr>
-    <a:masterClrMapping/>
-  </p:clrMapOvr>
-</p:sld>
-</file>
-
-<file path=ppt/slides/slide24.xml><?xml version="1.0" encoding="utf-8"?>
-<p:sld xmlns:a="http://schemas.openxmlformats.org/drawingml/2006/main" xmlns:r="http://schemas.openxmlformats.org/officeDocument/2006/relationships" xmlns:p="http://schemas.openxmlformats.org/presentationml/2006/main">
-  <p:cSld>
-    <p:spTree>
-      <p:nvGrpSpPr>
-        <p:cNvPr id="1" name=""/>
-        <p:cNvGrpSpPr/>
-        <p:nvPr/>
-      </p:nvGrpSpPr>
-      <p:grpSpPr>
-        <a:xfrm>
-          <a:off x="0" y="0"/>
-          <a:ext cx="0" cy="0"/>
-          <a:chOff x="0" y="0"/>
-          <a:chExt cx="0" cy="0"/>
-        </a:xfrm>
-      </p:grpSpPr>
-      <p:sp>
-        <p:nvSpPr>
-          <p:cNvPr id="2" name="Text Placeholder 1">
-            <a:extLst>
-              <a:ext uri="{FF2B5EF4-FFF2-40B4-BE49-F238E27FC236}">
-                <a16:creationId xmlns:a16="http://schemas.microsoft.com/office/drawing/2014/main" id="{4C148219-67A4-6A1C-4219-69A2693902C5}"/>
-              </a:ext>
-            </a:extLst>
-          </p:cNvPr>
-          <p:cNvSpPr>
-            <a:spLocks noGrp="1"/>
-          </p:cNvSpPr>
-          <p:nvPr>
-            <p:ph type="body" idx="1"/>
-          </p:nvPr>
-        </p:nvSpPr>
-        <p:spPr>
-          <a:xfrm>
-            <a:off x="713225" y="1525500"/>
-            <a:ext cx="7717501" cy="2092500"/>
-          </a:xfrm>
-        </p:spPr>
-        <p:txBody>
-          <a:bodyPr/>
-          <a:lstStyle/>
-          <a:p>
-            <a:pPr marL="139700" indent="0">
-              <a:lnSpc>
-                <a:spcPct val="150000"/>
-              </a:lnSpc>
-              <a:buNone/>
-            </a:pPr>
-            <a:br>
-              <a:rPr lang="pl-PL" dirty="0"/>
-            </a:br>
-            <a:br>
-              <a:rPr lang="pl-PL" dirty="0"/>
-            </a:br>
-            <a:endParaRPr lang="pl-PL" dirty="0"/>
-          </a:p>
-          <a:p>
-            <a:pPr marL="482600" indent="-342900">
-              <a:lnSpc>
-                <a:spcPct val="150000"/>
-              </a:lnSpc>
-              <a:buFont typeface="+mj-lt"/>
-              <a:buAutoNum type="arabicPeriod"/>
-            </a:pPr>
-            <a:endParaRPr lang="pl-PL" dirty="0"/>
-          </a:p>
-        </p:txBody>
-      </p:sp>
-      <p:sp>
-        <p:nvSpPr>
-          <p:cNvPr id="3" name="Title 2">
-            <a:extLst>
-              <a:ext uri="{FF2B5EF4-FFF2-40B4-BE49-F238E27FC236}">
-                <a16:creationId xmlns:a16="http://schemas.microsoft.com/office/drawing/2014/main" id="{A8AC65F6-0871-5304-59F1-3C34ECF7B43F}"/>
-              </a:ext>
-            </a:extLst>
-          </p:cNvPr>
-          <p:cNvSpPr>
-            <a:spLocks noGrp="1"/>
-          </p:cNvSpPr>
-          <p:nvPr>
-            <p:ph type="title"/>
-          </p:nvPr>
-        </p:nvSpPr>
-        <p:spPr/>
-        <p:txBody>
-          <a:bodyPr/>
-          <a:lstStyle/>
-          <a:p>
-            <a:r>
-              <a:rPr lang="pl-PL" dirty="0" err="1"/>
-              <a:t>Empirical</a:t>
-            </a:r>
-            <a:r>
-              <a:rPr lang="pl-PL" dirty="0"/>
-              <a:t> </a:t>
-            </a:r>
-            <a:r>
-              <a:rPr lang="pl-PL" dirty="0" err="1"/>
-              <a:t>thresholding</a:t>
-            </a:r>
-            <a:endParaRPr lang="en-GB" dirty="0"/>
-          </a:p>
-        </p:txBody>
-      </p:sp>
-      <mc:AlternateContent xmlns:mc="http://schemas.openxmlformats.org/markup-compatibility/2006">
-        <mc:Choice xmlns:a14="http://schemas.microsoft.com/office/drawing/2010/main" Requires="a14">
-          <p:sp>
-            <p:nvSpPr>
-              <p:cNvPr id="6" name="Text Placeholder 1">
-                <a:extLst>
-                  <a:ext uri="{FF2B5EF4-FFF2-40B4-BE49-F238E27FC236}">
-                    <a16:creationId xmlns:a16="http://schemas.microsoft.com/office/drawing/2014/main" id="{7392A943-EA8C-AA28-05D8-3A31DC956FB4}"/>
-                  </a:ext>
-                </a:extLst>
-              </p:cNvPr>
-              <p:cNvSpPr txBox="1">
-                <a:spLocks/>
-              </p:cNvSpPr>
-              <p:nvPr/>
-            </p:nvSpPr>
-            <p:spPr>
-              <a:xfrm>
-                <a:off x="713226" y="1407512"/>
-                <a:ext cx="7717499" cy="2592987"/>
-              </a:xfrm>
-              <a:prstGeom prst="rect">
-                <a:avLst/>
-              </a:prstGeom>
-              <a:noFill/>
-              <a:ln>
-                <a:noFill/>
-              </a:ln>
-            </p:spPr>
-            <p:txBody>
-              <a:bodyPr spcFirstLastPara="1" wrap="square" lIns="91425" tIns="91425" rIns="91425" bIns="91425" anchor="t" anchorCtr="0">
-                <a:noAutofit/>
-              </a:bodyPr>
-              <a:lstStyle>
-                <a:defPPr marR="0" lvl="0" algn="l" rtl="0">
-                  <a:lnSpc>
-                    <a:spcPct val="100000"/>
-                  </a:lnSpc>
-                  <a:spcBef>
-                    <a:spcPts val="0"/>
-                  </a:spcBef>
-                  <a:spcAft>
-                    <a:spcPts val="0"/>
-                  </a:spcAft>
-                </a:defPPr>
-                <a:lvl1pPr marL="457200" marR="0" lvl="0" indent="-317500" algn="l" rtl="0">
-                  <a:lnSpc>
-                    <a:spcPct val="115000"/>
-                  </a:lnSpc>
-                  <a:spcBef>
-                    <a:spcPts val="0"/>
-                  </a:spcBef>
-                  <a:spcAft>
-                    <a:spcPts val="0"/>
-                  </a:spcAft>
-                  <a:buClr>
-                    <a:schemeClr val="dk2"/>
-                  </a:buClr>
-                  <a:buSzPts val="1400"/>
-                  <a:buFont typeface="Red Hat Display"/>
-                  <a:buChar char="■"/>
-                  <a:defRPr sz="1400" b="0" i="0" u="none" strike="noStrike" cap="none">
-                    <a:solidFill>
-                      <a:schemeClr val="dk1"/>
-                    </a:solidFill>
-                    <a:latin typeface="Commissioner"/>
-                    <a:ea typeface="Commissioner"/>
-                    <a:cs typeface="Commissioner"/>
-                    <a:sym typeface="Commissioner"/>
-                  </a:defRPr>
-                </a:lvl1pPr>
-                <a:lvl2pPr marL="914400" marR="0" lvl="1" indent="-317500" algn="l" rtl="0">
-                  <a:lnSpc>
-                    <a:spcPct val="115000"/>
-                  </a:lnSpc>
-                  <a:spcBef>
-                    <a:spcPts val="1600"/>
-                  </a:spcBef>
-                  <a:spcAft>
-                    <a:spcPts val="0"/>
-                  </a:spcAft>
-                  <a:buClr>
-                    <a:srgbClr val="FFFFFF"/>
-                  </a:buClr>
-                  <a:buSzPts val="1400"/>
-                  <a:buFont typeface="Red Hat Display"/>
-                  <a:buChar char="○"/>
-                  <a:defRPr sz="1400" b="0" i="0" u="none" strike="noStrike" cap="none">
-                    <a:solidFill>
-                      <a:schemeClr val="dk1"/>
-                    </a:solidFill>
-                    <a:latin typeface="Commissioner"/>
-                    <a:ea typeface="Commissioner"/>
-                    <a:cs typeface="Commissioner"/>
-                    <a:sym typeface="Commissioner"/>
-                  </a:defRPr>
-                </a:lvl2pPr>
-                <a:lvl3pPr marL="1371600" marR="0" lvl="2" indent="-317500" algn="l" rtl="0">
-                  <a:lnSpc>
-                    <a:spcPct val="115000"/>
-                  </a:lnSpc>
-                  <a:spcBef>
-                    <a:spcPts val="1600"/>
-                  </a:spcBef>
-                  <a:spcAft>
-                    <a:spcPts val="0"/>
-                  </a:spcAft>
-                  <a:buClr>
-                    <a:srgbClr val="FFFFFF"/>
-                  </a:buClr>
-                  <a:buSzPts val="1400"/>
-                  <a:buFont typeface="Red Hat Display"/>
-                  <a:buChar char="■"/>
-                  <a:defRPr sz="1400" b="0" i="0" u="none" strike="noStrike" cap="none">
-                    <a:solidFill>
-                      <a:schemeClr val="dk1"/>
-                    </a:solidFill>
-                    <a:latin typeface="Commissioner"/>
-                    <a:ea typeface="Commissioner"/>
-                    <a:cs typeface="Commissioner"/>
-                    <a:sym typeface="Commissioner"/>
-                  </a:defRPr>
-                </a:lvl3pPr>
-                <a:lvl4pPr marL="1828800" marR="0" lvl="3" indent="-317500" algn="l" rtl="0">
-                  <a:lnSpc>
-                    <a:spcPct val="115000"/>
-                  </a:lnSpc>
-                  <a:spcBef>
-                    <a:spcPts val="1600"/>
-                  </a:spcBef>
-                  <a:spcAft>
-                    <a:spcPts val="0"/>
-                  </a:spcAft>
-                  <a:buClr>
-                    <a:srgbClr val="FFFFFF"/>
-                  </a:buClr>
-                  <a:buSzPts val="1400"/>
-                  <a:buFont typeface="Red Hat Display"/>
-                  <a:buChar char="●"/>
-                  <a:defRPr sz="1400" b="0" i="0" u="none" strike="noStrike" cap="none">
-                    <a:solidFill>
-                      <a:schemeClr val="dk1"/>
-                    </a:solidFill>
-                    <a:latin typeface="Commissioner"/>
-                    <a:ea typeface="Commissioner"/>
-                    <a:cs typeface="Commissioner"/>
-                    <a:sym typeface="Commissioner"/>
-                  </a:defRPr>
-                </a:lvl4pPr>
-                <a:lvl5pPr marL="2286000" marR="0" lvl="4" indent="-317500" algn="l" rtl="0">
-                  <a:lnSpc>
-                    <a:spcPct val="115000"/>
-                  </a:lnSpc>
-                  <a:spcBef>
-                    <a:spcPts val="1600"/>
-                  </a:spcBef>
-                  <a:spcAft>
-                    <a:spcPts val="0"/>
-                  </a:spcAft>
-                  <a:buClr>
-                    <a:srgbClr val="FFFFFF"/>
-                  </a:buClr>
-                  <a:buSzPts val="1400"/>
-                  <a:buFont typeface="Red Hat Display"/>
-                  <a:buChar char="○"/>
-                  <a:defRPr sz="1400" b="0" i="0" u="none" strike="noStrike" cap="none">
-                    <a:solidFill>
-                      <a:schemeClr val="dk1"/>
-                    </a:solidFill>
-                    <a:latin typeface="Commissioner"/>
-                    <a:ea typeface="Commissioner"/>
-                    <a:cs typeface="Commissioner"/>
-                    <a:sym typeface="Commissioner"/>
-                  </a:defRPr>
-                </a:lvl5pPr>
-                <a:lvl6pPr marL="2743200" marR="0" lvl="5" indent="-317500" algn="l" rtl="0">
-                  <a:lnSpc>
-                    <a:spcPct val="115000"/>
-                  </a:lnSpc>
-                  <a:spcBef>
-                    <a:spcPts val="1600"/>
-                  </a:spcBef>
-                  <a:spcAft>
-                    <a:spcPts val="0"/>
-                  </a:spcAft>
-                  <a:buClr>
-                    <a:srgbClr val="FFFFFF"/>
-                  </a:buClr>
-                  <a:buSzPts val="1400"/>
-                  <a:buFont typeface="Red Hat Display"/>
-                  <a:buChar char="■"/>
-                  <a:defRPr sz="1400" b="0" i="0" u="none" strike="noStrike" cap="none">
-                    <a:solidFill>
-                      <a:schemeClr val="dk1"/>
-                    </a:solidFill>
-                    <a:latin typeface="Commissioner"/>
-                    <a:ea typeface="Commissioner"/>
-                    <a:cs typeface="Commissioner"/>
-                    <a:sym typeface="Commissioner"/>
-                  </a:defRPr>
-                </a:lvl6pPr>
-                <a:lvl7pPr marL="3200400" marR="0" lvl="6" indent="-317500" algn="l" rtl="0">
-                  <a:lnSpc>
-                    <a:spcPct val="115000"/>
-                  </a:lnSpc>
-                  <a:spcBef>
-                    <a:spcPts val="1600"/>
-                  </a:spcBef>
-                  <a:spcAft>
-                    <a:spcPts val="0"/>
-                  </a:spcAft>
-                  <a:buClr>
-                    <a:srgbClr val="FFFFFF"/>
-                  </a:buClr>
-                  <a:buSzPts val="1400"/>
-                  <a:buFont typeface="Red Hat Display"/>
-                  <a:buChar char="●"/>
-                  <a:defRPr sz="1400" b="0" i="0" u="none" strike="noStrike" cap="none">
-                    <a:solidFill>
-                      <a:schemeClr val="dk1"/>
-                    </a:solidFill>
-                    <a:latin typeface="Commissioner"/>
-                    <a:ea typeface="Commissioner"/>
-                    <a:cs typeface="Commissioner"/>
-                    <a:sym typeface="Commissioner"/>
-                  </a:defRPr>
-                </a:lvl7pPr>
-                <a:lvl8pPr marL="3657600" marR="0" lvl="7" indent="-317500" algn="l" rtl="0">
-                  <a:lnSpc>
-                    <a:spcPct val="115000"/>
-                  </a:lnSpc>
-                  <a:spcBef>
-                    <a:spcPts val="1600"/>
-                  </a:spcBef>
-                  <a:spcAft>
-                    <a:spcPts val="0"/>
-                  </a:spcAft>
-                  <a:buClr>
-                    <a:srgbClr val="FFFFFF"/>
-                  </a:buClr>
-                  <a:buSzPts val="1400"/>
-                  <a:buFont typeface="Red Hat Display"/>
-                  <a:buChar char="○"/>
-                  <a:defRPr sz="1400" b="0" i="0" u="none" strike="noStrike" cap="none">
-                    <a:solidFill>
-                      <a:schemeClr val="dk1"/>
-                    </a:solidFill>
-                    <a:latin typeface="Commissioner"/>
-                    <a:ea typeface="Commissioner"/>
-                    <a:cs typeface="Commissioner"/>
-                    <a:sym typeface="Commissioner"/>
-                  </a:defRPr>
-                </a:lvl8pPr>
-                <a:lvl9pPr marL="4114800" marR="0" lvl="8" indent="-317500" algn="l" rtl="0">
-                  <a:lnSpc>
-                    <a:spcPct val="115000"/>
-                  </a:lnSpc>
-                  <a:spcBef>
-                    <a:spcPts val="1600"/>
-                  </a:spcBef>
-                  <a:spcAft>
-                    <a:spcPts val="1600"/>
-                  </a:spcAft>
-                  <a:buClr>
-                    <a:srgbClr val="FFFFFF"/>
-                  </a:buClr>
-                  <a:buSzPts val="1400"/>
-                  <a:buFont typeface="Red Hat Display"/>
-                  <a:buChar char="■"/>
-                  <a:defRPr sz="1400" b="0" i="0" u="none" strike="noStrike" cap="none">
-                    <a:solidFill>
-                      <a:schemeClr val="dk1"/>
-                    </a:solidFill>
-                    <a:latin typeface="Commissioner"/>
-                    <a:ea typeface="Commissioner"/>
-                    <a:cs typeface="Commissioner"/>
-                    <a:sym typeface="Commissioner"/>
-                  </a:defRPr>
-                </a:lvl9pPr>
-              </a:lstStyle>
-              <a:p>
-                <a:pPr>
-                  <a:lnSpc>
-                    <a:spcPct val="150000"/>
-                  </a:lnSpc>
-                </a:pPr>
-                <a:r>
                   <a:rPr lang="pl-PL" dirty="0"/>
                   <a:t>Does not </a:t>
                 </a:r>
@@ -15413,7 +15929,7 @@
             </p:txBody>
           </p:sp>
         </mc:Choice>
-        <mc:Fallback>
+        <mc:Fallback xmlns="">
           <p:sp>
             <p:nvSpPr>
               <p:cNvPr id="6" name="Text Placeholder 1">
@@ -15474,7 +15990,7 @@
 </p:sld>
 </file>
 
-<file path=ppt/slides/slide25.xml><?xml version="1.0" encoding="utf-8"?>
+<file path=ppt/slides/slide26.xml><?xml version="1.0" encoding="utf-8"?>
 <p:sld xmlns:a="http://schemas.openxmlformats.org/drawingml/2006/main" xmlns:r="http://schemas.openxmlformats.org/officeDocument/2006/relationships" xmlns:p="http://schemas.openxmlformats.org/presentationml/2006/main">
   <p:cSld>
     <p:spTree>
@@ -15677,7 +16193,7 @@
 </p:sld>
 </file>
 
-<file path=ppt/slides/slide26.xml><?xml version="1.0" encoding="utf-8"?>
+<file path=ppt/slides/slide27.xml><?xml version="1.0" encoding="utf-8"?>
 <p:sld xmlns:a="http://schemas.openxmlformats.org/drawingml/2006/main" xmlns:r="http://schemas.openxmlformats.org/officeDocument/2006/relationships" xmlns:p="http://schemas.openxmlformats.org/presentationml/2006/main">
   <p:cSld>
     <p:spTree>
@@ -15911,7 +16427,7 @@
 </p:sld>
 </file>
 
-<file path=ppt/slides/slide27.xml><?xml version="1.0" encoding="utf-8"?>
+<file path=ppt/slides/slide28.xml><?xml version="1.0" encoding="utf-8"?>
 <p:sld xmlns:a="http://schemas.openxmlformats.org/drawingml/2006/main" xmlns:r="http://schemas.openxmlformats.org/officeDocument/2006/relationships" xmlns:p="http://schemas.openxmlformats.org/presentationml/2006/main">
   <p:cSld>
     <p:spTree>
@@ -15971,7 +16487,7 @@
 </p:sld>
 </file>
 
-<file path=ppt/slides/slide28.xml><?xml version="1.0" encoding="utf-8"?>
+<file path=ppt/slides/slide29.xml><?xml version="1.0" encoding="utf-8"?>
 <p:sld xmlns:a="http://schemas.openxmlformats.org/drawingml/2006/main" xmlns:r="http://schemas.openxmlformats.org/officeDocument/2006/relationships" xmlns:p="http://schemas.openxmlformats.org/presentationml/2006/main">
   <p:cSld>
     <p:spTree>
@@ -16180,7 +16696,482 @@
 </p:sld>
 </file>
 
-<file path=ppt/slides/slide29.xml><?xml version="1.0" encoding="utf-8"?>
+<file path=ppt/slides/slide3.xml><?xml version="1.0" encoding="utf-8"?>
+<p:sld xmlns:a="http://schemas.openxmlformats.org/drawingml/2006/main" xmlns:r="http://schemas.openxmlformats.org/officeDocument/2006/relationships" xmlns:p="http://schemas.openxmlformats.org/presentationml/2006/main">
+  <p:cSld>
+    <p:spTree>
+      <p:nvGrpSpPr>
+        <p:cNvPr id="1" name="Shape 347"/>
+        <p:cNvGrpSpPr/>
+        <p:nvPr/>
+      </p:nvGrpSpPr>
+      <p:grpSpPr>
+        <a:xfrm>
+          <a:off x="0" y="0"/>
+          <a:ext cx="0" cy="0"/>
+          <a:chOff x="0" y="0"/>
+          <a:chExt cx="0" cy="0"/>
+        </a:xfrm>
+      </p:grpSpPr>
+      <p:sp>
+        <p:nvSpPr>
+          <p:cNvPr id="348" name="Google Shape;348;p47"/>
+          <p:cNvSpPr txBox="1">
+            <a:spLocks noGrp="1"/>
+          </p:cNvSpPr>
+          <p:nvPr>
+            <p:ph type="title"/>
+          </p:nvPr>
+        </p:nvSpPr>
+        <p:spPr>
+          <a:xfrm>
+            <a:off x="713225" y="470650"/>
+            <a:ext cx="7717500" cy="549900"/>
+          </a:xfrm>
+          <a:prstGeom prst="rect">
+            <a:avLst/>
+          </a:prstGeom>
+        </p:spPr>
+        <p:txBody>
+          <a:bodyPr spcFirstLastPara="1" wrap="square" lIns="91425" tIns="91425" rIns="91425" bIns="91425" anchor="t" anchorCtr="0">
+            <a:noAutofit/>
+          </a:bodyPr>
+          <a:lstStyle/>
+          <a:p>
+            <a:pPr marL="0" lvl="0" indent="0" algn="ctr" rtl="0">
+              <a:spcBef>
+                <a:spcPts val="0"/>
+              </a:spcBef>
+              <a:spcAft>
+                <a:spcPts val="0"/>
+              </a:spcAft>
+              <a:buNone/>
+            </a:pPr>
+            <a:r>
+              <a:rPr lang="pl-PL" dirty="0"/>
+              <a:t>Basic </a:t>
+            </a:r>
+            <a:r>
+              <a:rPr lang="pl-PL" dirty="0" err="1"/>
+              <a:t>concepts</a:t>
+            </a:r>
+            <a:endParaRPr dirty="0"/>
+          </a:p>
+        </p:txBody>
+      </p:sp>
+      <p:sp>
+        <p:nvSpPr>
+          <p:cNvPr id="349" name="Google Shape;349;p47"/>
+          <p:cNvSpPr txBox="1">
+            <a:spLocks noGrp="1"/>
+          </p:cNvSpPr>
+          <p:nvPr>
+            <p:ph type="subTitle" idx="1"/>
+          </p:nvPr>
+        </p:nvSpPr>
+        <p:spPr>
+          <a:xfrm>
+            <a:off x="843106" y="1489717"/>
+            <a:ext cx="7587619" cy="2959192"/>
+          </a:xfrm>
+          <a:prstGeom prst="rect">
+            <a:avLst/>
+          </a:prstGeom>
+        </p:spPr>
+        <p:txBody>
+          <a:bodyPr spcFirstLastPara="1" wrap="square" lIns="91425" tIns="91425" rIns="91425" bIns="91425" anchor="t" anchorCtr="0">
+            <a:noAutofit/>
+          </a:bodyPr>
+          <a:lstStyle/>
+          <a:p>
+            <a:pPr marL="285750" lvl="0" indent="-285750" algn="l" rtl="0">
+              <a:lnSpc>
+                <a:spcPct val="150000"/>
+              </a:lnSpc>
+              <a:spcBef>
+                <a:spcPts val="0"/>
+              </a:spcBef>
+              <a:spcAft>
+                <a:spcPts val="0"/>
+              </a:spcAft>
+              <a:buFont typeface="Arial" panose="020B0604020202020204" pitchFamily="34" charset="0"/>
+              <a:buChar char="•"/>
+            </a:pPr>
+            <a:r>
+              <a:rPr lang="pl-PL" dirty="0"/>
+              <a:t>Class </a:t>
+            </a:r>
+            <a:r>
+              <a:rPr lang="pl-PL" dirty="0" err="1"/>
+              <a:t>imbalance</a:t>
+            </a:r>
+            <a:r>
+              <a:rPr lang="pl-PL" dirty="0"/>
+              <a:t> – </a:t>
+            </a:r>
+            <a:r>
+              <a:rPr lang="pl-PL" dirty="0" err="1"/>
+              <a:t>situation</a:t>
+            </a:r>
+            <a:r>
+              <a:rPr lang="pl-PL" dirty="0"/>
+              <a:t> </a:t>
+            </a:r>
+            <a:r>
+              <a:rPr lang="pl-PL" dirty="0" err="1"/>
+              <a:t>when</a:t>
+            </a:r>
+            <a:r>
+              <a:rPr lang="pl-PL" dirty="0"/>
+              <a:t> the </a:t>
+            </a:r>
+            <a:r>
+              <a:rPr lang="pl-PL" dirty="0" err="1"/>
+              <a:t>class</a:t>
+            </a:r>
+            <a:r>
+              <a:rPr lang="pl-PL" dirty="0"/>
+              <a:t> </a:t>
+            </a:r>
+            <a:r>
+              <a:rPr lang="pl-PL" dirty="0" err="1"/>
+              <a:t>distributions</a:t>
+            </a:r>
+            <a:r>
+              <a:rPr lang="pl-PL" dirty="0"/>
+              <a:t> of data </a:t>
+            </a:r>
+            <a:r>
+              <a:rPr lang="pl-PL" dirty="0" err="1"/>
+              <a:t>are</a:t>
+            </a:r>
+            <a:r>
+              <a:rPr lang="pl-PL" dirty="0"/>
+              <a:t> </a:t>
+            </a:r>
+            <a:r>
+              <a:rPr lang="pl-PL" dirty="0" err="1"/>
+              <a:t>highly</a:t>
+            </a:r>
+            <a:r>
+              <a:rPr lang="pl-PL" dirty="0"/>
+              <a:t> </a:t>
+            </a:r>
+            <a:r>
+              <a:rPr lang="pl-PL" dirty="0" err="1"/>
+              <a:t>imbalanced</a:t>
+            </a:r>
+            <a:r>
+              <a:rPr lang="pl-PL" dirty="0"/>
+              <a:t>.</a:t>
+            </a:r>
+          </a:p>
+          <a:p>
+            <a:pPr marL="285750" lvl="0" indent="-285750" algn="l" rtl="0">
+              <a:lnSpc>
+                <a:spcPct val="150000"/>
+              </a:lnSpc>
+              <a:spcBef>
+                <a:spcPts val="0"/>
+              </a:spcBef>
+              <a:spcAft>
+                <a:spcPts val="0"/>
+              </a:spcAft>
+              <a:buFont typeface="Arial" panose="020B0604020202020204" pitchFamily="34" charset="0"/>
+              <a:buChar char="•"/>
+            </a:pPr>
+            <a:r>
+              <a:rPr lang="pl-PL" dirty="0" err="1"/>
+              <a:t>Minority</a:t>
+            </a:r>
+            <a:r>
+              <a:rPr lang="pl-PL" dirty="0"/>
+              <a:t> </a:t>
+            </a:r>
+            <a:r>
+              <a:rPr lang="pl-PL" dirty="0" err="1"/>
+              <a:t>class</a:t>
+            </a:r>
+            <a:r>
+              <a:rPr lang="pl-PL" dirty="0"/>
+              <a:t> – the </a:t>
+            </a:r>
+            <a:r>
+              <a:rPr lang="pl-PL" dirty="0" err="1"/>
+              <a:t>class</a:t>
+            </a:r>
+            <a:r>
+              <a:rPr lang="pl-PL" dirty="0"/>
+              <a:t> </a:t>
+            </a:r>
+            <a:r>
+              <a:rPr lang="pl-PL" dirty="0" err="1"/>
+              <a:t>that</a:t>
+            </a:r>
+            <a:r>
+              <a:rPr lang="pl-PL" dirty="0"/>
+              <a:t> </a:t>
+            </a:r>
+            <a:r>
+              <a:rPr lang="pl-PL" dirty="0" err="1"/>
+              <a:t>makes</a:t>
+            </a:r>
+            <a:r>
+              <a:rPr lang="pl-PL" dirty="0"/>
+              <a:t> </a:t>
+            </a:r>
+            <a:r>
+              <a:rPr lang="pl-PL" dirty="0" err="1"/>
+              <a:t>up</a:t>
+            </a:r>
+            <a:r>
+              <a:rPr lang="pl-PL" dirty="0"/>
+              <a:t> a </a:t>
+            </a:r>
+            <a:r>
+              <a:rPr lang="pl-PL" dirty="0" err="1"/>
+              <a:t>smaller</a:t>
+            </a:r>
+            <a:r>
+              <a:rPr lang="pl-PL" dirty="0"/>
+              <a:t> </a:t>
+            </a:r>
+            <a:r>
+              <a:rPr lang="pl-PL" dirty="0" err="1"/>
+              <a:t>proportion</a:t>
+            </a:r>
+            <a:r>
+              <a:rPr lang="pl-PL" dirty="0"/>
+              <a:t> in the </a:t>
+            </a:r>
+            <a:r>
+              <a:rPr lang="pl-PL" dirty="0" err="1"/>
+              <a:t>dataset</a:t>
+            </a:r>
+            <a:r>
+              <a:rPr lang="pl-PL" dirty="0"/>
+              <a:t>.</a:t>
+            </a:r>
+          </a:p>
+          <a:p>
+            <a:pPr marL="285750" lvl="0" indent="-285750" algn="l" rtl="0">
+              <a:lnSpc>
+                <a:spcPct val="150000"/>
+              </a:lnSpc>
+              <a:spcBef>
+                <a:spcPts val="0"/>
+              </a:spcBef>
+              <a:spcAft>
+                <a:spcPts val="0"/>
+              </a:spcAft>
+              <a:buFont typeface="Arial" panose="020B0604020202020204" pitchFamily="34" charset="0"/>
+              <a:buChar char="•"/>
+            </a:pPr>
+            <a:r>
+              <a:rPr lang="pl-PL" dirty="0" err="1"/>
+              <a:t>Majority</a:t>
+            </a:r>
+            <a:r>
+              <a:rPr lang="pl-PL" dirty="0"/>
+              <a:t> </a:t>
+            </a:r>
+            <a:r>
+              <a:rPr lang="pl-PL" dirty="0" err="1"/>
+              <a:t>class</a:t>
+            </a:r>
+            <a:r>
+              <a:rPr lang="pl-PL" dirty="0"/>
+              <a:t> – the </a:t>
+            </a:r>
+            <a:r>
+              <a:rPr lang="pl-PL" dirty="0" err="1"/>
+              <a:t>class</a:t>
+            </a:r>
+            <a:r>
+              <a:rPr lang="pl-PL" dirty="0"/>
+              <a:t> </a:t>
+            </a:r>
+            <a:r>
+              <a:rPr lang="pl-PL" dirty="0" err="1"/>
+              <a:t>that</a:t>
+            </a:r>
+            <a:r>
+              <a:rPr lang="pl-PL" dirty="0"/>
+              <a:t> </a:t>
+            </a:r>
+            <a:r>
+              <a:rPr lang="pl-PL" dirty="0" err="1"/>
+              <a:t>makes</a:t>
+            </a:r>
+            <a:r>
+              <a:rPr lang="pl-PL" dirty="0"/>
+              <a:t> </a:t>
+            </a:r>
+            <a:r>
+              <a:rPr lang="pl-PL" dirty="0" err="1"/>
+              <a:t>up</a:t>
+            </a:r>
+            <a:r>
+              <a:rPr lang="pl-PL" dirty="0"/>
+              <a:t> a </a:t>
+            </a:r>
+            <a:r>
+              <a:rPr lang="pl-PL" dirty="0" err="1"/>
+              <a:t>larger</a:t>
+            </a:r>
+            <a:r>
+              <a:rPr lang="pl-PL" dirty="0"/>
+              <a:t> </a:t>
+            </a:r>
+            <a:r>
+              <a:rPr lang="pl-PL" dirty="0" err="1"/>
+              <a:t>proportion</a:t>
+            </a:r>
+            <a:r>
+              <a:rPr lang="pl-PL" dirty="0"/>
+              <a:t> in the </a:t>
+            </a:r>
+            <a:r>
+              <a:rPr lang="pl-PL" dirty="0" err="1"/>
+              <a:t>dataset</a:t>
+            </a:r>
+            <a:r>
+              <a:rPr lang="pl-PL" dirty="0"/>
+              <a:t>.</a:t>
+            </a:r>
+          </a:p>
+          <a:p>
+            <a:pPr marL="285750" lvl="0" indent="-285750" algn="l" rtl="0">
+              <a:lnSpc>
+                <a:spcPct val="150000"/>
+              </a:lnSpc>
+              <a:spcBef>
+                <a:spcPts val="0"/>
+              </a:spcBef>
+              <a:spcAft>
+                <a:spcPts val="0"/>
+              </a:spcAft>
+              <a:buFont typeface="Arial" panose="020B0604020202020204" pitchFamily="34" charset="0"/>
+              <a:buChar char="•"/>
+            </a:pPr>
+            <a:r>
+              <a:rPr lang="pl-PL" dirty="0"/>
+              <a:t>In </a:t>
+            </a:r>
+            <a:r>
+              <a:rPr lang="pl-PL" dirty="0" err="1"/>
+              <a:t>our</a:t>
+            </a:r>
+            <a:r>
+              <a:rPr lang="pl-PL" dirty="0"/>
+              <a:t> </a:t>
+            </a:r>
+            <a:r>
+              <a:rPr lang="pl-PL" dirty="0" err="1"/>
+              <a:t>case</a:t>
+            </a:r>
+            <a:r>
+              <a:rPr lang="pl-PL" dirty="0"/>
+              <a:t> </a:t>
+            </a:r>
+            <a:r>
+              <a:rPr lang="pl-PL" dirty="0" err="1"/>
+              <a:t>study</a:t>
+            </a:r>
+            <a:r>
+              <a:rPr lang="pl-PL" dirty="0"/>
+              <a:t>: </a:t>
+            </a:r>
+            <a:r>
+              <a:rPr lang="pl-PL" dirty="0" err="1"/>
+              <a:t>minority</a:t>
+            </a:r>
+            <a:r>
+              <a:rPr lang="pl-PL" dirty="0"/>
+              <a:t> </a:t>
+            </a:r>
+            <a:r>
+              <a:rPr lang="pl-PL" dirty="0" err="1"/>
+              <a:t>class</a:t>
+            </a:r>
+            <a:r>
+              <a:rPr lang="pl-PL" dirty="0"/>
+              <a:t> = </a:t>
+            </a:r>
+            <a:r>
+              <a:rPr lang="pl-PL" dirty="0" err="1"/>
+              <a:t>heart</a:t>
+            </a:r>
+            <a:r>
+              <a:rPr lang="pl-PL" dirty="0"/>
+              <a:t> </a:t>
+            </a:r>
+            <a:r>
+              <a:rPr lang="pl-PL" dirty="0" err="1"/>
+              <a:t>disease</a:t>
+            </a:r>
+            <a:r>
+              <a:rPr lang="pl-PL" dirty="0"/>
+              <a:t> (1), </a:t>
+            </a:r>
+            <a:r>
+              <a:rPr lang="pl-PL" dirty="0" err="1"/>
+              <a:t>majority</a:t>
+            </a:r>
+            <a:r>
+              <a:rPr lang="pl-PL" dirty="0"/>
+              <a:t> </a:t>
+            </a:r>
+            <a:r>
+              <a:rPr lang="pl-PL" dirty="0" err="1"/>
+              <a:t>class</a:t>
+            </a:r>
+            <a:r>
+              <a:rPr lang="pl-PL" dirty="0"/>
+              <a:t> = no </a:t>
+            </a:r>
+            <a:r>
+              <a:rPr lang="pl-PL" dirty="0" err="1"/>
+              <a:t>heart</a:t>
+            </a:r>
+            <a:r>
+              <a:rPr lang="pl-PL" dirty="0"/>
+              <a:t> </a:t>
+            </a:r>
+            <a:r>
+              <a:rPr lang="pl-PL" dirty="0" err="1"/>
+              <a:t>disease</a:t>
+            </a:r>
+            <a:r>
+              <a:rPr lang="pl-PL" dirty="0"/>
+              <a:t> (0).</a:t>
+            </a:r>
+          </a:p>
+          <a:p>
+            <a:pPr marL="0" lvl="0" indent="0" algn="l" rtl="0">
+              <a:lnSpc>
+                <a:spcPct val="150000"/>
+              </a:lnSpc>
+              <a:spcBef>
+                <a:spcPts val="0"/>
+              </a:spcBef>
+              <a:spcAft>
+                <a:spcPts val="0"/>
+              </a:spcAft>
+            </a:pPr>
+            <a:endParaRPr lang="pl-PL" dirty="0"/>
+          </a:p>
+        </p:txBody>
+      </p:sp>
+    </p:spTree>
+  </p:cSld>
+  <p:clrMapOvr>
+    <a:masterClrMapping/>
+  </p:clrMapOvr>
+</p:sld>
+</file>
+
+<file path=ppt/slides/slide30.xml><?xml version="1.0" encoding="utf-8"?>
 <p:sld xmlns:a="http://schemas.openxmlformats.org/drawingml/2006/main" xmlns:r="http://schemas.openxmlformats.org/officeDocument/2006/relationships" xmlns:p="http://schemas.openxmlformats.org/presentationml/2006/main">
   <p:cSld>
     <p:spTree>
@@ -16595,8 +17586,8 @@
           </a:graphicData>
         </a:graphic>
       </p:graphicFrame>
-      <mc:AlternateContent xmlns:mc="http://schemas.openxmlformats.org/markup-compatibility/2006">
-        <mc:Choice xmlns:a14="http://schemas.microsoft.com/office/drawing/2010/main" Requires="a14">
+      <mc:AlternateContent xmlns:mc="http://schemas.openxmlformats.org/markup-compatibility/2006" xmlns:a14="http://schemas.microsoft.com/office/drawing/2010/main">
+        <mc:Choice Requires="a14">
           <p:graphicFrame>
             <p:nvGraphicFramePr>
               <p:cNvPr id="6" name="Tabela 5">
@@ -16976,7 +17967,7 @@
             </a:graphic>
           </p:graphicFrame>
         </mc:Choice>
-        <mc:Fallback>
+        <mc:Fallback xmlns="">
           <p:graphicFrame>
             <p:nvGraphicFramePr>
               <p:cNvPr id="6" name="Tabela 5">
@@ -17323,8 +18314,8 @@
           </p:graphicFrame>
         </mc:Fallback>
       </mc:AlternateContent>
-      <mc:AlternateContent xmlns:mc="http://schemas.openxmlformats.org/markup-compatibility/2006">
-        <mc:Choice xmlns:a14="http://schemas.microsoft.com/office/drawing/2010/main" Requires="a14">
+      <mc:AlternateContent xmlns:mc="http://schemas.openxmlformats.org/markup-compatibility/2006" xmlns:a14="http://schemas.microsoft.com/office/drawing/2010/main">
+        <mc:Choice Requires="a14">
           <p:graphicFrame>
             <p:nvGraphicFramePr>
               <p:cNvPr id="8" name="Tabela 7">
@@ -17704,7 +18695,7 @@
             </a:graphic>
           </p:graphicFrame>
         </mc:Choice>
-        <mc:Fallback>
+        <mc:Fallback xmlns="">
           <p:graphicFrame>
             <p:nvGraphicFramePr>
               <p:cNvPr id="8" name="Tabela 7">
@@ -18051,8 +19042,8 @@
           </p:graphicFrame>
         </mc:Fallback>
       </mc:AlternateContent>
-      <mc:AlternateContent xmlns:mc="http://schemas.openxmlformats.org/markup-compatibility/2006">
-        <mc:Choice xmlns:a14="http://schemas.microsoft.com/office/drawing/2010/main" Requires="a14">
+      <mc:AlternateContent xmlns:mc="http://schemas.openxmlformats.org/markup-compatibility/2006" xmlns:a14="http://schemas.microsoft.com/office/drawing/2010/main">
+        <mc:Choice Requires="a14">
           <p:graphicFrame>
             <p:nvGraphicFramePr>
               <p:cNvPr id="9" name="Tabela 8">
@@ -18432,7 +19423,7 @@
             </a:graphic>
           </p:graphicFrame>
         </mc:Choice>
-        <mc:Fallback>
+        <mc:Fallback xmlns="">
           <p:graphicFrame>
             <p:nvGraphicFramePr>
               <p:cNvPr id="9" name="Tabela 8">
@@ -18792,482 +19783,7 @@
 </p:sld>
 </file>
 
-<file path=ppt/slides/slide3.xml><?xml version="1.0" encoding="utf-8"?>
-<p:sld xmlns:a="http://schemas.openxmlformats.org/drawingml/2006/main" xmlns:r="http://schemas.openxmlformats.org/officeDocument/2006/relationships" xmlns:p="http://schemas.openxmlformats.org/presentationml/2006/main">
-  <p:cSld>
-    <p:spTree>
-      <p:nvGrpSpPr>
-        <p:cNvPr id="1" name="Shape 347"/>
-        <p:cNvGrpSpPr/>
-        <p:nvPr/>
-      </p:nvGrpSpPr>
-      <p:grpSpPr>
-        <a:xfrm>
-          <a:off x="0" y="0"/>
-          <a:ext cx="0" cy="0"/>
-          <a:chOff x="0" y="0"/>
-          <a:chExt cx="0" cy="0"/>
-        </a:xfrm>
-      </p:grpSpPr>
-      <p:sp>
-        <p:nvSpPr>
-          <p:cNvPr id="348" name="Google Shape;348;p47"/>
-          <p:cNvSpPr txBox="1">
-            <a:spLocks noGrp="1"/>
-          </p:cNvSpPr>
-          <p:nvPr>
-            <p:ph type="title"/>
-          </p:nvPr>
-        </p:nvSpPr>
-        <p:spPr>
-          <a:xfrm>
-            <a:off x="713225" y="470650"/>
-            <a:ext cx="7717500" cy="549900"/>
-          </a:xfrm>
-          <a:prstGeom prst="rect">
-            <a:avLst/>
-          </a:prstGeom>
-        </p:spPr>
-        <p:txBody>
-          <a:bodyPr spcFirstLastPara="1" wrap="square" lIns="91425" tIns="91425" rIns="91425" bIns="91425" anchor="t" anchorCtr="0">
-            <a:noAutofit/>
-          </a:bodyPr>
-          <a:lstStyle/>
-          <a:p>
-            <a:pPr marL="0" lvl="0" indent="0" algn="ctr" rtl="0">
-              <a:spcBef>
-                <a:spcPts val="0"/>
-              </a:spcBef>
-              <a:spcAft>
-                <a:spcPts val="0"/>
-              </a:spcAft>
-              <a:buNone/>
-            </a:pPr>
-            <a:r>
-              <a:rPr lang="pl-PL" dirty="0"/>
-              <a:t>Basic </a:t>
-            </a:r>
-            <a:r>
-              <a:rPr lang="pl-PL" dirty="0" err="1"/>
-              <a:t>concepts</a:t>
-            </a:r>
-            <a:endParaRPr dirty="0"/>
-          </a:p>
-        </p:txBody>
-      </p:sp>
-      <p:sp>
-        <p:nvSpPr>
-          <p:cNvPr id="349" name="Google Shape;349;p47"/>
-          <p:cNvSpPr txBox="1">
-            <a:spLocks noGrp="1"/>
-          </p:cNvSpPr>
-          <p:nvPr>
-            <p:ph type="subTitle" idx="1"/>
-          </p:nvPr>
-        </p:nvSpPr>
-        <p:spPr>
-          <a:xfrm>
-            <a:off x="843106" y="1489717"/>
-            <a:ext cx="7587619" cy="2959192"/>
-          </a:xfrm>
-          <a:prstGeom prst="rect">
-            <a:avLst/>
-          </a:prstGeom>
-        </p:spPr>
-        <p:txBody>
-          <a:bodyPr spcFirstLastPara="1" wrap="square" lIns="91425" tIns="91425" rIns="91425" bIns="91425" anchor="t" anchorCtr="0">
-            <a:noAutofit/>
-          </a:bodyPr>
-          <a:lstStyle/>
-          <a:p>
-            <a:pPr marL="285750" lvl="0" indent="-285750" algn="l" rtl="0">
-              <a:lnSpc>
-                <a:spcPct val="150000"/>
-              </a:lnSpc>
-              <a:spcBef>
-                <a:spcPts val="0"/>
-              </a:spcBef>
-              <a:spcAft>
-                <a:spcPts val="0"/>
-              </a:spcAft>
-              <a:buFont typeface="Arial" panose="020B0604020202020204" pitchFamily="34" charset="0"/>
-              <a:buChar char="•"/>
-            </a:pPr>
-            <a:r>
-              <a:rPr lang="pl-PL" dirty="0"/>
-              <a:t>Class </a:t>
-            </a:r>
-            <a:r>
-              <a:rPr lang="pl-PL" dirty="0" err="1"/>
-              <a:t>imbalance</a:t>
-            </a:r>
-            <a:r>
-              <a:rPr lang="pl-PL" dirty="0"/>
-              <a:t> – </a:t>
-            </a:r>
-            <a:r>
-              <a:rPr lang="pl-PL" dirty="0" err="1"/>
-              <a:t>situation</a:t>
-            </a:r>
-            <a:r>
-              <a:rPr lang="pl-PL" dirty="0"/>
-              <a:t> </a:t>
-            </a:r>
-            <a:r>
-              <a:rPr lang="pl-PL" dirty="0" err="1"/>
-              <a:t>when</a:t>
-            </a:r>
-            <a:r>
-              <a:rPr lang="pl-PL" dirty="0"/>
-              <a:t> the </a:t>
-            </a:r>
-            <a:r>
-              <a:rPr lang="pl-PL" dirty="0" err="1"/>
-              <a:t>class</a:t>
-            </a:r>
-            <a:r>
-              <a:rPr lang="pl-PL" dirty="0"/>
-              <a:t> </a:t>
-            </a:r>
-            <a:r>
-              <a:rPr lang="pl-PL" dirty="0" err="1"/>
-              <a:t>distributions</a:t>
-            </a:r>
-            <a:r>
-              <a:rPr lang="pl-PL" dirty="0"/>
-              <a:t> of data </a:t>
-            </a:r>
-            <a:r>
-              <a:rPr lang="pl-PL" dirty="0" err="1"/>
-              <a:t>are</a:t>
-            </a:r>
-            <a:r>
-              <a:rPr lang="pl-PL" dirty="0"/>
-              <a:t> </a:t>
-            </a:r>
-            <a:r>
-              <a:rPr lang="pl-PL" dirty="0" err="1"/>
-              <a:t>highly</a:t>
-            </a:r>
-            <a:r>
-              <a:rPr lang="pl-PL" dirty="0"/>
-              <a:t> </a:t>
-            </a:r>
-            <a:r>
-              <a:rPr lang="pl-PL" dirty="0" err="1"/>
-              <a:t>imbalanced</a:t>
-            </a:r>
-            <a:r>
-              <a:rPr lang="pl-PL" dirty="0"/>
-              <a:t>.</a:t>
-            </a:r>
-          </a:p>
-          <a:p>
-            <a:pPr marL="285750" lvl="0" indent="-285750" algn="l" rtl="0">
-              <a:lnSpc>
-                <a:spcPct val="150000"/>
-              </a:lnSpc>
-              <a:spcBef>
-                <a:spcPts val="0"/>
-              </a:spcBef>
-              <a:spcAft>
-                <a:spcPts val="0"/>
-              </a:spcAft>
-              <a:buFont typeface="Arial" panose="020B0604020202020204" pitchFamily="34" charset="0"/>
-              <a:buChar char="•"/>
-            </a:pPr>
-            <a:r>
-              <a:rPr lang="pl-PL" dirty="0" err="1"/>
-              <a:t>Minority</a:t>
-            </a:r>
-            <a:r>
-              <a:rPr lang="pl-PL" dirty="0"/>
-              <a:t> </a:t>
-            </a:r>
-            <a:r>
-              <a:rPr lang="pl-PL" dirty="0" err="1"/>
-              <a:t>class</a:t>
-            </a:r>
-            <a:r>
-              <a:rPr lang="pl-PL" dirty="0"/>
-              <a:t> – the </a:t>
-            </a:r>
-            <a:r>
-              <a:rPr lang="pl-PL" dirty="0" err="1"/>
-              <a:t>class</a:t>
-            </a:r>
-            <a:r>
-              <a:rPr lang="pl-PL" dirty="0"/>
-              <a:t> </a:t>
-            </a:r>
-            <a:r>
-              <a:rPr lang="pl-PL" dirty="0" err="1"/>
-              <a:t>that</a:t>
-            </a:r>
-            <a:r>
-              <a:rPr lang="pl-PL" dirty="0"/>
-              <a:t> </a:t>
-            </a:r>
-            <a:r>
-              <a:rPr lang="pl-PL" dirty="0" err="1"/>
-              <a:t>makes</a:t>
-            </a:r>
-            <a:r>
-              <a:rPr lang="pl-PL" dirty="0"/>
-              <a:t> </a:t>
-            </a:r>
-            <a:r>
-              <a:rPr lang="pl-PL" dirty="0" err="1"/>
-              <a:t>up</a:t>
-            </a:r>
-            <a:r>
-              <a:rPr lang="pl-PL" dirty="0"/>
-              <a:t> a </a:t>
-            </a:r>
-            <a:r>
-              <a:rPr lang="pl-PL" dirty="0" err="1"/>
-              <a:t>smaller</a:t>
-            </a:r>
-            <a:r>
-              <a:rPr lang="pl-PL" dirty="0"/>
-              <a:t> </a:t>
-            </a:r>
-            <a:r>
-              <a:rPr lang="pl-PL" dirty="0" err="1"/>
-              <a:t>proportion</a:t>
-            </a:r>
-            <a:r>
-              <a:rPr lang="pl-PL" dirty="0"/>
-              <a:t> in the </a:t>
-            </a:r>
-            <a:r>
-              <a:rPr lang="pl-PL" dirty="0" err="1"/>
-              <a:t>dataset</a:t>
-            </a:r>
-            <a:r>
-              <a:rPr lang="pl-PL" dirty="0"/>
-              <a:t>.</a:t>
-            </a:r>
-          </a:p>
-          <a:p>
-            <a:pPr marL="285750" lvl="0" indent="-285750" algn="l" rtl="0">
-              <a:lnSpc>
-                <a:spcPct val="150000"/>
-              </a:lnSpc>
-              <a:spcBef>
-                <a:spcPts val="0"/>
-              </a:spcBef>
-              <a:spcAft>
-                <a:spcPts val="0"/>
-              </a:spcAft>
-              <a:buFont typeface="Arial" panose="020B0604020202020204" pitchFamily="34" charset="0"/>
-              <a:buChar char="•"/>
-            </a:pPr>
-            <a:r>
-              <a:rPr lang="pl-PL" dirty="0" err="1"/>
-              <a:t>Majority</a:t>
-            </a:r>
-            <a:r>
-              <a:rPr lang="pl-PL" dirty="0"/>
-              <a:t> </a:t>
-            </a:r>
-            <a:r>
-              <a:rPr lang="pl-PL" dirty="0" err="1"/>
-              <a:t>class</a:t>
-            </a:r>
-            <a:r>
-              <a:rPr lang="pl-PL" dirty="0"/>
-              <a:t> – the </a:t>
-            </a:r>
-            <a:r>
-              <a:rPr lang="pl-PL" dirty="0" err="1"/>
-              <a:t>class</a:t>
-            </a:r>
-            <a:r>
-              <a:rPr lang="pl-PL" dirty="0"/>
-              <a:t> </a:t>
-            </a:r>
-            <a:r>
-              <a:rPr lang="pl-PL" dirty="0" err="1"/>
-              <a:t>that</a:t>
-            </a:r>
-            <a:r>
-              <a:rPr lang="pl-PL" dirty="0"/>
-              <a:t> </a:t>
-            </a:r>
-            <a:r>
-              <a:rPr lang="pl-PL" dirty="0" err="1"/>
-              <a:t>makes</a:t>
-            </a:r>
-            <a:r>
-              <a:rPr lang="pl-PL" dirty="0"/>
-              <a:t> </a:t>
-            </a:r>
-            <a:r>
-              <a:rPr lang="pl-PL" dirty="0" err="1"/>
-              <a:t>up</a:t>
-            </a:r>
-            <a:r>
-              <a:rPr lang="pl-PL" dirty="0"/>
-              <a:t> a </a:t>
-            </a:r>
-            <a:r>
-              <a:rPr lang="pl-PL" dirty="0" err="1"/>
-              <a:t>larger</a:t>
-            </a:r>
-            <a:r>
-              <a:rPr lang="pl-PL" dirty="0"/>
-              <a:t> </a:t>
-            </a:r>
-            <a:r>
-              <a:rPr lang="pl-PL" dirty="0" err="1"/>
-              <a:t>proportion</a:t>
-            </a:r>
-            <a:r>
-              <a:rPr lang="pl-PL" dirty="0"/>
-              <a:t> in the </a:t>
-            </a:r>
-            <a:r>
-              <a:rPr lang="pl-PL" dirty="0" err="1"/>
-              <a:t>dataset</a:t>
-            </a:r>
-            <a:r>
-              <a:rPr lang="pl-PL" dirty="0"/>
-              <a:t>.</a:t>
-            </a:r>
-          </a:p>
-          <a:p>
-            <a:pPr marL="285750" lvl="0" indent="-285750" algn="l" rtl="0">
-              <a:lnSpc>
-                <a:spcPct val="150000"/>
-              </a:lnSpc>
-              <a:spcBef>
-                <a:spcPts val="0"/>
-              </a:spcBef>
-              <a:spcAft>
-                <a:spcPts val="0"/>
-              </a:spcAft>
-              <a:buFont typeface="Arial" panose="020B0604020202020204" pitchFamily="34" charset="0"/>
-              <a:buChar char="•"/>
-            </a:pPr>
-            <a:r>
-              <a:rPr lang="pl-PL" dirty="0"/>
-              <a:t>In </a:t>
-            </a:r>
-            <a:r>
-              <a:rPr lang="pl-PL" dirty="0" err="1"/>
-              <a:t>our</a:t>
-            </a:r>
-            <a:r>
-              <a:rPr lang="pl-PL" dirty="0"/>
-              <a:t> </a:t>
-            </a:r>
-            <a:r>
-              <a:rPr lang="pl-PL" dirty="0" err="1"/>
-              <a:t>case</a:t>
-            </a:r>
-            <a:r>
-              <a:rPr lang="pl-PL" dirty="0"/>
-              <a:t> </a:t>
-            </a:r>
-            <a:r>
-              <a:rPr lang="pl-PL" dirty="0" err="1"/>
-              <a:t>study</a:t>
-            </a:r>
-            <a:r>
-              <a:rPr lang="pl-PL" dirty="0"/>
-              <a:t>: </a:t>
-            </a:r>
-            <a:r>
-              <a:rPr lang="pl-PL" dirty="0" err="1"/>
-              <a:t>minority</a:t>
-            </a:r>
-            <a:r>
-              <a:rPr lang="pl-PL" dirty="0"/>
-              <a:t> </a:t>
-            </a:r>
-            <a:r>
-              <a:rPr lang="pl-PL" dirty="0" err="1"/>
-              <a:t>class</a:t>
-            </a:r>
-            <a:r>
-              <a:rPr lang="pl-PL" dirty="0"/>
-              <a:t> = </a:t>
-            </a:r>
-            <a:r>
-              <a:rPr lang="pl-PL" dirty="0" err="1"/>
-              <a:t>heart</a:t>
-            </a:r>
-            <a:r>
-              <a:rPr lang="pl-PL" dirty="0"/>
-              <a:t> </a:t>
-            </a:r>
-            <a:r>
-              <a:rPr lang="pl-PL" dirty="0" err="1"/>
-              <a:t>disease</a:t>
-            </a:r>
-            <a:r>
-              <a:rPr lang="pl-PL" dirty="0"/>
-              <a:t> (1), </a:t>
-            </a:r>
-            <a:r>
-              <a:rPr lang="pl-PL" dirty="0" err="1"/>
-              <a:t>majority</a:t>
-            </a:r>
-            <a:r>
-              <a:rPr lang="pl-PL" dirty="0"/>
-              <a:t> </a:t>
-            </a:r>
-            <a:r>
-              <a:rPr lang="pl-PL" dirty="0" err="1"/>
-              <a:t>class</a:t>
-            </a:r>
-            <a:r>
-              <a:rPr lang="pl-PL" dirty="0"/>
-              <a:t> = no </a:t>
-            </a:r>
-            <a:r>
-              <a:rPr lang="pl-PL" dirty="0" err="1"/>
-              <a:t>heart</a:t>
-            </a:r>
-            <a:r>
-              <a:rPr lang="pl-PL" dirty="0"/>
-              <a:t> </a:t>
-            </a:r>
-            <a:r>
-              <a:rPr lang="pl-PL" dirty="0" err="1"/>
-              <a:t>disease</a:t>
-            </a:r>
-            <a:r>
-              <a:rPr lang="pl-PL" dirty="0"/>
-              <a:t> (0).</a:t>
-            </a:r>
-          </a:p>
-          <a:p>
-            <a:pPr marL="0" lvl="0" indent="0" algn="l" rtl="0">
-              <a:lnSpc>
-                <a:spcPct val="150000"/>
-              </a:lnSpc>
-              <a:spcBef>
-                <a:spcPts val="0"/>
-              </a:spcBef>
-              <a:spcAft>
-                <a:spcPts val="0"/>
-              </a:spcAft>
-            </a:pPr>
-            <a:endParaRPr lang="pl-PL" dirty="0"/>
-          </a:p>
-        </p:txBody>
-      </p:sp>
-    </p:spTree>
-  </p:cSld>
-  <p:clrMapOvr>
-    <a:masterClrMapping/>
-  </p:clrMapOvr>
-</p:sld>
-</file>
-
-<file path=ppt/slides/slide30.xml><?xml version="1.0" encoding="utf-8"?>
+<file path=ppt/slides/slide31.xml><?xml version="1.0" encoding="utf-8"?>
 <p:sld xmlns:a="http://schemas.openxmlformats.org/drawingml/2006/main" xmlns:r="http://schemas.openxmlformats.org/officeDocument/2006/relationships" xmlns:p="http://schemas.openxmlformats.org/presentationml/2006/main">
   <p:cSld>
     <p:spTree>
@@ -19488,7 +20004,7 @@
 </p:sld>
 </file>
 
-<file path=ppt/slides/slide31.xml><?xml version="1.0" encoding="utf-8"?>
+<file path=ppt/slides/slide32.xml><?xml version="1.0" encoding="utf-8"?>
 <p:sld xmlns:a="http://schemas.openxmlformats.org/drawingml/2006/main" xmlns:r="http://schemas.openxmlformats.org/officeDocument/2006/relationships" xmlns:p="http://schemas.openxmlformats.org/presentationml/2006/main">
   <p:cSld>
     <p:spTree>
@@ -19953,7 +20469,2419 @@
 </p:sld>
 </file>
 
-<file path=ppt/slides/slide32.xml><?xml version="1.0" encoding="utf-8"?>
+<file path=ppt/slides/slide33.xml><?xml version="1.0" encoding="utf-8"?>
+<p:sld xmlns:a="http://schemas.openxmlformats.org/drawingml/2006/main" xmlns:r="http://schemas.openxmlformats.org/officeDocument/2006/relationships" xmlns:p="http://schemas.openxmlformats.org/presentationml/2006/main">
+  <p:cSld>
+    <p:spTree>
+      <p:nvGrpSpPr>
+        <p:cNvPr id="1" name="Shape 354"/>
+        <p:cNvGrpSpPr/>
+        <p:nvPr/>
+      </p:nvGrpSpPr>
+      <p:grpSpPr>
+        <a:xfrm>
+          <a:off x="0" y="0"/>
+          <a:ext cx="0" cy="0"/>
+          <a:chOff x="0" y="0"/>
+          <a:chExt cx="0" cy="0"/>
+        </a:xfrm>
+      </p:grpSpPr>
+      <p:sp>
+        <p:nvSpPr>
+          <p:cNvPr id="7" name="Google Shape;348;p47">
+            <a:extLst>
+              <a:ext uri="{FF2B5EF4-FFF2-40B4-BE49-F238E27FC236}">
+                <a16:creationId xmlns:a16="http://schemas.microsoft.com/office/drawing/2014/main" id="{4E44E270-2A7F-8CA3-0AB9-54127D8ADCA9}"/>
+              </a:ext>
+            </a:extLst>
+          </p:cNvPr>
+          <p:cNvSpPr txBox="1">
+            <a:spLocks noGrp="1"/>
+          </p:cNvSpPr>
+          <p:nvPr>
+            <p:ph type="title"/>
+          </p:nvPr>
+        </p:nvSpPr>
+        <p:spPr>
+          <a:xfrm>
+            <a:off x="713224" y="390639"/>
+            <a:ext cx="7717500" cy="848155"/>
+          </a:xfrm>
+          <a:prstGeom prst="rect">
+            <a:avLst/>
+          </a:prstGeom>
+        </p:spPr>
+        <p:txBody>
+          <a:bodyPr spcFirstLastPara="1" wrap="square" lIns="91425" tIns="91425" rIns="91425" bIns="91425" anchor="t" anchorCtr="0">
+            <a:noAutofit/>
+          </a:bodyPr>
+          <a:lstStyle/>
+          <a:p>
+            <a:pPr marL="285750" indent="-285750">
+              <a:lnSpc>
+                <a:spcPct val="150000"/>
+              </a:lnSpc>
+            </a:pPr>
+            <a:r>
+              <a:rPr lang="pl-PL" dirty="0" err="1"/>
+              <a:t>Rejection</a:t>
+            </a:r>
+            <a:r>
+              <a:rPr lang="pl-PL" dirty="0"/>
+              <a:t> </a:t>
+            </a:r>
+            <a:r>
+              <a:rPr lang="pl-PL" dirty="0" err="1"/>
+              <a:t>sampling</a:t>
+            </a:r>
+            <a:endParaRPr lang="pl-PL" dirty="0"/>
+          </a:p>
+        </p:txBody>
+      </p:sp>
+      <p:sp>
+        <p:nvSpPr>
+          <p:cNvPr id="5" name="Google Shape;355;p48">
+            <a:extLst>
+              <a:ext uri="{FF2B5EF4-FFF2-40B4-BE49-F238E27FC236}">
+                <a16:creationId xmlns:a16="http://schemas.microsoft.com/office/drawing/2014/main" id="{24632FD3-63E9-A8D4-F2A0-56C363FC461C}"/>
+              </a:ext>
+            </a:extLst>
+          </p:cNvPr>
+          <p:cNvSpPr txBox="1">
+            <a:spLocks noGrp="1"/>
+          </p:cNvSpPr>
+          <p:nvPr>
+            <p:ph type="body" idx="1"/>
+          </p:nvPr>
+        </p:nvSpPr>
+        <p:spPr>
+          <a:xfrm>
+            <a:off x="495237" y="1238794"/>
+            <a:ext cx="5778983" cy="428141"/>
+          </a:xfrm>
+          <a:prstGeom prst="rect">
+            <a:avLst/>
+          </a:prstGeom>
+        </p:spPr>
+        <p:txBody>
+          <a:bodyPr spcFirstLastPara="1" wrap="square" lIns="91425" tIns="91425" rIns="91425" bIns="91425" anchor="t" anchorCtr="0">
+            <a:noAutofit/>
+          </a:bodyPr>
+          <a:lstStyle/>
+          <a:p>
+            <a:pPr marL="0" indent="0">
+              <a:lnSpc>
+                <a:spcPct val="150000"/>
+              </a:lnSpc>
+              <a:buNone/>
+            </a:pPr>
+            <a:r>
+              <a:rPr lang="pl-PL" dirty="0" err="1">
+                <a:latin typeface="Commissioner" panose="020B0604020202020204" charset="0"/>
+              </a:rPr>
+              <a:t>Implementation</a:t>
+            </a:r>
+            <a:r>
+              <a:rPr lang="pl-PL" dirty="0">
+                <a:latin typeface="Commissioner" panose="020B0604020202020204" charset="0"/>
+              </a:rPr>
+              <a:t> </a:t>
+            </a:r>
+            <a:r>
+              <a:rPr lang="pl-PL" dirty="0" err="1">
+                <a:latin typeface="Commissioner" panose="020B0604020202020204" charset="0"/>
+              </a:rPr>
+              <a:t>using</a:t>
+            </a:r>
+            <a:r>
+              <a:rPr lang="pl-PL" dirty="0">
+                <a:latin typeface="Commissioner" panose="020B0604020202020204" charset="0"/>
+              </a:rPr>
+              <a:t> </a:t>
+            </a:r>
+            <a:r>
+              <a:rPr lang="pl-PL" dirty="0" err="1">
+                <a:latin typeface="Commissioner" panose="020B0604020202020204" charset="0"/>
+              </a:rPr>
+              <a:t>caret</a:t>
+            </a:r>
+            <a:r>
+              <a:rPr lang="pl-PL" dirty="0">
+                <a:latin typeface="Commissioner" panose="020B0604020202020204" charset="0"/>
+              </a:rPr>
+              <a:t> and </a:t>
+            </a:r>
+            <a:r>
+              <a:rPr lang="pl-PL" dirty="0" err="1">
+                <a:latin typeface="Commissioner" panose="020B0604020202020204" charset="0"/>
+              </a:rPr>
+              <a:t>costsensitive</a:t>
+            </a:r>
+            <a:r>
+              <a:rPr lang="pl-PL" dirty="0">
+                <a:latin typeface="Commissioner" panose="020B0604020202020204" charset="0"/>
+              </a:rPr>
+              <a:t> </a:t>
+            </a:r>
+            <a:r>
+              <a:rPr lang="pl-PL" dirty="0" err="1">
+                <a:latin typeface="Commissioner" panose="020B0604020202020204" charset="0"/>
+              </a:rPr>
+              <a:t>packages</a:t>
+            </a:r>
+            <a:r>
+              <a:rPr lang="pl-PL" dirty="0">
+                <a:latin typeface="Commissioner" panose="020B0604020202020204" charset="0"/>
+              </a:rPr>
+              <a:t> in R</a:t>
+            </a:r>
+            <a:endParaRPr dirty="0">
+              <a:latin typeface="Commissioner" panose="020B0604020202020204" charset="0"/>
+            </a:endParaRPr>
+          </a:p>
+        </p:txBody>
+      </p:sp>
+      <p:pic>
+        <p:nvPicPr>
+          <p:cNvPr id="8" name="Picture 7">
+            <a:extLst>
+              <a:ext uri="{FF2B5EF4-FFF2-40B4-BE49-F238E27FC236}">
+                <a16:creationId xmlns:a16="http://schemas.microsoft.com/office/drawing/2014/main" id="{8DCDC81E-0C46-BB65-B4B3-0A5B5D6F231A}"/>
+              </a:ext>
+            </a:extLst>
+          </p:cNvPr>
+          <p:cNvPicPr>
+            <a:picLocks noChangeAspect="1"/>
+          </p:cNvPicPr>
+          <p:nvPr/>
+        </p:nvPicPr>
+        <p:blipFill>
+          <a:blip r:embed="rId3"/>
+          <a:stretch>
+            <a:fillRect/>
+          </a:stretch>
+        </p:blipFill>
+        <p:spPr>
+          <a:xfrm>
+            <a:off x="401171" y="1961594"/>
+            <a:ext cx="8742829" cy="1147731"/>
+          </a:xfrm>
+          <a:prstGeom prst="rect">
+            <a:avLst/>
+          </a:prstGeom>
+        </p:spPr>
+      </p:pic>
+      <p:pic>
+        <p:nvPicPr>
+          <p:cNvPr id="11" name="Picture 10">
+            <a:extLst>
+              <a:ext uri="{FF2B5EF4-FFF2-40B4-BE49-F238E27FC236}">
+                <a16:creationId xmlns:a16="http://schemas.microsoft.com/office/drawing/2014/main" id="{B4929B93-752B-0AC1-CE2F-1F193877427E}"/>
+              </a:ext>
+            </a:extLst>
+          </p:cNvPr>
+          <p:cNvPicPr>
+            <a:picLocks noChangeAspect="1"/>
+          </p:cNvPicPr>
+          <p:nvPr/>
+        </p:nvPicPr>
+        <p:blipFill>
+          <a:blip r:embed="rId4"/>
+          <a:stretch>
+            <a:fillRect/>
+          </a:stretch>
+        </p:blipFill>
+        <p:spPr>
+          <a:xfrm>
+            <a:off x="397455" y="3225533"/>
+            <a:ext cx="8739112" cy="428141"/>
+          </a:xfrm>
+          <a:prstGeom prst="rect">
+            <a:avLst/>
+          </a:prstGeom>
+        </p:spPr>
+      </p:pic>
+      <p:pic>
+        <p:nvPicPr>
+          <p:cNvPr id="13" name="Picture 12">
+            <a:extLst>
+              <a:ext uri="{FF2B5EF4-FFF2-40B4-BE49-F238E27FC236}">
+                <a16:creationId xmlns:a16="http://schemas.microsoft.com/office/drawing/2014/main" id="{65FB1F67-A817-AB37-E248-87575AA1AC6A}"/>
+              </a:ext>
+            </a:extLst>
+          </p:cNvPr>
+          <p:cNvPicPr>
+            <a:picLocks noChangeAspect="1"/>
+          </p:cNvPicPr>
+          <p:nvPr/>
+        </p:nvPicPr>
+        <p:blipFill>
+          <a:blip r:embed="rId5"/>
+          <a:stretch>
+            <a:fillRect/>
+          </a:stretch>
+        </p:blipFill>
+        <p:spPr>
+          <a:xfrm>
+            <a:off x="397455" y="3769882"/>
+            <a:ext cx="8739112" cy="391492"/>
+          </a:xfrm>
+          <a:prstGeom prst="rect">
+            <a:avLst/>
+          </a:prstGeom>
+        </p:spPr>
+      </p:pic>
+    </p:spTree>
+    <p:extLst>
+      <p:ext uri="{BB962C8B-B14F-4D97-AF65-F5344CB8AC3E}">
+        <p14:creationId xmlns:p14="http://schemas.microsoft.com/office/powerpoint/2010/main" val="489108330"/>
+      </p:ext>
+    </p:extLst>
+  </p:cSld>
+  <p:clrMapOvr>
+    <a:masterClrMapping/>
+  </p:clrMapOvr>
+</p:sld>
+</file>
+
+<file path=ppt/slides/slide34.xml><?xml version="1.0" encoding="utf-8"?>
+<p:sld xmlns:a="http://schemas.openxmlformats.org/drawingml/2006/main" xmlns:r="http://schemas.openxmlformats.org/officeDocument/2006/relationships" xmlns:p="http://schemas.openxmlformats.org/presentationml/2006/main">
+  <p:cSld>
+    <p:spTree>
+      <p:nvGrpSpPr>
+        <p:cNvPr id="1" name="Shape 354"/>
+        <p:cNvGrpSpPr/>
+        <p:nvPr/>
+      </p:nvGrpSpPr>
+      <p:grpSpPr>
+        <a:xfrm>
+          <a:off x="0" y="0"/>
+          <a:ext cx="0" cy="0"/>
+          <a:chOff x="0" y="0"/>
+          <a:chExt cx="0" cy="0"/>
+        </a:xfrm>
+      </p:grpSpPr>
+      <p:sp>
+        <p:nvSpPr>
+          <p:cNvPr id="7" name="Google Shape;348;p47">
+            <a:extLst>
+              <a:ext uri="{FF2B5EF4-FFF2-40B4-BE49-F238E27FC236}">
+                <a16:creationId xmlns:a16="http://schemas.microsoft.com/office/drawing/2014/main" id="{4E44E270-2A7F-8CA3-0AB9-54127D8ADCA9}"/>
+              </a:ext>
+            </a:extLst>
+          </p:cNvPr>
+          <p:cNvSpPr txBox="1">
+            <a:spLocks noGrp="1"/>
+          </p:cNvSpPr>
+          <p:nvPr>
+            <p:ph type="title"/>
+          </p:nvPr>
+        </p:nvSpPr>
+        <p:spPr>
+          <a:xfrm>
+            <a:off x="713224" y="390639"/>
+            <a:ext cx="7717500" cy="848155"/>
+          </a:xfrm>
+          <a:prstGeom prst="rect">
+            <a:avLst/>
+          </a:prstGeom>
+        </p:spPr>
+        <p:txBody>
+          <a:bodyPr spcFirstLastPara="1" wrap="square" lIns="91425" tIns="91425" rIns="91425" bIns="91425" anchor="t" anchorCtr="0">
+            <a:noAutofit/>
+          </a:bodyPr>
+          <a:lstStyle/>
+          <a:p>
+            <a:pPr marL="285750" indent="-285750">
+              <a:lnSpc>
+                <a:spcPct val="150000"/>
+              </a:lnSpc>
+            </a:pPr>
+            <a:r>
+              <a:rPr lang="pl-PL" dirty="0" err="1"/>
+              <a:t>Rejection</a:t>
+            </a:r>
+            <a:r>
+              <a:rPr lang="pl-PL" dirty="0"/>
+              <a:t> </a:t>
+            </a:r>
+            <a:r>
+              <a:rPr lang="pl-PL" dirty="0" err="1"/>
+              <a:t>sampling</a:t>
+            </a:r>
+            <a:r>
+              <a:rPr lang="pl-PL" dirty="0"/>
+              <a:t> </a:t>
+            </a:r>
+            <a:r>
+              <a:rPr lang="pl-PL" dirty="0" err="1"/>
+              <a:t>results</a:t>
+            </a:r>
+            <a:endParaRPr lang="pl-PL" dirty="0"/>
+          </a:p>
+        </p:txBody>
+      </p:sp>
+      <p:graphicFrame>
+        <p:nvGraphicFramePr>
+          <p:cNvPr id="10" name="Table 9">
+            <a:extLst>
+              <a:ext uri="{FF2B5EF4-FFF2-40B4-BE49-F238E27FC236}">
+                <a16:creationId xmlns:a16="http://schemas.microsoft.com/office/drawing/2014/main" id="{02124546-99B2-4D96-F87F-A90A22E96123}"/>
+              </a:ext>
+            </a:extLst>
+          </p:cNvPr>
+          <p:cNvGraphicFramePr>
+            <a:graphicFrameLocks noGrp="1"/>
+          </p:cNvGraphicFramePr>
+          <p:nvPr>
+            <p:extLst>
+              <p:ext uri="{D42A27DB-BD31-4B8C-83A1-F6EECF244321}">
+                <p14:modId xmlns:p14="http://schemas.microsoft.com/office/powerpoint/2010/main" val="448533736"/>
+              </p:ext>
+            </p:extLst>
+          </p:nvPr>
+        </p:nvGraphicFramePr>
+        <p:xfrm>
+          <a:off x="1143860" y="1885950"/>
+          <a:ext cx="1718628" cy="1371600"/>
+        </p:xfrm>
+        <a:graphic>
+          <a:graphicData uri="http://schemas.openxmlformats.org/drawingml/2006/table">
+            <a:tbl>
+              <a:tblPr firstRow="1" bandRow="1">
+                <a:tableStyleId>{410AA517-7F76-4011-9E2E-61F37F4E73F9}</a:tableStyleId>
+              </a:tblPr>
+              <a:tblGrid>
+                <a:gridCol w="851218">
+                  <a:extLst>
+                    <a:ext uri="{9D8B030D-6E8A-4147-A177-3AD203B41FA5}">
+                      <a16:colId xmlns:a16="http://schemas.microsoft.com/office/drawing/2014/main" val="2136522019"/>
+                    </a:ext>
+                  </a:extLst>
+                </a:gridCol>
+                <a:gridCol w="494030">
+                  <a:extLst>
+                    <a:ext uri="{9D8B030D-6E8A-4147-A177-3AD203B41FA5}">
+                      <a16:colId xmlns:a16="http://schemas.microsoft.com/office/drawing/2014/main" val="1226462718"/>
+                    </a:ext>
+                  </a:extLst>
+                </a:gridCol>
+                <a:gridCol w="373380">
+                  <a:extLst>
+                    <a:ext uri="{9D8B030D-6E8A-4147-A177-3AD203B41FA5}">
+                      <a16:colId xmlns:a16="http://schemas.microsoft.com/office/drawing/2014/main" val="360432383"/>
+                    </a:ext>
+                  </a:extLst>
+                </a:gridCol>
+              </a:tblGrid>
+              <a:tr h="232608">
+                <a:tc gridSpan="3">
+                  <a:txBody>
+                    <a:bodyPr/>
+                    <a:lstStyle/>
+                    <a:p>
+                      <a:pPr algn="ctr"/>
+                      <a:r>
+                        <a:rPr lang="pl-PL" sz="1200" dirty="0">
+                          <a:latin typeface="Comissioner"/>
+                        </a:rPr>
+                        <a:t>Basic KNN</a:t>
+                      </a:r>
+                      <a:endParaRPr lang="en-GB" sz="1200" dirty="0">
+                        <a:latin typeface="Comissioner"/>
+                      </a:endParaRPr>
+                    </a:p>
+                  </a:txBody>
+                  <a:tcPr/>
+                </a:tc>
+                <a:tc hMerge="1">
+                  <a:txBody>
+                    <a:bodyPr/>
+                    <a:lstStyle/>
+                    <a:p>
+                      <a:endParaRPr lang="en-GB"/>
+                    </a:p>
+                  </a:txBody>
+                  <a:tcPr/>
+                </a:tc>
+                <a:tc hMerge="1">
+                  <a:txBody>
+                    <a:bodyPr/>
+                    <a:lstStyle/>
+                    <a:p>
+                      <a:endParaRPr lang="en-GB" dirty="0"/>
+                    </a:p>
+                  </a:txBody>
+                  <a:tcPr/>
+                </a:tc>
+                <a:extLst>
+                  <a:ext uri="{0D108BD9-81ED-4DB2-BD59-A6C34878D82A}">
+                    <a16:rowId xmlns:a16="http://schemas.microsoft.com/office/drawing/2014/main" val="2513526630"/>
+                  </a:ext>
+                </a:extLst>
+              </a:tr>
+              <a:tr h="271577">
+                <a:tc>
+                  <a:txBody>
+                    <a:bodyPr/>
+                    <a:lstStyle/>
+                    <a:p>
+                      <a:endParaRPr lang="en-GB" sz="1200">
+                        <a:latin typeface="Comissioner"/>
+                      </a:endParaRPr>
+                    </a:p>
+                  </a:txBody>
+                  <a:tcPr/>
+                </a:tc>
+                <a:tc gridSpan="2">
+                  <a:txBody>
+                    <a:bodyPr/>
+                    <a:lstStyle/>
+                    <a:p>
+                      <a:r>
+                        <a:rPr lang="pl-PL" sz="1200" dirty="0">
+                          <a:latin typeface="Comissioner"/>
+                        </a:rPr>
+                        <a:t>Reference</a:t>
+                      </a:r>
+                      <a:endParaRPr lang="en-GB" sz="1200" dirty="0">
+                        <a:latin typeface="Comissioner"/>
+                      </a:endParaRPr>
+                    </a:p>
+                  </a:txBody>
+                  <a:tcPr/>
+                </a:tc>
+                <a:tc hMerge="1">
+                  <a:txBody>
+                    <a:bodyPr/>
+                    <a:lstStyle/>
+                    <a:p>
+                      <a:endParaRPr lang="en-GB" dirty="0"/>
+                    </a:p>
+                  </a:txBody>
+                  <a:tcPr/>
+                </a:tc>
+                <a:extLst>
+                  <a:ext uri="{0D108BD9-81ED-4DB2-BD59-A6C34878D82A}">
+                    <a16:rowId xmlns:a16="http://schemas.microsoft.com/office/drawing/2014/main" val="2318894578"/>
+                  </a:ext>
+                </a:extLst>
+              </a:tr>
+              <a:tr h="271577">
+                <a:tc>
+                  <a:txBody>
+                    <a:bodyPr/>
+                    <a:lstStyle/>
+                    <a:p>
+                      <a:r>
+                        <a:rPr lang="pl-PL" sz="1200" dirty="0" err="1">
+                          <a:latin typeface="Comissioner"/>
+                        </a:rPr>
+                        <a:t>Prediction</a:t>
+                      </a:r>
+                      <a:endParaRPr lang="en-GB" sz="1200" dirty="0">
+                        <a:latin typeface="Comissioner"/>
+                      </a:endParaRPr>
+                    </a:p>
+                  </a:txBody>
+                  <a:tcPr/>
+                </a:tc>
+                <a:tc>
+                  <a:txBody>
+                    <a:bodyPr/>
+                    <a:lstStyle/>
+                    <a:p>
+                      <a:r>
+                        <a:rPr lang="pl-PL" sz="1200" dirty="0">
+                          <a:latin typeface="Comissioner"/>
+                        </a:rPr>
+                        <a:t>0</a:t>
+                      </a:r>
+                      <a:endParaRPr lang="en-GB" sz="1200" dirty="0">
+                        <a:latin typeface="Comissioner"/>
+                      </a:endParaRPr>
+                    </a:p>
+                  </a:txBody>
+                  <a:tcPr/>
+                </a:tc>
+                <a:tc>
+                  <a:txBody>
+                    <a:bodyPr/>
+                    <a:lstStyle/>
+                    <a:p>
+                      <a:r>
+                        <a:rPr lang="pl-PL" sz="1200" dirty="0">
+                          <a:latin typeface="Comissioner"/>
+                        </a:rPr>
+                        <a:t>1</a:t>
+                      </a:r>
+                      <a:endParaRPr lang="en-GB" sz="1200" dirty="0">
+                        <a:latin typeface="Comissioner"/>
+                      </a:endParaRPr>
+                    </a:p>
+                  </a:txBody>
+                  <a:tcPr/>
+                </a:tc>
+                <a:extLst>
+                  <a:ext uri="{0D108BD9-81ED-4DB2-BD59-A6C34878D82A}">
+                    <a16:rowId xmlns:a16="http://schemas.microsoft.com/office/drawing/2014/main" val="4089693360"/>
+                  </a:ext>
+                </a:extLst>
+              </a:tr>
+              <a:tr h="271577">
+                <a:tc>
+                  <a:txBody>
+                    <a:bodyPr/>
+                    <a:lstStyle/>
+                    <a:p>
+                      <a:r>
+                        <a:rPr lang="pl-PL" sz="1200" dirty="0">
+                          <a:latin typeface="Comissioner"/>
+                        </a:rPr>
+                        <a:t>0</a:t>
+                      </a:r>
+                      <a:endParaRPr lang="en-GB" sz="1200" dirty="0">
+                        <a:latin typeface="Comissioner"/>
+                      </a:endParaRPr>
+                    </a:p>
+                  </a:txBody>
+                  <a:tcPr/>
+                </a:tc>
+                <a:tc>
+                  <a:txBody>
+                    <a:bodyPr/>
+                    <a:lstStyle/>
+                    <a:p>
+                      <a:r>
+                        <a:rPr lang="pl-PL" sz="1200" dirty="0">
+                          <a:latin typeface="Comissioner"/>
+                        </a:rPr>
+                        <a:t>539</a:t>
+                      </a:r>
+                      <a:endParaRPr lang="en-GB" sz="1200" dirty="0">
+                        <a:latin typeface="Comissioner"/>
+                      </a:endParaRPr>
+                    </a:p>
+                  </a:txBody>
+                  <a:tcPr/>
+                </a:tc>
+                <a:tc>
+                  <a:txBody>
+                    <a:bodyPr/>
+                    <a:lstStyle/>
+                    <a:p>
+                      <a:r>
+                        <a:rPr lang="pl-PL" sz="1200" dirty="0">
+                          <a:latin typeface="Comissioner"/>
+                        </a:rPr>
+                        <a:t>90</a:t>
+                      </a:r>
+                      <a:endParaRPr lang="en-GB" sz="1200" dirty="0">
+                        <a:latin typeface="Comissioner"/>
+                      </a:endParaRPr>
+                    </a:p>
+                  </a:txBody>
+                  <a:tcPr/>
+                </a:tc>
+                <a:extLst>
+                  <a:ext uri="{0D108BD9-81ED-4DB2-BD59-A6C34878D82A}">
+                    <a16:rowId xmlns:a16="http://schemas.microsoft.com/office/drawing/2014/main" val="1402259285"/>
+                  </a:ext>
+                </a:extLst>
+              </a:tr>
+              <a:tr h="271577">
+                <a:tc>
+                  <a:txBody>
+                    <a:bodyPr/>
+                    <a:lstStyle/>
+                    <a:p>
+                      <a:r>
+                        <a:rPr lang="pl-PL" sz="1200" dirty="0">
+                          <a:latin typeface="Comissioner"/>
+                        </a:rPr>
+                        <a:t>1</a:t>
+                      </a:r>
+                      <a:endParaRPr lang="en-GB" sz="1200" dirty="0">
+                        <a:latin typeface="Comissioner"/>
+                      </a:endParaRPr>
+                    </a:p>
+                  </a:txBody>
+                  <a:tcPr/>
+                </a:tc>
+                <a:tc>
+                  <a:txBody>
+                    <a:bodyPr/>
+                    <a:lstStyle/>
+                    <a:p>
+                      <a:r>
+                        <a:rPr lang="pl-PL" sz="1200" dirty="0">
+                          <a:latin typeface="Comissioner"/>
+                        </a:rPr>
+                        <a:t>3</a:t>
+                      </a:r>
+                      <a:endParaRPr lang="en-GB" sz="1200" dirty="0">
+                        <a:latin typeface="Comissioner"/>
+                      </a:endParaRPr>
+                    </a:p>
+                  </a:txBody>
+                  <a:tcPr/>
+                </a:tc>
+                <a:tc>
+                  <a:txBody>
+                    <a:bodyPr/>
+                    <a:lstStyle/>
+                    <a:p>
+                      <a:r>
+                        <a:rPr lang="pl-PL" sz="1200" dirty="0">
+                          <a:latin typeface="Comissioner"/>
+                        </a:rPr>
+                        <a:t>7</a:t>
+                      </a:r>
+                      <a:endParaRPr lang="en-GB" sz="1200" dirty="0">
+                        <a:latin typeface="Comissioner"/>
+                      </a:endParaRPr>
+                    </a:p>
+                  </a:txBody>
+                  <a:tcPr/>
+                </a:tc>
+                <a:extLst>
+                  <a:ext uri="{0D108BD9-81ED-4DB2-BD59-A6C34878D82A}">
+                    <a16:rowId xmlns:a16="http://schemas.microsoft.com/office/drawing/2014/main" val="23029709"/>
+                  </a:ext>
+                </a:extLst>
+              </a:tr>
+            </a:tbl>
+          </a:graphicData>
+        </a:graphic>
+      </p:graphicFrame>
+      <mc:AlternateContent xmlns:mc="http://schemas.openxmlformats.org/markup-compatibility/2006">
+        <mc:Choice xmlns:a14="http://schemas.microsoft.com/office/drawing/2010/main" Requires="a14">
+          <p:graphicFrame>
+            <p:nvGraphicFramePr>
+              <p:cNvPr id="12" name="Table 11">
+                <a:extLst>
+                  <a:ext uri="{FF2B5EF4-FFF2-40B4-BE49-F238E27FC236}">
+                    <a16:creationId xmlns:a16="http://schemas.microsoft.com/office/drawing/2014/main" id="{32AD8509-6CBC-1800-3723-357BA4A59F82}"/>
+                  </a:ext>
+                </a:extLst>
+              </p:cNvPr>
+              <p:cNvGraphicFramePr>
+                <a:graphicFrameLocks noGrp="1"/>
+              </p:cNvGraphicFramePr>
+              <p:nvPr>
+                <p:extLst>
+                  <p:ext uri="{D42A27DB-BD31-4B8C-83A1-F6EECF244321}">
+                    <p14:modId xmlns:p14="http://schemas.microsoft.com/office/powerpoint/2010/main" val="1404550615"/>
+                  </p:ext>
+                </p:extLst>
+              </p:nvPr>
+            </p:nvGraphicFramePr>
+            <p:xfrm>
+              <a:off x="3656002" y="1885950"/>
+              <a:ext cx="1718628" cy="1371600"/>
+            </p:xfrm>
+            <a:graphic>
+              <a:graphicData uri="http://schemas.openxmlformats.org/drawingml/2006/table">
+                <a:tbl>
+                  <a:tblPr firstRow="1" bandRow="1">
+                    <a:tableStyleId>{410AA517-7F76-4011-9E2E-61F37F4E73F9}</a:tableStyleId>
+                  </a:tblPr>
+                  <a:tblGrid>
+                    <a:gridCol w="851218">
+                      <a:extLst>
+                        <a:ext uri="{9D8B030D-6E8A-4147-A177-3AD203B41FA5}">
+                          <a16:colId xmlns:a16="http://schemas.microsoft.com/office/drawing/2014/main" val="2136522019"/>
+                        </a:ext>
+                      </a:extLst>
+                    </a:gridCol>
+                    <a:gridCol w="494030">
+                      <a:extLst>
+                        <a:ext uri="{9D8B030D-6E8A-4147-A177-3AD203B41FA5}">
+                          <a16:colId xmlns:a16="http://schemas.microsoft.com/office/drawing/2014/main" val="1226462718"/>
+                        </a:ext>
+                      </a:extLst>
+                    </a:gridCol>
+                    <a:gridCol w="373380">
+                      <a:extLst>
+                        <a:ext uri="{9D8B030D-6E8A-4147-A177-3AD203B41FA5}">
+                          <a16:colId xmlns:a16="http://schemas.microsoft.com/office/drawing/2014/main" val="360432383"/>
+                        </a:ext>
+                      </a:extLst>
+                    </a:gridCol>
+                  </a:tblGrid>
+                  <a:tr h="232608">
+                    <a:tc gridSpan="3">
+                      <a:txBody>
+                        <a:bodyPr/>
+                        <a:lstStyle/>
+                        <a:p>
+                          <a:pPr algn="ctr"/>
+                          <a14:m>
+                            <m:oMathPara xmlns:m="http://schemas.openxmlformats.org/officeDocument/2006/math">
+                              <m:oMathParaPr>
+                                <m:jc m:val="centerGroup"/>
+                              </m:oMathParaPr>
+                              <m:oMath xmlns:m="http://schemas.openxmlformats.org/officeDocument/2006/math">
+                                <m:sSub>
+                                  <m:sSubPr>
+                                    <m:ctrlPr>
+                                      <a:rPr lang="en-GB" sz="1200" i="1" smtClean="0">
+                                        <a:latin typeface="Cambria Math" panose="02040503050406030204" pitchFamily="18" charset="0"/>
+                                      </a:rPr>
+                                    </m:ctrlPr>
+                                  </m:sSubPr>
+                                  <m:e>
+                                    <m:r>
+                                      <a:rPr lang="pl-PL" sz="1200" b="0" i="1" smtClean="0">
+                                        <a:latin typeface="Cambria Math" panose="02040503050406030204" pitchFamily="18" charset="0"/>
+                                      </a:rPr>
+                                      <m:t>𝑐</m:t>
+                                    </m:r>
+                                  </m:e>
+                                  <m:sub>
+                                    <m:r>
+                                      <a:rPr lang="pl-PL" sz="1200" b="0" i="1" smtClean="0">
+                                        <a:latin typeface="Cambria Math" panose="02040503050406030204" pitchFamily="18" charset="0"/>
+                                      </a:rPr>
+                                      <m:t>1</m:t>
+                                    </m:r>
+                                  </m:sub>
+                                </m:sSub>
+                                <m:r>
+                                  <a:rPr lang="pl-PL" sz="1200" b="0" i="1" smtClean="0">
+                                    <a:latin typeface="Cambria Math" panose="02040503050406030204" pitchFamily="18" charset="0"/>
+                                  </a:rPr>
+                                  <m:t>=0.7, </m:t>
+                                </m:r>
+                                <m:sSub>
+                                  <m:sSubPr>
+                                    <m:ctrlPr>
+                                      <a:rPr lang="pl-PL" sz="1200" b="0" i="1" smtClean="0">
+                                        <a:latin typeface="Cambria Math" panose="02040503050406030204" pitchFamily="18" charset="0"/>
+                                      </a:rPr>
+                                    </m:ctrlPr>
+                                  </m:sSubPr>
+                                  <m:e>
+                                    <m:r>
+                                      <a:rPr lang="pl-PL" sz="1200" b="0" i="1" smtClean="0">
+                                        <a:latin typeface="Cambria Math" panose="02040503050406030204" pitchFamily="18" charset="0"/>
+                                      </a:rPr>
+                                      <m:t>𝑐</m:t>
+                                    </m:r>
+                                  </m:e>
+                                  <m:sub>
+                                    <m:r>
+                                      <a:rPr lang="pl-PL" sz="1200" b="0" i="1" smtClean="0">
+                                        <a:latin typeface="Cambria Math" panose="02040503050406030204" pitchFamily="18" charset="0"/>
+                                      </a:rPr>
+                                      <m:t>0</m:t>
+                                    </m:r>
+                                  </m:sub>
+                                </m:sSub>
+                                <m:r>
+                                  <a:rPr lang="pl-PL" sz="1200" b="0" i="1" smtClean="0">
+                                    <a:latin typeface="Cambria Math" panose="02040503050406030204" pitchFamily="18" charset="0"/>
+                                  </a:rPr>
+                                  <m:t>=0.3</m:t>
+                                </m:r>
+                              </m:oMath>
+                            </m:oMathPara>
+                          </a14:m>
+                          <a:endParaRPr lang="en-GB" sz="1200" dirty="0">
+                            <a:latin typeface="Comissioner"/>
+                          </a:endParaRPr>
+                        </a:p>
+                      </a:txBody>
+                      <a:tcPr/>
+                    </a:tc>
+                    <a:tc hMerge="1">
+                      <a:txBody>
+                        <a:bodyPr/>
+                        <a:lstStyle/>
+                        <a:p>
+                          <a:endParaRPr lang="en-GB"/>
+                        </a:p>
+                      </a:txBody>
+                      <a:tcPr/>
+                    </a:tc>
+                    <a:tc hMerge="1">
+                      <a:txBody>
+                        <a:bodyPr/>
+                        <a:lstStyle/>
+                        <a:p>
+                          <a:endParaRPr lang="en-GB" dirty="0"/>
+                        </a:p>
+                      </a:txBody>
+                      <a:tcPr/>
+                    </a:tc>
+                    <a:extLst>
+                      <a:ext uri="{0D108BD9-81ED-4DB2-BD59-A6C34878D82A}">
+                        <a16:rowId xmlns:a16="http://schemas.microsoft.com/office/drawing/2014/main" val="2513526630"/>
+                      </a:ext>
+                    </a:extLst>
+                  </a:tr>
+                  <a:tr h="271577">
+                    <a:tc>
+                      <a:txBody>
+                        <a:bodyPr/>
+                        <a:lstStyle/>
+                        <a:p>
+                          <a:endParaRPr lang="en-GB" sz="1200">
+                            <a:latin typeface="Comissioner"/>
+                          </a:endParaRPr>
+                        </a:p>
+                      </a:txBody>
+                      <a:tcPr/>
+                    </a:tc>
+                    <a:tc gridSpan="2">
+                      <a:txBody>
+                        <a:bodyPr/>
+                        <a:lstStyle/>
+                        <a:p>
+                          <a:r>
+                            <a:rPr lang="pl-PL" sz="1200" dirty="0">
+                              <a:latin typeface="Comissioner"/>
+                            </a:rPr>
+                            <a:t>Reference</a:t>
+                          </a:r>
+                          <a:endParaRPr lang="en-GB" sz="1200" dirty="0">
+                            <a:latin typeface="Comissioner"/>
+                          </a:endParaRPr>
+                        </a:p>
+                      </a:txBody>
+                      <a:tcPr/>
+                    </a:tc>
+                    <a:tc hMerge="1">
+                      <a:txBody>
+                        <a:bodyPr/>
+                        <a:lstStyle/>
+                        <a:p>
+                          <a:endParaRPr lang="en-GB" dirty="0"/>
+                        </a:p>
+                      </a:txBody>
+                      <a:tcPr/>
+                    </a:tc>
+                    <a:extLst>
+                      <a:ext uri="{0D108BD9-81ED-4DB2-BD59-A6C34878D82A}">
+                        <a16:rowId xmlns:a16="http://schemas.microsoft.com/office/drawing/2014/main" val="2318894578"/>
+                      </a:ext>
+                    </a:extLst>
+                  </a:tr>
+                  <a:tr h="271577">
+                    <a:tc>
+                      <a:txBody>
+                        <a:bodyPr/>
+                        <a:lstStyle/>
+                        <a:p>
+                          <a:r>
+                            <a:rPr lang="pl-PL" sz="1200" dirty="0" err="1">
+                              <a:latin typeface="Comissioner"/>
+                            </a:rPr>
+                            <a:t>Prediction</a:t>
+                          </a:r>
+                          <a:endParaRPr lang="en-GB" sz="1200" dirty="0">
+                            <a:latin typeface="Comissioner"/>
+                          </a:endParaRPr>
+                        </a:p>
+                      </a:txBody>
+                      <a:tcPr/>
+                    </a:tc>
+                    <a:tc>
+                      <a:txBody>
+                        <a:bodyPr/>
+                        <a:lstStyle/>
+                        <a:p>
+                          <a:r>
+                            <a:rPr lang="pl-PL" sz="1200" dirty="0">
+                              <a:latin typeface="Comissioner"/>
+                            </a:rPr>
+                            <a:t>0</a:t>
+                          </a:r>
+                          <a:endParaRPr lang="en-GB" sz="1200" dirty="0">
+                            <a:latin typeface="Comissioner"/>
+                          </a:endParaRPr>
+                        </a:p>
+                      </a:txBody>
+                      <a:tcPr/>
+                    </a:tc>
+                    <a:tc>
+                      <a:txBody>
+                        <a:bodyPr/>
+                        <a:lstStyle/>
+                        <a:p>
+                          <a:r>
+                            <a:rPr lang="pl-PL" sz="1200" dirty="0">
+                              <a:latin typeface="Comissioner"/>
+                            </a:rPr>
+                            <a:t>1</a:t>
+                          </a:r>
+                          <a:endParaRPr lang="en-GB" sz="1200" dirty="0">
+                            <a:latin typeface="Comissioner"/>
+                          </a:endParaRPr>
+                        </a:p>
+                      </a:txBody>
+                      <a:tcPr/>
+                    </a:tc>
+                    <a:extLst>
+                      <a:ext uri="{0D108BD9-81ED-4DB2-BD59-A6C34878D82A}">
+                        <a16:rowId xmlns:a16="http://schemas.microsoft.com/office/drawing/2014/main" val="4089693360"/>
+                      </a:ext>
+                    </a:extLst>
+                  </a:tr>
+                  <a:tr h="271577">
+                    <a:tc>
+                      <a:txBody>
+                        <a:bodyPr/>
+                        <a:lstStyle/>
+                        <a:p>
+                          <a:r>
+                            <a:rPr lang="pl-PL" sz="1200" dirty="0">
+                              <a:latin typeface="Comissioner"/>
+                            </a:rPr>
+                            <a:t>0</a:t>
+                          </a:r>
+                          <a:endParaRPr lang="en-GB" sz="1200" dirty="0">
+                            <a:latin typeface="Comissioner"/>
+                          </a:endParaRPr>
+                        </a:p>
+                      </a:txBody>
+                      <a:tcPr/>
+                    </a:tc>
+                    <a:tc>
+                      <a:txBody>
+                        <a:bodyPr/>
+                        <a:lstStyle/>
+                        <a:p>
+                          <a:r>
+                            <a:rPr lang="pl-PL" sz="1200" dirty="0">
+                              <a:latin typeface="Comissioner"/>
+                            </a:rPr>
+                            <a:t>502</a:t>
+                          </a:r>
+                          <a:endParaRPr lang="en-GB" sz="1200" dirty="0">
+                            <a:latin typeface="Comissioner"/>
+                          </a:endParaRPr>
+                        </a:p>
+                      </a:txBody>
+                      <a:tcPr/>
+                    </a:tc>
+                    <a:tc>
+                      <a:txBody>
+                        <a:bodyPr/>
+                        <a:lstStyle/>
+                        <a:p>
+                          <a:r>
+                            <a:rPr lang="pl-PL" sz="1200" dirty="0">
+                              <a:latin typeface="Comissioner"/>
+                            </a:rPr>
+                            <a:t>77</a:t>
+                          </a:r>
+                          <a:endParaRPr lang="en-GB" sz="1200" dirty="0">
+                            <a:latin typeface="Comissioner"/>
+                          </a:endParaRPr>
+                        </a:p>
+                      </a:txBody>
+                      <a:tcPr/>
+                    </a:tc>
+                    <a:extLst>
+                      <a:ext uri="{0D108BD9-81ED-4DB2-BD59-A6C34878D82A}">
+                        <a16:rowId xmlns:a16="http://schemas.microsoft.com/office/drawing/2014/main" val="1402259285"/>
+                      </a:ext>
+                    </a:extLst>
+                  </a:tr>
+                  <a:tr h="271577">
+                    <a:tc>
+                      <a:txBody>
+                        <a:bodyPr/>
+                        <a:lstStyle/>
+                        <a:p>
+                          <a:r>
+                            <a:rPr lang="pl-PL" sz="1200" dirty="0">
+                              <a:latin typeface="Comissioner"/>
+                            </a:rPr>
+                            <a:t>1</a:t>
+                          </a:r>
+                          <a:endParaRPr lang="en-GB" sz="1200" dirty="0">
+                            <a:latin typeface="Comissioner"/>
+                          </a:endParaRPr>
+                        </a:p>
+                      </a:txBody>
+                      <a:tcPr/>
+                    </a:tc>
+                    <a:tc>
+                      <a:txBody>
+                        <a:bodyPr/>
+                        <a:lstStyle/>
+                        <a:p>
+                          <a:r>
+                            <a:rPr lang="pl-PL" sz="1200" dirty="0">
+                              <a:latin typeface="Comissioner"/>
+                            </a:rPr>
+                            <a:t>40</a:t>
+                          </a:r>
+                          <a:endParaRPr lang="en-GB" sz="1200" dirty="0">
+                            <a:latin typeface="Comissioner"/>
+                          </a:endParaRPr>
+                        </a:p>
+                      </a:txBody>
+                      <a:tcPr/>
+                    </a:tc>
+                    <a:tc>
+                      <a:txBody>
+                        <a:bodyPr/>
+                        <a:lstStyle/>
+                        <a:p>
+                          <a:r>
+                            <a:rPr lang="pl-PL" sz="1200" dirty="0">
+                              <a:latin typeface="Comissioner"/>
+                            </a:rPr>
+                            <a:t>20</a:t>
+                          </a:r>
+                          <a:endParaRPr lang="en-GB" sz="1200" dirty="0">
+                            <a:latin typeface="Comissioner"/>
+                          </a:endParaRPr>
+                        </a:p>
+                      </a:txBody>
+                      <a:tcPr/>
+                    </a:tc>
+                    <a:extLst>
+                      <a:ext uri="{0D108BD9-81ED-4DB2-BD59-A6C34878D82A}">
+                        <a16:rowId xmlns:a16="http://schemas.microsoft.com/office/drawing/2014/main" val="23029709"/>
+                      </a:ext>
+                    </a:extLst>
+                  </a:tr>
+                </a:tbl>
+              </a:graphicData>
+            </a:graphic>
+          </p:graphicFrame>
+        </mc:Choice>
+        <mc:Fallback>
+          <p:graphicFrame>
+            <p:nvGraphicFramePr>
+              <p:cNvPr id="12" name="Table 11">
+                <a:extLst>
+                  <a:ext uri="{FF2B5EF4-FFF2-40B4-BE49-F238E27FC236}">
+                    <a16:creationId xmlns:a16="http://schemas.microsoft.com/office/drawing/2014/main" id="{32AD8509-6CBC-1800-3723-357BA4A59F82}"/>
+                  </a:ext>
+                </a:extLst>
+              </p:cNvPr>
+              <p:cNvGraphicFramePr>
+                <a:graphicFrameLocks noGrp="1"/>
+              </p:cNvGraphicFramePr>
+              <p:nvPr>
+                <p:extLst>
+                  <p:ext uri="{D42A27DB-BD31-4B8C-83A1-F6EECF244321}">
+                    <p14:modId xmlns:p14="http://schemas.microsoft.com/office/powerpoint/2010/main" val="1404550615"/>
+                  </p:ext>
+                </p:extLst>
+              </p:nvPr>
+            </p:nvGraphicFramePr>
+            <p:xfrm>
+              <a:off x="3656002" y="1885950"/>
+              <a:ext cx="1718628" cy="1371600"/>
+            </p:xfrm>
+            <a:graphic>
+              <a:graphicData uri="http://schemas.openxmlformats.org/drawingml/2006/table">
+                <a:tbl>
+                  <a:tblPr firstRow="1" bandRow="1">
+                    <a:tableStyleId>{410AA517-7F76-4011-9E2E-61F37F4E73F9}</a:tableStyleId>
+                  </a:tblPr>
+                  <a:tblGrid>
+                    <a:gridCol w="851218">
+                      <a:extLst>
+                        <a:ext uri="{9D8B030D-6E8A-4147-A177-3AD203B41FA5}">
+                          <a16:colId xmlns:a16="http://schemas.microsoft.com/office/drawing/2014/main" val="2136522019"/>
+                        </a:ext>
+                      </a:extLst>
+                    </a:gridCol>
+                    <a:gridCol w="494030">
+                      <a:extLst>
+                        <a:ext uri="{9D8B030D-6E8A-4147-A177-3AD203B41FA5}">
+                          <a16:colId xmlns:a16="http://schemas.microsoft.com/office/drawing/2014/main" val="1226462718"/>
+                        </a:ext>
+                      </a:extLst>
+                    </a:gridCol>
+                    <a:gridCol w="373380">
+                      <a:extLst>
+                        <a:ext uri="{9D8B030D-6E8A-4147-A177-3AD203B41FA5}">
+                          <a16:colId xmlns:a16="http://schemas.microsoft.com/office/drawing/2014/main" val="360432383"/>
+                        </a:ext>
+                      </a:extLst>
+                    </a:gridCol>
+                  </a:tblGrid>
+                  <a:tr h="274320">
+                    <a:tc gridSpan="3">
+                      <a:txBody>
+                        <a:bodyPr/>
+                        <a:lstStyle/>
+                        <a:p>
+                          <a:endParaRPr lang="en-US"/>
+                        </a:p>
+                      </a:txBody>
+                      <a:tcPr>
+                        <a:blipFill>
+                          <a:blip r:embed="rId3"/>
+                          <a:stretch>
+                            <a:fillRect l="-353" t="-2222" r="-707" b="-417778"/>
+                          </a:stretch>
+                        </a:blipFill>
+                      </a:tcPr>
+                    </a:tc>
+                    <a:tc hMerge="1">
+                      <a:txBody>
+                        <a:bodyPr/>
+                        <a:lstStyle/>
+                        <a:p>
+                          <a:endParaRPr lang="en-GB"/>
+                        </a:p>
+                      </a:txBody>
+                      <a:tcPr/>
+                    </a:tc>
+                    <a:tc hMerge="1">
+                      <a:txBody>
+                        <a:bodyPr/>
+                        <a:lstStyle/>
+                        <a:p>
+                          <a:endParaRPr lang="en-GB" dirty="0"/>
+                        </a:p>
+                      </a:txBody>
+                      <a:tcPr/>
+                    </a:tc>
+                    <a:extLst>
+                      <a:ext uri="{0D108BD9-81ED-4DB2-BD59-A6C34878D82A}">
+                        <a16:rowId xmlns:a16="http://schemas.microsoft.com/office/drawing/2014/main" val="2513526630"/>
+                      </a:ext>
+                    </a:extLst>
+                  </a:tr>
+                  <a:tr h="274320">
+                    <a:tc>
+                      <a:txBody>
+                        <a:bodyPr/>
+                        <a:lstStyle/>
+                        <a:p>
+                          <a:endParaRPr lang="en-GB" sz="1200">
+                            <a:latin typeface="Comissioner"/>
+                          </a:endParaRPr>
+                        </a:p>
+                      </a:txBody>
+                      <a:tcPr/>
+                    </a:tc>
+                    <a:tc gridSpan="2">
+                      <a:txBody>
+                        <a:bodyPr/>
+                        <a:lstStyle/>
+                        <a:p>
+                          <a:r>
+                            <a:rPr lang="pl-PL" sz="1200" dirty="0">
+                              <a:latin typeface="Comissioner"/>
+                            </a:rPr>
+                            <a:t>Reference</a:t>
+                          </a:r>
+                          <a:endParaRPr lang="en-GB" sz="1200" dirty="0">
+                            <a:latin typeface="Comissioner"/>
+                          </a:endParaRPr>
+                        </a:p>
+                      </a:txBody>
+                      <a:tcPr/>
+                    </a:tc>
+                    <a:tc hMerge="1">
+                      <a:txBody>
+                        <a:bodyPr/>
+                        <a:lstStyle/>
+                        <a:p>
+                          <a:endParaRPr lang="en-GB" dirty="0"/>
+                        </a:p>
+                      </a:txBody>
+                      <a:tcPr/>
+                    </a:tc>
+                    <a:extLst>
+                      <a:ext uri="{0D108BD9-81ED-4DB2-BD59-A6C34878D82A}">
+                        <a16:rowId xmlns:a16="http://schemas.microsoft.com/office/drawing/2014/main" val="2318894578"/>
+                      </a:ext>
+                    </a:extLst>
+                  </a:tr>
+                  <a:tr h="274320">
+                    <a:tc>
+                      <a:txBody>
+                        <a:bodyPr/>
+                        <a:lstStyle/>
+                        <a:p>
+                          <a:r>
+                            <a:rPr lang="pl-PL" sz="1200" dirty="0" err="1">
+                              <a:latin typeface="Comissioner"/>
+                            </a:rPr>
+                            <a:t>Prediction</a:t>
+                          </a:r>
+                          <a:endParaRPr lang="en-GB" sz="1200" dirty="0">
+                            <a:latin typeface="Comissioner"/>
+                          </a:endParaRPr>
+                        </a:p>
+                      </a:txBody>
+                      <a:tcPr/>
+                    </a:tc>
+                    <a:tc>
+                      <a:txBody>
+                        <a:bodyPr/>
+                        <a:lstStyle/>
+                        <a:p>
+                          <a:r>
+                            <a:rPr lang="pl-PL" sz="1200" dirty="0">
+                              <a:latin typeface="Comissioner"/>
+                            </a:rPr>
+                            <a:t>0</a:t>
+                          </a:r>
+                          <a:endParaRPr lang="en-GB" sz="1200" dirty="0">
+                            <a:latin typeface="Comissioner"/>
+                          </a:endParaRPr>
+                        </a:p>
+                      </a:txBody>
+                      <a:tcPr/>
+                    </a:tc>
+                    <a:tc>
+                      <a:txBody>
+                        <a:bodyPr/>
+                        <a:lstStyle/>
+                        <a:p>
+                          <a:r>
+                            <a:rPr lang="pl-PL" sz="1200" dirty="0">
+                              <a:latin typeface="Comissioner"/>
+                            </a:rPr>
+                            <a:t>1</a:t>
+                          </a:r>
+                          <a:endParaRPr lang="en-GB" sz="1200" dirty="0">
+                            <a:latin typeface="Comissioner"/>
+                          </a:endParaRPr>
+                        </a:p>
+                      </a:txBody>
+                      <a:tcPr/>
+                    </a:tc>
+                    <a:extLst>
+                      <a:ext uri="{0D108BD9-81ED-4DB2-BD59-A6C34878D82A}">
+                        <a16:rowId xmlns:a16="http://schemas.microsoft.com/office/drawing/2014/main" val="4089693360"/>
+                      </a:ext>
+                    </a:extLst>
+                  </a:tr>
+                  <a:tr h="274320">
+                    <a:tc>
+                      <a:txBody>
+                        <a:bodyPr/>
+                        <a:lstStyle/>
+                        <a:p>
+                          <a:r>
+                            <a:rPr lang="pl-PL" sz="1200" dirty="0">
+                              <a:latin typeface="Comissioner"/>
+                            </a:rPr>
+                            <a:t>0</a:t>
+                          </a:r>
+                          <a:endParaRPr lang="en-GB" sz="1200" dirty="0">
+                            <a:latin typeface="Comissioner"/>
+                          </a:endParaRPr>
+                        </a:p>
+                      </a:txBody>
+                      <a:tcPr/>
+                    </a:tc>
+                    <a:tc>
+                      <a:txBody>
+                        <a:bodyPr/>
+                        <a:lstStyle/>
+                        <a:p>
+                          <a:r>
+                            <a:rPr lang="pl-PL" sz="1200" dirty="0">
+                              <a:latin typeface="Comissioner"/>
+                            </a:rPr>
+                            <a:t>502</a:t>
+                          </a:r>
+                          <a:endParaRPr lang="en-GB" sz="1200" dirty="0">
+                            <a:latin typeface="Comissioner"/>
+                          </a:endParaRPr>
+                        </a:p>
+                      </a:txBody>
+                      <a:tcPr/>
+                    </a:tc>
+                    <a:tc>
+                      <a:txBody>
+                        <a:bodyPr/>
+                        <a:lstStyle/>
+                        <a:p>
+                          <a:r>
+                            <a:rPr lang="pl-PL" sz="1200" dirty="0">
+                              <a:latin typeface="Comissioner"/>
+                            </a:rPr>
+                            <a:t>77</a:t>
+                          </a:r>
+                          <a:endParaRPr lang="en-GB" sz="1200" dirty="0">
+                            <a:latin typeface="Comissioner"/>
+                          </a:endParaRPr>
+                        </a:p>
+                      </a:txBody>
+                      <a:tcPr/>
+                    </a:tc>
+                    <a:extLst>
+                      <a:ext uri="{0D108BD9-81ED-4DB2-BD59-A6C34878D82A}">
+                        <a16:rowId xmlns:a16="http://schemas.microsoft.com/office/drawing/2014/main" val="1402259285"/>
+                      </a:ext>
+                    </a:extLst>
+                  </a:tr>
+                  <a:tr h="274320">
+                    <a:tc>
+                      <a:txBody>
+                        <a:bodyPr/>
+                        <a:lstStyle/>
+                        <a:p>
+                          <a:r>
+                            <a:rPr lang="pl-PL" sz="1200" dirty="0">
+                              <a:latin typeface="Comissioner"/>
+                            </a:rPr>
+                            <a:t>1</a:t>
+                          </a:r>
+                          <a:endParaRPr lang="en-GB" sz="1200" dirty="0">
+                            <a:latin typeface="Comissioner"/>
+                          </a:endParaRPr>
+                        </a:p>
+                      </a:txBody>
+                      <a:tcPr/>
+                    </a:tc>
+                    <a:tc>
+                      <a:txBody>
+                        <a:bodyPr/>
+                        <a:lstStyle/>
+                        <a:p>
+                          <a:r>
+                            <a:rPr lang="pl-PL" sz="1200" dirty="0">
+                              <a:latin typeface="Comissioner"/>
+                            </a:rPr>
+                            <a:t>40</a:t>
+                          </a:r>
+                          <a:endParaRPr lang="en-GB" sz="1200" dirty="0">
+                            <a:latin typeface="Comissioner"/>
+                          </a:endParaRPr>
+                        </a:p>
+                      </a:txBody>
+                      <a:tcPr/>
+                    </a:tc>
+                    <a:tc>
+                      <a:txBody>
+                        <a:bodyPr/>
+                        <a:lstStyle/>
+                        <a:p>
+                          <a:r>
+                            <a:rPr lang="pl-PL" sz="1200" dirty="0">
+                              <a:latin typeface="Comissioner"/>
+                            </a:rPr>
+                            <a:t>20</a:t>
+                          </a:r>
+                          <a:endParaRPr lang="en-GB" sz="1200" dirty="0">
+                            <a:latin typeface="Comissioner"/>
+                          </a:endParaRPr>
+                        </a:p>
+                      </a:txBody>
+                      <a:tcPr/>
+                    </a:tc>
+                    <a:extLst>
+                      <a:ext uri="{0D108BD9-81ED-4DB2-BD59-A6C34878D82A}">
+                        <a16:rowId xmlns:a16="http://schemas.microsoft.com/office/drawing/2014/main" val="23029709"/>
+                      </a:ext>
+                    </a:extLst>
+                  </a:tr>
+                </a:tbl>
+              </a:graphicData>
+            </a:graphic>
+          </p:graphicFrame>
+        </mc:Fallback>
+      </mc:AlternateContent>
+      <mc:AlternateContent xmlns:mc="http://schemas.openxmlformats.org/markup-compatibility/2006">
+        <mc:Choice xmlns:a14="http://schemas.microsoft.com/office/drawing/2010/main" Requires="a14">
+          <p:graphicFrame>
+            <p:nvGraphicFramePr>
+              <p:cNvPr id="14" name="Table 13">
+                <a:extLst>
+                  <a:ext uri="{FF2B5EF4-FFF2-40B4-BE49-F238E27FC236}">
+                    <a16:creationId xmlns:a16="http://schemas.microsoft.com/office/drawing/2014/main" id="{FBFD2554-F31A-201E-614C-FA38CE42D83C}"/>
+                  </a:ext>
+                </a:extLst>
+              </p:cNvPr>
+              <p:cNvGraphicFramePr>
+                <a:graphicFrameLocks noGrp="1"/>
+              </p:cNvGraphicFramePr>
+              <p:nvPr>
+                <p:extLst>
+                  <p:ext uri="{D42A27DB-BD31-4B8C-83A1-F6EECF244321}">
+                    <p14:modId xmlns:p14="http://schemas.microsoft.com/office/powerpoint/2010/main" val="4190753391"/>
+                  </p:ext>
+                </p:extLst>
+              </p:nvPr>
+            </p:nvGraphicFramePr>
+            <p:xfrm>
+              <a:off x="6168144" y="1885950"/>
+              <a:ext cx="1718628" cy="1371600"/>
+            </p:xfrm>
+            <a:graphic>
+              <a:graphicData uri="http://schemas.openxmlformats.org/drawingml/2006/table">
+                <a:tbl>
+                  <a:tblPr firstRow="1" bandRow="1">
+                    <a:tableStyleId>{410AA517-7F76-4011-9E2E-61F37F4E73F9}</a:tableStyleId>
+                  </a:tblPr>
+                  <a:tblGrid>
+                    <a:gridCol w="851218">
+                      <a:extLst>
+                        <a:ext uri="{9D8B030D-6E8A-4147-A177-3AD203B41FA5}">
+                          <a16:colId xmlns:a16="http://schemas.microsoft.com/office/drawing/2014/main" val="2136522019"/>
+                        </a:ext>
+                      </a:extLst>
+                    </a:gridCol>
+                    <a:gridCol w="494030">
+                      <a:extLst>
+                        <a:ext uri="{9D8B030D-6E8A-4147-A177-3AD203B41FA5}">
+                          <a16:colId xmlns:a16="http://schemas.microsoft.com/office/drawing/2014/main" val="1226462718"/>
+                        </a:ext>
+                      </a:extLst>
+                    </a:gridCol>
+                    <a:gridCol w="373380">
+                      <a:extLst>
+                        <a:ext uri="{9D8B030D-6E8A-4147-A177-3AD203B41FA5}">
+                          <a16:colId xmlns:a16="http://schemas.microsoft.com/office/drawing/2014/main" val="360432383"/>
+                        </a:ext>
+                      </a:extLst>
+                    </a:gridCol>
+                  </a:tblGrid>
+                  <a:tr h="232608">
+                    <a:tc gridSpan="3">
+                      <a:txBody>
+                        <a:bodyPr/>
+                        <a:lstStyle/>
+                        <a:p>
+                          <a:pPr algn="ctr"/>
+                          <a14:m>
+                            <m:oMath xmlns:m="http://schemas.openxmlformats.org/officeDocument/2006/math">
+                              <m:sSub>
+                                <m:sSubPr>
+                                  <m:ctrlPr>
+                                    <a:rPr lang="en-GB" sz="1200" i="1" smtClean="0">
+                                      <a:latin typeface="Cambria Math" panose="02040503050406030204" pitchFamily="18" charset="0"/>
+                                    </a:rPr>
+                                  </m:ctrlPr>
+                                </m:sSubPr>
+                                <m:e>
+                                  <m:r>
+                                    <a:rPr lang="pl-PL" sz="1200" b="0" i="1" smtClean="0">
+                                      <a:latin typeface="Cambria Math" panose="02040503050406030204" pitchFamily="18" charset="0"/>
+                                    </a:rPr>
+                                    <m:t>𝑐</m:t>
+                                  </m:r>
+                                </m:e>
+                                <m:sub>
+                                  <m:r>
+                                    <a:rPr lang="pl-PL" sz="1200" b="0" i="1" smtClean="0">
+                                      <a:latin typeface="Cambria Math" panose="02040503050406030204" pitchFamily="18" charset="0"/>
+                                    </a:rPr>
+                                    <m:t>1</m:t>
+                                  </m:r>
+                                </m:sub>
+                              </m:sSub>
+                              <m:r>
+                                <a:rPr lang="pl-PL" sz="1200" b="0" i="1" smtClean="0">
+                                  <a:latin typeface="Cambria Math" panose="02040503050406030204" pitchFamily="18" charset="0"/>
+                                </a:rPr>
+                                <m:t>=0.</m:t>
+                              </m:r>
+                              <m:r>
+                                <a:rPr lang="pl-PL" sz="1200" b="0" i="1" smtClean="0">
+                                  <a:latin typeface="Cambria Math" panose="02040503050406030204" pitchFamily="18" charset="0"/>
+                                </a:rPr>
+                                <m:t>95</m:t>
+                              </m:r>
+                              <m:r>
+                                <a:rPr lang="pl-PL" sz="1200" b="0" i="1" smtClean="0">
+                                  <a:latin typeface="Cambria Math" panose="02040503050406030204" pitchFamily="18" charset="0"/>
+                                </a:rPr>
+                                <m:t>, </m:t>
+                              </m:r>
+                              <m:sSub>
+                                <m:sSubPr>
+                                  <m:ctrlPr>
+                                    <a:rPr lang="pl-PL" sz="1200" b="0" i="1" smtClean="0">
+                                      <a:latin typeface="Cambria Math" panose="02040503050406030204" pitchFamily="18" charset="0"/>
+                                    </a:rPr>
+                                  </m:ctrlPr>
+                                </m:sSubPr>
+                                <m:e>
+                                  <m:r>
+                                    <a:rPr lang="pl-PL" sz="1200" b="0" i="1" smtClean="0">
+                                      <a:latin typeface="Cambria Math" panose="02040503050406030204" pitchFamily="18" charset="0"/>
+                                    </a:rPr>
+                                    <m:t>𝑐</m:t>
+                                  </m:r>
+                                </m:e>
+                                <m:sub>
+                                  <m:r>
+                                    <a:rPr lang="pl-PL" sz="1200" b="0" i="1" smtClean="0">
+                                      <a:latin typeface="Cambria Math" panose="02040503050406030204" pitchFamily="18" charset="0"/>
+                                    </a:rPr>
+                                    <m:t>0</m:t>
+                                  </m:r>
+                                </m:sub>
+                              </m:sSub>
+                              <m:r>
+                                <a:rPr lang="pl-PL" sz="1200" b="0" i="1" smtClean="0">
+                                  <a:latin typeface="Cambria Math" panose="02040503050406030204" pitchFamily="18" charset="0"/>
+                                </a:rPr>
+                                <m:t>=0.</m:t>
+                              </m:r>
+                            </m:oMath>
+                          </a14:m>
+                          <a:r>
+                            <a:rPr lang="pl-PL" sz="1200" dirty="0">
+                              <a:latin typeface="Comissioner"/>
+                            </a:rPr>
+                            <a:t>05</a:t>
+                          </a:r>
+                          <a:endParaRPr lang="en-GB" sz="1200" dirty="0">
+                            <a:latin typeface="Comissioner"/>
+                          </a:endParaRPr>
+                        </a:p>
+                      </a:txBody>
+                      <a:tcPr/>
+                    </a:tc>
+                    <a:tc hMerge="1">
+                      <a:txBody>
+                        <a:bodyPr/>
+                        <a:lstStyle/>
+                        <a:p>
+                          <a:endParaRPr lang="en-GB"/>
+                        </a:p>
+                      </a:txBody>
+                      <a:tcPr/>
+                    </a:tc>
+                    <a:tc hMerge="1">
+                      <a:txBody>
+                        <a:bodyPr/>
+                        <a:lstStyle/>
+                        <a:p>
+                          <a:endParaRPr lang="en-GB" dirty="0"/>
+                        </a:p>
+                      </a:txBody>
+                      <a:tcPr/>
+                    </a:tc>
+                    <a:extLst>
+                      <a:ext uri="{0D108BD9-81ED-4DB2-BD59-A6C34878D82A}">
+                        <a16:rowId xmlns:a16="http://schemas.microsoft.com/office/drawing/2014/main" val="2513526630"/>
+                      </a:ext>
+                    </a:extLst>
+                  </a:tr>
+                  <a:tr h="271577">
+                    <a:tc>
+                      <a:txBody>
+                        <a:bodyPr/>
+                        <a:lstStyle/>
+                        <a:p>
+                          <a:endParaRPr lang="en-GB" sz="1200">
+                            <a:latin typeface="Comissioner"/>
+                          </a:endParaRPr>
+                        </a:p>
+                      </a:txBody>
+                      <a:tcPr/>
+                    </a:tc>
+                    <a:tc gridSpan="2">
+                      <a:txBody>
+                        <a:bodyPr/>
+                        <a:lstStyle/>
+                        <a:p>
+                          <a:r>
+                            <a:rPr lang="pl-PL" sz="1200" dirty="0">
+                              <a:latin typeface="Comissioner"/>
+                            </a:rPr>
+                            <a:t>Reference</a:t>
+                          </a:r>
+                          <a:endParaRPr lang="en-GB" sz="1200" dirty="0">
+                            <a:latin typeface="Comissioner"/>
+                          </a:endParaRPr>
+                        </a:p>
+                      </a:txBody>
+                      <a:tcPr/>
+                    </a:tc>
+                    <a:tc hMerge="1">
+                      <a:txBody>
+                        <a:bodyPr/>
+                        <a:lstStyle/>
+                        <a:p>
+                          <a:endParaRPr lang="en-GB" dirty="0"/>
+                        </a:p>
+                      </a:txBody>
+                      <a:tcPr/>
+                    </a:tc>
+                    <a:extLst>
+                      <a:ext uri="{0D108BD9-81ED-4DB2-BD59-A6C34878D82A}">
+                        <a16:rowId xmlns:a16="http://schemas.microsoft.com/office/drawing/2014/main" val="2318894578"/>
+                      </a:ext>
+                    </a:extLst>
+                  </a:tr>
+                  <a:tr h="271577">
+                    <a:tc>
+                      <a:txBody>
+                        <a:bodyPr/>
+                        <a:lstStyle/>
+                        <a:p>
+                          <a:r>
+                            <a:rPr lang="pl-PL" sz="1200" dirty="0" err="1">
+                              <a:latin typeface="Comissioner"/>
+                            </a:rPr>
+                            <a:t>Prediction</a:t>
+                          </a:r>
+                          <a:endParaRPr lang="en-GB" sz="1200" dirty="0">
+                            <a:latin typeface="Comissioner"/>
+                          </a:endParaRPr>
+                        </a:p>
+                      </a:txBody>
+                      <a:tcPr/>
+                    </a:tc>
+                    <a:tc>
+                      <a:txBody>
+                        <a:bodyPr/>
+                        <a:lstStyle/>
+                        <a:p>
+                          <a:r>
+                            <a:rPr lang="pl-PL" sz="1200" dirty="0">
+                              <a:latin typeface="Comissioner"/>
+                            </a:rPr>
+                            <a:t>0</a:t>
+                          </a:r>
+                          <a:endParaRPr lang="en-GB" sz="1200" dirty="0">
+                            <a:latin typeface="Comissioner"/>
+                          </a:endParaRPr>
+                        </a:p>
+                      </a:txBody>
+                      <a:tcPr/>
+                    </a:tc>
+                    <a:tc>
+                      <a:txBody>
+                        <a:bodyPr/>
+                        <a:lstStyle/>
+                        <a:p>
+                          <a:r>
+                            <a:rPr lang="pl-PL" sz="1200" dirty="0">
+                              <a:latin typeface="Comissioner"/>
+                            </a:rPr>
+                            <a:t>1</a:t>
+                          </a:r>
+                          <a:endParaRPr lang="en-GB" sz="1200" dirty="0">
+                            <a:latin typeface="Comissioner"/>
+                          </a:endParaRPr>
+                        </a:p>
+                      </a:txBody>
+                      <a:tcPr/>
+                    </a:tc>
+                    <a:extLst>
+                      <a:ext uri="{0D108BD9-81ED-4DB2-BD59-A6C34878D82A}">
+                        <a16:rowId xmlns:a16="http://schemas.microsoft.com/office/drawing/2014/main" val="4089693360"/>
+                      </a:ext>
+                    </a:extLst>
+                  </a:tr>
+                  <a:tr h="271577">
+                    <a:tc>
+                      <a:txBody>
+                        <a:bodyPr/>
+                        <a:lstStyle/>
+                        <a:p>
+                          <a:r>
+                            <a:rPr lang="pl-PL" sz="1200" dirty="0">
+                              <a:latin typeface="Comissioner"/>
+                            </a:rPr>
+                            <a:t>0</a:t>
+                          </a:r>
+                          <a:endParaRPr lang="en-GB" sz="1200" dirty="0">
+                            <a:latin typeface="Comissioner"/>
+                          </a:endParaRPr>
+                        </a:p>
+                      </a:txBody>
+                      <a:tcPr/>
+                    </a:tc>
+                    <a:tc>
+                      <a:txBody>
+                        <a:bodyPr/>
+                        <a:lstStyle/>
+                        <a:p>
+                          <a:r>
+                            <a:rPr lang="pl-PL" sz="1200" dirty="0">
+                              <a:latin typeface="Comissioner"/>
+                            </a:rPr>
+                            <a:t>56</a:t>
+                          </a:r>
+                          <a:endParaRPr lang="en-GB" sz="1200" dirty="0">
+                            <a:latin typeface="Comissioner"/>
+                          </a:endParaRPr>
+                        </a:p>
+                      </a:txBody>
+                      <a:tcPr/>
+                    </a:tc>
+                    <a:tc>
+                      <a:txBody>
+                        <a:bodyPr/>
+                        <a:lstStyle/>
+                        <a:p>
+                          <a:r>
+                            <a:rPr lang="pl-PL" sz="1200" dirty="0">
+                              <a:latin typeface="Comissioner"/>
+                            </a:rPr>
+                            <a:t>5</a:t>
+                          </a:r>
+                          <a:endParaRPr lang="en-GB" sz="1200" dirty="0">
+                            <a:latin typeface="Comissioner"/>
+                          </a:endParaRPr>
+                        </a:p>
+                      </a:txBody>
+                      <a:tcPr/>
+                    </a:tc>
+                    <a:extLst>
+                      <a:ext uri="{0D108BD9-81ED-4DB2-BD59-A6C34878D82A}">
+                        <a16:rowId xmlns:a16="http://schemas.microsoft.com/office/drawing/2014/main" val="1402259285"/>
+                      </a:ext>
+                    </a:extLst>
+                  </a:tr>
+                  <a:tr h="271577">
+                    <a:tc>
+                      <a:txBody>
+                        <a:bodyPr/>
+                        <a:lstStyle/>
+                        <a:p>
+                          <a:r>
+                            <a:rPr lang="pl-PL" sz="1200" dirty="0">
+                              <a:latin typeface="Comissioner"/>
+                            </a:rPr>
+                            <a:t>1</a:t>
+                          </a:r>
+                          <a:endParaRPr lang="en-GB" sz="1200" dirty="0">
+                            <a:latin typeface="Comissioner"/>
+                          </a:endParaRPr>
+                        </a:p>
+                      </a:txBody>
+                      <a:tcPr/>
+                    </a:tc>
+                    <a:tc>
+                      <a:txBody>
+                        <a:bodyPr/>
+                        <a:lstStyle/>
+                        <a:p>
+                          <a:r>
+                            <a:rPr lang="pl-PL" sz="1200" dirty="0">
+                              <a:latin typeface="Comissioner"/>
+                            </a:rPr>
+                            <a:t>486</a:t>
+                          </a:r>
+                          <a:endParaRPr lang="en-GB" sz="1200" dirty="0">
+                            <a:latin typeface="Comissioner"/>
+                          </a:endParaRPr>
+                        </a:p>
+                      </a:txBody>
+                      <a:tcPr/>
+                    </a:tc>
+                    <a:tc>
+                      <a:txBody>
+                        <a:bodyPr/>
+                        <a:lstStyle/>
+                        <a:p>
+                          <a:r>
+                            <a:rPr lang="pl-PL" sz="1200" dirty="0">
+                              <a:latin typeface="Comissioner"/>
+                            </a:rPr>
+                            <a:t>92</a:t>
+                          </a:r>
+                          <a:endParaRPr lang="en-GB" sz="1200" dirty="0">
+                            <a:latin typeface="Comissioner"/>
+                          </a:endParaRPr>
+                        </a:p>
+                      </a:txBody>
+                      <a:tcPr/>
+                    </a:tc>
+                    <a:extLst>
+                      <a:ext uri="{0D108BD9-81ED-4DB2-BD59-A6C34878D82A}">
+                        <a16:rowId xmlns:a16="http://schemas.microsoft.com/office/drawing/2014/main" val="23029709"/>
+                      </a:ext>
+                    </a:extLst>
+                  </a:tr>
+                </a:tbl>
+              </a:graphicData>
+            </a:graphic>
+          </p:graphicFrame>
+        </mc:Choice>
+        <mc:Fallback>
+          <p:graphicFrame>
+            <p:nvGraphicFramePr>
+              <p:cNvPr id="14" name="Table 13">
+                <a:extLst>
+                  <a:ext uri="{FF2B5EF4-FFF2-40B4-BE49-F238E27FC236}">
+                    <a16:creationId xmlns:a16="http://schemas.microsoft.com/office/drawing/2014/main" id="{FBFD2554-F31A-201E-614C-FA38CE42D83C}"/>
+                  </a:ext>
+                </a:extLst>
+              </p:cNvPr>
+              <p:cNvGraphicFramePr>
+                <a:graphicFrameLocks noGrp="1"/>
+              </p:cNvGraphicFramePr>
+              <p:nvPr>
+                <p:extLst>
+                  <p:ext uri="{D42A27DB-BD31-4B8C-83A1-F6EECF244321}">
+                    <p14:modId xmlns:p14="http://schemas.microsoft.com/office/powerpoint/2010/main" val="4190753391"/>
+                  </p:ext>
+                </p:extLst>
+              </p:nvPr>
+            </p:nvGraphicFramePr>
+            <p:xfrm>
+              <a:off x="6168144" y="1885950"/>
+              <a:ext cx="1718628" cy="1371600"/>
+            </p:xfrm>
+            <a:graphic>
+              <a:graphicData uri="http://schemas.openxmlformats.org/drawingml/2006/table">
+                <a:tbl>
+                  <a:tblPr firstRow="1" bandRow="1">
+                    <a:tableStyleId>{410AA517-7F76-4011-9E2E-61F37F4E73F9}</a:tableStyleId>
+                  </a:tblPr>
+                  <a:tblGrid>
+                    <a:gridCol w="851218">
+                      <a:extLst>
+                        <a:ext uri="{9D8B030D-6E8A-4147-A177-3AD203B41FA5}">
+                          <a16:colId xmlns:a16="http://schemas.microsoft.com/office/drawing/2014/main" val="2136522019"/>
+                        </a:ext>
+                      </a:extLst>
+                    </a:gridCol>
+                    <a:gridCol w="494030">
+                      <a:extLst>
+                        <a:ext uri="{9D8B030D-6E8A-4147-A177-3AD203B41FA5}">
+                          <a16:colId xmlns:a16="http://schemas.microsoft.com/office/drawing/2014/main" val="1226462718"/>
+                        </a:ext>
+                      </a:extLst>
+                    </a:gridCol>
+                    <a:gridCol w="373380">
+                      <a:extLst>
+                        <a:ext uri="{9D8B030D-6E8A-4147-A177-3AD203B41FA5}">
+                          <a16:colId xmlns:a16="http://schemas.microsoft.com/office/drawing/2014/main" val="360432383"/>
+                        </a:ext>
+                      </a:extLst>
+                    </a:gridCol>
+                  </a:tblGrid>
+                  <a:tr h="274320">
+                    <a:tc gridSpan="3">
+                      <a:txBody>
+                        <a:bodyPr/>
+                        <a:lstStyle/>
+                        <a:p>
+                          <a:endParaRPr lang="en-US"/>
+                        </a:p>
+                      </a:txBody>
+                      <a:tcPr>
+                        <a:blipFill>
+                          <a:blip r:embed="rId4"/>
+                          <a:stretch>
+                            <a:fillRect t="-2222" r="-707" b="-417778"/>
+                          </a:stretch>
+                        </a:blipFill>
+                      </a:tcPr>
+                    </a:tc>
+                    <a:tc hMerge="1">
+                      <a:txBody>
+                        <a:bodyPr/>
+                        <a:lstStyle/>
+                        <a:p>
+                          <a:endParaRPr lang="en-GB"/>
+                        </a:p>
+                      </a:txBody>
+                      <a:tcPr/>
+                    </a:tc>
+                    <a:tc hMerge="1">
+                      <a:txBody>
+                        <a:bodyPr/>
+                        <a:lstStyle/>
+                        <a:p>
+                          <a:endParaRPr lang="en-GB" dirty="0"/>
+                        </a:p>
+                      </a:txBody>
+                      <a:tcPr/>
+                    </a:tc>
+                    <a:extLst>
+                      <a:ext uri="{0D108BD9-81ED-4DB2-BD59-A6C34878D82A}">
+                        <a16:rowId xmlns:a16="http://schemas.microsoft.com/office/drawing/2014/main" val="2513526630"/>
+                      </a:ext>
+                    </a:extLst>
+                  </a:tr>
+                  <a:tr h="274320">
+                    <a:tc>
+                      <a:txBody>
+                        <a:bodyPr/>
+                        <a:lstStyle/>
+                        <a:p>
+                          <a:endParaRPr lang="en-GB" sz="1200">
+                            <a:latin typeface="Comissioner"/>
+                          </a:endParaRPr>
+                        </a:p>
+                      </a:txBody>
+                      <a:tcPr/>
+                    </a:tc>
+                    <a:tc gridSpan="2">
+                      <a:txBody>
+                        <a:bodyPr/>
+                        <a:lstStyle/>
+                        <a:p>
+                          <a:r>
+                            <a:rPr lang="pl-PL" sz="1200" dirty="0">
+                              <a:latin typeface="Comissioner"/>
+                            </a:rPr>
+                            <a:t>Reference</a:t>
+                          </a:r>
+                          <a:endParaRPr lang="en-GB" sz="1200" dirty="0">
+                            <a:latin typeface="Comissioner"/>
+                          </a:endParaRPr>
+                        </a:p>
+                      </a:txBody>
+                      <a:tcPr/>
+                    </a:tc>
+                    <a:tc hMerge="1">
+                      <a:txBody>
+                        <a:bodyPr/>
+                        <a:lstStyle/>
+                        <a:p>
+                          <a:endParaRPr lang="en-GB" dirty="0"/>
+                        </a:p>
+                      </a:txBody>
+                      <a:tcPr/>
+                    </a:tc>
+                    <a:extLst>
+                      <a:ext uri="{0D108BD9-81ED-4DB2-BD59-A6C34878D82A}">
+                        <a16:rowId xmlns:a16="http://schemas.microsoft.com/office/drawing/2014/main" val="2318894578"/>
+                      </a:ext>
+                    </a:extLst>
+                  </a:tr>
+                  <a:tr h="274320">
+                    <a:tc>
+                      <a:txBody>
+                        <a:bodyPr/>
+                        <a:lstStyle/>
+                        <a:p>
+                          <a:r>
+                            <a:rPr lang="pl-PL" sz="1200" dirty="0" err="1">
+                              <a:latin typeface="Comissioner"/>
+                            </a:rPr>
+                            <a:t>Prediction</a:t>
+                          </a:r>
+                          <a:endParaRPr lang="en-GB" sz="1200" dirty="0">
+                            <a:latin typeface="Comissioner"/>
+                          </a:endParaRPr>
+                        </a:p>
+                      </a:txBody>
+                      <a:tcPr/>
+                    </a:tc>
+                    <a:tc>
+                      <a:txBody>
+                        <a:bodyPr/>
+                        <a:lstStyle/>
+                        <a:p>
+                          <a:r>
+                            <a:rPr lang="pl-PL" sz="1200" dirty="0">
+                              <a:latin typeface="Comissioner"/>
+                            </a:rPr>
+                            <a:t>0</a:t>
+                          </a:r>
+                          <a:endParaRPr lang="en-GB" sz="1200" dirty="0">
+                            <a:latin typeface="Comissioner"/>
+                          </a:endParaRPr>
+                        </a:p>
+                      </a:txBody>
+                      <a:tcPr/>
+                    </a:tc>
+                    <a:tc>
+                      <a:txBody>
+                        <a:bodyPr/>
+                        <a:lstStyle/>
+                        <a:p>
+                          <a:r>
+                            <a:rPr lang="pl-PL" sz="1200" dirty="0">
+                              <a:latin typeface="Comissioner"/>
+                            </a:rPr>
+                            <a:t>1</a:t>
+                          </a:r>
+                          <a:endParaRPr lang="en-GB" sz="1200" dirty="0">
+                            <a:latin typeface="Comissioner"/>
+                          </a:endParaRPr>
+                        </a:p>
+                      </a:txBody>
+                      <a:tcPr/>
+                    </a:tc>
+                    <a:extLst>
+                      <a:ext uri="{0D108BD9-81ED-4DB2-BD59-A6C34878D82A}">
+                        <a16:rowId xmlns:a16="http://schemas.microsoft.com/office/drawing/2014/main" val="4089693360"/>
+                      </a:ext>
+                    </a:extLst>
+                  </a:tr>
+                  <a:tr h="274320">
+                    <a:tc>
+                      <a:txBody>
+                        <a:bodyPr/>
+                        <a:lstStyle/>
+                        <a:p>
+                          <a:r>
+                            <a:rPr lang="pl-PL" sz="1200" dirty="0">
+                              <a:latin typeface="Comissioner"/>
+                            </a:rPr>
+                            <a:t>0</a:t>
+                          </a:r>
+                          <a:endParaRPr lang="en-GB" sz="1200" dirty="0">
+                            <a:latin typeface="Comissioner"/>
+                          </a:endParaRPr>
+                        </a:p>
+                      </a:txBody>
+                      <a:tcPr/>
+                    </a:tc>
+                    <a:tc>
+                      <a:txBody>
+                        <a:bodyPr/>
+                        <a:lstStyle/>
+                        <a:p>
+                          <a:r>
+                            <a:rPr lang="pl-PL" sz="1200" dirty="0">
+                              <a:latin typeface="Comissioner"/>
+                            </a:rPr>
+                            <a:t>56</a:t>
+                          </a:r>
+                          <a:endParaRPr lang="en-GB" sz="1200" dirty="0">
+                            <a:latin typeface="Comissioner"/>
+                          </a:endParaRPr>
+                        </a:p>
+                      </a:txBody>
+                      <a:tcPr/>
+                    </a:tc>
+                    <a:tc>
+                      <a:txBody>
+                        <a:bodyPr/>
+                        <a:lstStyle/>
+                        <a:p>
+                          <a:r>
+                            <a:rPr lang="pl-PL" sz="1200" dirty="0">
+                              <a:latin typeface="Comissioner"/>
+                            </a:rPr>
+                            <a:t>5</a:t>
+                          </a:r>
+                          <a:endParaRPr lang="en-GB" sz="1200" dirty="0">
+                            <a:latin typeface="Comissioner"/>
+                          </a:endParaRPr>
+                        </a:p>
+                      </a:txBody>
+                      <a:tcPr/>
+                    </a:tc>
+                    <a:extLst>
+                      <a:ext uri="{0D108BD9-81ED-4DB2-BD59-A6C34878D82A}">
+                        <a16:rowId xmlns:a16="http://schemas.microsoft.com/office/drawing/2014/main" val="1402259285"/>
+                      </a:ext>
+                    </a:extLst>
+                  </a:tr>
+                  <a:tr h="274320">
+                    <a:tc>
+                      <a:txBody>
+                        <a:bodyPr/>
+                        <a:lstStyle/>
+                        <a:p>
+                          <a:r>
+                            <a:rPr lang="pl-PL" sz="1200" dirty="0">
+                              <a:latin typeface="Comissioner"/>
+                            </a:rPr>
+                            <a:t>1</a:t>
+                          </a:r>
+                          <a:endParaRPr lang="en-GB" sz="1200" dirty="0">
+                            <a:latin typeface="Comissioner"/>
+                          </a:endParaRPr>
+                        </a:p>
+                      </a:txBody>
+                      <a:tcPr/>
+                    </a:tc>
+                    <a:tc>
+                      <a:txBody>
+                        <a:bodyPr/>
+                        <a:lstStyle/>
+                        <a:p>
+                          <a:r>
+                            <a:rPr lang="pl-PL" sz="1200" dirty="0">
+                              <a:latin typeface="Comissioner"/>
+                            </a:rPr>
+                            <a:t>486</a:t>
+                          </a:r>
+                          <a:endParaRPr lang="en-GB" sz="1200" dirty="0">
+                            <a:latin typeface="Comissioner"/>
+                          </a:endParaRPr>
+                        </a:p>
+                      </a:txBody>
+                      <a:tcPr/>
+                    </a:tc>
+                    <a:tc>
+                      <a:txBody>
+                        <a:bodyPr/>
+                        <a:lstStyle/>
+                        <a:p>
+                          <a:r>
+                            <a:rPr lang="pl-PL" sz="1200" dirty="0">
+                              <a:latin typeface="Comissioner"/>
+                            </a:rPr>
+                            <a:t>92</a:t>
+                          </a:r>
+                          <a:endParaRPr lang="en-GB" sz="1200" dirty="0">
+                            <a:latin typeface="Comissioner"/>
+                          </a:endParaRPr>
+                        </a:p>
+                      </a:txBody>
+                      <a:tcPr/>
+                    </a:tc>
+                    <a:extLst>
+                      <a:ext uri="{0D108BD9-81ED-4DB2-BD59-A6C34878D82A}">
+                        <a16:rowId xmlns:a16="http://schemas.microsoft.com/office/drawing/2014/main" val="23029709"/>
+                      </a:ext>
+                    </a:extLst>
+                  </a:tr>
+                </a:tbl>
+              </a:graphicData>
+            </a:graphic>
+          </p:graphicFrame>
+        </mc:Fallback>
+      </mc:AlternateContent>
+      <p:sp>
+        <p:nvSpPr>
+          <p:cNvPr id="15" name="TextBox 14">
+            <a:extLst>
+              <a:ext uri="{FF2B5EF4-FFF2-40B4-BE49-F238E27FC236}">
+                <a16:creationId xmlns:a16="http://schemas.microsoft.com/office/drawing/2014/main" id="{763D8F1B-F9E7-8224-998F-E05505664CBF}"/>
+              </a:ext>
+            </a:extLst>
+          </p:cNvPr>
+          <p:cNvSpPr txBox="1"/>
+          <p:nvPr/>
+        </p:nvSpPr>
+        <p:spPr>
+          <a:xfrm>
+            <a:off x="1143860" y="3473245"/>
+            <a:ext cx="1718628" cy="646331"/>
+          </a:xfrm>
+          <a:prstGeom prst="rect">
+            <a:avLst/>
+          </a:prstGeom>
+          <a:noFill/>
+        </p:spPr>
+        <p:txBody>
+          <a:bodyPr wrap="square" rtlCol="0">
+            <a:spAutoFit/>
+          </a:bodyPr>
+          <a:lstStyle/>
+          <a:p>
+            <a:pPr algn="ctr"/>
+            <a:r>
+              <a:rPr lang="pl-PL" sz="1200" dirty="0" err="1">
+                <a:latin typeface="Comissioner"/>
+              </a:rPr>
+              <a:t>Accuracy</a:t>
+            </a:r>
+            <a:r>
+              <a:rPr lang="pl-PL" sz="1200" dirty="0">
+                <a:latin typeface="Comissioner"/>
+              </a:rPr>
+              <a:t>: 0.85</a:t>
+            </a:r>
+          </a:p>
+          <a:p>
+            <a:pPr algn="ctr"/>
+            <a:r>
+              <a:rPr lang="pl-PL" sz="1200" dirty="0" err="1">
+                <a:latin typeface="Comissioner"/>
+              </a:rPr>
+              <a:t>Sensitivity</a:t>
+            </a:r>
+            <a:r>
+              <a:rPr lang="pl-PL" sz="1200" dirty="0">
+                <a:latin typeface="Comissioner"/>
+              </a:rPr>
+              <a:t>: 0.07</a:t>
+            </a:r>
+          </a:p>
+          <a:p>
+            <a:pPr algn="ctr"/>
+            <a:r>
+              <a:rPr lang="pl-PL" sz="1200" dirty="0" err="1">
+                <a:latin typeface="Comissioner"/>
+              </a:rPr>
+              <a:t>Specificity</a:t>
+            </a:r>
+            <a:r>
+              <a:rPr lang="pl-PL" sz="1200" dirty="0">
+                <a:latin typeface="Comissioner"/>
+              </a:rPr>
+              <a:t>: 0.99</a:t>
+            </a:r>
+            <a:endParaRPr lang="en-GB" sz="1200" dirty="0">
+              <a:latin typeface="Comissioner"/>
+            </a:endParaRPr>
+          </a:p>
+        </p:txBody>
+      </p:sp>
+      <p:sp>
+        <p:nvSpPr>
+          <p:cNvPr id="16" name="TextBox 15">
+            <a:extLst>
+              <a:ext uri="{FF2B5EF4-FFF2-40B4-BE49-F238E27FC236}">
+                <a16:creationId xmlns:a16="http://schemas.microsoft.com/office/drawing/2014/main" id="{7CB24208-8218-6EA4-756F-D10F2E811FD7}"/>
+              </a:ext>
+            </a:extLst>
+          </p:cNvPr>
+          <p:cNvSpPr txBox="1"/>
+          <p:nvPr/>
+        </p:nvSpPr>
+        <p:spPr>
+          <a:xfrm>
+            <a:off x="3656002" y="3473244"/>
+            <a:ext cx="1718628" cy="646331"/>
+          </a:xfrm>
+          <a:prstGeom prst="rect">
+            <a:avLst/>
+          </a:prstGeom>
+          <a:noFill/>
+        </p:spPr>
+        <p:txBody>
+          <a:bodyPr wrap="square" rtlCol="0">
+            <a:spAutoFit/>
+          </a:bodyPr>
+          <a:lstStyle/>
+          <a:p>
+            <a:pPr algn="ctr"/>
+            <a:r>
+              <a:rPr lang="pl-PL" sz="1200" dirty="0" err="1">
+                <a:latin typeface="Comissioner"/>
+              </a:rPr>
+              <a:t>Accuracy</a:t>
+            </a:r>
+            <a:r>
+              <a:rPr lang="pl-PL" sz="1200" dirty="0">
+                <a:latin typeface="Comissioner"/>
+              </a:rPr>
+              <a:t>: 0.82</a:t>
+            </a:r>
+          </a:p>
+          <a:p>
+            <a:pPr algn="ctr"/>
+            <a:r>
+              <a:rPr lang="pl-PL" sz="1200" dirty="0" err="1">
+                <a:latin typeface="Comissioner"/>
+              </a:rPr>
+              <a:t>Sensitivity</a:t>
+            </a:r>
+            <a:r>
+              <a:rPr lang="pl-PL" sz="1200" dirty="0">
+                <a:latin typeface="Comissioner"/>
+              </a:rPr>
+              <a:t>: 0.20</a:t>
+            </a:r>
+          </a:p>
+          <a:p>
+            <a:pPr algn="ctr"/>
+            <a:r>
+              <a:rPr lang="pl-PL" sz="1200" dirty="0" err="1">
+                <a:latin typeface="Comissioner"/>
+              </a:rPr>
+              <a:t>Specificity</a:t>
+            </a:r>
+            <a:r>
+              <a:rPr lang="pl-PL" sz="1200" dirty="0">
+                <a:latin typeface="Comissioner"/>
+              </a:rPr>
+              <a:t>: 0.93</a:t>
+            </a:r>
+            <a:endParaRPr lang="en-GB" sz="1200" dirty="0">
+              <a:latin typeface="Comissioner"/>
+            </a:endParaRPr>
+          </a:p>
+        </p:txBody>
+      </p:sp>
+      <p:sp>
+        <p:nvSpPr>
+          <p:cNvPr id="17" name="TextBox 16">
+            <a:extLst>
+              <a:ext uri="{FF2B5EF4-FFF2-40B4-BE49-F238E27FC236}">
+                <a16:creationId xmlns:a16="http://schemas.microsoft.com/office/drawing/2014/main" id="{DC3785F8-2DEA-1C2D-BE4A-A024F6302C91}"/>
+              </a:ext>
+            </a:extLst>
+          </p:cNvPr>
+          <p:cNvSpPr txBox="1"/>
+          <p:nvPr/>
+        </p:nvSpPr>
+        <p:spPr>
+          <a:xfrm>
+            <a:off x="6168144" y="3473243"/>
+            <a:ext cx="1718628" cy="646331"/>
+          </a:xfrm>
+          <a:prstGeom prst="rect">
+            <a:avLst/>
+          </a:prstGeom>
+          <a:noFill/>
+        </p:spPr>
+        <p:txBody>
+          <a:bodyPr wrap="square" rtlCol="0">
+            <a:spAutoFit/>
+          </a:bodyPr>
+          <a:lstStyle/>
+          <a:p>
+            <a:pPr algn="ctr"/>
+            <a:r>
+              <a:rPr lang="pl-PL" sz="1200" dirty="0" err="1">
+                <a:latin typeface="Comissioner"/>
+              </a:rPr>
+              <a:t>Accuracy</a:t>
+            </a:r>
+            <a:r>
+              <a:rPr lang="pl-PL" sz="1200" dirty="0">
+                <a:latin typeface="Comissioner"/>
+              </a:rPr>
+              <a:t>: 0.23</a:t>
+            </a:r>
+          </a:p>
+          <a:p>
+            <a:pPr algn="ctr"/>
+            <a:r>
+              <a:rPr lang="pl-PL" sz="1200" dirty="0" err="1">
+                <a:latin typeface="Comissioner"/>
+              </a:rPr>
+              <a:t>Sensitivity</a:t>
+            </a:r>
+            <a:r>
+              <a:rPr lang="pl-PL" sz="1200" dirty="0">
+                <a:latin typeface="Comissioner"/>
+              </a:rPr>
+              <a:t>: 0.95</a:t>
+            </a:r>
+          </a:p>
+          <a:p>
+            <a:pPr algn="ctr"/>
+            <a:r>
+              <a:rPr lang="pl-PL" sz="1200" dirty="0" err="1">
+                <a:latin typeface="Comissioner"/>
+              </a:rPr>
+              <a:t>Specificity</a:t>
+            </a:r>
+            <a:r>
+              <a:rPr lang="pl-PL" sz="1200" dirty="0">
+                <a:latin typeface="Comissioner"/>
+              </a:rPr>
+              <a:t>: 0.10</a:t>
+            </a:r>
+            <a:endParaRPr lang="en-GB" sz="1200" dirty="0">
+              <a:latin typeface="Comissioner"/>
+            </a:endParaRPr>
+          </a:p>
+        </p:txBody>
+      </p:sp>
+    </p:spTree>
+    <p:extLst>
+      <p:ext uri="{BB962C8B-B14F-4D97-AF65-F5344CB8AC3E}">
+        <p14:creationId xmlns:p14="http://schemas.microsoft.com/office/powerpoint/2010/main" val="3586997562"/>
+      </p:ext>
+    </p:extLst>
+  </p:cSld>
+  <p:clrMapOvr>
+    <a:masterClrMapping/>
+  </p:clrMapOvr>
+</p:sld>
+</file>
+
+<file path=ppt/slides/slide35.xml><?xml version="1.0" encoding="utf-8"?>
 <p:sld xmlns:a="http://schemas.openxmlformats.org/drawingml/2006/main" xmlns:r="http://schemas.openxmlformats.org/officeDocument/2006/relationships" xmlns:p="http://schemas.openxmlformats.org/presentationml/2006/main">
   <p:cSld>
     <p:spTree>
@@ -20037,6 +22965,508 @@
         </p:txBody>
       </p:sp>
     </p:spTree>
+  </p:cSld>
+  <p:clrMapOvr>
+    <a:masterClrMapping/>
+  </p:clrMapOvr>
+</p:sld>
+</file>
+
+<file path=ppt/slides/slide36.xml><?xml version="1.0" encoding="utf-8"?>
+<p:sld xmlns:a="http://schemas.openxmlformats.org/drawingml/2006/main" xmlns:r="http://schemas.openxmlformats.org/officeDocument/2006/relationships" xmlns:p="http://schemas.openxmlformats.org/presentationml/2006/main">
+  <p:cSld>
+    <p:spTree>
+      <p:nvGrpSpPr>
+        <p:cNvPr id="1" name="Shape 354"/>
+        <p:cNvGrpSpPr/>
+        <p:nvPr/>
+      </p:nvGrpSpPr>
+      <p:grpSpPr>
+        <a:xfrm>
+          <a:off x="0" y="0"/>
+          <a:ext cx="0" cy="0"/>
+          <a:chOff x="0" y="0"/>
+          <a:chExt cx="0" cy="0"/>
+        </a:xfrm>
+      </p:grpSpPr>
+      <p:sp>
+        <p:nvSpPr>
+          <p:cNvPr id="7" name="Google Shape;348;p47">
+            <a:extLst>
+              <a:ext uri="{FF2B5EF4-FFF2-40B4-BE49-F238E27FC236}">
+                <a16:creationId xmlns:a16="http://schemas.microsoft.com/office/drawing/2014/main" id="{4E44E270-2A7F-8CA3-0AB9-54127D8ADCA9}"/>
+              </a:ext>
+            </a:extLst>
+          </p:cNvPr>
+          <p:cNvSpPr txBox="1">
+            <a:spLocks noGrp="1"/>
+          </p:cNvSpPr>
+          <p:nvPr>
+            <p:ph type="title"/>
+          </p:nvPr>
+        </p:nvSpPr>
+        <p:spPr>
+          <a:xfrm>
+            <a:off x="713224" y="265278"/>
+            <a:ext cx="7717500" cy="848155"/>
+          </a:xfrm>
+          <a:prstGeom prst="rect">
+            <a:avLst/>
+          </a:prstGeom>
+        </p:spPr>
+        <p:txBody>
+          <a:bodyPr spcFirstLastPara="1" wrap="square" lIns="91425" tIns="91425" rIns="91425" bIns="91425" anchor="t" anchorCtr="0">
+            <a:noAutofit/>
+          </a:bodyPr>
+          <a:lstStyle/>
+          <a:p>
+            <a:pPr marL="285750" indent="-285750">
+              <a:lnSpc>
+                <a:spcPct val="150000"/>
+              </a:lnSpc>
+            </a:pPr>
+            <a:r>
+              <a:rPr lang="pl-PL" dirty="0" err="1"/>
+              <a:t>Sources</a:t>
+            </a:r>
+            <a:endParaRPr lang="pl-PL" dirty="0"/>
+          </a:p>
+        </p:txBody>
+      </p:sp>
+      <p:sp>
+        <p:nvSpPr>
+          <p:cNvPr id="2" name="Google Shape;349;p47">
+            <a:extLst>
+              <a:ext uri="{FF2B5EF4-FFF2-40B4-BE49-F238E27FC236}">
+                <a16:creationId xmlns:a16="http://schemas.microsoft.com/office/drawing/2014/main" id="{080CF29F-FE17-DF28-5535-68B857E1DC78}"/>
+              </a:ext>
+            </a:extLst>
+          </p:cNvPr>
+          <p:cNvSpPr txBox="1">
+            <a:spLocks/>
+          </p:cNvSpPr>
+          <p:nvPr/>
+        </p:nvSpPr>
+        <p:spPr>
+          <a:xfrm>
+            <a:off x="843105" y="1334859"/>
+            <a:ext cx="7587619" cy="2959192"/>
+          </a:xfrm>
+          <a:prstGeom prst="rect">
+            <a:avLst/>
+          </a:prstGeom>
+          <a:noFill/>
+          <a:ln>
+            <a:noFill/>
+          </a:ln>
+        </p:spPr>
+        <p:txBody>
+          <a:bodyPr spcFirstLastPara="1" wrap="square" lIns="91425" tIns="91425" rIns="91425" bIns="91425" anchor="t" anchorCtr="0">
+            <a:noAutofit/>
+          </a:bodyPr>
+          <a:lstStyle>
+            <a:defPPr marR="0" lvl="0" algn="l" rtl="0">
+              <a:lnSpc>
+                <a:spcPct val="100000"/>
+              </a:lnSpc>
+              <a:spcBef>
+                <a:spcPts val="0"/>
+              </a:spcBef>
+              <a:spcAft>
+                <a:spcPts val="0"/>
+              </a:spcAft>
+            </a:defPPr>
+            <a:lvl1pPr marL="457200" marR="0" lvl="0" indent="-317500" algn="l" rtl="0">
+              <a:lnSpc>
+                <a:spcPct val="115000"/>
+              </a:lnSpc>
+              <a:spcBef>
+                <a:spcPts val="0"/>
+              </a:spcBef>
+              <a:spcAft>
+                <a:spcPts val="0"/>
+              </a:spcAft>
+              <a:buClr>
+                <a:schemeClr val="dk2"/>
+              </a:buClr>
+              <a:buSzPts val="1400"/>
+              <a:buFont typeface="Red Hat Display"/>
+              <a:buChar char="■"/>
+              <a:defRPr sz="1400" b="0" i="0" u="none" strike="noStrike" cap="none">
+                <a:solidFill>
+                  <a:schemeClr val="dk1"/>
+                </a:solidFill>
+                <a:latin typeface="Commissioner"/>
+                <a:ea typeface="Commissioner"/>
+                <a:cs typeface="Commissioner"/>
+                <a:sym typeface="Commissioner"/>
+              </a:defRPr>
+            </a:lvl1pPr>
+            <a:lvl2pPr marL="914400" marR="0" lvl="1" indent="-317500" algn="l" rtl="0">
+              <a:lnSpc>
+                <a:spcPct val="115000"/>
+              </a:lnSpc>
+              <a:spcBef>
+                <a:spcPts val="1600"/>
+              </a:spcBef>
+              <a:spcAft>
+                <a:spcPts val="0"/>
+              </a:spcAft>
+              <a:buClr>
+                <a:srgbClr val="FFFFFF"/>
+              </a:buClr>
+              <a:buSzPts val="1400"/>
+              <a:buFont typeface="Red Hat Display"/>
+              <a:buChar char="○"/>
+              <a:defRPr sz="1400" b="0" i="0" u="none" strike="noStrike" cap="none">
+                <a:solidFill>
+                  <a:schemeClr val="dk1"/>
+                </a:solidFill>
+                <a:latin typeface="Commissioner"/>
+                <a:ea typeface="Commissioner"/>
+                <a:cs typeface="Commissioner"/>
+                <a:sym typeface="Commissioner"/>
+              </a:defRPr>
+            </a:lvl2pPr>
+            <a:lvl3pPr marL="1371600" marR="0" lvl="2" indent="-317500" algn="l" rtl="0">
+              <a:lnSpc>
+                <a:spcPct val="115000"/>
+              </a:lnSpc>
+              <a:spcBef>
+                <a:spcPts val="1600"/>
+              </a:spcBef>
+              <a:spcAft>
+                <a:spcPts val="0"/>
+              </a:spcAft>
+              <a:buClr>
+                <a:srgbClr val="FFFFFF"/>
+              </a:buClr>
+              <a:buSzPts val="1400"/>
+              <a:buFont typeface="Red Hat Display"/>
+              <a:buChar char="■"/>
+              <a:defRPr sz="1400" b="0" i="0" u="none" strike="noStrike" cap="none">
+                <a:solidFill>
+                  <a:schemeClr val="dk1"/>
+                </a:solidFill>
+                <a:latin typeface="Commissioner"/>
+                <a:ea typeface="Commissioner"/>
+                <a:cs typeface="Commissioner"/>
+                <a:sym typeface="Commissioner"/>
+              </a:defRPr>
+            </a:lvl3pPr>
+            <a:lvl4pPr marL="1828800" marR="0" lvl="3" indent="-317500" algn="l" rtl="0">
+              <a:lnSpc>
+                <a:spcPct val="115000"/>
+              </a:lnSpc>
+              <a:spcBef>
+                <a:spcPts val="1600"/>
+              </a:spcBef>
+              <a:spcAft>
+                <a:spcPts val="0"/>
+              </a:spcAft>
+              <a:buClr>
+                <a:srgbClr val="FFFFFF"/>
+              </a:buClr>
+              <a:buSzPts val="1400"/>
+              <a:buFont typeface="Red Hat Display"/>
+              <a:buChar char="●"/>
+              <a:defRPr sz="1400" b="0" i="0" u="none" strike="noStrike" cap="none">
+                <a:solidFill>
+                  <a:schemeClr val="dk1"/>
+                </a:solidFill>
+                <a:latin typeface="Commissioner"/>
+                <a:ea typeface="Commissioner"/>
+                <a:cs typeface="Commissioner"/>
+                <a:sym typeface="Commissioner"/>
+              </a:defRPr>
+            </a:lvl4pPr>
+            <a:lvl5pPr marL="2286000" marR="0" lvl="4" indent="-317500" algn="l" rtl="0">
+              <a:lnSpc>
+                <a:spcPct val="115000"/>
+              </a:lnSpc>
+              <a:spcBef>
+                <a:spcPts val="1600"/>
+              </a:spcBef>
+              <a:spcAft>
+                <a:spcPts val="0"/>
+              </a:spcAft>
+              <a:buClr>
+                <a:srgbClr val="FFFFFF"/>
+              </a:buClr>
+              <a:buSzPts val="1400"/>
+              <a:buFont typeface="Red Hat Display"/>
+              <a:buChar char="○"/>
+              <a:defRPr sz="1400" b="0" i="0" u="none" strike="noStrike" cap="none">
+                <a:solidFill>
+                  <a:schemeClr val="dk1"/>
+                </a:solidFill>
+                <a:latin typeface="Commissioner"/>
+                <a:ea typeface="Commissioner"/>
+                <a:cs typeface="Commissioner"/>
+                <a:sym typeface="Commissioner"/>
+              </a:defRPr>
+            </a:lvl5pPr>
+            <a:lvl6pPr marL="2743200" marR="0" lvl="5" indent="-317500" algn="l" rtl="0">
+              <a:lnSpc>
+                <a:spcPct val="115000"/>
+              </a:lnSpc>
+              <a:spcBef>
+                <a:spcPts val="1600"/>
+              </a:spcBef>
+              <a:spcAft>
+                <a:spcPts val="0"/>
+              </a:spcAft>
+              <a:buClr>
+                <a:srgbClr val="FFFFFF"/>
+              </a:buClr>
+              <a:buSzPts val="1400"/>
+              <a:buFont typeface="Red Hat Display"/>
+              <a:buChar char="■"/>
+              <a:defRPr sz="1400" b="0" i="0" u="none" strike="noStrike" cap="none">
+                <a:solidFill>
+                  <a:schemeClr val="dk1"/>
+                </a:solidFill>
+                <a:latin typeface="Commissioner"/>
+                <a:ea typeface="Commissioner"/>
+                <a:cs typeface="Commissioner"/>
+                <a:sym typeface="Commissioner"/>
+              </a:defRPr>
+            </a:lvl6pPr>
+            <a:lvl7pPr marL="3200400" marR="0" lvl="6" indent="-317500" algn="l" rtl="0">
+              <a:lnSpc>
+                <a:spcPct val="115000"/>
+              </a:lnSpc>
+              <a:spcBef>
+                <a:spcPts val="1600"/>
+              </a:spcBef>
+              <a:spcAft>
+                <a:spcPts val="0"/>
+              </a:spcAft>
+              <a:buClr>
+                <a:srgbClr val="FFFFFF"/>
+              </a:buClr>
+              <a:buSzPts val="1400"/>
+              <a:buFont typeface="Red Hat Display"/>
+              <a:buChar char="●"/>
+              <a:defRPr sz="1400" b="0" i="0" u="none" strike="noStrike" cap="none">
+                <a:solidFill>
+                  <a:schemeClr val="dk1"/>
+                </a:solidFill>
+                <a:latin typeface="Commissioner"/>
+                <a:ea typeface="Commissioner"/>
+                <a:cs typeface="Commissioner"/>
+                <a:sym typeface="Commissioner"/>
+              </a:defRPr>
+            </a:lvl7pPr>
+            <a:lvl8pPr marL="3657600" marR="0" lvl="7" indent="-317500" algn="l" rtl="0">
+              <a:lnSpc>
+                <a:spcPct val="115000"/>
+              </a:lnSpc>
+              <a:spcBef>
+                <a:spcPts val="1600"/>
+              </a:spcBef>
+              <a:spcAft>
+                <a:spcPts val="0"/>
+              </a:spcAft>
+              <a:buClr>
+                <a:srgbClr val="FFFFFF"/>
+              </a:buClr>
+              <a:buSzPts val="1400"/>
+              <a:buFont typeface="Red Hat Display"/>
+              <a:buChar char="○"/>
+              <a:defRPr sz="1400" b="0" i="0" u="none" strike="noStrike" cap="none">
+                <a:solidFill>
+                  <a:schemeClr val="dk1"/>
+                </a:solidFill>
+                <a:latin typeface="Commissioner"/>
+                <a:ea typeface="Commissioner"/>
+                <a:cs typeface="Commissioner"/>
+                <a:sym typeface="Commissioner"/>
+              </a:defRPr>
+            </a:lvl8pPr>
+            <a:lvl9pPr marL="4114800" marR="0" lvl="8" indent="-317500" algn="l" rtl="0">
+              <a:lnSpc>
+                <a:spcPct val="115000"/>
+              </a:lnSpc>
+              <a:spcBef>
+                <a:spcPts val="1600"/>
+              </a:spcBef>
+              <a:spcAft>
+                <a:spcPts val="1600"/>
+              </a:spcAft>
+              <a:buClr>
+                <a:srgbClr val="FFFFFF"/>
+              </a:buClr>
+              <a:buSzPts val="1400"/>
+              <a:buFont typeface="Red Hat Display"/>
+              <a:buChar char="■"/>
+              <a:defRPr sz="1400" b="0" i="0" u="none" strike="noStrike" cap="none">
+                <a:solidFill>
+                  <a:schemeClr val="dk1"/>
+                </a:solidFill>
+                <a:latin typeface="Commissioner"/>
+                <a:ea typeface="Commissioner"/>
+                <a:cs typeface="Commissioner"/>
+                <a:sym typeface="Commissioner"/>
+              </a:defRPr>
+            </a:lvl9pPr>
+          </a:lstStyle>
+          <a:p>
+            <a:pPr marL="285750" indent="-285750">
+              <a:lnSpc>
+                <a:spcPct val="150000"/>
+              </a:lnSpc>
+            </a:pPr>
+            <a:r>
+              <a:rPr lang="pl-PL" sz="1200" b="1" dirty="0"/>
+              <a:t>[Ling 2010] </a:t>
+            </a:r>
+            <a:r>
+              <a:rPr lang="en-GB" sz="1200" dirty="0"/>
+              <a:t>Ling, Charles &amp; Sheng, Victor. (2010).</a:t>
+            </a:r>
+            <a:r>
+              <a:rPr lang="pl-PL" sz="1200" dirty="0"/>
+              <a:t> </a:t>
+            </a:r>
+            <a:r>
+              <a:rPr lang="en-GB" sz="1200" i="1" dirty="0"/>
+              <a:t>Cost-Sensitive Learning and the Class</a:t>
+            </a:r>
+            <a:r>
+              <a:rPr lang="pl-PL" sz="1200" i="1" dirty="0"/>
+              <a:t> </a:t>
+            </a:r>
+            <a:r>
+              <a:rPr lang="en-GB" sz="1200" i="1" dirty="0"/>
+              <a:t>Imbalance Problem.</a:t>
+            </a:r>
+            <a:endParaRPr lang="pl-PL" sz="1200" i="1" dirty="0"/>
+          </a:p>
+          <a:p>
+            <a:pPr marL="285750" indent="-285750">
+              <a:lnSpc>
+                <a:spcPct val="150000"/>
+              </a:lnSpc>
+            </a:pPr>
+            <a:r>
+              <a:rPr lang="pl-PL" sz="1200" b="1" dirty="0"/>
+              <a:t>[</a:t>
+            </a:r>
+            <a:r>
+              <a:rPr lang="pl-PL" sz="1200" b="1" dirty="0" err="1"/>
+              <a:t>Turney</a:t>
+            </a:r>
+            <a:r>
+              <a:rPr lang="pl-PL" sz="1200" b="1" dirty="0"/>
+              <a:t> 1995] </a:t>
+            </a:r>
+            <a:r>
+              <a:rPr lang="en-GB" sz="1200" dirty="0"/>
+              <a:t>Turney, P.D. 1995. </a:t>
+            </a:r>
+            <a:r>
+              <a:rPr lang="en-GB" sz="1200" i="1" dirty="0"/>
+              <a:t>Cost-Sensitive Classification: Empirical Evaluation of a Hybrid Genetic</a:t>
+            </a:r>
+            <a:r>
+              <a:rPr lang="pl-PL" sz="1200" i="1" dirty="0"/>
+              <a:t> </a:t>
+            </a:r>
+            <a:r>
+              <a:rPr lang="en-GB" sz="1200" i="1" dirty="0"/>
+              <a:t>Decision Tree Induction Algorithm</a:t>
+            </a:r>
+            <a:r>
+              <a:rPr lang="en-GB" sz="1200" dirty="0"/>
+              <a:t>. </a:t>
+            </a:r>
+            <a:endParaRPr lang="pl-PL" sz="1200" dirty="0"/>
+          </a:p>
+          <a:p>
+            <a:pPr marL="285750" indent="-285750">
+              <a:lnSpc>
+                <a:spcPct val="150000"/>
+              </a:lnSpc>
+            </a:pPr>
+            <a:r>
+              <a:rPr lang="pl-PL" sz="1200" b="1" dirty="0"/>
+              <a:t>[</a:t>
+            </a:r>
+            <a:r>
+              <a:rPr lang="pl-PL" sz="1200" b="1" dirty="0" err="1"/>
+              <a:t>Zadrozny</a:t>
+            </a:r>
+            <a:r>
+              <a:rPr lang="pl-PL" sz="1200" b="1" dirty="0"/>
+              <a:t> 2003] </a:t>
+            </a:r>
+            <a:r>
+              <a:rPr lang="en-GB" sz="1200" dirty="0" err="1"/>
+              <a:t>Zadrozny</a:t>
+            </a:r>
+            <a:r>
+              <a:rPr lang="en-GB" sz="1200" dirty="0"/>
+              <a:t>, B., Langford, J., and Abe, N. 2003. </a:t>
+            </a:r>
+            <a:r>
+              <a:rPr lang="en-GB" sz="1200" i="1" dirty="0"/>
+              <a:t>Cost-sensitive learning by Cost-Proportionate</a:t>
+            </a:r>
+            <a:r>
+              <a:rPr lang="pl-PL" sz="1200" i="1" dirty="0"/>
+              <a:t> </a:t>
+            </a:r>
+            <a:r>
+              <a:rPr lang="en-GB" sz="1200" i="1" dirty="0"/>
+              <a:t>instance Weighting</a:t>
+            </a:r>
+            <a:r>
+              <a:rPr lang="en-GB" sz="1200" dirty="0"/>
+              <a:t>. </a:t>
+            </a:r>
+            <a:endParaRPr lang="pl-PL" sz="1200" dirty="0"/>
+          </a:p>
+          <a:p>
+            <a:pPr marL="285750" indent="-285750">
+              <a:lnSpc>
+                <a:spcPct val="150000"/>
+              </a:lnSpc>
+            </a:pPr>
+            <a:r>
+              <a:rPr lang="pl-PL" sz="1200" b="1" dirty="0"/>
+              <a:t>[</a:t>
+            </a:r>
+            <a:r>
+              <a:rPr lang="pl-PL" sz="1200" b="1" dirty="0" err="1"/>
+              <a:t>Ting</a:t>
+            </a:r>
+            <a:r>
+              <a:rPr lang="pl-PL" sz="1200" b="1" dirty="0"/>
+              <a:t> 1998] </a:t>
+            </a:r>
+            <a:r>
+              <a:rPr lang="en-GB" sz="1200" dirty="0"/>
+              <a:t>Ting, K.M. 1998. </a:t>
+            </a:r>
+            <a:r>
+              <a:rPr lang="en-GB" sz="1200" i="1" dirty="0"/>
+              <a:t>Inducing Cost-Sensitive Trees via Instance Weighting</a:t>
+            </a:r>
+            <a:r>
+              <a:rPr lang="en-GB" sz="1200" dirty="0"/>
+              <a:t>. </a:t>
+            </a:r>
+            <a:endParaRPr lang="pl-PL" sz="1200" dirty="0"/>
+          </a:p>
+        </p:txBody>
+      </p:sp>
+    </p:spTree>
+    <p:extLst>
+      <p:ext uri="{BB962C8B-B14F-4D97-AF65-F5344CB8AC3E}">
+        <p14:creationId xmlns:p14="http://schemas.microsoft.com/office/powerpoint/2010/main" val="1108042495"/>
+      </p:ext>
+    </p:extLst>
   </p:cSld>
   <p:clrMapOvr>
     <a:masterClrMapping/>
@@ -21710,7 +25140,7 @@
   <p:cSld>
     <p:spTree>
       <p:nvGrpSpPr>
-        <p:cNvPr id="1" name="Shape 331"/>
+        <p:cNvPr id="1" name=""/>
         <p:cNvGrpSpPr/>
         <p:nvPr/>
       </p:nvGrpSpPr>
@@ -21722,179 +25152,233 @@
           <a:chExt cx="0" cy="0"/>
         </a:xfrm>
       </p:grpSpPr>
-      <p:grpSp>
-        <p:nvGrpSpPr>
-          <p:cNvPr id="332" name="Google Shape;332;p45"/>
-          <p:cNvGrpSpPr/>
-          <p:nvPr/>
-        </p:nvGrpSpPr>
-        <p:grpSpPr>
-          <a:xfrm>
-            <a:off x="0" y="0"/>
-            <a:ext cx="2473800" cy="4131000"/>
-            <a:chOff x="0" y="0"/>
-            <a:chExt cx="2473800" cy="4131000"/>
-          </a:xfrm>
-        </p:grpSpPr>
-        <p:sp>
-          <p:nvSpPr>
-            <p:cNvPr id="333" name="Google Shape;333;p45"/>
-            <p:cNvSpPr/>
-            <p:nvPr/>
-          </p:nvSpPr>
-          <p:spPr>
-            <a:xfrm>
-              <a:off x="0" y="1012500"/>
-              <a:ext cx="2473800" cy="870000"/>
-            </a:xfrm>
-            <a:prstGeom prst="rect">
-              <a:avLst/>
-            </a:prstGeom>
-            <a:solidFill>
-              <a:schemeClr val="dk2"/>
-            </a:solidFill>
-            <a:ln>
-              <a:noFill/>
-            </a:ln>
-          </p:spPr>
-          <p:txBody>
-            <a:bodyPr spcFirstLastPara="1" wrap="square" lIns="91425" tIns="91425" rIns="91425" bIns="91425" anchor="ctr" anchorCtr="0">
-              <a:noAutofit/>
-            </a:bodyPr>
-            <a:lstStyle/>
-            <a:p>
-              <a:pPr marL="0" lvl="0" indent="0" algn="l" rtl="0">
-                <a:spcBef>
-                  <a:spcPts val="0"/>
-                </a:spcBef>
-                <a:spcAft>
-                  <a:spcPts val="0"/>
-                </a:spcAft>
-                <a:buNone/>
-              </a:pPr>
-              <a:endParaRPr/>
-            </a:p>
-          </p:txBody>
-        </p:sp>
-        <p:cxnSp>
-          <p:nvCxnSpPr>
-            <p:cNvPr id="334" name="Google Shape;334;p45"/>
-            <p:cNvCxnSpPr/>
-            <p:nvPr/>
-          </p:nvCxnSpPr>
-          <p:spPr>
-            <a:xfrm rot="10800000">
-              <a:off x="711250" y="0"/>
-              <a:ext cx="0" cy="4131000"/>
-            </a:xfrm>
-            <a:prstGeom prst="straightConnector1">
-              <a:avLst/>
-            </a:prstGeom>
-            <a:noFill/>
-            <a:ln w="9525" cap="flat" cmpd="sng">
-              <a:solidFill>
-                <a:schemeClr val="dk1"/>
-              </a:solidFill>
-              <a:prstDash val="solid"/>
-              <a:round/>
-              <a:headEnd type="none" w="med" len="med"/>
-              <a:tailEnd type="none" w="med" len="med"/>
-            </a:ln>
-          </p:spPr>
-        </p:cxnSp>
-      </p:grpSp>
       <p:sp>
         <p:nvSpPr>
-          <p:cNvPr id="335" name="Google Shape;335;p45"/>
-          <p:cNvSpPr txBox="1">
+          <p:cNvPr id="2" name="Text Placeholder 1">
+            <a:extLst>
+              <a:ext uri="{FF2B5EF4-FFF2-40B4-BE49-F238E27FC236}">
+                <a16:creationId xmlns:a16="http://schemas.microsoft.com/office/drawing/2014/main" id="{39EF3890-B994-AC9A-8487-E2D305E58C72}"/>
+              </a:ext>
+            </a:extLst>
+          </p:cNvPr>
+          <p:cNvSpPr>
+            <a:spLocks noGrp="1"/>
+          </p:cNvSpPr>
+          <p:nvPr>
+            <p:ph type="body" idx="1"/>
+          </p:nvPr>
+        </p:nvSpPr>
+        <p:spPr>
+          <a:xfrm>
+            <a:off x="926641" y="1759300"/>
+            <a:ext cx="7290668" cy="2092500"/>
+          </a:xfrm>
+        </p:spPr>
+        <p:txBody>
+          <a:bodyPr/>
+          <a:lstStyle/>
+          <a:p>
+            <a:r>
+              <a:rPr lang="en-GB" dirty="0"/>
+              <a:t>To calculate the cost of a particular case, we follow its path down the decision tree</a:t>
+            </a:r>
+            <a:r>
+              <a:rPr lang="pl-PL" dirty="0"/>
+              <a:t> (</a:t>
+            </a:r>
+            <a:r>
+              <a:rPr lang="pl-PL" dirty="0" err="1"/>
+              <a:t>each</a:t>
+            </a:r>
+            <a:r>
+              <a:rPr lang="pl-PL" dirty="0"/>
+              <a:t> </a:t>
+            </a:r>
+            <a:r>
+              <a:rPr lang="pl-PL" dirty="0" err="1"/>
+              <a:t>split</a:t>
+            </a:r>
+            <a:r>
+              <a:rPr lang="pl-PL" dirty="0"/>
+              <a:t> </a:t>
+            </a:r>
+            <a:r>
+              <a:rPr lang="pl-PL" dirty="0" err="1"/>
+              <a:t>has</a:t>
+            </a:r>
+            <a:r>
+              <a:rPr lang="pl-PL" dirty="0"/>
+              <a:t> a </a:t>
+            </a:r>
+            <a:r>
+              <a:rPr lang="pl-PL" dirty="0" err="1"/>
+              <a:t>cost</a:t>
+            </a:r>
+            <a:r>
+              <a:rPr lang="pl-PL" dirty="0"/>
+              <a:t>).</a:t>
+            </a:r>
+          </a:p>
+          <a:p>
+            <a:r>
+              <a:rPr lang="pl-PL" dirty="0" err="1"/>
+              <a:t>If</a:t>
+            </a:r>
+            <a:r>
+              <a:rPr lang="pl-PL" dirty="0"/>
+              <a:t> the </a:t>
+            </a:r>
+            <a:r>
+              <a:rPr lang="pl-PL" dirty="0" err="1"/>
+              <a:t>case</a:t>
+            </a:r>
+            <a:r>
+              <a:rPr lang="pl-PL" dirty="0"/>
+              <a:t> </a:t>
+            </a:r>
+            <a:r>
+              <a:rPr lang="pl-PL" dirty="0" err="1"/>
+              <a:t>has</a:t>
+            </a:r>
+            <a:r>
+              <a:rPr lang="pl-PL" dirty="0"/>
+              <a:t> </a:t>
+            </a:r>
+            <a:r>
+              <a:rPr lang="pl-PL" dirty="0" err="1"/>
+              <a:t>been</a:t>
+            </a:r>
+            <a:r>
+              <a:rPr lang="pl-PL" dirty="0"/>
+              <a:t> </a:t>
+            </a:r>
+            <a:r>
+              <a:rPr lang="pl-PL" dirty="0" err="1"/>
+              <a:t>misclassified</a:t>
+            </a:r>
+            <a:r>
+              <a:rPr lang="pl-PL" dirty="0"/>
+              <a:t>, the </a:t>
+            </a:r>
+            <a:r>
+              <a:rPr lang="pl-PL" dirty="0" err="1"/>
+              <a:t>cost</a:t>
+            </a:r>
+            <a:r>
+              <a:rPr lang="pl-PL" dirty="0"/>
+              <a:t> </a:t>
+            </a:r>
+            <a:r>
+              <a:rPr lang="pl-PL" dirty="0" err="1"/>
+              <a:t>is</a:t>
+            </a:r>
+            <a:r>
+              <a:rPr lang="pl-PL" dirty="0"/>
+              <a:t> </a:t>
+            </a:r>
+            <a:r>
+              <a:rPr lang="pl-PL" dirty="0" err="1"/>
+              <a:t>added</a:t>
+            </a:r>
+            <a:r>
+              <a:rPr lang="pl-PL" dirty="0"/>
+              <a:t> to the </a:t>
+            </a:r>
+            <a:r>
+              <a:rPr lang="pl-PL" dirty="0" err="1"/>
+              <a:t>cost</a:t>
+            </a:r>
+            <a:r>
+              <a:rPr lang="pl-PL" dirty="0"/>
+              <a:t> of </a:t>
+            </a:r>
+            <a:r>
+              <a:rPr lang="pl-PL" dirty="0" err="1"/>
+              <a:t>splits</a:t>
+            </a:r>
+            <a:r>
+              <a:rPr lang="pl-PL" dirty="0"/>
+              <a:t>.</a:t>
+            </a:r>
+          </a:p>
+          <a:p>
+            <a:r>
+              <a:rPr lang="pl-PL" dirty="0"/>
+              <a:t>ICET </a:t>
+            </a:r>
+            <a:r>
+              <a:rPr lang="pl-PL" dirty="0" err="1"/>
+              <a:t>is</a:t>
+            </a:r>
+            <a:r>
+              <a:rPr lang="pl-PL" dirty="0"/>
+              <a:t> a h</a:t>
+            </a:r>
+            <a:r>
+              <a:rPr lang="en-GB" dirty="0" err="1"/>
+              <a:t>ybrid</a:t>
+            </a:r>
+            <a:r>
+              <a:rPr lang="en-GB" dirty="0"/>
+              <a:t> of a genetic algorithm and a decision tree induction algorithm</a:t>
+            </a:r>
+            <a:r>
+              <a:rPr lang="pl-PL" dirty="0"/>
+              <a:t>.</a:t>
+            </a:r>
+          </a:p>
+          <a:p>
+            <a:r>
+              <a:rPr lang="en-GB" dirty="0"/>
+              <a:t>The genetic algorithm evolves a population of biases for the decision tree induction algorithm </a:t>
+            </a:r>
+            <a:r>
+              <a:rPr lang="pl-PL" dirty="0"/>
+              <a:t>.</a:t>
+            </a:r>
+          </a:p>
+          <a:p>
+            <a:endParaRPr lang="pl-PL" dirty="0"/>
+          </a:p>
+        </p:txBody>
+      </p:sp>
+      <p:sp>
+        <p:nvSpPr>
+          <p:cNvPr id="3" name="Title 2">
+            <a:extLst>
+              <a:ext uri="{FF2B5EF4-FFF2-40B4-BE49-F238E27FC236}">
+                <a16:creationId xmlns:a16="http://schemas.microsoft.com/office/drawing/2014/main" id="{BABD0B89-BD1D-5B34-00CA-E4947727E210}"/>
+              </a:ext>
+            </a:extLst>
+          </p:cNvPr>
+          <p:cNvSpPr>
             <a:spLocks noGrp="1"/>
           </p:cNvSpPr>
           <p:nvPr>
             <p:ph type="title"/>
           </p:nvPr>
         </p:nvSpPr>
-        <p:spPr>
-          <a:xfrm>
-            <a:off x="1512075" y="2036300"/>
-            <a:ext cx="3552294" cy="1477500"/>
-          </a:xfrm>
-          <a:prstGeom prst="rect">
-            <a:avLst/>
-          </a:prstGeom>
-        </p:spPr>
+        <p:spPr/>
         <p:txBody>
-          <a:bodyPr spcFirstLastPara="1" wrap="square" lIns="91425" tIns="91425" rIns="91425" bIns="91425" anchor="t" anchorCtr="0">
-            <a:noAutofit/>
-          </a:bodyPr>
+          <a:bodyPr/>
           <a:lstStyle/>
           <a:p>
-            <a:pPr marL="0" lvl="0" indent="0" algn="l" rtl="0">
-              <a:spcBef>
-                <a:spcPts val="0"/>
-              </a:spcBef>
-              <a:spcAft>
-                <a:spcPts val="0"/>
-              </a:spcAft>
-              <a:buNone/>
-            </a:pPr>
             <a:r>
               <a:rPr lang="pl-PL" dirty="0"/>
-              <a:t>Meta-learning</a:t>
-            </a:r>
-            <a:endParaRPr dirty="0"/>
-          </a:p>
-        </p:txBody>
-      </p:sp>
-      <p:sp>
-        <p:nvSpPr>
-          <p:cNvPr id="336" name="Google Shape;336;p45"/>
-          <p:cNvSpPr txBox="1">
-            <a:spLocks noGrp="1"/>
-          </p:cNvSpPr>
-          <p:nvPr>
-            <p:ph type="title" idx="2"/>
-          </p:nvPr>
-        </p:nvSpPr>
-        <p:spPr>
-          <a:xfrm>
-            <a:off x="1512075" y="1012500"/>
-            <a:ext cx="1076100" cy="870000"/>
-          </a:xfrm>
-          <a:prstGeom prst="rect">
-            <a:avLst/>
-          </a:prstGeom>
-        </p:spPr>
-        <p:txBody>
-          <a:bodyPr spcFirstLastPara="1" wrap="square" lIns="91425" tIns="91425" rIns="91425" bIns="91425" anchor="ctr" anchorCtr="0">
-            <a:noAutofit/>
-          </a:bodyPr>
-          <a:lstStyle/>
-          <a:p>
-            <a:pPr marL="0" lvl="0" indent="0" algn="l" rtl="0">
-              <a:spcBef>
-                <a:spcPts val="0"/>
-              </a:spcBef>
-              <a:spcAft>
-                <a:spcPts val="0"/>
-              </a:spcAft>
-              <a:buNone/>
-            </a:pPr>
-            <a:r>
-              <a:rPr lang="en" dirty="0"/>
-              <a:t>0</a:t>
-            </a:r>
-            <a:r>
-              <a:rPr lang="pl-PL" dirty="0"/>
-              <a:t>3</a:t>
-            </a:r>
-            <a:endParaRPr dirty="0"/>
+              <a:t>ICET </a:t>
+            </a:r>
+            <a:r>
+              <a:rPr lang="pl-PL" dirty="0" err="1"/>
+              <a:t>algorithm</a:t>
+            </a:r>
+            <a:endParaRPr lang="en-GB" dirty="0"/>
           </a:p>
         </p:txBody>
       </p:sp>
     </p:spTree>
     <p:extLst>
       <p:ext uri="{BB962C8B-B14F-4D97-AF65-F5344CB8AC3E}">
-        <p14:creationId xmlns:p14="http://schemas.microsoft.com/office/powerpoint/2010/main" val="14651690"/>
+        <p14:creationId xmlns:p14="http://schemas.microsoft.com/office/powerpoint/2010/main" val="911961182"/>
       </p:ext>
     </p:extLst>
   </p:cSld>
@@ -21909,7 +25393,7 @@
   <p:cSld>
     <p:spTree>
       <p:nvGrpSpPr>
-        <p:cNvPr id="1" name="Shape 4780"/>
+        <p:cNvPr id="1" name=""/>
         <p:cNvGrpSpPr/>
         <p:nvPr/>
       </p:nvGrpSpPr>
@@ -21923,47 +25407,126 @@
       </p:grpSpPr>
       <p:sp>
         <p:nvSpPr>
-          <p:cNvPr id="4781" name="Google Shape;4781;p73"/>
-          <p:cNvSpPr txBox="1">
+          <p:cNvPr id="3" name="Title 2">
+            <a:extLst>
+              <a:ext uri="{FF2B5EF4-FFF2-40B4-BE49-F238E27FC236}">
+                <a16:creationId xmlns:a16="http://schemas.microsoft.com/office/drawing/2014/main" id="{BABD0B89-BD1D-5B34-00CA-E4947727E210}"/>
+              </a:ext>
+            </a:extLst>
+          </p:cNvPr>
+          <p:cNvSpPr>
             <a:spLocks noGrp="1"/>
           </p:cNvSpPr>
           <p:nvPr>
             <p:ph type="title"/>
           </p:nvPr>
         </p:nvSpPr>
+        <p:spPr/>
+        <p:txBody>
+          <a:bodyPr/>
+          <a:lstStyle/>
+          <a:p>
+            <a:r>
+              <a:rPr lang="pl-PL" dirty="0"/>
+              <a:t>ICET </a:t>
+            </a:r>
+            <a:r>
+              <a:rPr lang="pl-PL" dirty="0" err="1"/>
+              <a:t>algorithm</a:t>
+            </a:r>
+            <a:endParaRPr lang="en-GB" dirty="0"/>
+          </a:p>
+        </p:txBody>
+      </p:sp>
+      <p:pic>
+        <p:nvPicPr>
+          <p:cNvPr id="5" name="Picture 4" descr="A diagram of a tree&#10;&#10;Description automatically generated">
+            <a:extLst>
+              <a:ext uri="{FF2B5EF4-FFF2-40B4-BE49-F238E27FC236}">
+                <a16:creationId xmlns:a16="http://schemas.microsoft.com/office/drawing/2014/main" id="{93E4F447-1557-CE5C-D020-0380BD73714E}"/>
+              </a:ext>
+            </a:extLst>
+          </p:cNvPr>
+          <p:cNvPicPr>
+            <a:picLocks noChangeAspect="1"/>
+          </p:cNvPicPr>
+          <p:nvPr/>
+        </p:nvPicPr>
+        <p:blipFill>
+          <a:blip r:embed="rId2"/>
+          <a:stretch>
+            <a:fillRect/>
+          </a:stretch>
+        </p:blipFill>
         <p:spPr>
           <a:xfrm>
-            <a:off x="948325" y="1409875"/>
-            <a:ext cx="4863300" cy="661800"/>
+            <a:off x="1395668" y="1240978"/>
+            <a:ext cx="6352613" cy="3242531"/>
           </a:xfrm>
           <a:prstGeom prst="rect">
             <a:avLst/>
           </a:prstGeom>
         </p:spPr>
+      </p:pic>
+      <p:sp>
+        <p:nvSpPr>
+          <p:cNvPr id="6" name="TextBox 5">
+            <a:extLst>
+              <a:ext uri="{FF2B5EF4-FFF2-40B4-BE49-F238E27FC236}">
+                <a16:creationId xmlns:a16="http://schemas.microsoft.com/office/drawing/2014/main" id="{E5A6155E-F8E9-4D82-2F3A-A71AC24FA958}"/>
+              </a:ext>
+            </a:extLst>
+          </p:cNvPr>
+          <p:cNvSpPr txBox="1"/>
+          <p:nvPr/>
+        </p:nvSpPr>
+        <p:spPr>
+          <a:xfrm>
+            <a:off x="2230667" y="4518961"/>
+            <a:ext cx="4682613" cy="307777"/>
+          </a:xfrm>
+          <a:prstGeom prst="rect">
+            <a:avLst/>
+          </a:prstGeom>
+          <a:noFill/>
+        </p:spPr>
         <p:txBody>
-          <a:bodyPr spcFirstLastPara="1" wrap="square" lIns="91425" tIns="91425" rIns="91425" bIns="91425" anchor="t" anchorCtr="0">
-            <a:noAutofit/>
+          <a:bodyPr wrap="square" rtlCol="0">
+            <a:spAutoFit/>
           </a:bodyPr>
           <a:lstStyle/>
           <a:p>
-            <a:pPr marL="0" lvl="0" indent="0" algn="l" rtl="0">
-              <a:spcBef>
-                <a:spcPts val="0"/>
-              </a:spcBef>
-              <a:spcAft>
-                <a:spcPts val="0"/>
-              </a:spcAft>
-              <a:buNone/>
-            </a:pPr>
-            <a:r>
-              <a:rPr lang="pl-PL" sz="4000" dirty="0" err="1"/>
-              <a:t>Sampling</a:t>
-            </a:r>
-            <a:endParaRPr sz="4000" dirty="0"/>
+            <a:pPr algn="ctr"/>
+            <a:r>
+              <a:rPr lang="pl-PL" dirty="0">
+                <a:latin typeface="Comissioner"/>
+              </a:rPr>
+              <a:t>Source: [</a:t>
+            </a:r>
+            <a:r>
+              <a:rPr lang="pl-PL" dirty="0" err="1">
+                <a:latin typeface="Comissioner"/>
+              </a:rPr>
+              <a:t>Turney</a:t>
+            </a:r>
+            <a:r>
+              <a:rPr lang="pl-PL" dirty="0">
+                <a:latin typeface="Comissioner"/>
+              </a:rPr>
+              <a:t> 1995]</a:t>
+            </a:r>
+            <a:endParaRPr lang="en-GB" dirty="0">
+              <a:latin typeface="Comissioner"/>
+            </a:endParaRPr>
           </a:p>
         </p:txBody>
       </p:sp>
     </p:spTree>
+    <p:extLst>
+      <p:ext uri="{BB962C8B-B14F-4D97-AF65-F5344CB8AC3E}">
+        <p14:creationId xmlns:p14="http://schemas.microsoft.com/office/powerpoint/2010/main" val="2342707706"/>
+      </p:ext>
+    </p:extLst>
   </p:cSld>
   <p:clrMapOvr>
     <a:masterClrMapping/>

--- a/presentation/pres.pptx
+++ b/presentation/pres.pptx
@@ -13532,8 +13532,8 @@
           </a:p>
         </p:txBody>
       </p:sp>
-      <mc:AlternateContent xmlns:mc="http://schemas.openxmlformats.org/markup-compatibility/2006">
-        <mc:Choice xmlns:a14="http://schemas.microsoft.com/office/drawing/2010/main" Requires="a14">
+      <mc:AlternateContent xmlns:mc="http://schemas.openxmlformats.org/markup-compatibility/2006" xmlns:a14="http://schemas.microsoft.com/office/drawing/2010/main">
+        <mc:Choice Requires="a14">
           <p:sp>
             <p:nvSpPr>
               <p:cNvPr id="6" name="Text Placeholder 1">
@@ -14113,7 +14113,7 @@
             </p:txBody>
           </p:sp>
         </mc:Choice>
-        <mc:Fallback>
+        <mc:Fallback xmlns="">
           <p:sp>
             <p:nvSpPr>
               <p:cNvPr id="6" name="Text Placeholder 1">
@@ -21154,8 +21154,8 @@
           </a:graphicData>
         </a:graphic>
       </p:graphicFrame>
-      <mc:AlternateContent xmlns:mc="http://schemas.openxmlformats.org/markup-compatibility/2006">
-        <mc:Choice xmlns:a14="http://schemas.microsoft.com/office/drawing/2010/main" Requires="a14">
+      <mc:AlternateContent xmlns:mc="http://schemas.openxmlformats.org/markup-compatibility/2006" xmlns:a14="http://schemas.microsoft.com/office/drawing/2010/main">
+        <mc:Choice Requires="a14">
           <p:graphicFrame>
             <p:nvGraphicFramePr>
               <p:cNvPr id="12" name="Table 11">
@@ -21555,7 +21555,7 @@
             </a:graphic>
           </p:graphicFrame>
         </mc:Choice>
-        <mc:Fallback>
+        <mc:Fallback xmlns="">
           <p:graphicFrame>
             <p:nvGraphicFramePr>
               <p:cNvPr id="12" name="Table 11">
@@ -21889,8 +21889,8 @@
           </p:graphicFrame>
         </mc:Fallback>
       </mc:AlternateContent>
-      <mc:AlternateContent xmlns:mc="http://schemas.openxmlformats.org/markup-compatibility/2006">
-        <mc:Choice xmlns:a14="http://schemas.microsoft.com/office/drawing/2010/main" Requires="a14">
+      <mc:AlternateContent xmlns:mc="http://schemas.openxmlformats.org/markup-compatibility/2006" xmlns:a14="http://schemas.microsoft.com/office/drawing/2010/main">
+        <mc:Choice Requires="a14">
           <p:graphicFrame>
             <p:nvGraphicFramePr>
               <p:cNvPr id="14" name="Table 13">
@@ -21982,19 +21982,7 @@
                                 <a:rPr lang="pl-PL" sz="1200" b="0" i="1" smtClean="0">
                                   <a:latin typeface="Cambria Math" panose="02040503050406030204" pitchFamily="18" charset="0"/>
                                 </a:rPr>
-                                <m:t>=0.</m:t>
-                              </m:r>
-                              <m:r>
-                                <a:rPr lang="pl-PL" sz="1200" b="0" i="1" smtClean="0">
-                                  <a:latin typeface="Cambria Math" panose="02040503050406030204" pitchFamily="18" charset="0"/>
-                                </a:rPr>
-                                <m:t>95</m:t>
-                              </m:r>
-                              <m:r>
-                                <a:rPr lang="pl-PL" sz="1200" b="0" i="1" smtClean="0">
-                                  <a:latin typeface="Cambria Math" panose="02040503050406030204" pitchFamily="18" charset="0"/>
-                                </a:rPr>
-                                <m:t>, </m:t>
+                                <m:t>=0.95, </m:t>
                               </m:r>
                               <m:sSub>
                                 <m:sSubPr>
@@ -22303,7 +22291,7 @@
             </a:graphic>
           </p:graphicFrame>
         </mc:Choice>
-        <mc:Fallback>
+        <mc:Fallback xmlns="">
           <p:graphicFrame>
             <p:nvGraphicFramePr>
               <p:cNvPr id="14" name="Table 13">
@@ -23049,8 +23037,8 @@
         </p:nvSpPr>
         <p:spPr>
           <a:xfrm>
-            <a:off x="843105" y="1334859"/>
-            <a:ext cx="7587619" cy="2959192"/>
+            <a:off x="843105" y="1334858"/>
+            <a:ext cx="7587619" cy="3808641"/>
           </a:xfrm>
           <a:prstGeom prst="rect">
             <a:avLst/>
@@ -23458,6 +23446,124 @@
               <a:t>. </a:t>
             </a:r>
             <a:endParaRPr lang="pl-PL" sz="1200" dirty="0"/>
+          </a:p>
+          <a:p>
+            <a:pPr marL="285750" indent="-285750">
+              <a:lnSpc>
+                <a:spcPct val="150000"/>
+              </a:lnSpc>
+            </a:pPr>
+            <a:r>
+              <a:rPr lang="pl-PL" sz="1200" b="1" dirty="0"/>
+              <a:t>[</a:t>
+            </a:r>
+            <a:r>
+              <a:rPr lang="pl-PL" sz="1200" b="1" dirty="0" err="1"/>
+              <a:t>Witten</a:t>
+            </a:r>
+            <a:r>
+              <a:rPr lang="pl-PL" sz="1200" b="1" dirty="0"/>
+              <a:t> &amp; Frank 2005] </a:t>
+            </a:r>
+            <a:r>
+              <a:rPr lang="en-US" sz="1200" dirty="0"/>
+              <a:t>Witten, I.H., and Frank</a:t>
+            </a:r>
+            <a:r>
+              <a:rPr lang="en-US" sz="1200" i="1" dirty="0"/>
+              <a:t>, </a:t>
+            </a:r>
+            <a:r>
+              <a:rPr lang="en-US" sz="1200" dirty="0"/>
+              <a:t>E. 2005</a:t>
+            </a:r>
+            <a:r>
+              <a:rPr lang="en-US" sz="1200" i="1" dirty="0"/>
+              <a:t>. Data Mining – Practical Machine Learning Tools and</a:t>
+            </a:r>
+            <a:r>
+              <a:rPr lang="pl-PL" sz="1200" i="1" dirty="0" err="1"/>
+              <a:t>Techniques</a:t>
+            </a:r>
+            <a:r>
+              <a:rPr lang="pl-PL" sz="1200" i="1" dirty="0"/>
+              <a:t> with Java </a:t>
+            </a:r>
+            <a:r>
+              <a:rPr lang="pl-PL" sz="1200" i="1" dirty="0" err="1"/>
+              <a:t>Implementations</a:t>
+            </a:r>
+            <a:r>
+              <a:rPr lang="pl-PL" sz="1200" i="1" dirty="0"/>
+              <a:t>.</a:t>
+            </a:r>
+          </a:p>
+          <a:p>
+            <a:pPr marL="285750" indent="-285750">
+              <a:lnSpc>
+                <a:spcPct val="150000"/>
+              </a:lnSpc>
+            </a:pPr>
+            <a:r>
+              <a:rPr lang="pl-PL" sz="1200" b="1" dirty="0"/>
+              <a:t>[</a:t>
+            </a:r>
+            <a:r>
+              <a:rPr lang="pl-PL" sz="1200" b="1" dirty="0" err="1"/>
+              <a:t>Sheng</a:t>
+            </a:r>
+            <a:r>
+              <a:rPr lang="pl-PL" sz="1200" b="1" dirty="0"/>
+              <a:t> &amp; Ling 2006] </a:t>
+            </a:r>
+            <a:r>
+              <a:rPr lang="en-US" sz="1200" dirty="0"/>
+              <a:t>Sheng, V.S. and Ling, C.X. 2006. </a:t>
+            </a:r>
+            <a:r>
+              <a:rPr lang="en-US" sz="1200" i="1" dirty="0"/>
+              <a:t>Thresholding for Making Classifiers Cost-sensitive. In</a:t>
+            </a:r>
+            <a:r>
+              <a:rPr lang="pl-PL" sz="1200" i="1" dirty="0"/>
+              <a:t> </a:t>
+            </a:r>
+            <a:r>
+              <a:rPr lang="en-US" sz="1200" i="1" dirty="0"/>
+              <a:t>Proceedings of the 21st National Conference on Artificial Intelligence</a:t>
+            </a:r>
+            <a:r>
+              <a:rPr lang="pl-PL" sz="1200" i="1" dirty="0"/>
+              <a:t>.</a:t>
+            </a:r>
+          </a:p>
+          <a:p>
+            <a:pPr marL="285750" indent="-285750">
+              <a:lnSpc>
+                <a:spcPct val="150000"/>
+              </a:lnSpc>
+            </a:pPr>
+            <a:r>
+              <a:rPr lang="pl-PL" sz="1200" b="1" dirty="0"/>
+              <a:t>[Domingos 1999] </a:t>
+            </a:r>
+            <a:r>
+              <a:rPr lang="en-US" sz="1200" dirty="0"/>
+              <a:t>Domingos, P. 1999</a:t>
+            </a:r>
+            <a:r>
+              <a:rPr lang="en-US" sz="1200" i="1" dirty="0"/>
+              <a:t>. </a:t>
+            </a:r>
+            <a:r>
+              <a:rPr lang="en-US" sz="1200" i="1" dirty="0" err="1"/>
+              <a:t>MetaCost</a:t>
+            </a:r>
+            <a:r>
+              <a:rPr lang="en-US" sz="1200" i="1" dirty="0"/>
+              <a:t>: A general method for making classifiers cost-sensitive.</a:t>
+            </a:r>
+            <a:endParaRPr lang="pl-PL" sz="1200" i="1" dirty="0"/>
           </a:p>
         </p:txBody>
       </p:sp>

--- a/presentation/pres.pptx
+++ b/presentation/pres.pptx
@@ -17251,7 +17251,7 @@
           <p:nvPr>
             <p:extLst>
               <p:ext uri="{D42A27DB-BD31-4B8C-83A1-F6EECF244321}">
-                <p14:modId xmlns:p14="http://schemas.microsoft.com/office/powerpoint/2010/main" val="3224926962"/>
+                <p14:modId xmlns:p14="http://schemas.microsoft.com/office/powerpoint/2010/main" val="454864240"/>
               </p:ext>
             </p:extLst>
           </p:nvPr>
@@ -17436,7 +17436,7 @@
                     <a:p>
                       <a:r>
                         <a:rPr lang="pl-PL" dirty="0"/>
-                        <a:t>1</a:t>
+                        <a:t>0</a:t>
                       </a:r>
                     </a:p>
                   </a:txBody>
@@ -17449,7 +17449,7 @@
                     <a:p>
                       <a:r>
                         <a:rPr lang="pl-PL" dirty="0"/>
-                        <a:t>0</a:t>
+                        <a:t>1</a:t>
                       </a:r>
                     </a:p>
                   </a:txBody>
@@ -17484,7 +17484,7 @@
                     <a:p>
                       <a:r>
                         <a:rPr lang="pl-PL" dirty="0"/>
-                        <a:t>1</a:t>
+                        <a:t>0</a:t>
                       </a:r>
                     </a:p>
                   </a:txBody>
@@ -17542,7 +17542,7 @@
                     <a:p>
                       <a:r>
                         <a:rPr lang="pl-PL" dirty="0"/>
-                        <a:t>0</a:t>
+                        <a:t>1</a:t>
                       </a:r>
                     </a:p>
                   </a:txBody>
@@ -17586,8 +17586,8 @@
           </a:graphicData>
         </a:graphic>
       </p:graphicFrame>
-      <mc:AlternateContent xmlns:mc="http://schemas.openxmlformats.org/markup-compatibility/2006" xmlns:a14="http://schemas.microsoft.com/office/drawing/2010/main">
-        <mc:Choice Requires="a14">
+      <mc:AlternateContent xmlns:mc="http://schemas.openxmlformats.org/markup-compatibility/2006">
+        <mc:Choice xmlns:a14="http://schemas.microsoft.com/office/drawing/2010/main" Requires="a14">
           <p:graphicFrame>
             <p:nvGraphicFramePr>
               <p:cNvPr id="6" name="Tabela 5">
@@ -17603,7 +17603,7 @@
               <p:nvPr>
                 <p:extLst>
                   <p:ext uri="{D42A27DB-BD31-4B8C-83A1-F6EECF244321}">
-                    <p14:modId xmlns:p14="http://schemas.microsoft.com/office/powerpoint/2010/main" val="3719467035"/>
+                    <p14:modId xmlns:p14="http://schemas.microsoft.com/office/powerpoint/2010/main" val="3179755584"/>
                   </p:ext>
                 </p:extLst>
               </p:nvPr>
@@ -17816,7 +17816,7 @@
                         <a:p>
                           <a:r>
                             <a:rPr lang="pl-PL" dirty="0"/>
-                            <a:t>1</a:t>
+                            <a:t>0</a:t>
                           </a:r>
                         </a:p>
                       </a:txBody>
@@ -17829,7 +17829,7 @@
                         <a:p>
                           <a:r>
                             <a:rPr lang="pl-PL" dirty="0"/>
-                            <a:t>0</a:t>
+                            <a:t>1</a:t>
                           </a:r>
                         </a:p>
                       </a:txBody>
@@ -17864,7 +17864,7 @@
                         <a:p>
                           <a:r>
                             <a:rPr lang="pl-PL" dirty="0"/>
-                            <a:t>1</a:t>
+                            <a:t>0</a:t>
                           </a:r>
                         </a:p>
                       </a:txBody>
@@ -17922,7 +17922,7 @@
                         <a:p>
                           <a:r>
                             <a:rPr lang="pl-PL" dirty="0"/>
-                            <a:t>0</a:t>
+                            <a:t>1</a:t>
                           </a:r>
                         </a:p>
                       </a:txBody>
@@ -17967,7 +17967,7 @@
             </a:graphic>
           </p:graphicFrame>
         </mc:Choice>
-        <mc:Fallback xmlns="">
+        <mc:Fallback>
           <p:graphicFrame>
             <p:nvGraphicFramePr>
               <p:cNvPr id="6" name="Tabela 5">
@@ -17983,7 +17983,7 @@
               <p:nvPr>
                 <p:extLst>
                   <p:ext uri="{D42A27DB-BD31-4B8C-83A1-F6EECF244321}">
-                    <p14:modId xmlns:p14="http://schemas.microsoft.com/office/powerpoint/2010/main" val="3719467035"/>
+                    <p14:modId xmlns:p14="http://schemas.microsoft.com/office/powerpoint/2010/main" val="3179755584"/>
                   </p:ext>
                 </p:extLst>
               </p:nvPr>
@@ -18162,7 +18162,7 @@
                         <a:p>
                           <a:r>
                             <a:rPr lang="pl-PL" dirty="0"/>
-                            <a:t>1</a:t>
+                            <a:t>0</a:t>
                           </a:r>
                         </a:p>
                       </a:txBody>
@@ -18175,7 +18175,7 @@
                         <a:p>
                           <a:r>
                             <a:rPr lang="pl-PL" dirty="0"/>
-                            <a:t>0</a:t>
+                            <a:t>1</a:t>
                           </a:r>
                         </a:p>
                       </a:txBody>
@@ -18210,7 +18210,7 @@
                         <a:p>
                           <a:r>
                             <a:rPr lang="pl-PL" dirty="0"/>
-                            <a:t>1</a:t>
+                            <a:t>0</a:t>
                           </a:r>
                         </a:p>
                       </a:txBody>
@@ -18268,7 +18268,7 @@
                         <a:p>
                           <a:r>
                             <a:rPr lang="pl-PL" dirty="0"/>
-                            <a:t>0</a:t>
+                            <a:t>1</a:t>
                           </a:r>
                         </a:p>
                       </a:txBody>
@@ -18314,8 +18314,8 @@
           </p:graphicFrame>
         </mc:Fallback>
       </mc:AlternateContent>
-      <mc:AlternateContent xmlns:mc="http://schemas.openxmlformats.org/markup-compatibility/2006" xmlns:a14="http://schemas.microsoft.com/office/drawing/2010/main">
-        <mc:Choice Requires="a14">
+      <mc:AlternateContent xmlns:mc="http://schemas.openxmlformats.org/markup-compatibility/2006">
+        <mc:Choice xmlns:a14="http://schemas.microsoft.com/office/drawing/2010/main" Requires="a14">
           <p:graphicFrame>
             <p:nvGraphicFramePr>
               <p:cNvPr id="8" name="Tabela 7">
@@ -18331,7 +18331,7 @@
               <p:nvPr>
                 <p:extLst>
                   <p:ext uri="{D42A27DB-BD31-4B8C-83A1-F6EECF244321}">
-                    <p14:modId xmlns:p14="http://schemas.microsoft.com/office/powerpoint/2010/main" val="3403656109"/>
+                    <p14:modId xmlns:p14="http://schemas.microsoft.com/office/powerpoint/2010/main" val="983452284"/>
                   </p:ext>
                 </p:extLst>
               </p:nvPr>
@@ -18544,7 +18544,7 @@
                         <a:p>
                           <a:r>
                             <a:rPr lang="pl-PL" dirty="0"/>
-                            <a:t>1</a:t>
+                            <a:t>0</a:t>
                           </a:r>
                         </a:p>
                       </a:txBody>
@@ -18557,7 +18557,7 @@
                         <a:p>
                           <a:r>
                             <a:rPr lang="pl-PL" dirty="0"/>
-                            <a:t>0</a:t>
+                            <a:t>1</a:t>
                           </a:r>
                         </a:p>
                       </a:txBody>
@@ -18592,7 +18592,7 @@
                         <a:p>
                           <a:r>
                             <a:rPr lang="pl-PL" dirty="0"/>
-                            <a:t>1</a:t>
+                            <a:t>0</a:t>
                           </a:r>
                         </a:p>
                       </a:txBody>
@@ -18650,7 +18650,7 @@
                         <a:p>
                           <a:r>
                             <a:rPr lang="pl-PL" dirty="0"/>
-                            <a:t>0</a:t>
+                            <a:t>1</a:t>
                           </a:r>
                         </a:p>
                       </a:txBody>
@@ -18695,7 +18695,7 @@
             </a:graphic>
           </p:graphicFrame>
         </mc:Choice>
-        <mc:Fallback xmlns="">
+        <mc:Fallback>
           <p:graphicFrame>
             <p:nvGraphicFramePr>
               <p:cNvPr id="8" name="Tabela 7">
@@ -18711,7 +18711,7 @@
               <p:nvPr>
                 <p:extLst>
                   <p:ext uri="{D42A27DB-BD31-4B8C-83A1-F6EECF244321}">
-                    <p14:modId xmlns:p14="http://schemas.microsoft.com/office/powerpoint/2010/main" val="3403656109"/>
+                    <p14:modId xmlns:p14="http://schemas.microsoft.com/office/powerpoint/2010/main" val="983452284"/>
                   </p:ext>
                 </p:extLst>
               </p:nvPr>
@@ -18890,7 +18890,7 @@
                         <a:p>
                           <a:r>
                             <a:rPr lang="pl-PL" dirty="0"/>
-                            <a:t>1</a:t>
+                            <a:t>0</a:t>
                           </a:r>
                         </a:p>
                       </a:txBody>
@@ -18903,7 +18903,7 @@
                         <a:p>
                           <a:r>
                             <a:rPr lang="pl-PL" dirty="0"/>
-                            <a:t>0</a:t>
+                            <a:t>1</a:t>
                           </a:r>
                         </a:p>
                       </a:txBody>
@@ -18938,7 +18938,7 @@
                         <a:p>
                           <a:r>
                             <a:rPr lang="pl-PL" dirty="0"/>
-                            <a:t>1</a:t>
+                            <a:t>0</a:t>
                           </a:r>
                         </a:p>
                       </a:txBody>
@@ -18996,7 +18996,7 @@
                         <a:p>
                           <a:r>
                             <a:rPr lang="pl-PL" dirty="0"/>
-                            <a:t>0</a:t>
+                            <a:t>1</a:t>
                           </a:r>
                         </a:p>
                       </a:txBody>
@@ -19042,8 +19042,8 @@
           </p:graphicFrame>
         </mc:Fallback>
       </mc:AlternateContent>
-      <mc:AlternateContent xmlns:mc="http://schemas.openxmlformats.org/markup-compatibility/2006" xmlns:a14="http://schemas.microsoft.com/office/drawing/2010/main">
-        <mc:Choice Requires="a14">
+      <mc:AlternateContent xmlns:mc="http://schemas.openxmlformats.org/markup-compatibility/2006">
+        <mc:Choice xmlns:a14="http://schemas.microsoft.com/office/drawing/2010/main" Requires="a14">
           <p:graphicFrame>
             <p:nvGraphicFramePr>
               <p:cNvPr id="9" name="Tabela 8">
@@ -19059,7 +19059,7 @@
               <p:nvPr>
                 <p:extLst>
                   <p:ext uri="{D42A27DB-BD31-4B8C-83A1-F6EECF244321}">
-                    <p14:modId xmlns:p14="http://schemas.microsoft.com/office/powerpoint/2010/main" val="1094921486"/>
+                    <p14:modId xmlns:p14="http://schemas.microsoft.com/office/powerpoint/2010/main" val="3272137872"/>
                   </p:ext>
                 </p:extLst>
               </p:nvPr>
@@ -19272,7 +19272,7 @@
                         <a:p>
                           <a:r>
                             <a:rPr lang="pl-PL" dirty="0"/>
-                            <a:t>1</a:t>
+                            <a:t>0</a:t>
                           </a:r>
                         </a:p>
                       </a:txBody>
@@ -19285,7 +19285,7 @@
                         <a:p>
                           <a:r>
                             <a:rPr lang="pl-PL" dirty="0"/>
-                            <a:t>0</a:t>
+                            <a:t>1</a:t>
                           </a:r>
                         </a:p>
                       </a:txBody>
@@ -19320,7 +19320,7 @@
                         <a:p>
                           <a:r>
                             <a:rPr lang="pl-PL" dirty="0"/>
-                            <a:t>1</a:t>
+                            <a:t>0</a:t>
                           </a:r>
                         </a:p>
                       </a:txBody>
@@ -19378,7 +19378,7 @@
                         <a:p>
                           <a:r>
                             <a:rPr lang="pl-PL" dirty="0"/>
-                            <a:t>0</a:t>
+                            <a:t>1</a:t>
                           </a:r>
                         </a:p>
                       </a:txBody>
@@ -19423,7 +19423,7 @@
             </a:graphic>
           </p:graphicFrame>
         </mc:Choice>
-        <mc:Fallback xmlns="">
+        <mc:Fallback>
           <p:graphicFrame>
             <p:nvGraphicFramePr>
               <p:cNvPr id="9" name="Tabela 8">
@@ -19439,7 +19439,7 @@
               <p:nvPr>
                 <p:extLst>
                   <p:ext uri="{D42A27DB-BD31-4B8C-83A1-F6EECF244321}">
-                    <p14:modId xmlns:p14="http://schemas.microsoft.com/office/powerpoint/2010/main" val="1094921486"/>
+                    <p14:modId xmlns:p14="http://schemas.microsoft.com/office/powerpoint/2010/main" val="3272137872"/>
                   </p:ext>
                 </p:extLst>
               </p:nvPr>
@@ -19618,7 +19618,7 @@
                         <a:p>
                           <a:r>
                             <a:rPr lang="pl-PL" dirty="0"/>
-                            <a:t>1</a:t>
+                            <a:t>0</a:t>
                           </a:r>
                         </a:p>
                       </a:txBody>
@@ -19631,7 +19631,7 @@
                         <a:p>
                           <a:r>
                             <a:rPr lang="pl-PL" dirty="0"/>
-                            <a:t>0</a:t>
+                            <a:t>1</a:t>
                           </a:r>
                         </a:p>
                       </a:txBody>
@@ -19666,7 +19666,7 @@
                         <a:p>
                           <a:r>
                             <a:rPr lang="pl-PL" dirty="0"/>
-                            <a:t>1</a:t>
+                            <a:t>0</a:t>
                           </a:r>
                         </a:p>
                       </a:txBody>
@@ -19724,7 +19724,7 @@
                         <a:p>
                           <a:r>
                             <a:rPr lang="pl-PL" dirty="0"/>
-                            <a:t>0</a:t>
+                            <a:t>1</a:t>
                           </a:r>
                         </a:p>
                       </a:txBody>
@@ -20096,7 +20096,7 @@
           <p:nvPr>
             <p:extLst>
               <p:ext uri="{D42A27DB-BD31-4B8C-83A1-F6EECF244321}">
-                <p14:modId xmlns:p14="http://schemas.microsoft.com/office/powerpoint/2010/main" val="2747701651"/>
+                <p14:modId xmlns:p14="http://schemas.microsoft.com/office/powerpoint/2010/main" val="4099972619"/>
               </p:ext>
             </p:extLst>
           </p:nvPr>
@@ -20276,7 +20276,7 @@
                     <a:p>
                       <a:r>
                         <a:rPr lang="pl-PL" dirty="0"/>
-                        <a:t>1</a:t>
+                        <a:t>0</a:t>
                       </a:r>
                     </a:p>
                   </a:txBody>
@@ -20289,7 +20289,7 @@
                     <a:p>
                       <a:r>
                         <a:rPr lang="pl-PL" dirty="0"/>
-                        <a:t>0</a:t>
+                        <a:t>1</a:t>
                       </a:r>
                     </a:p>
                   </a:txBody>
@@ -20324,7 +20324,7 @@
                     <a:p>
                       <a:r>
                         <a:rPr lang="pl-PL" dirty="0"/>
-                        <a:t>1</a:t>
+                        <a:t>0</a:t>
                       </a:r>
                     </a:p>
                   </a:txBody>
@@ -20382,7 +20382,7 @@
                     <a:p>
                       <a:r>
                         <a:rPr lang="pl-PL" dirty="0"/>
-                        <a:t>0</a:t>
+                        <a:t>1</a:t>
                       </a:r>
                     </a:p>
                   </a:txBody>
